--- a/Phase_Field_Fracture/Figures/PaperFigures.pptx
+++ b/Phase_Field_Fracture/Figures/PaperFigures.pptx
@@ -2,7 +2,7 @@
 <file path=ppt/presentation.xml><?xml version="1.0" encoding="utf-8"?>
 <p:presentation xmlns:a="http://schemas.openxmlformats.org/drawingml/2006/main" xmlns:r="http://schemas.openxmlformats.org/officeDocument/2006/relationships" xmlns:p="http://schemas.openxmlformats.org/presentationml/2006/main" saveSubsetFonts="1" autoCompressPictures="0">
   <p:sldMasterIdLst>
-    <p:sldMasterId id="2147483696" r:id="rId1"/>
+    <p:sldMasterId id="2147483720" r:id="rId1"/>
   </p:sldMasterIdLst>
   <p:notesMasterIdLst>
     <p:notesMasterId r:id="rId6"/>
@@ -11,9 +11,9 @@
     <p:sldId id="259" r:id="rId2"/>
     <p:sldId id="257" r:id="rId3"/>
     <p:sldId id="260" r:id="rId4"/>
-    <p:sldId id="258" r:id="rId5"/>
+    <p:sldId id="261" r:id="rId5"/>
   </p:sldIdLst>
-  <p:sldSz cx="12192000" cy="6858000"/>
+  <p:sldSz cx="13716000" cy="13716000"/>
   <p:notesSz cx="6858000" cy="9144000"/>
   <p:defaultTextStyle>
     <a:defPPr>
@@ -213,8 +213,8 @@
         </p:nvSpPr>
         <p:spPr>
           <a:xfrm>
-            <a:off x="685800" y="1143000"/>
-            <a:ext cx="5486400" cy="3086100"/>
+            <a:off x="1885950" y="1143000"/>
+            <a:ext cx="3086100" cy="3086100"/>
           </a:xfrm>
           <a:prstGeom prst="rect">
             <a:avLst/>
@@ -368,8 +368,8 @@
   </p:cSld>
   <p:clrMap bg1="lt1" tx1="dk1" bg2="lt2" tx2="dk2" accent1="accent1" accent2="accent2" accent3="accent3" accent4="accent4" accent5="accent5" accent6="accent6" hlink="hlink" folHlink="folHlink"/>
   <p:notesStyle>
-    <a:lvl1pPr marL="0" algn="l" defTabSz="914400" rtl="0" eaLnBrk="1" latinLnBrk="0" hangingPunct="1">
-      <a:defRPr sz="1200" kern="1200">
+    <a:lvl1pPr marL="0" algn="l" defTabSz="1316736" rtl="0" eaLnBrk="1" latinLnBrk="0" hangingPunct="1">
+      <a:defRPr sz="1728" kern="1200">
         <a:solidFill>
           <a:schemeClr val="tx1"/>
         </a:solidFill>
@@ -378,8 +378,8 @@
         <a:cs typeface="+mn-cs"/>
       </a:defRPr>
     </a:lvl1pPr>
-    <a:lvl2pPr marL="457200" algn="l" defTabSz="914400" rtl="0" eaLnBrk="1" latinLnBrk="0" hangingPunct="1">
-      <a:defRPr sz="1200" kern="1200">
+    <a:lvl2pPr marL="658368" algn="l" defTabSz="1316736" rtl="0" eaLnBrk="1" latinLnBrk="0" hangingPunct="1">
+      <a:defRPr sz="1728" kern="1200">
         <a:solidFill>
           <a:schemeClr val="tx1"/>
         </a:solidFill>
@@ -388,8 +388,8 @@
         <a:cs typeface="+mn-cs"/>
       </a:defRPr>
     </a:lvl2pPr>
-    <a:lvl3pPr marL="914400" algn="l" defTabSz="914400" rtl="0" eaLnBrk="1" latinLnBrk="0" hangingPunct="1">
-      <a:defRPr sz="1200" kern="1200">
+    <a:lvl3pPr marL="1316736" algn="l" defTabSz="1316736" rtl="0" eaLnBrk="1" latinLnBrk="0" hangingPunct="1">
+      <a:defRPr sz="1728" kern="1200">
         <a:solidFill>
           <a:schemeClr val="tx1"/>
         </a:solidFill>
@@ -398,8 +398,8 @@
         <a:cs typeface="+mn-cs"/>
       </a:defRPr>
     </a:lvl3pPr>
-    <a:lvl4pPr marL="1371600" algn="l" defTabSz="914400" rtl="0" eaLnBrk="1" latinLnBrk="0" hangingPunct="1">
-      <a:defRPr sz="1200" kern="1200">
+    <a:lvl4pPr marL="1975104" algn="l" defTabSz="1316736" rtl="0" eaLnBrk="1" latinLnBrk="0" hangingPunct="1">
+      <a:defRPr sz="1728" kern="1200">
         <a:solidFill>
           <a:schemeClr val="tx1"/>
         </a:solidFill>
@@ -408,8 +408,8 @@
         <a:cs typeface="+mn-cs"/>
       </a:defRPr>
     </a:lvl4pPr>
-    <a:lvl5pPr marL="1828800" algn="l" defTabSz="914400" rtl="0" eaLnBrk="1" latinLnBrk="0" hangingPunct="1">
-      <a:defRPr sz="1200" kern="1200">
+    <a:lvl5pPr marL="2633472" algn="l" defTabSz="1316736" rtl="0" eaLnBrk="1" latinLnBrk="0" hangingPunct="1">
+      <a:defRPr sz="1728" kern="1200">
         <a:solidFill>
           <a:schemeClr val="tx1"/>
         </a:solidFill>
@@ -418,8 +418,8 @@
         <a:cs typeface="+mn-cs"/>
       </a:defRPr>
     </a:lvl5pPr>
-    <a:lvl6pPr marL="2286000" algn="l" defTabSz="914400" rtl="0" eaLnBrk="1" latinLnBrk="0" hangingPunct="1">
-      <a:defRPr sz="1200" kern="1200">
+    <a:lvl6pPr marL="3291840" algn="l" defTabSz="1316736" rtl="0" eaLnBrk="1" latinLnBrk="0" hangingPunct="1">
+      <a:defRPr sz="1728" kern="1200">
         <a:solidFill>
           <a:schemeClr val="tx1"/>
         </a:solidFill>
@@ -428,8 +428,8 @@
         <a:cs typeface="+mn-cs"/>
       </a:defRPr>
     </a:lvl6pPr>
-    <a:lvl7pPr marL="2743200" algn="l" defTabSz="914400" rtl="0" eaLnBrk="1" latinLnBrk="0" hangingPunct="1">
-      <a:defRPr sz="1200" kern="1200">
+    <a:lvl7pPr marL="3950208" algn="l" defTabSz="1316736" rtl="0" eaLnBrk="1" latinLnBrk="0" hangingPunct="1">
+      <a:defRPr sz="1728" kern="1200">
         <a:solidFill>
           <a:schemeClr val="tx1"/>
         </a:solidFill>
@@ -438,8 +438,8 @@
         <a:cs typeface="+mn-cs"/>
       </a:defRPr>
     </a:lvl7pPr>
-    <a:lvl8pPr marL="3200400" algn="l" defTabSz="914400" rtl="0" eaLnBrk="1" latinLnBrk="0" hangingPunct="1">
-      <a:defRPr sz="1200" kern="1200">
+    <a:lvl8pPr marL="4608576" algn="l" defTabSz="1316736" rtl="0" eaLnBrk="1" latinLnBrk="0" hangingPunct="1">
+      <a:defRPr sz="1728" kern="1200">
         <a:solidFill>
           <a:schemeClr val="tx1"/>
         </a:solidFill>
@@ -448,8 +448,8 @@
         <a:cs typeface="+mn-cs"/>
       </a:defRPr>
     </a:lvl8pPr>
-    <a:lvl9pPr marL="3657600" algn="l" defTabSz="914400" rtl="0" eaLnBrk="1" latinLnBrk="0" hangingPunct="1">
-      <a:defRPr sz="1200" kern="1200">
+    <a:lvl9pPr marL="5266944" algn="l" defTabSz="1316736" rtl="0" eaLnBrk="1" latinLnBrk="0" hangingPunct="1">
+      <a:defRPr sz="1728" kern="1200">
         <a:solidFill>
           <a:schemeClr val="tx1"/>
         </a:solidFill>
@@ -489,7 +489,12 @@
             <p:ph type="sldImg"/>
           </p:nvPr>
         </p:nvSpPr>
-        <p:spPr/>
+        <p:spPr>
+          <a:xfrm>
+            <a:off x="1885950" y="1143000"/>
+            <a:ext cx="3086100" cy="3086100"/>
+          </a:xfrm>
+        </p:spPr>
       </p:sp>
       <p:sp>
         <p:nvSpPr>
@@ -573,7 +578,12 @@
             <p:ph type="sldImg"/>
           </p:nvPr>
         </p:nvSpPr>
-        <p:spPr/>
+        <p:spPr>
+          <a:xfrm>
+            <a:off x="1885950" y="1143000"/>
+            <a:ext cx="3086100" cy="3086100"/>
+          </a:xfrm>
+        </p:spPr>
       </p:sp>
       <p:sp>
         <p:nvSpPr>
@@ -695,15 +705,17 @@
         </p:nvSpPr>
         <p:spPr>
           <a:xfrm>
-            <a:off x="1524000" y="1122363"/>
-            <a:ext cx="9144000" cy="2387600"/>
-          </a:xfrm>
-        </p:spPr>
-        <p:txBody>
-          <a:bodyPr anchor="b"/>
+            <a:off x="3594479" y="1604599"/>
+            <a:ext cx="8427773" cy="5082862"/>
+          </a:xfrm>
+        </p:spPr>
+        <p:txBody>
+          <a:bodyPr bIns="0" anchor="b">
+            <a:normAutofit/>
+          </a:bodyPr>
           <a:lstStyle>
-            <a:lvl1pPr algn="ctr">
-              <a:defRPr sz="6000"/>
+            <a:lvl1pPr algn="l">
+              <a:defRPr sz="8100"/>
             </a:lvl1pPr>
           </a:lstStyle>
           <a:p>
@@ -727,48 +739,54 @@
         </p:nvSpPr>
         <p:spPr>
           <a:xfrm>
-            <a:off x="1524000" y="3602038"/>
-            <a:ext cx="9144000" cy="1655762"/>
-          </a:xfrm>
-        </p:spPr>
-        <p:txBody>
-          <a:bodyPr/>
+            <a:off x="3594479" y="7062411"/>
+            <a:ext cx="8427773" cy="1955242"/>
+          </a:xfrm>
+        </p:spPr>
+        <p:txBody>
+          <a:bodyPr tIns="91440" bIns="91440">
+            <a:normAutofit/>
+          </a:bodyPr>
           <a:lstStyle>
-            <a:lvl1pPr marL="0" indent="0" algn="ctr">
+            <a:lvl1pPr marL="0" indent="0" algn="l">
               <a:buNone/>
-              <a:defRPr sz="2400"/>
+              <a:defRPr sz="2400" b="0" cap="all" baseline="0">
+                <a:solidFill>
+                  <a:schemeClr val="tx1"/>
+                </a:solidFill>
+              </a:defRPr>
             </a:lvl1pPr>
-            <a:lvl2pPr marL="457200" indent="0" algn="ctr">
+            <a:lvl2pPr marL="514350" indent="0" algn="ctr">
               <a:buNone/>
-              <a:defRPr sz="2000"/>
+              <a:defRPr sz="2250"/>
             </a:lvl2pPr>
-            <a:lvl3pPr marL="914400" indent="0" algn="ctr">
+            <a:lvl3pPr marL="1028700" indent="0" algn="ctr">
+              <a:buNone/>
+              <a:defRPr sz="2025"/>
+            </a:lvl3pPr>
+            <a:lvl4pPr marL="1543050" indent="0" algn="ctr">
               <a:buNone/>
               <a:defRPr sz="1800"/>
-            </a:lvl3pPr>
-            <a:lvl4pPr marL="1371600" indent="0" algn="ctr">
+            </a:lvl4pPr>
+            <a:lvl5pPr marL="2057400" indent="0" algn="ctr">
               <a:buNone/>
-              <a:defRPr sz="1600"/>
-            </a:lvl4pPr>
-            <a:lvl5pPr marL="1828800" indent="0" algn="ctr">
+              <a:defRPr sz="1800"/>
+            </a:lvl5pPr>
+            <a:lvl6pPr marL="2571750" indent="0" algn="ctr">
               <a:buNone/>
-              <a:defRPr sz="1600"/>
-            </a:lvl5pPr>
-            <a:lvl6pPr marL="2286000" indent="0" algn="ctr">
+              <a:defRPr sz="1800"/>
+            </a:lvl6pPr>
+            <a:lvl7pPr marL="3086100" indent="0" algn="ctr">
               <a:buNone/>
-              <a:defRPr sz="1600"/>
-            </a:lvl6pPr>
-            <a:lvl7pPr marL="2743200" indent="0" algn="ctr">
+              <a:defRPr sz="1800"/>
+            </a:lvl7pPr>
+            <a:lvl8pPr marL="3600450" indent="0" algn="ctr">
               <a:buNone/>
-              <a:defRPr sz="1600"/>
-            </a:lvl7pPr>
-            <a:lvl8pPr marL="3200400" indent="0" algn="ctr">
+              <a:defRPr sz="1800"/>
+            </a:lvl8pPr>
+            <a:lvl9pPr marL="4114800" indent="0" algn="ctr">
               <a:buNone/>
-              <a:defRPr sz="1600"/>
-            </a:lvl8pPr>
-            <a:lvl9pPr marL="3657600" indent="0" algn="ctr">
-              <a:buNone/>
-              <a:defRPr sz="1600"/>
+              <a:defRPr sz="1800"/>
             </a:lvl9pPr>
           </a:lstStyle>
           <a:p>
@@ -813,7 +831,12 @@
             <p:ph type="ftr" sz="quarter" idx="11"/>
           </p:nvPr>
         </p:nvSpPr>
-        <p:spPr/>
+        <p:spPr>
+          <a:xfrm>
+            <a:off x="3594479" y="658617"/>
+            <a:ext cx="4629438" cy="618402"/>
+          </a:xfrm>
+        </p:spPr>
         <p:txBody>
           <a:bodyPr/>
           <a:lstStyle/>
@@ -832,7 +855,12 @@
             <p:ph type="sldNum" sz="quarter" idx="12"/>
           </p:nvPr>
         </p:nvSpPr>
-        <p:spPr/>
+        <p:spPr>
+          <a:xfrm>
+            <a:off x="2152055" y="1597946"/>
+            <a:ext cx="1203008" cy="1007156"/>
+          </a:xfrm>
+        </p:spPr>
         <p:txBody>
           <a:bodyPr/>
           <a:lstStyle/>
@@ -845,10 +873,41 @@
           </a:p>
         </p:txBody>
       </p:sp>
+      <p:cxnSp>
+        <p:nvCxnSpPr>
+          <p:cNvPr id="15" name="Straight Connector 14"/>
+          <p:cNvCxnSpPr/>
+          <p:nvPr/>
+        </p:nvCxnSpPr>
+        <p:spPr>
+          <a:xfrm>
+            <a:off x="3594479" y="7057084"/>
+            <a:ext cx="8427773" cy="0"/>
+          </a:xfrm>
+          <a:prstGeom prst="line">
+            <a:avLst/>
+          </a:prstGeom>
+          <a:ln w="31750"/>
+        </p:spPr>
+        <p:style>
+          <a:lnRef idx="3">
+            <a:schemeClr val="accent1"/>
+          </a:lnRef>
+          <a:fillRef idx="0">
+            <a:schemeClr val="accent1"/>
+          </a:fillRef>
+          <a:effectRef idx="2">
+            <a:schemeClr val="accent1"/>
+          </a:effectRef>
+          <a:fontRef idx="minor">
+            <a:schemeClr val="tx1"/>
+          </a:fontRef>
+        </p:style>
+      </p:cxnSp>
     </p:spTree>
     <p:extLst>
       <p:ext uri="{BB962C8B-B14F-4D97-AF65-F5344CB8AC3E}">
-        <p14:creationId xmlns:p14="http://schemas.microsoft.com/office/powerpoint/2010/main" val="2810246623"/>
+        <p14:creationId xmlns:p14="http://schemas.microsoft.com/office/powerpoint/2010/main" val="2148913604"/>
       </p:ext>
     </p:extLst>
   </p:cSld>
@@ -875,6 +934,37 @@
           <a:chExt cx="0" cy="0"/>
         </a:xfrm>
       </p:grpSpPr>
+      <p:cxnSp>
+        <p:nvCxnSpPr>
+          <p:cNvPr id="33" name="Straight Connector 32"/>
+          <p:cNvCxnSpPr/>
+          <p:nvPr/>
+        </p:nvCxnSpPr>
+        <p:spPr>
+          <a:xfrm>
+            <a:off x="2165237" y="3694176"/>
+            <a:ext cx="9857015" cy="0"/>
+          </a:xfrm>
+          <a:prstGeom prst="line">
+            <a:avLst/>
+          </a:prstGeom>
+          <a:ln w="31750"/>
+        </p:spPr>
+        <p:style>
+          <a:lnRef idx="3">
+            <a:schemeClr val="accent1"/>
+          </a:lnRef>
+          <a:fillRef idx="0">
+            <a:schemeClr val="accent1"/>
+          </a:fillRef>
+          <a:effectRef idx="2">
+            <a:schemeClr val="accent1"/>
+          </a:effectRef>
+          <a:fontRef idx="minor">
+            <a:schemeClr val="tx1"/>
+          </a:fontRef>
+        </p:style>
+      </p:cxnSp>
       <p:sp>
         <p:nvSpPr>
           <p:cNvPr id="2" name="Title 1"/>
@@ -1018,7 +1108,7 @@
     </p:spTree>
     <p:extLst>
       <p:ext uri="{BB962C8B-B14F-4D97-AF65-F5344CB8AC3E}">
-        <p14:creationId xmlns:p14="http://schemas.microsoft.com/office/powerpoint/2010/main" val="4038708175"/>
+        <p14:creationId xmlns:p14="http://schemas.microsoft.com/office/powerpoint/2010/main" val="4023311834"/>
       </p:ext>
     </p:extLst>
   </p:cSld>
@@ -1057,13 +1147,17 @@
         </p:nvSpPr>
         <p:spPr>
           <a:xfrm>
-            <a:off x="8724900" y="365125"/>
-            <a:ext cx="2628900" cy="5811838"/>
+            <a:off x="10377043" y="1597949"/>
+            <a:ext cx="1654541" cy="9319778"/>
           </a:xfrm>
         </p:spPr>
         <p:txBody>
           <a:bodyPr vert="eaVert"/>
-          <a:lstStyle/>
+          <a:lstStyle>
+            <a:lvl1pPr algn="l">
+              <a:defRPr/>
+            </a:lvl1pPr>
+          </a:lstStyle>
           <a:p>
             <a:r>
               <a:rPr lang="en-US"/>
@@ -1085,8 +1179,8 @@
         </p:nvSpPr>
         <p:spPr>
           <a:xfrm>
-            <a:off x="838200" y="365125"/>
-            <a:ext cx="7734300" cy="5811838"/>
+            <a:off x="2165237" y="1597949"/>
+            <a:ext cx="7951643" cy="9319778"/>
           </a:xfrm>
         </p:spPr>
         <p:txBody>
@@ -1195,10 +1289,41 @@
           </a:p>
         </p:txBody>
       </p:sp>
+      <p:cxnSp>
+        <p:nvCxnSpPr>
+          <p:cNvPr id="15" name="Straight Connector 14"/>
+          <p:cNvCxnSpPr/>
+          <p:nvPr/>
+        </p:nvCxnSpPr>
+        <p:spPr>
+          <a:xfrm>
+            <a:off x="10377042" y="1597949"/>
+            <a:ext cx="0" cy="9319778"/>
+          </a:xfrm>
+          <a:prstGeom prst="line">
+            <a:avLst/>
+          </a:prstGeom>
+          <a:ln w="31750"/>
+        </p:spPr>
+        <p:style>
+          <a:lnRef idx="3">
+            <a:schemeClr val="accent1"/>
+          </a:lnRef>
+          <a:fillRef idx="0">
+            <a:schemeClr val="accent1"/>
+          </a:fillRef>
+          <a:effectRef idx="2">
+            <a:schemeClr val="accent1"/>
+          </a:effectRef>
+          <a:fontRef idx="minor">
+            <a:schemeClr val="tx1"/>
+          </a:fontRef>
+        </p:style>
+      </p:cxnSp>
     </p:spTree>
     <p:extLst>
       <p:ext uri="{BB962C8B-B14F-4D97-AF65-F5344CB8AC3E}">
-        <p14:creationId xmlns:p14="http://schemas.microsoft.com/office/powerpoint/2010/main" val="230817129"/>
+        <p14:creationId xmlns:p14="http://schemas.microsoft.com/office/powerpoint/2010/main" val="3198167583"/>
       </p:ext>
     </p:extLst>
   </p:cSld>
@@ -1260,7 +1385,7 @@
         </p:nvSpPr>
         <p:spPr/>
         <p:txBody>
-          <a:bodyPr/>
+          <a:bodyPr anchor="t"/>
           <a:lstStyle/>
           <a:p>
             <a:pPr lvl="0"/>
@@ -1365,10 +1490,41 @@
           </a:p>
         </p:txBody>
       </p:sp>
+      <p:cxnSp>
+        <p:nvCxnSpPr>
+          <p:cNvPr id="33" name="Straight Connector 32"/>
+          <p:cNvCxnSpPr/>
+          <p:nvPr/>
+        </p:nvCxnSpPr>
+        <p:spPr>
+          <a:xfrm>
+            <a:off x="2165237" y="3694176"/>
+            <a:ext cx="9857015" cy="0"/>
+          </a:xfrm>
+          <a:prstGeom prst="line">
+            <a:avLst/>
+          </a:prstGeom>
+          <a:ln w="31750"/>
+        </p:spPr>
+        <p:style>
+          <a:lnRef idx="3">
+            <a:schemeClr val="accent1"/>
+          </a:lnRef>
+          <a:fillRef idx="0">
+            <a:schemeClr val="accent1"/>
+          </a:fillRef>
+          <a:effectRef idx="2">
+            <a:schemeClr val="accent1"/>
+          </a:effectRef>
+          <a:fontRef idx="minor">
+            <a:schemeClr val="tx1"/>
+          </a:fontRef>
+        </p:style>
+      </p:cxnSp>
     </p:spTree>
     <p:extLst>
       <p:ext uri="{BB962C8B-B14F-4D97-AF65-F5344CB8AC3E}">
-        <p14:creationId xmlns:p14="http://schemas.microsoft.com/office/powerpoint/2010/main" val="265563684"/>
+        <p14:creationId xmlns:p14="http://schemas.microsoft.com/office/powerpoint/2010/main" val="3950584775"/>
       </p:ext>
     </p:extLst>
   </p:cSld>
@@ -1407,15 +1563,17 @@
         </p:nvSpPr>
         <p:spPr>
           <a:xfrm>
-            <a:off x="831850" y="1709738"/>
-            <a:ext cx="10515600" cy="2852737"/>
-          </a:xfrm>
-        </p:spPr>
-        <p:txBody>
-          <a:bodyPr anchor="b"/>
+            <a:off x="2165237" y="3512260"/>
+            <a:ext cx="8425503" cy="3775900"/>
+          </a:xfrm>
+        </p:spPr>
+        <p:txBody>
+          <a:bodyPr anchor="b">
+            <a:normAutofit/>
+          </a:bodyPr>
           <a:lstStyle>
-            <a:lvl1pPr>
-              <a:defRPr sz="6000"/>
+            <a:lvl1pPr algn="l">
+              <a:defRPr sz="4800"/>
             </a:lvl1pPr>
           </a:lstStyle>
           <a:p>
@@ -1439,26 +1597,26 @@
         </p:nvSpPr>
         <p:spPr>
           <a:xfrm>
-            <a:off x="831850" y="4589463"/>
-            <a:ext cx="10515600" cy="1500187"/>
-          </a:xfrm>
-        </p:spPr>
-        <p:txBody>
-          <a:bodyPr/>
+            <a:off x="2165238" y="7612393"/>
+            <a:ext cx="8425503" cy="2025858"/>
+          </a:xfrm>
+        </p:spPr>
+        <p:txBody>
+          <a:bodyPr tIns="91440">
+            <a:normAutofit/>
+          </a:bodyPr>
           <a:lstStyle>
-            <a:lvl1pPr marL="0" indent="0">
+            <a:lvl1pPr marL="0" indent="0" algn="l">
               <a:buNone/>
-              <a:defRPr sz="2400">
+              <a:defRPr sz="2700">
                 <a:solidFill>
-                  <a:schemeClr val="tx1">
-                    <a:tint val="75000"/>
-                  </a:schemeClr>
+                  <a:schemeClr val="tx1"/>
                 </a:solidFill>
               </a:defRPr>
             </a:lvl1pPr>
-            <a:lvl2pPr marL="457200" indent="0">
+            <a:lvl2pPr marL="514350" indent="0">
               <a:buNone/>
-              <a:defRPr sz="2000">
+              <a:defRPr sz="2250">
                 <a:solidFill>
                   <a:schemeClr val="tx1">
                     <a:tint val="75000"/>
@@ -1466,7 +1624,17 @@
                 </a:solidFill>
               </a:defRPr>
             </a:lvl2pPr>
-            <a:lvl3pPr marL="914400" indent="0">
+            <a:lvl3pPr marL="1028700" indent="0">
+              <a:buNone/>
+              <a:defRPr sz="2025">
+                <a:solidFill>
+                  <a:schemeClr val="tx1">
+                    <a:tint val="75000"/>
+                  </a:schemeClr>
+                </a:solidFill>
+              </a:defRPr>
+            </a:lvl3pPr>
+            <a:lvl4pPr marL="1543050" indent="0">
               <a:buNone/>
               <a:defRPr sz="1800">
                 <a:solidFill>
@@ -1475,20 +1643,10 @@
                   </a:schemeClr>
                 </a:solidFill>
               </a:defRPr>
-            </a:lvl3pPr>
-            <a:lvl4pPr marL="1371600" indent="0">
+            </a:lvl4pPr>
+            <a:lvl5pPr marL="2057400" indent="0">
               <a:buNone/>
-              <a:defRPr sz="1600">
-                <a:solidFill>
-                  <a:schemeClr val="tx1">
-                    <a:tint val="75000"/>
-                  </a:schemeClr>
-                </a:solidFill>
-              </a:defRPr>
-            </a:lvl4pPr>
-            <a:lvl5pPr marL="1828800" indent="0">
-              <a:buNone/>
-              <a:defRPr sz="1600">
+              <a:defRPr sz="1800">
                 <a:solidFill>
                   <a:schemeClr val="tx1">
                     <a:tint val="75000"/>
@@ -1496,9 +1654,9 @@
                 </a:solidFill>
               </a:defRPr>
             </a:lvl5pPr>
-            <a:lvl6pPr marL="2286000" indent="0">
+            <a:lvl6pPr marL="2571750" indent="0">
               <a:buNone/>
-              <a:defRPr sz="1600">
+              <a:defRPr sz="1800">
                 <a:solidFill>
                   <a:schemeClr val="tx1">
                     <a:tint val="75000"/>
@@ -1506,9 +1664,9 @@
                 </a:solidFill>
               </a:defRPr>
             </a:lvl6pPr>
-            <a:lvl7pPr marL="2743200" indent="0">
+            <a:lvl7pPr marL="3086100" indent="0">
               <a:buNone/>
-              <a:defRPr sz="1600">
+              <a:defRPr sz="1800">
                 <a:solidFill>
                   <a:schemeClr val="tx1">
                     <a:tint val="75000"/>
@@ -1516,9 +1674,9 @@
                 </a:solidFill>
               </a:defRPr>
             </a:lvl7pPr>
-            <a:lvl8pPr marL="3200400" indent="0">
+            <a:lvl8pPr marL="3600450" indent="0">
               <a:buNone/>
-              <a:defRPr sz="1600">
+              <a:defRPr sz="1800">
                 <a:solidFill>
                   <a:schemeClr val="tx1">
                     <a:tint val="75000"/>
@@ -1526,9 +1684,9 @@
                 </a:solidFill>
               </a:defRPr>
             </a:lvl8pPr>
-            <a:lvl9pPr marL="3657600" indent="0">
+            <a:lvl9pPr marL="4114800" indent="0">
               <a:buNone/>
-              <a:defRPr sz="1600">
+              <a:defRPr sz="1800">
                 <a:solidFill>
                   <a:schemeClr val="tx1">
                     <a:tint val="75000"/>
@@ -1611,10 +1769,41 @@
           </a:p>
         </p:txBody>
       </p:sp>
+      <p:cxnSp>
+        <p:nvCxnSpPr>
+          <p:cNvPr id="15" name="Straight Connector 14"/>
+          <p:cNvCxnSpPr/>
+          <p:nvPr/>
+        </p:nvCxnSpPr>
+        <p:spPr>
+          <a:xfrm>
+            <a:off x="2165237" y="7609970"/>
+            <a:ext cx="8425503" cy="0"/>
+          </a:xfrm>
+          <a:prstGeom prst="line">
+            <a:avLst/>
+          </a:prstGeom>
+          <a:ln w="31750"/>
+        </p:spPr>
+        <p:style>
+          <a:lnRef idx="3">
+            <a:schemeClr val="accent1"/>
+          </a:lnRef>
+          <a:fillRef idx="0">
+            <a:schemeClr val="accent1"/>
+          </a:fillRef>
+          <a:effectRef idx="2">
+            <a:schemeClr val="accent1"/>
+          </a:effectRef>
+          <a:fontRef idx="minor">
+            <a:schemeClr val="tx1"/>
+          </a:fontRef>
+        </p:style>
+      </p:cxnSp>
     </p:spTree>
     <p:extLst>
       <p:ext uri="{BB962C8B-B14F-4D97-AF65-F5344CB8AC3E}">
-        <p14:creationId xmlns:p14="http://schemas.microsoft.com/office/powerpoint/2010/main" val="4017200306"/>
+        <p14:creationId xmlns:p14="http://schemas.microsoft.com/office/powerpoint/2010/main" val="2954924745"/>
       </p:ext>
     </p:extLst>
   </p:cSld>
@@ -1651,7 +1840,12 @@
             <p:ph type="title"/>
           </p:nvPr>
         </p:nvSpPr>
-        <p:spPr/>
+        <p:spPr>
+          <a:xfrm>
+            <a:off x="2165237" y="1609781"/>
+            <a:ext cx="9857015" cy="2118610"/>
+          </a:xfrm>
+        </p:spPr>
         <p:txBody>
           <a:bodyPr/>
           <a:lstStyle/>
@@ -1676,8 +1870,8 @@
         </p:nvSpPr>
         <p:spPr>
           <a:xfrm>
-            <a:off x="838200" y="1825625"/>
-            <a:ext cx="5181600" cy="4351338"/>
+            <a:off x="2165236" y="4027872"/>
+            <a:ext cx="4688807" cy="6875120"/>
           </a:xfrm>
         </p:spPr>
         <p:txBody>
@@ -1733,8 +1927,8 @@
         </p:nvSpPr>
         <p:spPr>
           <a:xfrm>
-            <a:off x="6172200" y="1825625"/>
-            <a:ext cx="5181600" cy="4351338"/>
+            <a:off x="7333773" y="4027873"/>
+            <a:ext cx="4688478" cy="6875118"/>
           </a:xfrm>
         </p:spPr>
         <p:txBody>
@@ -1843,10 +2037,41 @@
           </a:p>
         </p:txBody>
       </p:sp>
+      <p:cxnSp>
+        <p:nvCxnSpPr>
+          <p:cNvPr id="33" name="Straight Connector 32"/>
+          <p:cNvCxnSpPr/>
+          <p:nvPr/>
+        </p:nvCxnSpPr>
+        <p:spPr>
+          <a:xfrm>
+            <a:off x="2165237" y="3694176"/>
+            <a:ext cx="9857015" cy="0"/>
+          </a:xfrm>
+          <a:prstGeom prst="line">
+            <a:avLst/>
+          </a:prstGeom>
+          <a:ln w="31750"/>
+        </p:spPr>
+        <p:style>
+          <a:lnRef idx="3">
+            <a:schemeClr val="accent1"/>
+          </a:lnRef>
+          <a:fillRef idx="0">
+            <a:schemeClr val="accent1"/>
+          </a:fillRef>
+          <a:effectRef idx="2">
+            <a:schemeClr val="accent1"/>
+          </a:effectRef>
+          <a:fontRef idx="minor">
+            <a:schemeClr val="tx1"/>
+          </a:fontRef>
+        </p:style>
+      </p:cxnSp>
     </p:spTree>
     <p:extLst>
       <p:ext uri="{BB962C8B-B14F-4D97-AF65-F5344CB8AC3E}">
-        <p14:creationId xmlns:p14="http://schemas.microsoft.com/office/powerpoint/2010/main" val="591061540"/>
+        <p14:creationId xmlns:p14="http://schemas.microsoft.com/office/powerpoint/2010/main" val="1986626368"/>
       </p:ext>
     </p:extLst>
   </p:cSld>
@@ -1873,6 +2098,37 @@
           <a:chExt cx="0" cy="0"/>
         </a:xfrm>
       </p:grpSpPr>
+      <p:cxnSp>
+        <p:nvCxnSpPr>
+          <p:cNvPr id="36" name="Straight Connector 35"/>
+          <p:cNvCxnSpPr/>
+          <p:nvPr/>
+        </p:nvCxnSpPr>
+        <p:spPr>
+          <a:xfrm>
+            <a:off x="2165237" y="3694176"/>
+            <a:ext cx="9857015" cy="0"/>
+          </a:xfrm>
+          <a:prstGeom prst="line">
+            <a:avLst/>
+          </a:prstGeom>
+          <a:ln w="31750"/>
+        </p:spPr>
+        <p:style>
+          <a:lnRef idx="3">
+            <a:schemeClr val="accent1"/>
+          </a:lnRef>
+          <a:fillRef idx="0">
+            <a:schemeClr val="accent1"/>
+          </a:fillRef>
+          <a:effectRef idx="2">
+            <a:schemeClr val="accent1"/>
+          </a:effectRef>
+          <a:fontRef idx="minor">
+            <a:schemeClr val="tx1"/>
+          </a:fontRef>
+        </p:style>
+      </p:cxnSp>
       <p:sp>
         <p:nvSpPr>
           <p:cNvPr id="2" name="Title 1"/>
@@ -1885,8 +2141,8 @@
         </p:nvSpPr>
         <p:spPr>
           <a:xfrm>
-            <a:off x="839788" y="365125"/>
-            <a:ext cx="10515600" cy="1325563"/>
+            <a:off x="2165237" y="1608329"/>
+            <a:ext cx="9857016" cy="2112638"/>
           </a:xfrm>
         </p:spPr>
         <p:txBody>
@@ -1913,48 +2169,57 @@
         </p:nvSpPr>
         <p:spPr>
           <a:xfrm>
-            <a:off x="839788" y="1681163"/>
-            <a:ext cx="5157787" cy="823912"/>
-          </a:xfrm>
-        </p:spPr>
-        <p:txBody>
-          <a:bodyPr anchor="b"/>
+            <a:off x="2165237" y="4039101"/>
+            <a:ext cx="4688649" cy="1603886"/>
+          </a:xfrm>
+        </p:spPr>
+        <p:txBody>
+          <a:bodyPr anchor="b">
+            <a:normAutofit/>
+          </a:bodyPr>
           <a:lstStyle>
             <a:lvl1pPr marL="0" indent="0">
+              <a:lnSpc>
+                <a:spcPct val="100000"/>
+              </a:lnSpc>
               <a:buNone/>
-              <a:defRPr sz="2400" b="1"/>
+              <a:defRPr sz="3300" b="0" cap="all" baseline="0">
+                <a:solidFill>
+                  <a:schemeClr val="accent1"/>
+                </a:solidFill>
+              </a:defRPr>
             </a:lvl1pPr>
-            <a:lvl2pPr marL="457200" indent="0">
+            <a:lvl2pPr marL="514350" indent="0">
               <a:buNone/>
-              <a:defRPr sz="2000" b="1"/>
+              <a:defRPr sz="2250" b="1"/>
             </a:lvl2pPr>
-            <a:lvl3pPr marL="914400" indent="0">
+            <a:lvl3pPr marL="1028700" indent="0">
+              <a:buNone/>
+              <a:defRPr sz="2025" b="1"/>
+            </a:lvl3pPr>
+            <a:lvl4pPr marL="1543050" indent="0">
               <a:buNone/>
               <a:defRPr sz="1800" b="1"/>
-            </a:lvl3pPr>
-            <a:lvl4pPr marL="1371600" indent="0">
+            </a:lvl4pPr>
+            <a:lvl5pPr marL="2057400" indent="0">
               <a:buNone/>
-              <a:defRPr sz="1600" b="1"/>
-            </a:lvl4pPr>
-            <a:lvl5pPr marL="1828800" indent="0">
+              <a:defRPr sz="1800" b="1"/>
+            </a:lvl5pPr>
+            <a:lvl6pPr marL="2571750" indent="0">
               <a:buNone/>
-              <a:defRPr sz="1600" b="1"/>
-            </a:lvl5pPr>
-            <a:lvl6pPr marL="2286000" indent="0">
+              <a:defRPr sz="1800" b="1"/>
+            </a:lvl6pPr>
+            <a:lvl7pPr marL="3086100" indent="0">
               <a:buNone/>
-              <a:defRPr sz="1600" b="1"/>
-            </a:lvl6pPr>
-            <a:lvl7pPr marL="2743200" indent="0">
+              <a:defRPr sz="1800" b="1"/>
+            </a:lvl7pPr>
+            <a:lvl8pPr marL="3600450" indent="0">
               <a:buNone/>
-              <a:defRPr sz="1600" b="1"/>
-            </a:lvl7pPr>
-            <a:lvl8pPr marL="3200400" indent="0">
+              <a:defRPr sz="1800" b="1"/>
+            </a:lvl8pPr>
+            <a:lvl9pPr marL="4114800" indent="0">
               <a:buNone/>
-              <a:defRPr sz="1600" b="1"/>
-            </a:lvl8pPr>
-            <a:lvl9pPr marL="3657600" indent="0">
-              <a:buNone/>
-              <a:defRPr sz="1600" b="1"/>
+              <a:defRPr sz="1800" b="1"/>
             </a:lvl9pPr>
           </a:lstStyle>
           <a:p>
@@ -1978,8 +2243,8 @@
         </p:nvSpPr>
         <p:spPr>
           <a:xfrm>
-            <a:off x="839788" y="2505075"/>
-            <a:ext cx="5157787" cy="3684588"/>
+            <a:off x="2165237" y="5648541"/>
+            <a:ext cx="4688649" cy="5288914"/>
           </a:xfrm>
         </p:spPr>
         <p:txBody>
@@ -2035,48 +2300,57 @@
         </p:nvSpPr>
         <p:spPr>
           <a:xfrm>
-            <a:off x="6172200" y="1681163"/>
-            <a:ext cx="5183188" cy="823912"/>
-          </a:xfrm>
-        </p:spPr>
-        <p:txBody>
-          <a:bodyPr anchor="b"/>
+            <a:off x="7333773" y="4046009"/>
+            <a:ext cx="4688478" cy="1604474"/>
+          </a:xfrm>
+        </p:spPr>
+        <p:txBody>
+          <a:bodyPr anchor="b">
+            <a:normAutofit/>
+          </a:bodyPr>
           <a:lstStyle>
             <a:lvl1pPr marL="0" indent="0">
+              <a:lnSpc>
+                <a:spcPct val="100000"/>
+              </a:lnSpc>
               <a:buNone/>
-              <a:defRPr sz="2400" b="1"/>
+              <a:defRPr sz="3300" b="0" cap="all" baseline="0">
+                <a:solidFill>
+                  <a:schemeClr val="accent1"/>
+                </a:solidFill>
+              </a:defRPr>
             </a:lvl1pPr>
-            <a:lvl2pPr marL="457200" indent="0">
+            <a:lvl2pPr marL="514350" indent="0">
               <a:buNone/>
-              <a:defRPr sz="2000" b="1"/>
+              <a:defRPr sz="2250" b="1"/>
             </a:lvl2pPr>
-            <a:lvl3pPr marL="914400" indent="0">
+            <a:lvl3pPr marL="1028700" indent="0">
+              <a:buNone/>
+              <a:defRPr sz="2025" b="1"/>
+            </a:lvl3pPr>
+            <a:lvl4pPr marL="1543050" indent="0">
               <a:buNone/>
               <a:defRPr sz="1800" b="1"/>
-            </a:lvl3pPr>
-            <a:lvl4pPr marL="1371600" indent="0">
+            </a:lvl4pPr>
+            <a:lvl5pPr marL="2057400" indent="0">
               <a:buNone/>
-              <a:defRPr sz="1600" b="1"/>
-            </a:lvl4pPr>
-            <a:lvl5pPr marL="1828800" indent="0">
+              <a:defRPr sz="1800" b="1"/>
+            </a:lvl5pPr>
+            <a:lvl6pPr marL="2571750" indent="0">
               <a:buNone/>
-              <a:defRPr sz="1600" b="1"/>
-            </a:lvl5pPr>
-            <a:lvl6pPr marL="2286000" indent="0">
+              <a:defRPr sz="1800" b="1"/>
+            </a:lvl6pPr>
+            <a:lvl7pPr marL="3086100" indent="0">
               <a:buNone/>
-              <a:defRPr sz="1600" b="1"/>
-            </a:lvl6pPr>
-            <a:lvl7pPr marL="2743200" indent="0">
+              <a:defRPr sz="1800" b="1"/>
+            </a:lvl7pPr>
+            <a:lvl8pPr marL="3600450" indent="0">
               <a:buNone/>
-              <a:defRPr sz="1600" b="1"/>
-            </a:lvl7pPr>
-            <a:lvl8pPr marL="3200400" indent="0">
+              <a:defRPr sz="1800" b="1"/>
+            </a:lvl8pPr>
+            <a:lvl9pPr marL="4114800" indent="0">
               <a:buNone/>
-              <a:defRPr sz="1600" b="1"/>
-            </a:lvl8pPr>
-            <a:lvl9pPr marL="3657600" indent="0">
-              <a:buNone/>
-              <a:defRPr sz="1600" b="1"/>
+              <a:defRPr sz="1800" b="1"/>
             </a:lvl9pPr>
           </a:lstStyle>
           <a:p>
@@ -2100,8 +2374,8 @@
         </p:nvSpPr>
         <p:spPr>
           <a:xfrm>
-            <a:off x="6172200" y="2505075"/>
-            <a:ext cx="5183188" cy="3684588"/>
+            <a:off x="7333773" y="5642983"/>
+            <a:ext cx="4688478" cy="5274742"/>
           </a:xfrm>
         </p:spPr>
         <p:txBody>
@@ -2213,7 +2487,7 @@
     </p:spTree>
     <p:extLst>
       <p:ext uri="{BB962C8B-B14F-4D97-AF65-F5344CB8AC3E}">
-        <p14:creationId xmlns:p14="http://schemas.microsoft.com/office/powerpoint/2010/main" val="1030933709"/>
+        <p14:creationId xmlns:p14="http://schemas.microsoft.com/office/powerpoint/2010/main" val="1407921576"/>
       </p:ext>
     </p:extLst>
   </p:cSld>
@@ -2240,6 +2514,37 @@
           <a:chExt cx="0" cy="0"/>
         </a:xfrm>
       </p:grpSpPr>
+      <p:cxnSp>
+        <p:nvCxnSpPr>
+          <p:cNvPr id="32" name="Straight Connector 31"/>
+          <p:cNvCxnSpPr/>
+          <p:nvPr/>
+        </p:nvCxnSpPr>
+        <p:spPr>
+          <a:xfrm>
+            <a:off x="2165237" y="3694176"/>
+            <a:ext cx="9857015" cy="0"/>
+          </a:xfrm>
+          <a:prstGeom prst="line">
+            <a:avLst/>
+          </a:prstGeom>
+          <a:ln w="31750"/>
+        </p:spPr>
+        <p:style>
+          <a:lnRef idx="3">
+            <a:schemeClr val="accent1"/>
+          </a:lnRef>
+          <a:fillRef idx="0">
+            <a:schemeClr val="accent1"/>
+          </a:fillRef>
+          <a:effectRef idx="2">
+            <a:schemeClr val="accent1"/>
+          </a:effectRef>
+          <a:fontRef idx="minor">
+            <a:schemeClr val="tx1"/>
+          </a:fontRef>
+        </p:style>
+      </p:cxnSp>
       <p:sp>
         <p:nvSpPr>
           <p:cNvPr id="2" name="Title 1"/>
@@ -2331,7 +2636,7 @@
     </p:spTree>
     <p:extLst>
       <p:ext uri="{BB962C8B-B14F-4D97-AF65-F5344CB8AC3E}">
-        <p14:creationId xmlns:p14="http://schemas.microsoft.com/office/powerpoint/2010/main" val="710539828"/>
+        <p14:creationId xmlns:p14="http://schemas.microsoft.com/office/powerpoint/2010/main" val="2829516905"/>
       </p:ext>
     </p:extLst>
   </p:cSld>
@@ -2426,7 +2731,7 @@
     </p:spTree>
     <p:extLst>
       <p:ext uri="{BB962C8B-B14F-4D97-AF65-F5344CB8AC3E}">
-        <p14:creationId xmlns:p14="http://schemas.microsoft.com/office/powerpoint/2010/main" val="15641173"/>
+        <p14:creationId xmlns:p14="http://schemas.microsoft.com/office/powerpoint/2010/main" val="3713006777"/>
       </p:ext>
     </p:extLst>
   </p:cSld>
@@ -2465,15 +2770,17 @@
         </p:nvSpPr>
         <p:spPr>
           <a:xfrm>
-            <a:off x="839788" y="457200"/>
-            <a:ext cx="3932237" cy="1600200"/>
-          </a:xfrm>
-        </p:spPr>
-        <p:txBody>
-          <a:bodyPr anchor="b"/>
+            <a:off x="2158563" y="1597947"/>
+            <a:ext cx="3638925" cy="4494234"/>
+          </a:xfrm>
+        </p:spPr>
+        <p:txBody>
+          <a:bodyPr anchor="b">
+            <a:normAutofit/>
+          </a:bodyPr>
           <a:lstStyle>
-            <a:lvl1pPr>
-              <a:defRPr sz="3200"/>
+            <a:lvl1pPr algn="l">
+              <a:defRPr sz="3600"/>
             </a:lvl1pPr>
           </a:lstStyle>
           <a:p>
@@ -2497,41 +2804,13 @@
         </p:nvSpPr>
         <p:spPr>
           <a:xfrm>
-            <a:off x="5183188" y="987425"/>
-            <a:ext cx="6172200" cy="4873625"/>
-          </a:xfrm>
-        </p:spPr>
-        <p:txBody>
-          <a:bodyPr/>
-          <a:lstStyle>
-            <a:lvl1pPr>
-              <a:defRPr sz="3200"/>
-            </a:lvl1pPr>
-            <a:lvl2pPr>
-              <a:defRPr sz="2800"/>
-            </a:lvl2pPr>
-            <a:lvl3pPr>
-              <a:defRPr sz="2400"/>
-            </a:lvl3pPr>
-            <a:lvl4pPr>
-              <a:defRPr sz="2000"/>
-            </a:lvl4pPr>
-            <a:lvl5pPr>
-              <a:defRPr sz="2000"/>
-            </a:lvl5pPr>
-            <a:lvl6pPr>
-              <a:defRPr sz="2000"/>
-            </a:lvl6pPr>
-            <a:lvl7pPr>
-              <a:defRPr sz="2000"/>
-            </a:lvl7pPr>
-            <a:lvl8pPr>
-              <a:defRPr sz="2000"/>
-            </a:lvl8pPr>
-            <a:lvl9pPr>
-              <a:defRPr sz="2000"/>
-            </a:lvl9pPr>
-          </a:lstStyle>
+            <a:off x="6279984" y="1597948"/>
+            <a:ext cx="5742267" cy="9317652"/>
+          </a:xfrm>
+        </p:spPr>
+        <p:txBody>
+          <a:bodyPr anchor="ctr"/>
+          <a:lstStyle/>
           <a:p>
             <a:pPr lvl="0"/>
             <a:r>
@@ -2582,48 +2861,50 @@
         </p:nvSpPr>
         <p:spPr>
           <a:xfrm>
-            <a:off x="839788" y="2057400"/>
-            <a:ext cx="3932237" cy="3811588"/>
-          </a:xfrm>
-        </p:spPr>
-        <p:txBody>
-          <a:bodyPr/>
+            <a:off x="2158564" y="6410985"/>
+            <a:ext cx="3641054" cy="4496362"/>
+          </a:xfrm>
+        </p:spPr>
+        <p:txBody>
+          <a:bodyPr>
+            <a:normAutofit/>
+          </a:bodyPr>
           <a:lstStyle>
-            <a:lvl1pPr marL="0" indent="0">
+            <a:lvl1pPr marL="0" indent="0" algn="l">
               <a:buNone/>
-              <a:defRPr sz="1600"/>
+              <a:defRPr sz="2400"/>
             </a:lvl1pPr>
-            <a:lvl2pPr marL="457200" indent="0">
+            <a:lvl2pPr marL="514350" indent="0">
               <a:buNone/>
-              <a:defRPr sz="1400"/>
+              <a:defRPr sz="1575"/>
             </a:lvl2pPr>
-            <a:lvl3pPr marL="914400" indent="0">
+            <a:lvl3pPr marL="1028700" indent="0">
               <a:buNone/>
-              <a:defRPr sz="1200"/>
+              <a:defRPr sz="1350"/>
             </a:lvl3pPr>
-            <a:lvl4pPr marL="1371600" indent="0">
+            <a:lvl4pPr marL="1543050" indent="0">
               <a:buNone/>
-              <a:defRPr sz="1000"/>
+              <a:defRPr sz="1125"/>
             </a:lvl4pPr>
-            <a:lvl5pPr marL="1828800" indent="0">
+            <a:lvl5pPr marL="2057400" indent="0">
               <a:buNone/>
-              <a:defRPr sz="1000"/>
+              <a:defRPr sz="1125"/>
             </a:lvl5pPr>
-            <a:lvl6pPr marL="2286000" indent="0">
+            <a:lvl6pPr marL="2571750" indent="0">
               <a:buNone/>
-              <a:defRPr sz="1000"/>
+              <a:defRPr sz="1125"/>
             </a:lvl6pPr>
-            <a:lvl7pPr marL="2743200" indent="0">
+            <a:lvl7pPr marL="3086100" indent="0">
               <a:buNone/>
-              <a:defRPr sz="1000"/>
+              <a:defRPr sz="1125"/>
             </a:lvl7pPr>
-            <a:lvl8pPr marL="3200400" indent="0">
+            <a:lvl8pPr marL="3600450" indent="0">
               <a:buNone/>
-              <a:defRPr sz="1000"/>
+              <a:defRPr sz="1125"/>
             </a:lvl8pPr>
-            <a:lvl9pPr marL="3657600" indent="0">
+            <a:lvl9pPr marL="4114800" indent="0">
               <a:buNone/>
-              <a:defRPr sz="1000"/>
+              <a:defRPr sz="1125"/>
             </a:lvl9pPr>
           </a:lstStyle>
           <a:p>
@@ -2700,10 +2981,41 @@
           </a:p>
         </p:txBody>
       </p:sp>
+      <p:cxnSp>
+        <p:nvCxnSpPr>
+          <p:cNvPr id="17" name="Straight Connector 16"/>
+          <p:cNvCxnSpPr/>
+          <p:nvPr/>
+        </p:nvCxnSpPr>
+        <p:spPr>
+          <a:xfrm>
+            <a:off x="2162622" y="6410982"/>
+            <a:ext cx="3634914" cy="0"/>
+          </a:xfrm>
+          <a:prstGeom prst="line">
+            <a:avLst/>
+          </a:prstGeom>
+          <a:ln w="31750"/>
+        </p:spPr>
+        <p:style>
+          <a:lnRef idx="3">
+            <a:schemeClr val="accent1"/>
+          </a:lnRef>
+          <a:fillRef idx="0">
+            <a:schemeClr val="accent1"/>
+          </a:fillRef>
+          <a:effectRef idx="2">
+            <a:schemeClr val="accent1"/>
+          </a:effectRef>
+          <a:fontRef idx="minor">
+            <a:schemeClr val="tx1"/>
+          </a:fontRef>
+        </p:style>
+      </p:cxnSp>
     </p:spTree>
     <p:extLst>
       <p:ext uri="{BB962C8B-B14F-4D97-AF65-F5344CB8AC3E}">
-        <p14:creationId xmlns:p14="http://schemas.microsoft.com/office/powerpoint/2010/main" val="1465872274"/>
+        <p14:creationId xmlns:p14="http://schemas.microsoft.com/office/powerpoint/2010/main" val="1720929503"/>
       </p:ext>
     </p:extLst>
   </p:cSld>
@@ -2730,6 +3042,140 @@
           <a:chExt cx="0" cy="0"/>
         </a:xfrm>
       </p:grpSpPr>
+      <p:grpSp>
+        <p:nvGrpSpPr>
+          <p:cNvPr id="13" name="Group 12"/>
+          <p:cNvGrpSpPr/>
+          <p:nvPr/>
+        </p:nvGrpSpPr>
+        <p:grpSpPr>
+          <a:xfrm>
+            <a:off x="7494752" y="964343"/>
+            <a:ext cx="5267081" cy="10298202"/>
+            <a:chOff x="6852919" y="583365"/>
+            <a:chExt cx="4681849" cy="5181928"/>
+          </a:xfrm>
+        </p:grpSpPr>
+        <p:sp>
+          <p:nvSpPr>
+            <p:cNvPr id="14" name="Rectangle 13"/>
+            <p:cNvSpPr/>
+            <p:nvPr/>
+          </p:nvSpPr>
+          <p:spPr>
+            <a:xfrm>
+              <a:off x="6852919" y="583365"/>
+              <a:ext cx="4681849" cy="5181928"/>
+            </a:xfrm>
+            <a:prstGeom prst="rect">
+              <a:avLst/>
+            </a:prstGeom>
+            <a:gradFill>
+              <a:gsLst>
+                <a:gs pos="0">
+                  <a:srgbClr val="000001"/>
+                </a:gs>
+                <a:gs pos="100000">
+                  <a:srgbClr val="191919"/>
+                </a:gs>
+              </a:gsLst>
+            </a:gradFill>
+            <a:ln w="76200" cmpd="sng">
+              <a:noFill/>
+              <a:miter lim="800000"/>
+            </a:ln>
+            <a:effectLst>
+              <a:outerShdw blurRad="127000" dist="228600" dir="4740000" sx="98000" sy="98000" algn="tl" rotWithShape="0">
+                <a:srgbClr val="000000">
+                  <a:alpha val="34000"/>
+                </a:srgbClr>
+              </a:outerShdw>
+            </a:effectLst>
+            <a:scene3d>
+              <a:camera prst="orthographicFront"/>
+              <a:lightRig rig="threePt" dir="t"/>
+            </a:scene3d>
+            <a:sp3d>
+              <a:bevelT w="152400" h="50800" prst="softRound"/>
+            </a:sp3d>
+          </p:spPr>
+          <p:style>
+            <a:lnRef idx="1">
+              <a:schemeClr val="accent1"/>
+            </a:lnRef>
+            <a:fillRef idx="3">
+              <a:schemeClr val="accent1"/>
+            </a:fillRef>
+            <a:effectRef idx="2">
+              <a:schemeClr val="accent1"/>
+            </a:effectRef>
+            <a:fontRef idx="minor">
+              <a:schemeClr val="lt1"/>
+            </a:fontRef>
+          </p:style>
+        </p:sp>
+        <p:sp>
+          <p:nvSpPr>
+            <p:cNvPr id="15" name="Rectangle 14"/>
+            <p:cNvSpPr/>
+            <p:nvPr/>
+          </p:nvSpPr>
+          <p:spPr>
+            <a:xfrm>
+              <a:off x="7273787" y="915806"/>
+              <a:ext cx="3844017" cy="4507918"/>
+            </a:xfrm>
+            <a:prstGeom prst="rect">
+              <a:avLst/>
+            </a:prstGeom>
+            <a:gradFill>
+              <a:gsLst>
+                <a:gs pos="0">
+                  <a:srgbClr val="DADADA"/>
+                </a:gs>
+                <a:gs pos="100000">
+                  <a:srgbClr val="FFFFFE"/>
+                </a:gs>
+              </a:gsLst>
+              <a:lin ang="16200000" scaled="0"/>
+            </a:gradFill>
+            <a:ln w="50800" cmpd="sng">
+              <a:solidFill>
+                <a:srgbClr val="191919"/>
+              </a:solidFill>
+              <a:miter lim="800000"/>
+            </a:ln>
+            <a:effectLst>
+              <a:innerShdw blurRad="63500" dist="88900" dir="14100000">
+                <a:srgbClr val="000000">
+                  <a:alpha val="30000"/>
+                </a:srgbClr>
+              </a:innerShdw>
+            </a:effectLst>
+            <a:scene3d>
+              <a:camera prst="orthographicFront"/>
+              <a:lightRig rig="threePt" dir="t"/>
+            </a:scene3d>
+            <a:sp3d>
+              <a:bevelT prst="relaxedInset"/>
+            </a:sp3d>
+          </p:spPr>
+          <p:style>
+            <a:lnRef idx="1">
+              <a:schemeClr val="accent1"/>
+            </a:lnRef>
+            <a:fillRef idx="3">
+              <a:schemeClr val="accent1"/>
+            </a:fillRef>
+            <a:effectRef idx="2">
+              <a:schemeClr val="accent1"/>
+            </a:effectRef>
+            <a:fontRef idx="minor">
+              <a:schemeClr val="lt1"/>
+            </a:fontRef>
+          </p:style>
+        </p:sp>
+      </p:grpSp>
       <p:sp>
         <p:nvSpPr>
           <p:cNvPr id="2" name="Title 1"/>
@@ -2742,15 +3188,17 @@
         </p:nvSpPr>
         <p:spPr>
           <a:xfrm>
-            <a:off x="839788" y="457200"/>
-            <a:ext cx="3932237" cy="1600200"/>
-          </a:xfrm>
-        </p:spPr>
-        <p:txBody>
-          <a:bodyPr anchor="b"/>
+            <a:off x="2166223" y="2259026"/>
+            <a:ext cx="4867403" cy="3661168"/>
+          </a:xfrm>
+        </p:spPr>
+        <p:txBody>
+          <a:bodyPr anchor="b">
+            <a:normAutofit/>
+          </a:bodyPr>
           <a:lstStyle>
             <a:lvl1pPr>
-              <a:defRPr sz="3200"/>
+              <a:defRPr sz="4800"/>
             </a:lvl1pPr>
           </a:lstStyle>
           <a:p>
@@ -2774,48 +3222,58 @@
         </p:nvSpPr>
         <p:spPr>
           <a:xfrm>
-            <a:off x="5183188" y="987425"/>
-            <a:ext cx="6172200" cy="4873625"/>
-          </a:xfrm>
+            <a:off x="8460192" y="2245087"/>
+            <a:ext cx="3352497" cy="7732654"/>
+          </a:xfrm>
+          <a:solidFill>
+            <a:schemeClr val="bg1">
+              <a:lumMod val="85000"/>
+            </a:schemeClr>
+          </a:solidFill>
+          <a:ln w="9525" cap="sq">
+            <a:noFill/>
+            <a:miter lim="800000"/>
+          </a:ln>
+          <a:effectLst/>
         </p:spPr>
         <p:txBody>
           <a:bodyPr anchor="t"/>
           <a:lstStyle>
-            <a:lvl1pPr marL="0" indent="0">
+            <a:lvl1pPr marL="0" indent="0" algn="ctr">
               <a:buNone/>
-              <a:defRPr sz="3200"/>
+              <a:defRPr sz="3600"/>
             </a:lvl1pPr>
-            <a:lvl2pPr marL="457200" indent="0">
+            <a:lvl2pPr marL="514350" indent="0">
               <a:buNone/>
-              <a:defRPr sz="2800"/>
+              <a:defRPr sz="3150"/>
             </a:lvl2pPr>
-            <a:lvl3pPr marL="914400" indent="0">
+            <a:lvl3pPr marL="1028700" indent="0">
               <a:buNone/>
-              <a:defRPr sz="2400"/>
+              <a:defRPr sz="2700"/>
             </a:lvl3pPr>
-            <a:lvl4pPr marL="1371600" indent="0">
+            <a:lvl4pPr marL="1543050" indent="0">
               <a:buNone/>
-              <a:defRPr sz="2000"/>
+              <a:defRPr sz="2250"/>
             </a:lvl4pPr>
-            <a:lvl5pPr marL="1828800" indent="0">
+            <a:lvl5pPr marL="2057400" indent="0">
               <a:buNone/>
-              <a:defRPr sz="2000"/>
+              <a:defRPr sz="2250"/>
             </a:lvl5pPr>
-            <a:lvl6pPr marL="2286000" indent="0">
+            <a:lvl6pPr marL="2571750" indent="0">
               <a:buNone/>
-              <a:defRPr sz="2000"/>
+              <a:defRPr sz="2250"/>
             </a:lvl6pPr>
-            <a:lvl7pPr marL="2743200" indent="0">
+            <a:lvl7pPr marL="3086100" indent="0">
               <a:buNone/>
-              <a:defRPr sz="2000"/>
+              <a:defRPr sz="2250"/>
             </a:lvl7pPr>
-            <a:lvl8pPr marL="3200400" indent="0">
+            <a:lvl8pPr marL="3600450" indent="0">
               <a:buNone/>
-              <a:defRPr sz="2000"/>
+              <a:defRPr sz="2250"/>
             </a:lvl8pPr>
-            <a:lvl9pPr marL="3657600" indent="0">
+            <a:lvl9pPr marL="4114800" indent="0">
               <a:buNone/>
-              <a:defRPr sz="2000"/>
+              <a:defRPr sz="2250"/>
             </a:lvl9pPr>
           </a:lstStyle>
           <a:p>
@@ -2839,73 +3297,84 @@
         </p:nvSpPr>
         <p:spPr>
           <a:xfrm>
-            <a:off x="839788" y="2057400"/>
-            <a:ext cx="3932237" cy="3811588"/>
+            <a:off x="2165238" y="6291984"/>
+            <a:ext cx="4860429" cy="4007484"/>
+          </a:xfrm>
+        </p:spPr>
+        <p:txBody>
+          <a:bodyPr>
+            <a:normAutofit/>
+          </a:bodyPr>
+          <a:lstStyle>
+            <a:lvl1pPr marL="0" indent="0" algn="l">
+              <a:buNone/>
+              <a:defRPr sz="2700"/>
+            </a:lvl1pPr>
+            <a:lvl2pPr marL="514350" indent="0">
+              <a:buNone/>
+              <a:defRPr sz="1575"/>
+            </a:lvl2pPr>
+            <a:lvl3pPr marL="1028700" indent="0">
+              <a:buNone/>
+              <a:defRPr sz="1350"/>
+            </a:lvl3pPr>
+            <a:lvl4pPr marL="1543050" indent="0">
+              <a:buNone/>
+              <a:defRPr sz="1125"/>
+            </a:lvl4pPr>
+            <a:lvl5pPr marL="2057400" indent="0">
+              <a:buNone/>
+              <a:defRPr sz="1125"/>
+            </a:lvl5pPr>
+            <a:lvl6pPr marL="2571750" indent="0">
+              <a:buNone/>
+              <a:defRPr sz="1125"/>
+            </a:lvl6pPr>
+            <a:lvl7pPr marL="3086100" indent="0">
+              <a:buNone/>
+              <a:defRPr sz="1125"/>
+            </a:lvl7pPr>
+            <a:lvl8pPr marL="3600450" indent="0">
+              <a:buNone/>
+              <a:defRPr sz="1125"/>
+            </a:lvl8pPr>
+            <a:lvl9pPr marL="4114800" indent="0">
+              <a:buNone/>
+              <a:defRPr sz="1125"/>
+            </a:lvl9pPr>
+          </a:lstStyle>
+          <a:p>
+            <a:pPr lvl="0"/>
+            <a:r>
+              <a:rPr lang="en-US"/>
+              <a:t>Click to edit Master text styles</a:t>
+            </a:r>
+          </a:p>
+        </p:txBody>
+      </p:sp>
+      <p:sp>
+        <p:nvSpPr>
+          <p:cNvPr id="5" name="Date Placeholder 4"/>
+          <p:cNvSpPr>
+            <a:spLocks noGrp="1"/>
+          </p:cNvSpPr>
+          <p:nvPr>
+            <p:ph type="dt" sz="half" idx="10"/>
+          </p:nvPr>
+        </p:nvSpPr>
+        <p:spPr>
+          <a:xfrm>
+            <a:off x="2154996" y="10939715"/>
+            <a:ext cx="4878630" cy="640246"/>
           </a:xfrm>
         </p:spPr>
         <p:txBody>
           <a:bodyPr/>
           <a:lstStyle>
-            <a:lvl1pPr marL="0" indent="0">
-              <a:buNone/>
-              <a:defRPr sz="1600"/>
+            <a:lvl1pPr algn="l">
+              <a:defRPr/>
             </a:lvl1pPr>
-            <a:lvl2pPr marL="457200" indent="0">
-              <a:buNone/>
-              <a:defRPr sz="1400"/>
-            </a:lvl2pPr>
-            <a:lvl3pPr marL="914400" indent="0">
-              <a:buNone/>
-              <a:defRPr sz="1200"/>
-            </a:lvl3pPr>
-            <a:lvl4pPr marL="1371600" indent="0">
-              <a:buNone/>
-              <a:defRPr sz="1000"/>
-            </a:lvl4pPr>
-            <a:lvl5pPr marL="1828800" indent="0">
-              <a:buNone/>
-              <a:defRPr sz="1000"/>
-            </a:lvl5pPr>
-            <a:lvl6pPr marL="2286000" indent="0">
-              <a:buNone/>
-              <a:defRPr sz="1000"/>
-            </a:lvl6pPr>
-            <a:lvl7pPr marL="2743200" indent="0">
-              <a:buNone/>
-              <a:defRPr sz="1000"/>
-            </a:lvl7pPr>
-            <a:lvl8pPr marL="3200400" indent="0">
-              <a:buNone/>
-              <a:defRPr sz="1000"/>
-            </a:lvl8pPr>
-            <a:lvl9pPr marL="3657600" indent="0">
-              <a:buNone/>
-              <a:defRPr sz="1000"/>
-            </a:lvl9pPr>
           </a:lstStyle>
-          <a:p>
-            <a:pPr lvl="0"/>
-            <a:r>
-              <a:rPr lang="en-US"/>
-              <a:t>Click to edit Master text styles</a:t>
-            </a:r>
-          </a:p>
-        </p:txBody>
-      </p:sp>
-      <p:sp>
-        <p:nvSpPr>
-          <p:cNvPr id="5" name="Date Placeholder 4"/>
-          <p:cNvSpPr>
-            <a:spLocks noGrp="1"/>
-          </p:cNvSpPr>
-          <p:nvPr>
-            <p:ph type="dt" sz="half" idx="10"/>
-          </p:nvPr>
-        </p:nvSpPr>
-        <p:spPr/>
-        <p:txBody>
-          <a:bodyPr/>
-          <a:lstStyle/>
           <a:p>
             <a:fld id="{ACA9C334-3C7E-A547-98D3-27A91BE7814D}" type="datetimeFigureOut">
               <a:rPr lang="en-US" smtClean="0"/>
@@ -2925,7 +3394,12 @@
             <p:ph type="ftr" sz="quarter" idx="11"/>
           </p:nvPr>
         </p:nvSpPr>
-        <p:spPr/>
+        <p:spPr>
+          <a:xfrm>
+            <a:off x="2156296" y="637283"/>
+            <a:ext cx="4877330" cy="641862"/>
+          </a:xfrm>
+        </p:spPr>
         <p:txBody>
           <a:bodyPr/>
           <a:lstStyle/>
@@ -2957,10 +3431,41 @@
           </a:p>
         </p:txBody>
       </p:sp>
+      <p:cxnSp>
+        <p:nvCxnSpPr>
+          <p:cNvPr id="31" name="Straight Connector 30"/>
+          <p:cNvCxnSpPr/>
+          <p:nvPr/>
+        </p:nvCxnSpPr>
+        <p:spPr>
+          <a:xfrm>
+            <a:off x="2161922" y="6287210"/>
+            <a:ext cx="4863021" cy="0"/>
+          </a:xfrm>
+          <a:prstGeom prst="line">
+            <a:avLst/>
+          </a:prstGeom>
+          <a:ln w="31750"/>
+        </p:spPr>
+        <p:style>
+          <a:lnRef idx="3">
+            <a:schemeClr val="accent1"/>
+          </a:lnRef>
+          <a:fillRef idx="0">
+            <a:schemeClr val="accent1"/>
+          </a:fillRef>
+          <a:effectRef idx="2">
+            <a:schemeClr val="accent1"/>
+          </a:effectRef>
+          <a:fontRef idx="minor">
+            <a:schemeClr val="tx1"/>
+          </a:fontRef>
+        </p:style>
+      </p:cxnSp>
     </p:spTree>
     <p:extLst>
       <p:ext uri="{BB962C8B-B14F-4D97-AF65-F5344CB8AC3E}">
-        <p14:creationId xmlns:p14="http://schemas.microsoft.com/office/powerpoint/2010/main" val="3799484803"/>
+        <p14:creationId xmlns:p14="http://schemas.microsoft.com/office/powerpoint/2010/main" val="506430387"/>
       </p:ext>
     </p:extLst>
   </p:cSld>
@@ -2974,8 +3479,8 @@
 <p:sldMaster xmlns:a="http://schemas.openxmlformats.org/drawingml/2006/main" xmlns:r="http://schemas.openxmlformats.org/officeDocument/2006/relationships" xmlns:p="http://schemas.openxmlformats.org/presentationml/2006/main">
   <p:cSld>
     <p:bg>
-      <p:bgRef idx="1001">
-        <a:schemeClr val="bg1"/>
+      <p:bgRef idx="1003">
+        <a:schemeClr val="bg2"/>
       </p:bgRef>
     </p:bg>
     <p:spTree>
@@ -2994,6 +3499,121 @@
       </p:grpSpPr>
       <p:sp>
         <p:nvSpPr>
+          <p:cNvPr id="10" name="Rectangle 9"/>
+          <p:cNvSpPr/>
+          <p:nvPr/>
+        </p:nvSpPr>
+        <p:spPr>
+          <a:xfrm>
+            <a:off x="0" y="4031468"/>
+            <a:ext cx="13716000" cy="8159040"/>
+          </a:xfrm>
+          <a:prstGeom prst="rect">
+            <a:avLst/>
+          </a:prstGeom>
+          <a:gradFill flip="none" rotWithShape="1">
+            <a:gsLst>
+              <a:gs pos="0">
+                <a:schemeClr val="bg2">
+                  <a:alpha val="0"/>
+                </a:schemeClr>
+              </a:gs>
+              <a:gs pos="100000">
+                <a:schemeClr val="bg2"/>
+              </a:gs>
+            </a:gsLst>
+            <a:lin ang="5400000" scaled="0"/>
+            <a:tileRect/>
+          </a:gradFill>
+          <a:ln>
+            <a:noFill/>
+          </a:ln>
+        </p:spPr>
+        <p:style>
+          <a:lnRef idx="2">
+            <a:schemeClr val="accent1">
+              <a:shade val="50000"/>
+            </a:schemeClr>
+          </a:lnRef>
+          <a:fillRef idx="1">
+            <a:schemeClr val="accent1"/>
+          </a:fillRef>
+          <a:effectRef idx="0">
+            <a:schemeClr val="accent1"/>
+          </a:effectRef>
+          <a:fontRef idx="minor">
+            <a:schemeClr val="lt1"/>
+          </a:fontRef>
+        </p:style>
+      </p:sp>
+      <p:pic>
+        <p:nvPicPr>
+          <p:cNvPr id="12" name="Picture 11"/>
+          <p:cNvPicPr>
+            <a:picLocks noChangeAspect="1"/>
+          </p:cNvPicPr>
+          <p:nvPr/>
+        </p:nvPicPr>
+        <p:blipFill rotWithShape="1">
+          <a:blip r:embed="rId13">
+            <a:extLst>
+              <a:ext uri="{28A0092B-C50C-407E-A947-70E740481C1C}">
+                <a14:useLocalDpi xmlns:a14="http://schemas.microsoft.com/office/drawing/2010/main" val="0"/>
+              </a:ext>
+            </a:extLst>
+          </a:blip>
+          <a:srcRect l="12500" t="1538" r="12500" b="-1538"/>
+          <a:stretch/>
+        </p:blipFill>
+        <p:spPr>
+          <a:xfrm>
+            <a:off x="-1" y="12190507"/>
+            <a:ext cx="13716002" cy="1549454"/>
+          </a:xfrm>
+          <a:prstGeom prst="rect">
+            <a:avLst/>
+          </a:prstGeom>
+        </p:spPr>
+      </p:pic>
+      <p:cxnSp>
+        <p:nvCxnSpPr>
+          <p:cNvPr id="13" name="Straight Connector 12"/>
+          <p:cNvCxnSpPr/>
+          <p:nvPr/>
+        </p:nvCxnSpPr>
+        <p:spPr>
+          <a:xfrm>
+            <a:off x="0" y="12202254"/>
+            <a:ext cx="13716000" cy="0"/>
+          </a:xfrm>
+          <a:prstGeom prst="line">
+            <a:avLst/>
+          </a:prstGeom>
+          <a:ln w="12700">
+            <a:solidFill>
+              <a:srgbClr val="000001">
+                <a:alpha val="20000"/>
+              </a:srgbClr>
+            </a:solidFill>
+          </a:ln>
+        </p:spPr>
+        <p:style>
+          <a:lnRef idx="1">
+            <a:schemeClr val="accent1"/>
+          </a:lnRef>
+          <a:fillRef idx="0">
+            <a:schemeClr val="accent1"/>
+          </a:fillRef>
+          <a:effectRef idx="0">
+            <a:schemeClr val="accent1"/>
+          </a:effectRef>
+          <a:fontRef idx="minor">
+            <a:schemeClr val="tx1"/>
+          </a:fontRef>
+        </p:style>
+      </p:cxnSp>
+      <p:sp>
+        <p:nvSpPr>
           <p:cNvPr id="2" name="Title Placeholder 1"/>
           <p:cNvSpPr>
             <a:spLocks noGrp="1"/>
@@ -3004,15 +3624,15 @@
         </p:nvSpPr>
         <p:spPr>
           <a:xfrm>
-            <a:off x="838200" y="365125"/>
-            <a:ext cx="10515600" cy="1325563"/>
+            <a:off x="2165237" y="1609041"/>
+            <a:ext cx="9857015" cy="2098470"/>
           </a:xfrm>
           <a:prstGeom prst="rect">
             <a:avLst/>
           </a:prstGeom>
         </p:spPr>
         <p:txBody>
-          <a:bodyPr vert="horz" lIns="91440" tIns="45720" rIns="91440" bIns="45720" rtlCol="0" anchor="ctr">
+          <a:bodyPr vert="horz" lIns="91440" tIns="45720" rIns="91440" bIns="45720" rtlCol="0" anchor="t">
             <a:normAutofit/>
           </a:bodyPr>
           <a:lstStyle/>
@@ -3037,8 +3657,8 @@
         </p:nvSpPr>
         <p:spPr>
           <a:xfrm>
-            <a:off x="838200" y="1825625"/>
-            <a:ext cx="10515600" cy="4351338"/>
+            <a:off x="2165237" y="4031467"/>
+            <a:ext cx="9857015" cy="6901226"/>
           </a:xfrm>
           <a:prstGeom prst="rect">
             <a:avLst/>
@@ -3099,8 +3719,8 @@
         </p:nvSpPr>
         <p:spPr>
           <a:xfrm>
-            <a:off x="838200" y="6356350"/>
-            <a:ext cx="2743200" cy="365125"/>
+            <a:off x="8469813" y="660741"/>
+            <a:ext cx="3552438" cy="618402"/>
           </a:xfrm>
           <a:prstGeom prst="rect">
             <a:avLst/>
@@ -3109,8 +3729,8 @@
         <p:txBody>
           <a:bodyPr vert="horz" lIns="91440" tIns="45720" rIns="91440" bIns="45720" rtlCol="0" anchor="ctr"/>
           <a:lstStyle>
-            <a:lvl1pPr algn="l">
-              <a:defRPr sz="1200">
+            <a:lvl1pPr algn="r">
+              <a:defRPr sz="1500">
                 <a:solidFill>
                   <a:schemeClr val="tx1">
                     <a:tint val="75000"/>
@@ -3140,8 +3760,8 @@
         </p:nvSpPr>
         <p:spPr>
           <a:xfrm>
-            <a:off x="4038600" y="6356350"/>
-            <a:ext cx="4114800" cy="365125"/>
+            <a:off x="2165237" y="658617"/>
+            <a:ext cx="6051006" cy="618402"/>
           </a:xfrm>
           <a:prstGeom prst="rect">
             <a:avLst/>
@@ -3150,8 +3770,8 @@
         <p:txBody>
           <a:bodyPr vert="horz" lIns="91440" tIns="45720" rIns="91440" bIns="45720" rtlCol="0" anchor="ctr"/>
           <a:lstStyle>
-            <a:lvl1pPr algn="ctr">
-              <a:defRPr sz="1200">
+            <a:lvl1pPr algn="l">
+              <a:defRPr sz="1500">
                 <a:solidFill>
                   <a:schemeClr val="tx1">
                     <a:tint val="75000"/>
@@ -3177,22 +3797,20 @@
         </p:nvSpPr>
         <p:spPr>
           <a:xfrm>
-            <a:off x="8610600" y="6356350"/>
-            <a:ext cx="2743200" cy="365125"/>
+            <a:off x="731588" y="1597946"/>
+            <a:ext cx="1193619" cy="1007156"/>
           </a:xfrm>
           <a:prstGeom prst="rect">
             <a:avLst/>
           </a:prstGeom>
         </p:spPr>
         <p:txBody>
-          <a:bodyPr vert="horz" lIns="91440" tIns="45720" rIns="91440" bIns="45720" rtlCol="0" anchor="ctr"/>
+          <a:bodyPr vert="horz" lIns="91440" tIns="45720" rIns="91440" bIns="45720" rtlCol="0" anchor="t"/>
           <a:lstStyle>
             <a:lvl1pPr algn="r">
-              <a:defRPr sz="1200">
+              <a:defRPr sz="4200">
                 <a:solidFill>
-                  <a:schemeClr val="tx1">
-                    <a:tint val="75000"/>
-                  </a:schemeClr>
+                  <a:schemeClr val="accent1"/>
                 </a:solidFill>
               </a:defRPr>
             </a:lvl1pPr>
@@ -3209,27 +3827,27 @@
     </p:spTree>
     <p:extLst>
       <p:ext uri="{BB962C8B-B14F-4D97-AF65-F5344CB8AC3E}">
-        <p14:creationId xmlns:p14="http://schemas.microsoft.com/office/powerpoint/2010/main" val="3719691232"/>
+        <p14:creationId xmlns:p14="http://schemas.microsoft.com/office/powerpoint/2010/main" val="3943519574"/>
       </p:ext>
     </p:extLst>
   </p:cSld>
   <p:clrMap bg1="lt1" tx1="dk1" bg2="lt2" tx2="dk2" accent1="accent1" accent2="accent2" accent3="accent3" accent4="accent4" accent5="accent5" accent6="accent6" hlink="hlink" folHlink="folHlink"/>
   <p:sldLayoutIdLst>
-    <p:sldLayoutId id="2147483697" r:id="rId1"/>
-    <p:sldLayoutId id="2147483698" r:id="rId2"/>
-    <p:sldLayoutId id="2147483699" r:id="rId3"/>
-    <p:sldLayoutId id="2147483700" r:id="rId4"/>
-    <p:sldLayoutId id="2147483701" r:id="rId5"/>
-    <p:sldLayoutId id="2147483702" r:id="rId6"/>
-    <p:sldLayoutId id="2147483703" r:id="rId7"/>
-    <p:sldLayoutId id="2147483704" r:id="rId8"/>
-    <p:sldLayoutId id="2147483705" r:id="rId9"/>
-    <p:sldLayoutId id="2147483706" r:id="rId10"/>
-    <p:sldLayoutId id="2147483707" r:id="rId11"/>
+    <p:sldLayoutId id="2147483721" r:id="rId1"/>
+    <p:sldLayoutId id="2147483722" r:id="rId2"/>
+    <p:sldLayoutId id="2147483723" r:id="rId3"/>
+    <p:sldLayoutId id="2147483724" r:id="rId4"/>
+    <p:sldLayoutId id="2147483725" r:id="rId5"/>
+    <p:sldLayoutId id="2147483726" r:id="rId6"/>
+    <p:sldLayoutId id="2147483727" r:id="rId7"/>
+    <p:sldLayoutId id="2147483728" r:id="rId8"/>
+    <p:sldLayoutId id="2147483729" r:id="rId9"/>
+    <p:sldLayoutId id="2147483730" r:id="rId10"/>
+    <p:sldLayoutId id="2147483731" r:id="rId11"/>
   </p:sldLayoutIdLst>
   <p:txStyles>
     <p:titleStyle>
-      <a:lvl1pPr algn="l" defTabSz="914400" rtl="0" eaLnBrk="1" latinLnBrk="0" hangingPunct="1">
+      <a:lvl1pPr algn="l" defTabSz="1028700" rtl="0" eaLnBrk="1" latinLnBrk="0" hangingPunct="1">
         <a:lnSpc>
           <a:spcPct val="90000"/>
         </a:lnSpc>
@@ -3237,10 +3855,11 @@
           <a:spcPct val="0"/>
         </a:spcBef>
         <a:buNone/>
-        <a:defRPr sz="4400" kern="1200">
+        <a:defRPr sz="4800" b="0" i="0" kern="1200" cap="all">
           <a:solidFill>
             <a:schemeClr val="tx1"/>
           </a:solidFill>
+          <a:effectLst/>
           <a:latin typeface="+mj-lt"/>
           <a:ea typeface="+mj-ea"/>
           <a:cs typeface="+mj-cs"/>
@@ -3248,163 +3867,208 @@
       </a:lvl1pPr>
     </p:titleStyle>
     <p:bodyStyle>
-      <a:lvl1pPr marL="228600" indent="-228600" algn="l" defTabSz="914400" rtl="0" eaLnBrk="1" latinLnBrk="0" hangingPunct="1">
+      <a:lvl1pPr marL="342900" indent="-342900" algn="l" defTabSz="1028700" rtl="0" eaLnBrk="1" latinLnBrk="0" hangingPunct="1">
         <a:lnSpc>
-          <a:spcPct val="90000"/>
+          <a:spcPct val="120000"/>
         </a:lnSpc>
         <a:spcBef>
-          <a:spcPts val="1000"/>
+          <a:spcPts val="1500"/>
         </a:spcBef>
+        <a:buClr>
+          <a:schemeClr val="accent1"/>
+        </a:buClr>
+        <a:buSzPct val="100000"/>
         <a:buFont typeface="Arial" panose="020B0604020202020204" pitchFamily="34" charset="0"/>
         <a:buChar char="•"/>
-        <a:defRPr sz="2800" kern="1200">
+        <a:defRPr sz="3000" kern="1200" cap="none">
           <a:solidFill>
             <a:schemeClr val="tx1"/>
           </a:solidFill>
+          <a:effectLst/>
           <a:latin typeface="+mn-lt"/>
           <a:ea typeface="+mn-ea"/>
           <a:cs typeface="+mn-cs"/>
         </a:defRPr>
       </a:lvl1pPr>
-      <a:lvl2pPr marL="685800" indent="-228600" algn="l" defTabSz="914400" rtl="0" eaLnBrk="1" latinLnBrk="0" hangingPunct="1">
+      <a:lvl2pPr marL="1028700" indent="-342900" algn="l" defTabSz="1028700" rtl="0" eaLnBrk="1" latinLnBrk="0" hangingPunct="1">
         <a:lnSpc>
-          <a:spcPct val="90000"/>
+          <a:spcPct val="120000"/>
         </a:lnSpc>
         <a:spcBef>
-          <a:spcPts val="500"/>
+          <a:spcPts val="750"/>
         </a:spcBef>
+        <a:buClr>
+          <a:schemeClr val="accent1"/>
+        </a:buClr>
+        <a:buSzPct val="100000"/>
         <a:buFont typeface="Arial" panose="020B0604020202020204" pitchFamily="34" charset="0"/>
         <a:buChar char="•"/>
-        <a:defRPr sz="2400" kern="1200">
+        <a:defRPr sz="2400" kern="1200" cap="none" baseline="0">
           <a:solidFill>
             <a:schemeClr val="tx1"/>
           </a:solidFill>
+          <a:effectLst/>
           <a:latin typeface="+mn-lt"/>
           <a:ea typeface="+mn-ea"/>
           <a:cs typeface="+mn-cs"/>
         </a:defRPr>
       </a:lvl2pPr>
-      <a:lvl3pPr marL="1143000" indent="-228600" algn="l" defTabSz="914400" rtl="0" eaLnBrk="1" latinLnBrk="0" hangingPunct="1">
+      <a:lvl3pPr marL="1714500" indent="-342900" algn="l" defTabSz="1028700" rtl="0" eaLnBrk="1" latinLnBrk="0" hangingPunct="1">
         <a:lnSpc>
-          <a:spcPct val="90000"/>
+          <a:spcPct val="120000"/>
         </a:lnSpc>
         <a:spcBef>
-          <a:spcPts val="500"/>
+          <a:spcPts val="750"/>
         </a:spcBef>
+        <a:buClr>
+          <a:schemeClr val="accent1"/>
+        </a:buClr>
+        <a:buSzPct val="100000"/>
         <a:buFont typeface="Arial" panose="020B0604020202020204" pitchFamily="34" charset="0"/>
         <a:buChar char="•"/>
-        <a:defRPr sz="2000" kern="1200">
+        <a:defRPr sz="2400" kern="1200" cap="none">
           <a:solidFill>
             <a:schemeClr val="tx1"/>
           </a:solidFill>
+          <a:effectLst/>
           <a:latin typeface="+mn-lt"/>
           <a:ea typeface="+mn-ea"/>
           <a:cs typeface="+mn-cs"/>
         </a:defRPr>
       </a:lvl3pPr>
-      <a:lvl4pPr marL="1600200" indent="-228600" algn="l" defTabSz="914400" rtl="0" eaLnBrk="1" latinLnBrk="0" hangingPunct="1">
+      <a:lvl4pPr marL="2400300" indent="-342900" algn="l" defTabSz="1028700" rtl="0" eaLnBrk="1" latinLnBrk="0" hangingPunct="1">
         <a:lnSpc>
-          <a:spcPct val="90000"/>
+          <a:spcPct val="120000"/>
         </a:lnSpc>
         <a:spcBef>
-          <a:spcPts val="500"/>
+          <a:spcPts val="750"/>
         </a:spcBef>
+        <a:buClr>
+          <a:schemeClr val="accent1"/>
+        </a:buClr>
+        <a:buSzPct val="100000"/>
+        <a:buFont typeface="Arial" panose="020B0604020202020204" pitchFamily="34" charset="0"/>
+        <a:buChar char="•"/>
+        <a:defRPr sz="2100" kern="1200" cap="none" baseline="0">
+          <a:solidFill>
+            <a:schemeClr val="tx1"/>
+          </a:solidFill>
+          <a:effectLst/>
+          <a:latin typeface="+mn-lt"/>
+          <a:ea typeface="+mn-ea"/>
+          <a:cs typeface="+mn-cs"/>
+        </a:defRPr>
+      </a:lvl4pPr>
+      <a:lvl5pPr marL="3086100" indent="-342900" algn="l" defTabSz="1028700" rtl="0" eaLnBrk="1" latinLnBrk="0" hangingPunct="1">
+        <a:lnSpc>
+          <a:spcPct val="120000"/>
+        </a:lnSpc>
+        <a:spcBef>
+          <a:spcPts val="750"/>
+        </a:spcBef>
+        <a:buClr>
+          <a:schemeClr val="accent1"/>
+        </a:buClr>
+        <a:buSzPct val="100000"/>
+        <a:buFont typeface="Arial" panose="020B0604020202020204" pitchFamily="34" charset="0"/>
+        <a:buChar char="•"/>
+        <a:defRPr sz="1800" kern="1200" cap="none">
+          <a:solidFill>
+            <a:schemeClr val="tx1"/>
+          </a:solidFill>
+          <a:effectLst/>
+          <a:latin typeface="+mn-lt"/>
+          <a:ea typeface="+mn-ea"/>
+          <a:cs typeface="+mn-cs"/>
+        </a:defRPr>
+      </a:lvl5pPr>
+      <a:lvl6pPr marL="3771900" indent="-342900" algn="l" defTabSz="1371600" rtl="0" eaLnBrk="1" latinLnBrk="0" hangingPunct="1">
+        <a:lnSpc>
+          <a:spcPct val="120000"/>
+        </a:lnSpc>
+        <a:spcBef>
+          <a:spcPts val="750"/>
+        </a:spcBef>
+        <a:buClr>
+          <a:schemeClr val="accent1"/>
+        </a:buClr>
+        <a:buSzPct val="100000"/>
         <a:buFont typeface="Arial" panose="020B0604020202020204" pitchFamily="34" charset="0"/>
         <a:buChar char="•"/>
         <a:defRPr sz="1800" kern="1200">
           <a:solidFill>
             <a:schemeClr val="tx1"/>
           </a:solidFill>
+          <a:effectLst/>
           <a:latin typeface="+mn-lt"/>
           <a:ea typeface="+mn-ea"/>
           <a:cs typeface="+mn-cs"/>
         </a:defRPr>
-      </a:lvl4pPr>
-      <a:lvl5pPr marL="2057400" indent="-228600" algn="l" defTabSz="914400" rtl="0" eaLnBrk="1" latinLnBrk="0" hangingPunct="1">
+      </a:lvl6pPr>
+      <a:lvl7pPr marL="4457700" indent="-342900" algn="l" defTabSz="1371600" rtl="0" eaLnBrk="1" latinLnBrk="0" hangingPunct="1">
         <a:lnSpc>
-          <a:spcPct val="90000"/>
+          <a:spcPct val="120000"/>
         </a:lnSpc>
         <a:spcBef>
-          <a:spcPts val="500"/>
+          <a:spcPts val="750"/>
         </a:spcBef>
+        <a:buClr>
+          <a:schemeClr val="accent1"/>
+        </a:buClr>
+        <a:buSzPct val="100000"/>
         <a:buFont typeface="Arial" panose="020B0604020202020204" pitchFamily="34" charset="0"/>
         <a:buChar char="•"/>
         <a:defRPr sz="1800" kern="1200">
           <a:solidFill>
             <a:schemeClr val="tx1"/>
           </a:solidFill>
-          <a:latin typeface="+mn-lt"/>
-          <a:ea typeface="+mn-ea"/>
-          <a:cs typeface="+mn-cs"/>
-        </a:defRPr>
-      </a:lvl5pPr>
-      <a:lvl6pPr marL="2514600" indent="-228600" algn="l" defTabSz="914400" rtl="0" eaLnBrk="1" latinLnBrk="0" hangingPunct="1">
-        <a:lnSpc>
-          <a:spcPct val="90000"/>
-        </a:lnSpc>
-        <a:spcBef>
-          <a:spcPts val="500"/>
-        </a:spcBef>
-        <a:buFont typeface="Arial" panose="020B0604020202020204" pitchFamily="34" charset="0"/>
-        <a:buChar char="•"/>
-        <a:defRPr sz="1800" kern="1200">
-          <a:solidFill>
-            <a:schemeClr val="tx1"/>
-          </a:solidFill>
-          <a:latin typeface="+mn-lt"/>
-          <a:ea typeface="+mn-ea"/>
-          <a:cs typeface="+mn-cs"/>
-        </a:defRPr>
-      </a:lvl6pPr>
-      <a:lvl7pPr marL="2971800" indent="-228600" algn="l" defTabSz="914400" rtl="0" eaLnBrk="1" latinLnBrk="0" hangingPunct="1">
-        <a:lnSpc>
-          <a:spcPct val="90000"/>
-        </a:lnSpc>
-        <a:spcBef>
-          <a:spcPts val="500"/>
-        </a:spcBef>
-        <a:buFont typeface="Arial" panose="020B0604020202020204" pitchFamily="34" charset="0"/>
-        <a:buChar char="•"/>
-        <a:defRPr sz="1800" kern="1200">
-          <a:solidFill>
-            <a:schemeClr val="tx1"/>
-          </a:solidFill>
+          <a:effectLst/>
           <a:latin typeface="+mn-lt"/>
           <a:ea typeface="+mn-ea"/>
           <a:cs typeface="+mn-cs"/>
         </a:defRPr>
       </a:lvl7pPr>
-      <a:lvl8pPr marL="3429000" indent="-228600" algn="l" defTabSz="914400" rtl="0" eaLnBrk="1" latinLnBrk="0" hangingPunct="1">
+      <a:lvl8pPr marL="5143500" indent="-342900" algn="l" defTabSz="1371600" rtl="0" eaLnBrk="1" latinLnBrk="0" hangingPunct="1">
         <a:lnSpc>
-          <a:spcPct val="90000"/>
+          <a:spcPct val="120000"/>
         </a:lnSpc>
         <a:spcBef>
-          <a:spcPts val="500"/>
+          <a:spcPts val="750"/>
         </a:spcBef>
+        <a:buClr>
+          <a:schemeClr val="accent1"/>
+        </a:buClr>
+        <a:buSzPct val="100000"/>
         <a:buFont typeface="Arial" panose="020B0604020202020204" pitchFamily="34" charset="0"/>
         <a:buChar char="•"/>
-        <a:defRPr sz="1800" kern="1200">
+        <a:defRPr sz="1800" kern="1200" baseline="0">
           <a:solidFill>
             <a:schemeClr val="tx1"/>
           </a:solidFill>
+          <a:effectLst/>
           <a:latin typeface="+mn-lt"/>
           <a:ea typeface="+mn-ea"/>
           <a:cs typeface="+mn-cs"/>
         </a:defRPr>
       </a:lvl8pPr>
-      <a:lvl9pPr marL="3886200" indent="-228600" algn="l" defTabSz="914400" rtl="0" eaLnBrk="1" latinLnBrk="0" hangingPunct="1">
+      <a:lvl9pPr marL="5829300" indent="-342900" algn="l" defTabSz="1371600" rtl="0" eaLnBrk="1" latinLnBrk="0" hangingPunct="1">
         <a:lnSpc>
-          <a:spcPct val="90000"/>
+          <a:spcPct val="120000"/>
         </a:lnSpc>
         <a:spcBef>
-          <a:spcPts val="500"/>
+          <a:spcPts val="750"/>
         </a:spcBef>
+        <a:buClr>
+          <a:schemeClr val="accent1"/>
+        </a:buClr>
+        <a:buSzPct val="100000"/>
         <a:buFont typeface="Arial" panose="020B0604020202020204" pitchFamily="34" charset="0"/>
         <a:buChar char="•"/>
-        <a:defRPr sz="1800" kern="1200">
+        <a:defRPr sz="1800" kern="1200" baseline="0">
           <a:solidFill>
             <a:schemeClr val="tx1"/>
           </a:solidFill>
+          <a:effectLst/>
           <a:latin typeface="+mn-lt"/>
           <a:ea typeface="+mn-ea"/>
           <a:cs typeface="+mn-cs"/>
@@ -3415,8 +4079,8 @@
       <a:defPPr>
         <a:defRPr lang="en-US"/>
       </a:defPPr>
-      <a:lvl1pPr marL="0" algn="l" defTabSz="914400" rtl="0" eaLnBrk="1" latinLnBrk="0" hangingPunct="1">
-        <a:defRPr sz="1800" kern="1200">
+      <a:lvl1pPr marL="0" algn="l" defTabSz="1028700" rtl="0" eaLnBrk="1" latinLnBrk="0" hangingPunct="1">
+        <a:defRPr sz="2025" kern="1200">
           <a:solidFill>
             <a:schemeClr val="tx1"/>
           </a:solidFill>
@@ -3425,8 +4089,8 @@
           <a:cs typeface="+mn-cs"/>
         </a:defRPr>
       </a:lvl1pPr>
-      <a:lvl2pPr marL="457200" algn="l" defTabSz="914400" rtl="0" eaLnBrk="1" latinLnBrk="0" hangingPunct="1">
-        <a:defRPr sz="1800" kern="1200">
+      <a:lvl2pPr marL="514350" algn="l" defTabSz="1028700" rtl="0" eaLnBrk="1" latinLnBrk="0" hangingPunct="1">
+        <a:defRPr sz="2025" kern="1200">
           <a:solidFill>
             <a:schemeClr val="tx1"/>
           </a:solidFill>
@@ -3435,8 +4099,8 @@
           <a:cs typeface="+mn-cs"/>
         </a:defRPr>
       </a:lvl2pPr>
-      <a:lvl3pPr marL="914400" algn="l" defTabSz="914400" rtl="0" eaLnBrk="1" latinLnBrk="0" hangingPunct="1">
-        <a:defRPr sz="1800" kern="1200">
+      <a:lvl3pPr marL="1028700" algn="l" defTabSz="1028700" rtl="0" eaLnBrk="1" latinLnBrk="0" hangingPunct="1">
+        <a:defRPr sz="2025" kern="1200">
           <a:solidFill>
             <a:schemeClr val="tx1"/>
           </a:solidFill>
@@ -3445,8 +4109,8 @@
           <a:cs typeface="+mn-cs"/>
         </a:defRPr>
       </a:lvl3pPr>
-      <a:lvl4pPr marL="1371600" algn="l" defTabSz="914400" rtl="0" eaLnBrk="1" latinLnBrk="0" hangingPunct="1">
-        <a:defRPr sz="1800" kern="1200">
+      <a:lvl4pPr marL="1543050" algn="l" defTabSz="1028700" rtl="0" eaLnBrk="1" latinLnBrk="0" hangingPunct="1">
+        <a:defRPr sz="2025" kern="1200">
           <a:solidFill>
             <a:schemeClr val="tx1"/>
           </a:solidFill>
@@ -3455,8 +4119,8 @@
           <a:cs typeface="+mn-cs"/>
         </a:defRPr>
       </a:lvl4pPr>
-      <a:lvl5pPr marL="1828800" algn="l" defTabSz="914400" rtl="0" eaLnBrk="1" latinLnBrk="0" hangingPunct="1">
-        <a:defRPr sz="1800" kern="1200">
+      <a:lvl5pPr marL="2057400" algn="l" defTabSz="1028700" rtl="0" eaLnBrk="1" latinLnBrk="0" hangingPunct="1">
+        <a:defRPr sz="2025" kern="1200">
           <a:solidFill>
             <a:schemeClr val="tx1"/>
           </a:solidFill>
@@ -3465,8 +4129,8 @@
           <a:cs typeface="+mn-cs"/>
         </a:defRPr>
       </a:lvl5pPr>
-      <a:lvl6pPr marL="2286000" algn="l" defTabSz="914400" rtl="0" eaLnBrk="1" latinLnBrk="0" hangingPunct="1">
-        <a:defRPr sz="1800" kern="1200">
+      <a:lvl6pPr marL="2571750" algn="l" defTabSz="1028700" rtl="0" eaLnBrk="1" latinLnBrk="0" hangingPunct="1">
+        <a:defRPr sz="2025" kern="1200">
           <a:solidFill>
             <a:schemeClr val="tx1"/>
           </a:solidFill>
@@ -3475,8 +4139,8 @@
           <a:cs typeface="+mn-cs"/>
         </a:defRPr>
       </a:lvl6pPr>
-      <a:lvl7pPr marL="2743200" algn="l" defTabSz="914400" rtl="0" eaLnBrk="1" latinLnBrk="0" hangingPunct="1">
-        <a:defRPr sz="1800" kern="1200">
+      <a:lvl7pPr marL="3086100" algn="l" defTabSz="1028700" rtl="0" eaLnBrk="1" latinLnBrk="0" hangingPunct="1">
+        <a:defRPr sz="2025" kern="1200">
           <a:solidFill>
             <a:schemeClr val="tx1"/>
           </a:solidFill>
@@ -3485,8 +4149,8 @@
           <a:cs typeface="+mn-cs"/>
         </a:defRPr>
       </a:lvl7pPr>
-      <a:lvl8pPr marL="3200400" algn="l" defTabSz="914400" rtl="0" eaLnBrk="1" latinLnBrk="0" hangingPunct="1">
-        <a:defRPr sz="1800" kern="1200">
+      <a:lvl8pPr marL="3600450" algn="l" defTabSz="1028700" rtl="0" eaLnBrk="1" latinLnBrk="0" hangingPunct="1">
+        <a:defRPr sz="2025" kern="1200">
           <a:solidFill>
             <a:schemeClr val="tx1"/>
           </a:solidFill>
@@ -3495,8 +4159,8 @@
           <a:cs typeface="+mn-cs"/>
         </a:defRPr>
       </a:lvl8pPr>
-      <a:lvl9pPr marL="3657600" algn="l" defTabSz="914400" rtl="0" eaLnBrk="1" latinLnBrk="0" hangingPunct="1">
-        <a:defRPr sz="1800" kern="1200">
+      <a:lvl9pPr marL="4114800" algn="l" defTabSz="1028700" rtl="0" eaLnBrk="1" latinLnBrk="0" hangingPunct="1">
+        <a:defRPr sz="2025" kern="1200">
           <a:solidFill>
             <a:schemeClr val="tx1"/>
           </a:solidFill>
@@ -3541,8 +4205,8 @@
         </p:nvSpPr>
         <p:spPr>
           <a:xfrm>
-            <a:off x="1720312" y="1813302"/>
-            <a:ext cx="8059119" cy="2820691"/>
+            <a:off x="1935352" y="5505577"/>
+            <a:ext cx="9066509" cy="2332868"/>
           </a:xfrm>
           <a:prstGeom prst="rect">
             <a:avLst/>
@@ -3575,7 +4239,7 @@
           <a:lstStyle/>
           <a:p>
             <a:pPr algn="ctr"/>
-            <a:endParaRPr lang="en-US"/>
+            <a:endParaRPr lang="en-US" sz="2916"/>
           </a:p>
         </p:txBody>
       </p:sp>
@@ -3589,14 +4253,15 @@
             </a:extLst>
           </p:cNvPr>
           <p:cNvCxnSpPr>
+            <a:cxnSpLocks/>
             <a:stCxn id="6" idx="1"/>
           </p:cNvCxnSpPr>
           <p:nvPr/>
         </p:nvCxnSpPr>
         <p:spPr>
           <a:xfrm flipV="1">
-            <a:off x="1720312" y="3223647"/>
-            <a:ext cx="4184542" cy="1"/>
+            <a:off x="1935352" y="6626983"/>
+            <a:ext cx="4707609" cy="45028"/>
           </a:xfrm>
           <a:prstGeom prst="line">
             <a:avLst/>
@@ -3631,13 +4296,15 @@
               </a:ext>
             </a:extLst>
           </p:cNvPr>
-          <p:cNvCxnSpPr/>
+          <p:cNvCxnSpPr>
+            <a:cxnSpLocks/>
+          </p:cNvCxnSpPr>
           <p:nvPr/>
         </p:nvCxnSpPr>
         <p:spPr>
           <a:xfrm>
-            <a:off x="10228881" y="1813302"/>
-            <a:ext cx="0" cy="2820691"/>
+            <a:off x="11507491" y="5505577"/>
+            <a:ext cx="0" cy="2332868"/>
           </a:xfrm>
           <a:prstGeom prst="straightConnector1">
             <a:avLst/>
@@ -3678,8 +4345,8 @@
         </p:nvCxnSpPr>
         <p:spPr>
           <a:xfrm>
-            <a:off x="1720309" y="5736426"/>
-            <a:ext cx="8059119" cy="0"/>
+            <a:off x="1935348" y="9058436"/>
+            <a:ext cx="9066509" cy="0"/>
           </a:xfrm>
           <a:prstGeom prst="straightConnector1">
             <a:avLst/>
@@ -3718,8 +4385,8 @@
         </p:nvSpPr>
         <p:spPr>
           <a:xfrm>
-            <a:off x="5370162" y="5785505"/>
-            <a:ext cx="1069383" cy="477054"/>
+            <a:off x="6041433" y="9113650"/>
+            <a:ext cx="1203056" cy="525208"/>
           </a:xfrm>
           <a:prstGeom prst="rect">
             <a:avLst/>
@@ -3734,7 +4401,7 @@
           <a:p>
             <a:pPr algn="ctr"/>
             <a:r>
-              <a:rPr lang="en-US" sz="2500" dirty="0"/>
+              <a:rPr lang="en-US" sz="2813" dirty="0"/>
               <a:t>2L</a:t>
             </a:r>
           </a:p>
@@ -3754,8 +4421,8 @@
         </p:nvSpPr>
         <p:spPr>
           <a:xfrm>
-            <a:off x="9936996" y="3023592"/>
-            <a:ext cx="1069383" cy="477054"/>
+            <a:off x="11179121" y="6401916"/>
+            <a:ext cx="1203056" cy="525208"/>
           </a:xfrm>
           <a:prstGeom prst="rect">
             <a:avLst/>
@@ -3770,7 +4437,7 @@
           <a:p>
             <a:pPr algn="ctr"/>
             <a:r>
-              <a:rPr lang="en-US" sz="2500" dirty="0"/>
+              <a:rPr lang="en-US" sz="2813" dirty="0"/>
               <a:t>2h</a:t>
             </a:r>
           </a:p>
@@ -3792,8 +4459,8 @@
         </p:nvCxnSpPr>
         <p:spPr>
           <a:xfrm>
-            <a:off x="1720312" y="3636936"/>
-            <a:ext cx="4184542" cy="0"/>
+            <a:off x="1935351" y="7091928"/>
+            <a:ext cx="4707610" cy="0"/>
           </a:xfrm>
           <a:prstGeom prst="straightConnector1">
             <a:avLst/>
@@ -3832,8 +4499,8 @@
         </p:nvSpPr>
         <p:spPr>
           <a:xfrm>
-            <a:off x="3277891" y="3698664"/>
-            <a:ext cx="1069383" cy="477054"/>
+            <a:off x="3687628" y="7161372"/>
+            <a:ext cx="1203056" cy="525208"/>
           </a:xfrm>
           <a:prstGeom prst="rect">
             <a:avLst/>
@@ -3848,7 +4515,7 @@
           <a:p>
             <a:pPr algn="ctr"/>
             <a:r>
-              <a:rPr lang="en-US" sz="2500" dirty="0"/>
+              <a:rPr lang="en-US" sz="2813" dirty="0"/>
               <a:t>L</a:t>
             </a:r>
           </a:p>
@@ -3870,8 +4537,8 @@
         </p:nvCxnSpPr>
         <p:spPr>
           <a:xfrm>
-            <a:off x="5904854" y="3223647"/>
-            <a:ext cx="728421" cy="0"/>
+            <a:off x="6642961" y="6626978"/>
+            <a:ext cx="819474" cy="0"/>
           </a:xfrm>
           <a:prstGeom prst="straightConnector1">
             <a:avLst/>
@@ -3915,8 +4582,8 @@
         </p:nvCxnSpPr>
         <p:spPr>
           <a:xfrm flipV="1">
-            <a:off x="5904854" y="2495227"/>
-            <a:ext cx="7749" cy="728421"/>
+            <a:off x="6642961" y="5807506"/>
+            <a:ext cx="8718" cy="819474"/>
           </a:xfrm>
           <a:prstGeom prst="straightConnector1">
             <a:avLst/>
@@ -3960,8 +4627,8 @@
         </p:nvCxnSpPr>
         <p:spPr>
           <a:xfrm flipH="1" flipV="1">
-            <a:off x="5749871" y="1239091"/>
-            <a:ext cx="1" cy="548640"/>
+            <a:off x="6601546" y="4863912"/>
+            <a:ext cx="1" cy="617220"/>
           </a:xfrm>
           <a:prstGeom prst="straightConnector1">
             <a:avLst/>
@@ -4002,8 +4669,8 @@
         </p:nvSpPr>
         <p:spPr>
           <a:xfrm>
-            <a:off x="5397281" y="761784"/>
-            <a:ext cx="705173" cy="477054"/>
+            <a:off x="6209225" y="4345100"/>
+            <a:ext cx="793320" cy="525208"/>
           </a:xfrm>
           <a:prstGeom prst="rect">
             <a:avLst/>
@@ -4018,7 +4685,7 @@
           <a:p>
             <a:pPr algn="ctr"/>
             <a:r>
-              <a:rPr lang="en-US" sz="2500" dirty="0"/>
+              <a:rPr lang="en-US" sz="2813" dirty="0"/>
               <a:t>𝚫</a:t>
             </a:r>
           </a:p>
@@ -4038,8 +4705,8 @@
         </p:nvCxnSpPr>
         <p:spPr>
           <a:xfrm flipH="1" flipV="1">
-            <a:off x="9779428" y="1276023"/>
-            <a:ext cx="1" cy="548640"/>
+            <a:off x="11001857" y="4905461"/>
+            <a:ext cx="1" cy="617220"/>
           </a:xfrm>
           <a:prstGeom prst="straightConnector1">
             <a:avLst/>
@@ -4080,8 +4747,8 @@
         </p:nvCxnSpPr>
         <p:spPr>
           <a:xfrm flipH="1" flipV="1">
-            <a:off x="1720311" y="1267762"/>
-            <a:ext cx="1" cy="548640"/>
+            <a:off x="1935351" y="4896167"/>
+            <a:ext cx="1" cy="617220"/>
           </a:xfrm>
           <a:prstGeom prst="straightConnector1">
             <a:avLst/>
@@ -4122,8 +4789,8 @@
         </p:nvCxnSpPr>
         <p:spPr>
           <a:xfrm flipH="1" flipV="1">
-            <a:off x="3794176" y="1274995"/>
-            <a:ext cx="1" cy="548640"/>
+            <a:off x="4268449" y="4904304"/>
+            <a:ext cx="1" cy="617220"/>
           </a:xfrm>
           <a:prstGeom prst="straightConnector1">
             <a:avLst/>
@@ -4164,8 +4831,8 @@
         </p:nvCxnSpPr>
         <p:spPr>
           <a:xfrm flipH="1" flipV="1">
-            <a:off x="7838910" y="1239091"/>
-            <a:ext cx="1" cy="548640"/>
+            <a:off x="8818775" y="4901818"/>
+            <a:ext cx="1" cy="617220"/>
           </a:xfrm>
           <a:prstGeom prst="straightConnector1">
             <a:avLst/>
@@ -4206,8 +4873,8 @@
         </p:nvCxnSpPr>
         <p:spPr>
           <a:xfrm flipH="1" flipV="1">
-            <a:off x="2766450" y="1267762"/>
-            <a:ext cx="1" cy="548640"/>
+            <a:off x="3112257" y="4896167"/>
+            <a:ext cx="1" cy="617220"/>
           </a:xfrm>
           <a:prstGeom prst="straightConnector1">
             <a:avLst/>
@@ -4248,8 +4915,8 @@
         </p:nvCxnSpPr>
         <p:spPr>
           <a:xfrm flipH="1" flipV="1">
-            <a:off x="4840314" y="1239091"/>
-            <a:ext cx="1" cy="548640"/>
+            <a:off x="5445354" y="4863912"/>
+            <a:ext cx="1" cy="617220"/>
           </a:xfrm>
           <a:prstGeom prst="straightConnector1">
             <a:avLst/>
@@ -4290,8 +4957,8 @@
         </p:nvCxnSpPr>
         <p:spPr>
           <a:xfrm flipH="1" flipV="1">
-            <a:off x="6794391" y="1239091"/>
-            <a:ext cx="1" cy="548640"/>
+            <a:off x="7757737" y="4874962"/>
+            <a:ext cx="1" cy="617220"/>
           </a:xfrm>
           <a:prstGeom prst="straightConnector1">
             <a:avLst/>
@@ -4332,8 +4999,8 @@
         </p:nvCxnSpPr>
         <p:spPr>
           <a:xfrm flipH="1" flipV="1">
-            <a:off x="8809169" y="1239091"/>
-            <a:ext cx="1" cy="548640"/>
+            <a:off x="9910316" y="4901818"/>
+            <a:ext cx="1" cy="617220"/>
           </a:xfrm>
           <a:prstGeom prst="straightConnector1">
             <a:avLst/>
@@ -4376,8 +5043,8 @@
         </p:nvCxnSpPr>
         <p:spPr>
           <a:xfrm flipH="1">
-            <a:off x="1720311" y="4630893"/>
-            <a:ext cx="1" cy="548640"/>
+            <a:off x="1935351" y="7814712"/>
+            <a:ext cx="1" cy="617220"/>
           </a:xfrm>
           <a:prstGeom prst="straightConnector1">
             <a:avLst/>
@@ -4420,8 +5087,8 @@
         </p:nvCxnSpPr>
         <p:spPr>
           <a:xfrm flipH="1">
-            <a:off x="5904849" y="4619007"/>
-            <a:ext cx="1" cy="548640"/>
+            <a:off x="6642956" y="7826054"/>
+            <a:ext cx="1" cy="617220"/>
           </a:xfrm>
           <a:prstGeom prst="straightConnector1">
             <a:avLst/>
@@ -4464,8 +5131,8 @@
         </p:nvCxnSpPr>
         <p:spPr>
           <a:xfrm flipH="1">
-            <a:off x="9779430" y="4607645"/>
-            <a:ext cx="1" cy="548640"/>
+            <a:off x="11001859" y="7788558"/>
+            <a:ext cx="1" cy="617220"/>
           </a:xfrm>
           <a:prstGeom prst="straightConnector1">
             <a:avLst/>
@@ -4508,8 +5175,8 @@
         </p:nvCxnSpPr>
         <p:spPr>
           <a:xfrm flipH="1">
-            <a:off x="7842140" y="4630893"/>
-            <a:ext cx="1" cy="548640"/>
+            <a:off x="8822408" y="7814712"/>
+            <a:ext cx="1" cy="617220"/>
           </a:xfrm>
           <a:prstGeom prst="straightConnector1">
             <a:avLst/>
@@ -4552,8 +5219,8 @@
         </p:nvCxnSpPr>
         <p:spPr>
           <a:xfrm flipH="1">
-            <a:off x="3811291" y="4630893"/>
-            <a:ext cx="1" cy="548640"/>
+            <a:off x="4287703" y="7814712"/>
+            <a:ext cx="1" cy="617220"/>
           </a:xfrm>
           <a:prstGeom prst="straightConnector1">
             <a:avLst/>
@@ -4596,8 +5263,8 @@
         </p:nvCxnSpPr>
         <p:spPr>
           <a:xfrm flipH="1">
-            <a:off x="2764511" y="4630893"/>
-            <a:ext cx="1" cy="548640"/>
+            <a:off x="3110076" y="7814712"/>
+            <a:ext cx="1" cy="617220"/>
           </a:xfrm>
           <a:prstGeom prst="straightConnector1">
             <a:avLst/>
@@ -4640,8 +5307,8 @@
         </p:nvCxnSpPr>
         <p:spPr>
           <a:xfrm flipH="1">
-            <a:off x="4858070" y="4630893"/>
-            <a:ext cx="1" cy="548640"/>
+            <a:off x="5465329" y="7814712"/>
+            <a:ext cx="1" cy="617220"/>
           </a:xfrm>
           <a:prstGeom prst="straightConnector1">
             <a:avLst/>
@@ -4684,8 +5351,8 @@
         </p:nvCxnSpPr>
         <p:spPr>
           <a:xfrm flipH="1">
-            <a:off x="6881239" y="4617456"/>
-            <a:ext cx="1" cy="548640"/>
+            <a:off x="7741395" y="7799595"/>
+            <a:ext cx="1" cy="617220"/>
           </a:xfrm>
           <a:prstGeom prst="straightConnector1">
             <a:avLst/>
@@ -4728,8 +5395,8 @@
         </p:nvCxnSpPr>
         <p:spPr>
           <a:xfrm flipH="1">
-            <a:off x="8741040" y="4627789"/>
-            <a:ext cx="1" cy="548640"/>
+            <a:off x="9833671" y="7811220"/>
+            <a:ext cx="1" cy="617220"/>
           </a:xfrm>
           <a:prstGeom prst="straightConnector1">
             <a:avLst/>
@@ -4770,8 +5437,8 @@
         </p:nvSpPr>
         <p:spPr>
           <a:xfrm>
-            <a:off x="5552262" y="5315918"/>
-            <a:ext cx="705173" cy="477054"/>
+            <a:off x="6246296" y="8481047"/>
+            <a:ext cx="793320" cy="525208"/>
           </a:xfrm>
           <a:prstGeom prst="rect">
             <a:avLst/>
@@ -4786,7 +5453,7 @@
           <a:p>
             <a:pPr algn="ctr"/>
             <a:r>
-              <a:rPr lang="en-US" sz="2500" dirty="0"/>
+              <a:rPr lang="en-US" sz="2813" dirty="0"/>
               <a:t>𝚫</a:t>
             </a:r>
           </a:p>
@@ -4852,8 +5519,8 @@
         </p:blipFill>
         <p:spPr>
           <a:xfrm>
-            <a:off x="1333139" y="189931"/>
-            <a:ext cx="4153259" cy="3118465"/>
+            <a:off x="1499782" y="3214048"/>
+            <a:ext cx="4672416" cy="3508273"/>
           </a:xfrm>
           <a:prstGeom prst="rect">
             <a:avLst/>
@@ -4882,8 +5549,8 @@
         </p:blipFill>
         <p:spPr>
           <a:xfrm>
-            <a:off x="5616314" y="189932"/>
-            <a:ext cx="4153261" cy="3118466"/>
+            <a:off x="6318354" y="3214049"/>
+            <a:ext cx="4672419" cy="3508274"/>
           </a:xfrm>
           <a:prstGeom prst="rect">
             <a:avLst/>
@@ -4912,8 +5579,8 @@
         </p:blipFill>
         <p:spPr>
           <a:xfrm>
-            <a:off x="5616315" y="3394193"/>
-            <a:ext cx="4342764" cy="3308397"/>
+            <a:off x="6318354" y="6818843"/>
+            <a:ext cx="4885610" cy="3721947"/>
           </a:xfrm>
           <a:prstGeom prst="rect">
             <a:avLst/>
@@ -4942,8 +5609,8 @@
         </p:blipFill>
         <p:spPr>
           <a:xfrm>
-            <a:off x="1333138" y="3394193"/>
-            <a:ext cx="4153261" cy="3308397"/>
+            <a:off x="1499781" y="6818843"/>
+            <a:ext cx="4672419" cy="3721947"/>
           </a:xfrm>
           <a:prstGeom prst="rect">
             <a:avLst/>
@@ -4982,10 +5649,10 @@
       </p:grpSpPr>
       <p:pic>
         <p:nvPicPr>
-          <p:cNvPr id="5" name="Picture 4">
+          <p:cNvPr id="7" name="Picture 6" descr="A picture containing antenna&#10;&#10;Description automatically generated">
             <a:extLst>
               <a:ext uri="{FF2B5EF4-FFF2-40B4-BE49-F238E27FC236}">
-                <a16:creationId xmlns:a16="http://schemas.microsoft.com/office/drawing/2014/main" id="{4119CD75-9785-5545-B83C-FCAA1F7BBFB3}"/>
+                <a16:creationId xmlns:a16="http://schemas.microsoft.com/office/drawing/2014/main" id="{FDB27B41-A099-404D-987C-08CDFE618B2A}"/>
               </a:ext>
             </a:extLst>
           </p:cNvPr>
@@ -5002,8 +5669,450 @@
         </p:blipFill>
         <p:spPr>
           <a:xfrm>
-            <a:off x="3771900" y="1524000"/>
-            <a:ext cx="4648200" cy="3810000"/>
+            <a:off x="318702" y="1991505"/>
+            <a:ext cx="6539298" cy="3552786"/>
+          </a:xfrm>
+          <a:prstGeom prst="rect">
+            <a:avLst/>
+          </a:prstGeom>
+        </p:spPr>
+      </p:pic>
+      <p:pic>
+        <p:nvPicPr>
+          <p:cNvPr id="10" name="Picture 9" descr="Chart, diagram&#10;&#10;Description automatically generated">
+            <a:extLst>
+              <a:ext uri="{FF2B5EF4-FFF2-40B4-BE49-F238E27FC236}">
+                <a16:creationId xmlns:a16="http://schemas.microsoft.com/office/drawing/2014/main" id="{2D836D4F-E2AC-BE41-B13E-F4D6EE958CB1}"/>
+              </a:ext>
+            </a:extLst>
+          </p:cNvPr>
+          <p:cNvPicPr>
+            <a:picLocks noChangeAspect="1"/>
+          </p:cNvPicPr>
+          <p:nvPr/>
+        </p:nvPicPr>
+        <p:blipFill>
+          <a:blip r:embed="rId3"/>
+          <a:stretch>
+            <a:fillRect/>
+          </a:stretch>
+        </p:blipFill>
+        <p:spPr>
+          <a:xfrm>
+            <a:off x="318702" y="5569389"/>
+            <a:ext cx="6539298" cy="4904474"/>
+          </a:xfrm>
+          <a:prstGeom prst="rect">
+            <a:avLst/>
+          </a:prstGeom>
+        </p:spPr>
+      </p:pic>
+      <p:cxnSp>
+        <p:nvCxnSpPr>
+          <p:cNvPr id="24" name="Straight Connector 23">
+            <a:extLst>
+              <a:ext uri="{FF2B5EF4-FFF2-40B4-BE49-F238E27FC236}">
+                <a16:creationId xmlns:a16="http://schemas.microsoft.com/office/drawing/2014/main" id="{E660F277-11FF-2046-9954-59008633935C}"/>
+              </a:ext>
+            </a:extLst>
+          </p:cNvPr>
+          <p:cNvCxnSpPr>
+            <a:cxnSpLocks/>
+          </p:cNvCxnSpPr>
+          <p:nvPr/>
+        </p:nvCxnSpPr>
+        <p:spPr>
+          <a:xfrm>
+            <a:off x="4574326" y="7543800"/>
+            <a:ext cx="1674074" cy="0"/>
+          </a:xfrm>
+          <a:prstGeom prst="line">
+            <a:avLst/>
+          </a:prstGeom>
+          <a:ln w="28575">
+            <a:solidFill>
+              <a:schemeClr val="tx1">
+                <a:lumMod val="50000"/>
+                <a:lumOff val="50000"/>
+              </a:schemeClr>
+            </a:solidFill>
+          </a:ln>
+        </p:spPr>
+        <p:style>
+          <a:lnRef idx="1">
+            <a:schemeClr val="accent1"/>
+          </a:lnRef>
+          <a:fillRef idx="0">
+            <a:schemeClr val="accent1"/>
+          </a:fillRef>
+          <a:effectRef idx="0">
+            <a:schemeClr val="accent1"/>
+          </a:effectRef>
+          <a:fontRef idx="minor">
+            <a:schemeClr val="tx1"/>
+          </a:fontRef>
+        </p:style>
+      </p:cxnSp>
+      <p:cxnSp>
+        <p:nvCxnSpPr>
+          <p:cNvPr id="28" name="Straight Connector 27">
+            <a:extLst>
+              <a:ext uri="{FF2B5EF4-FFF2-40B4-BE49-F238E27FC236}">
+                <a16:creationId xmlns:a16="http://schemas.microsoft.com/office/drawing/2014/main" id="{266706DE-0CCF-C649-B9B2-FD1E55DDF073}"/>
+              </a:ext>
+            </a:extLst>
+          </p:cNvPr>
+          <p:cNvCxnSpPr>
+            <a:cxnSpLocks/>
+          </p:cNvCxnSpPr>
+          <p:nvPr/>
+        </p:nvCxnSpPr>
+        <p:spPr>
+          <a:xfrm>
+            <a:off x="4574326" y="7543800"/>
+            <a:ext cx="0" cy="206528"/>
+          </a:xfrm>
+          <a:prstGeom prst="line">
+            <a:avLst/>
+          </a:prstGeom>
+          <a:ln w="28575">
+            <a:solidFill>
+              <a:schemeClr val="tx1">
+                <a:lumMod val="50000"/>
+                <a:lumOff val="50000"/>
+              </a:schemeClr>
+            </a:solidFill>
+            <a:prstDash val="sysDash"/>
+            <a:headEnd type="none" w="med" len="med"/>
+            <a:tailEnd type="arrow" w="med" len="med"/>
+          </a:ln>
+        </p:spPr>
+        <p:style>
+          <a:lnRef idx="1">
+            <a:schemeClr val="accent1"/>
+          </a:lnRef>
+          <a:fillRef idx="0">
+            <a:schemeClr val="accent1"/>
+          </a:fillRef>
+          <a:effectRef idx="0">
+            <a:schemeClr val="accent1"/>
+          </a:effectRef>
+          <a:fontRef idx="minor">
+            <a:schemeClr val="tx1"/>
+          </a:fontRef>
+        </p:style>
+      </p:cxnSp>
+      <p:cxnSp>
+        <p:nvCxnSpPr>
+          <p:cNvPr id="30" name="Straight Connector 29">
+            <a:extLst>
+              <a:ext uri="{FF2B5EF4-FFF2-40B4-BE49-F238E27FC236}">
+                <a16:creationId xmlns:a16="http://schemas.microsoft.com/office/drawing/2014/main" id="{CA63307A-AB0B-804D-ACEB-3662861BAEA5}"/>
+              </a:ext>
+            </a:extLst>
+          </p:cNvPr>
+          <p:cNvCxnSpPr>
+            <a:cxnSpLocks/>
+          </p:cNvCxnSpPr>
+          <p:nvPr/>
+        </p:nvCxnSpPr>
+        <p:spPr>
+          <a:xfrm>
+            <a:off x="6226628" y="7543800"/>
+            <a:ext cx="0" cy="1545771"/>
+          </a:xfrm>
+          <a:prstGeom prst="line">
+            <a:avLst/>
+          </a:prstGeom>
+          <a:ln w="28575">
+            <a:solidFill>
+              <a:schemeClr val="tx1">
+                <a:lumMod val="50000"/>
+                <a:lumOff val="50000"/>
+              </a:schemeClr>
+            </a:solidFill>
+            <a:prstDash val="sysDash"/>
+            <a:headEnd type="none" w="med" len="med"/>
+            <a:tailEnd type="arrow" w="med" len="med"/>
+          </a:ln>
+        </p:spPr>
+        <p:style>
+          <a:lnRef idx="1">
+            <a:schemeClr val="accent1"/>
+          </a:lnRef>
+          <a:fillRef idx="0">
+            <a:schemeClr val="accent1"/>
+          </a:fillRef>
+          <a:effectRef idx="0">
+            <a:schemeClr val="accent1"/>
+          </a:effectRef>
+          <a:fontRef idx="minor">
+            <a:schemeClr val="tx1"/>
+          </a:fontRef>
+        </p:style>
+      </p:cxnSp>
+      <p:sp>
+        <p:nvSpPr>
+          <p:cNvPr id="37" name="TextBox 36">
+            <a:extLst>
+              <a:ext uri="{FF2B5EF4-FFF2-40B4-BE49-F238E27FC236}">
+                <a16:creationId xmlns:a16="http://schemas.microsoft.com/office/drawing/2014/main" id="{8C252865-B2CD-0E49-B4FE-868D68753C4D}"/>
+              </a:ext>
+            </a:extLst>
+          </p:cNvPr>
+          <p:cNvSpPr txBox="1"/>
+          <p:nvPr/>
+        </p:nvSpPr>
+        <p:spPr>
+          <a:xfrm>
+            <a:off x="4393581" y="7186611"/>
+            <a:ext cx="2051824" cy="338554"/>
+          </a:xfrm>
+          <a:prstGeom prst="rect">
+            <a:avLst/>
+          </a:prstGeom>
+          <a:noFill/>
+        </p:spPr>
+        <p:txBody>
+          <a:bodyPr wrap="square" rtlCol="0">
+            <a:spAutoFit/>
+          </a:bodyPr>
+          <a:lstStyle/>
+          <a:p>
+            <a:pPr algn="ctr"/>
+            <a:r>
+              <a:rPr lang="en-US" sz="1600" dirty="0"/>
+              <a:t>Width of Phase Field</a:t>
+            </a:r>
+          </a:p>
+        </p:txBody>
+      </p:sp>
+      <p:pic>
+        <p:nvPicPr>
+          <p:cNvPr id="39" name="Picture 38" descr="Graphical user interface, application&#10;&#10;Description automatically generated">
+            <a:extLst>
+              <a:ext uri="{FF2B5EF4-FFF2-40B4-BE49-F238E27FC236}">
+                <a16:creationId xmlns:a16="http://schemas.microsoft.com/office/drawing/2014/main" id="{E2E695E0-C809-6542-B3CC-9386D570BA49}"/>
+              </a:ext>
+            </a:extLst>
+          </p:cNvPr>
+          <p:cNvPicPr>
+            <a:picLocks noChangeAspect="1"/>
+          </p:cNvPicPr>
+          <p:nvPr/>
+        </p:nvPicPr>
+        <p:blipFill rotWithShape="1">
+          <a:blip r:embed="rId4"/>
+          <a:srcRect t="6295" r="19066" b="27332"/>
+          <a:stretch/>
+        </p:blipFill>
+        <p:spPr>
+          <a:xfrm>
+            <a:off x="7057944" y="3471163"/>
+            <a:ext cx="3679330" cy="1627307"/>
+          </a:xfrm>
+          <a:prstGeom prst="rect">
+            <a:avLst/>
+          </a:prstGeom>
+        </p:spPr>
+      </p:pic>
+      <p:pic>
+        <p:nvPicPr>
+          <p:cNvPr id="41" name="Picture 40" descr="Graphical user interface&#10;&#10;Description automatically generated with medium confidence">
+            <a:extLst>
+              <a:ext uri="{FF2B5EF4-FFF2-40B4-BE49-F238E27FC236}">
+                <a16:creationId xmlns:a16="http://schemas.microsoft.com/office/drawing/2014/main" id="{258D1445-782A-2344-9AC2-825C49214A4F}"/>
+              </a:ext>
+            </a:extLst>
+          </p:cNvPr>
+          <p:cNvPicPr>
+            <a:picLocks noChangeAspect="1"/>
+          </p:cNvPicPr>
+          <p:nvPr/>
+        </p:nvPicPr>
+        <p:blipFill rotWithShape="1">
+          <a:blip r:embed="rId5"/>
+          <a:srcRect t="6295" r="19066" b="27332"/>
+          <a:stretch/>
+        </p:blipFill>
+        <p:spPr>
+          <a:xfrm>
+            <a:off x="7057943" y="5230694"/>
+            <a:ext cx="3679330" cy="1627306"/>
+          </a:xfrm>
+          <a:prstGeom prst="rect">
+            <a:avLst/>
+          </a:prstGeom>
+        </p:spPr>
+      </p:pic>
+      <p:pic>
+        <p:nvPicPr>
+          <p:cNvPr id="43" name="Picture 42" descr="A picture containing rectangle&#10;&#10;Description automatically generated">
+            <a:extLst>
+              <a:ext uri="{FF2B5EF4-FFF2-40B4-BE49-F238E27FC236}">
+                <a16:creationId xmlns:a16="http://schemas.microsoft.com/office/drawing/2014/main" id="{9D4CBF83-701E-B840-8C73-E83E211E73C5}"/>
+              </a:ext>
+            </a:extLst>
+          </p:cNvPr>
+          <p:cNvPicPr>
+            <a:picLocks noChangeAspect="1"/>
+          </p:cNvPicPr>
+          <p:nvPr/>
+        </p:nvPicPr>
+        <p:blipFill rotWithShape="1">
+          <a:blip r:embed="rId6"/>
+          <a:srcRect l="845" t="6295" r="19017" b="27332"/>
+          <a:stretch/>
+        </p:blipFill>
+        <p:spPr>
+          <a:xfrm>
+            <a:off x="7057942" y="7128765"/>
+            <a:ext cx="3643087" cy="1627307"/>
+          </a:xfrm>
+          <a:prstGeom prst="rect">
+            <a:avLst/>
+          </a:prstGeom>
+        </p:spPr>
+      </p:pic>
+      <p:pic>
+        <p:nvPicPr>
+          <p:cNvPr id="45" name="Picture 44" descr="Rectangle&#10;&#10;Description automatically generated with medium confidence">
+            <a:extLst>
+              <a:ext uri="{FF2B5EF4-FFF2-40B4-BE49-F238E27FC236}">
+                <a16:creationId xmlns:a16="http://schemas.microsoft.com/office/drawing/2014/main" id="{1B6C246E-010F-2247-9A19-796B748389C4}"/>
+              </a:ext>
+            </a:extLst>
+          </p:cNvPr>
+          <p:cNvPicPr>
+            <a:picLocks noChangeAspect="1"/>
+          </p:cNvPicPr>
+          <p:nvPr/>
+        </p:nvPicPr>
+        <p:blipFill rotWithShape="1">
+          <a:blip r:embed="rId7"/>
+          <a:srcRect t="7245" r="19197" b="25927"/>
+          <a:stretch/>
+        </p:blipFill>
+        <p:spPr>
+          <a:xfrm>
+            <a:off x="7053018" y="8872298"/>
+            <a:ext cx="3684255" cy="1643304"/>
+          </a:xfrm>
+          <a:prstGeom prst="rect">
+            <a:avLst/>
+          </a:prstGeom>
+        </p:spPr>
+      </p:pic>
+      <p:pic>
+        <p:nvPicPr>
+          <p:cNvPr id="47" name="Picture 46" descr="A picture containing icon&#10;&#10;Description automatically generated">
+            <a:extLst>
+              <a:ext uri="{FF2B5EF4-FFF2-40B4-BE49-F238E27FC236}">
+                <a16:creationId xmlns:a16="http://schemas.microsoft.com/office/drawing/2014/main" id="{37125610-5074-6245-B13C-8E80E925E001}"/>
+              </a:ext>
+            </a:extLst>
+          </p:cNvPr>
+          <p:cNvPicPr>
+            <a:picLocks noChangeAspect="1"/>
+          </p:cNvPicPr>
+          <p:nvPr/>
+        </p:nvPicPr>
+        <p:blipFill rotWithShape="1">
+          <a:blip r:embed="rId8"/>
+          <a:srcRect l="2941" t="3713" r="19546" b="31335"/>
+          <a:stretch/>
+        </p:blipFill>
+        <p:spPr>
+          <a:xfrm>
+            <a:off x="7053019" y="1838631"/>
+            <a:ext cx="3679330" cy="1662724"/>
+          </a:xfrm>
+          <a:prstGeom prst="rect">
+            <a:avLst/>
+          </a:prstGeom>
+        </p:spPr>
+      </p:pic>
+      <p:pic>
+        <p:nvPicPr>
+          <p:cNvPr id="50" name="Picture 49" descr="Icon&#10;&#10;Description automatically generated with medium confidence">
+            <a:extLst>
+              <a:ext uri="{FF2B5EF4-FFF2-40B4-BE49-F238E27FC236}">
+                <a16:creationId xmlns:a16="http://schemas.microsoft.com/office/drawing/2014/main" id="{7686BD83-8119-4F40-B4E2-D3A8A934D289}"/>
+              </a:ext>
+            </a:extLst>
+          </p:cNvPr>
+          <p:cNvPicPr>
+            <a:picLocks noChangeAspect="1"/>
+          </p:cNvPicPr>
+          <p:nvPr/>
+        </p:nvPicPr>
+        <p:blipFill rotWithShape="1">
+          <a:blip r:embed="rId9"/>
+          <a:srcRect l="75661" t="60743"/>
+          <a:stretch/>
+        </p:blipFill>
+        <p:spPr>
+          <a:xfrm>
+            <a:off x="10927369" y="1991505"/>
+            <a:ext cx="951132" cy="1479658"/>
+          </a:xfrm>
+          <a:prstGeom prst="rect">
+            <a:avLst/>
+          </a:prstGeom>
+        </p:spPr>
+      </p:pic>
+      <p:pic>
+        <p:nvPicPr>
+          <p:cNvPr id="52" name="Picture 51" descr="Graphical user interface, application&#10;&#10;Description automatically generated">
+            <a:extLst>
+              <a:ext uri="{FF2B5EF4-FFF2-40B4-BE49-F238E27FC236}">
+                <a16:creationId xmlns:a16="http://schemas.microsoft.com/office/drawing/2014/main" id="{1277BAAF-1AB3-8243-BDA6-D528C06AA2EC}"/>
+              </a:ext>
+            </a:extLst>
+          </p:cNvPr>
+          <p:cNvPicPr>
+            <a:picLocks noChangeAspect="1"/>
+          </p:cNvPicPr>
+          <p:nvPr/>
+        </p:nvPicPr>
+        <p:blipFill rotWithShape="1">
+          <a:blip r:embed="rId4"/>
+          <a:srcRect l="81046" t="59577" r="3236"/>
+          <a:stretch/>
+        </p:blipFill>
+        <p:spPr>
+          <a:xfrm>
+            <a:off x="10742198" y="4284816"/>
+            <a:ext cx="1438507" cy="1995134"/>
+          </a:xfrm>
+          <a:prstGeom prst="rect">
+            <a:avLst/>
+          </a:prstGeom>
+        </p:spPr>
+      </p:pic>
+      <p:pic>
+        <p:nvPicPr>
+          <p:cNvPr id="55" name="Picture 54" descr="A picture containing rectangle&#10;&#10;Description automatically generated">
+            <a:extLst>
+              <a:ext uri="{FF2B5EF4-FFF2-40B4-BE49-F238E27FC236}">
+                <a16:creationId xmlns:a16="http://schemas.microsoft.com/office/drawing/2014/main" id="{9EC0EB4B-BC39-7843-900A-58D426CB5769}"/>
+              </a:ext>
+            </a:extLst>
+          </p:cNvPr>
+          <p:cNvPicPr>
+            <a:picLocks noChangeAspect="1"/>
+          </p:cNvPicPr>
+          <p:nvPr/>
+        </p:nvPicPr>
+        <p:blipFill rotWithShape="1">
+          <a:blip r:embed="rId6"/>
+          <a:srcRect l="80017" t="58884" r="3065"/>
+          <a:stretch/>
+        </p:blipFill>
+        <p:spPr>
+          <a:xfrm>
+            <a:off x="10900971" y="7878133"/>
+            <a:ext cx="1517019" cy="1988329"/>
           </a:xfrm>
           <a:prstGeom prst="rect">
             <a:avLst/>
@@ -5026,17 +6135,6 @@
 <file path=ppt/slides/slide4.xml><?xml version="1.0" encoding="utf-8"?>
 <p:sld xmlns:a="http://schemas.openxmlformats.org/drawingml/2006/main" xmlns:r="http://schemas.openxmlformats.org/officeDocument/2006/relationships" xmlns:p="http://schemas.openxmlformats.org/presentationml/2006/main">
   <p:cSld>
-    <p:bg>
-      <p:bgPr>
-        <a:solidFill>
-          <a:schemeClr val="bg1">
-            <a:tint val="95000"/>
-            <a:satMod val="170000"/>
-          </a:schemeClr>
-        </a:solidFill>
-        <a:effectLst/>
-      </p:bgPr>
-    </p:bg>
     <p:spTree>
       <p:nvGrpSpPr>
         <p:cNvPr id="1" name=""/>
@@ -5054,20 +6152,20 @@
     </p:spTree>
     <p:extLst>
       <p:ext uri="{BB962C8B-B14F-4D97-AF65-F5344CB8AC3E}">
-        <p14:creationId xmlns:p14="http://schemas.microsoft.com/office/powerpoint/2010/main" val="1436600321"/>
+        <p14:creationId xmlns:p14="http://schemas.microsoft.com/office/powerpoint/2010/main" val="706424522"/>
       </p:ext>
     </p:extLst>
   </p:cSld>
   <p:clrMapOvr>
-    <a:overrideClrMapping bg1="dk1" tx1="lt1" bg2="dk2" tx2="lt2" accent1="accent1" accent2="accent2" accent3="accent3" accent4="accent4" accent5="accent5" accent6="accent6" hlink="hlink" folHlink="folHlink"/>
+    <a:masterClrMapping/>
   </p:clrMapOvr>
 </p:sld>
 </file>
 
 <file path=ppt/theme/theme1.xml><?xml version="1.0" encoding="utf-8"?>
-<a:theme xmlns:a="http://schemas.openxmlformats.org/drawingml/2006/main" name="Office Theme">
+<a:theme xmlns:a="http://schemas.openxmlformats.org/drawingml/2006/main" name="Gallery">
   <a:themeElements>
-    <a:clrScheme name="Office Theme">
+    <a:clrScheme name="Gallery">
       <a:dk1>
         <a:sysClr val="windowText" lastClr="000000"/>
       </a:dk1>
@@ -5075,39 +6173,39 @@
         <a:sysClr val="window" lastClr="FFFFFF"/>
       </a:lt1>
       <a:dk2>
-        <a:srgbClr val="44546A"/>
+        <a:srgbClr val="454545"/>
       </a:dk2>
       <a:lt2>
-        <a:srgbClr val="E7E6E6"/>
+        <a:srgbClr val="DFDBD5"/>
       </a:lt2>
       <a:accent1>
-        <a:srgbClr val="4472C4"/>
+        <a:srgbClr val="B71E42"/>
       </a:accent1>
       <a:accent2>
-        <a:srgbClr val="ED7D31"/>
+        <a:srgbClr val="DE478E"/>
       </a:accent2>
       <a:accent3>
-        <a:srgbClr val="A5A5A5"/>
+        <a:srgbClr val="BC72F0"/>
       </a:accent3>
       <a:accent4>
-        <a:srgbClr val="FFC000"/>
+        <a:srgbClr val="795FAF"/>
       </a:accent4>
       <a:accent5>
-        <a:srgbClr val="5B9BD5"/>
+        <a:srgbClr val="586EA6"/>
       </a:accent5>
       <a:accent6>
-        <a:srgbClr val="70AD47"/>
+        <a:srgbClr val="6892A0"/>
       </a:accent6>
       <a:hlink>
-        <a:srgbClr val="0563C1"/>
+        <a:srgbClr val="FA2B5C"/>
       </a:hlink>
       <a:folHlink>
-        <a:srgbClr val="954F72"/>
+        <a:srgbClr val="BC658E"/>
       </a:folHlink>
     </a:clrScheme>
-    <a:fontScheme name="Office Theme">
+    <a:fontScheme name="Gallery">
       <a:majorFont>
-        <a:latin typeface="Calibri Light" panose="020F0302020204030204"/>
+        <a:latin typeface="Gill Sans MT" panose="020B0502020104020203"/>
         <a:ea typeface=""/>
         <a:cs typeface=""/>
         <a:font script="Jpan" typeface="游ゴシック Light"/>
@@ -5142,7 +6240,7 @@
         <a:font script="Geor" typeface="Sylfaen"/>
       </a:majorFont>
       <a:minorFont>
-        <a:latin typeface="Calibri" panose="020F0502020204030204"/>
+        <a:latin typeface="Gill Sans MT" panose="020B0502020104020203"/>
         <a:ea typeface=""/>
         <a:cs typeface=""/>
         <a:font script="Jpan" typeface="游ゴシック"/>
@@ -5177,7 +6275,7 @@
         <a:font script="Geor" typeface="Sylfaen"/>
       </a:minorFont>
     </a:fontScheme>
-    <a:fmtScheme name="Office Theme">
+    <a:fmtScheme name="Gallery">
       <a:fillStyleLst>
         <a:solidFill>
           <a:schemeClr val="phClr"/>
@@ -5186,23 +6284,18 @@
           <a:gsLst>
             <a:gs pos="0">
               <a:schemeClr val="phClr">
+                <a:tint val="54000"/>
+                <a:alpha val="100000"/>
+                <a:satMod val="105000"/>
                 <a:lumMod val="110000"/>
-                <a:satMod val="105000"/>
-                <a:tint val="67000"/>
-              </a:schemeClr>
-            </a:gs>
-            <a:gs pos="50000">
-              <a:schemeClr val="phClr">
-                <a:lumMod val="105000"/>
-                <a:satMod val="103000"/>
-                <a:tint val="73000"/>
               </a:schemeClr>
             </a:gs>
             <a:gs pos="100000">
               <a:schemeClr val="phClr">
-                <a:lumMod val="105000"/>
+                <a:tint val="78000"/>
+                <a:alpha val="92000"/>
                 <a:satMod val="109000"/>
-                <a:tint val="81000"/>
+                <a:lumMod val="100000"/>
               </a:schemeClr>
             </a:gs>
           </a:gsLst>
@@ -5212,23 +6305,23 @@
           <a:gsLst>
             <a:gs pos="0">
               <a:schemeClr val="phClr">
-                <a:satMod val="103000"/>
-                <a:lumMod val="102000"/>
-                <a:tint val="94000"/>
+                <a:tint val="98000"/>
+                <a:satMod val="110000"/>
+                <a:lumMod val="104000"/>
               </a:schemeClr>
             </a:gs>
-            <a:gs pos="50000">
+            <a:gs pos="69000">
               <a:schemeClr val="phClr">
-                <a:satMod val="110000"/>
-                <a:lumMod val="100000"/>
-                <a:shade val="100000"/>
+                <a:shade val="88000"/>
+                <a:satMod val="130000"/>
+                <a:lumMod val="92000"/>
               </a:schemeClr>
             </a:gs>
             <a:gs pos="100000">
               <a:schemeClr val="phClr">
-                <a:lumMod val="99000"/>
-                <a:satMod val="120000"/>
                 <a:shade val="78000"/>
+                <a:satMod val="130000"/>
+                <a:lumMod val="92000"/>
               </a:schemeClr>
             </a:gs>
           </a:gsLst>
@@ -5236,26 +6329,23 @@
         </a:gradFill>
       </a:fillStyleLst>
       <a:lnStyleLst>
-        <a:ln w="6350" cap="flat" cmpd="sng" algn="ctr">
+        <a:ln w="9525" cap="flat" cmpd="sng" algn="ctr">
           <a:solidFill>
             <a:schemeClr val="phClr"/>
           </a:solidFill>
           <a:prstDash val="solid"/>
-          <a:miter lim="800000"/>
         </a:ln>
-        <a:ln w="12700" cap="flat" cmpd="sng" algn="ctr">
+        <a:ln w="15875" cap="flat" cmpd="sng" algn="ctr">
           <a:solidFill>
             <a:schemeClr val="phClr"/>
           </a:solidFill>
           <a:prstDash val="solid"/>
-          <a:miter lim="800000"/>
         </a:ln>
-        <a:ln w="19050" cap="flat" cmpd="sng" algn="ctr">
+        <a:ln w="22225" cap="flat" cmpd="sng" algn="ctr">
           <a:solidFill>
             <a:schemeClr val="phClr"/>
           </a:solidFill>
           <a:prstDash val="solid"/>
-          <a:miter lim="800000"/>
         </a:ln>
       </a:lnStyleLst>
       <a:effectStyleLst>
@@ -5267,12 +6357,23 @@
         </a:effectStyle>
         <a:effectStyle>
           <a:effectLst>
-            <a:outerShdw blurRad="57150" dist="19050" dir="5400000" algn="ctr" rotWithShape="0">
+            <a:outerShdw blurRad="50800" dist="50800" dir="5400000" sx="96000" sy="96000" rotWithShape="0">
               <a:srgbClr val="000000">
-                <a:alpha val="63000"/>
+                <a:alpha val="48000"/>
               </a:srgbClr>
             </a:outerShdw>
           </a:effectLst>
+          <a:scene3d>
+            <a:camera prst="orthographicFront">
+              <a:rot lat="0" lon="0" rev="0"/>
+            </a:camera>
+            <a:lightRig rig="balanced" dir="t">
+              <a:rot lat="0" lon="0" rev="1080000"/>
+            </a:lightRig>
+          </a:scene3d>
+          <a:sp3d>
+            <a:bevelT w="38100" h="12700" prst="softRound"/>
+          </a:sp3d>
         </a:effectStyle>
       </a:effectStyleLst>
       <a:bgFillStyleLst>
@@ -5280,37 +6381,26 @@
           <a:schemeClr val="phClr"/>
         </a:solidFill>
         <a:solidFill>
-          <a:schemeClr val="phClr">
-            <a:tint val="95000"/>
-            <a:satMod val="170000"/>
-          </a:schemeClr>
+          <a:schemeClr val="phClr"/>
         </a:solidFill>
         <a:gradFill rotWithShape="1">
           <a:gsLst>
             <a:gs pos="0">
               <a:schemeClr val="phClr">
-                <a:tint val="93000"/>
-                <a:satMod val="150000"/>
-                <a:shade val="98000"/>
-                <a:lumMod val="102000"/>
-              </a:schemeClr>
-            </a:gs>
-            <a:gs pos="50000">
-              <a:schemeClr val="phClr">
-                <a:tint val="98000"/>
-                <a:satMod val="130000"/>
-                <a:shade val="90000"/>
-                <a:lumMod val="103000"/>
+                <a:tint val="94000"/>
+                <a:satMod val="80000"/>
+                <a:lumMod val="106000"/>
               </a:schemeClr>
             </a:gs>
             <a:gs pos="100000">
               <a:schemeClr val="phClr">
-                <a:shade val="63000"/>
-                <a:satMod val="120000"/>
+                <a:shade val="80000"/>
               </a:schemeClr>
             </a:gs>
           </a:gsLst>
-          <a:lin ang="5400000" scaled="0"/>
+          <a:path path="circle">
+            <a:fillToRect l="50000" t="50000" r="50000" b="50000"/>
+          </a:path>
         </a:gradFill>
       </a:bgFillStyleLst>
     </a:fmtScheme>
@@ -5319,7 +6409,7 @@
   <a:extraClrSchemeLst/>
   <a:extLst>
     <a:ext uri="{05A4C25C-085E-4340-85A3-A5531E510DB2}">
-      <thm15:themeFamily xmlns:thm15="http://schemas.microsoft.com/office/thememl/2012/main" name="Office Theme" id="{62F939B6-93AF-4DB8-9C6B-D6C7DFDC589F}" vid="{4A3C46E8-61CC-4603-A589-7422A47A8E4A}"/>
+      <thm15:themeFamily xmlns:thm15="http://schemas.microsoft.com/office/thememl/2012/main" name="Gallery" id="{BBFCD31E-59A1-489D-B089-A3EAD7CAE12E}" vid="{F5E91637-A7B6-4E27-B710-77DA7014EE1E}"/>
     </a:ext>
   </a:extLst>
 </a:theme>

--- a/Phase_Field_Fracture/Figures/PaperFigures.pptx
+++ b/Phase_Field_Fracture/Figures/PaperFigures.pptx
@@ -2,16 +2,21 @@
 <file path=ppt/presentation.xml><?xml version="1.0" encoding="utf-8"?>
 <p:presentation xmlns:a="http://schemas.openxmlformats.org/drawingml/2006/main" xmlns:r="http://schemas.openxmlformats.org/officeDocument/2006/relationships" xmlns:p="http://schemas.openxmlformats.org/presentationml/2006/main" saveSubsetFonts="1" autoCompressPictures="0">
   <p:sldMasterIdLst>
-    <p:sldMasterId id="2147483720" r:id="rId1"/>
+    <p:sldMasterId id="2147483828" r:id="rId1"/>
   </p:sldMasterIdLst>
   <p:notesMasterIdLst>
-    <p:notesMasterId r:id="rId6"/>
+    <p:notesMasterId r:id="rId11"/>
   </p:notesMasterIdLst>
   <p:sldIdLst>
     <p:sldId id="259" r:id="rId2"/>
-    <p:sldId id="257" r:id="rId3"/>
-    <p:sldId id="260" r:id="rId4"/>
-    <p:sldId id="261" r:id="rId5"/>
+    <p:sldId id="266" r:id="rId3"/>
+    <p:sldId id="257" r:id="rId4"/>
+    <p:sldId id="260" r:id="rId5"/>
+    <p:sldId id="262" r:id="rId6"/>
+    <p:sldId id="263" r:id="rId7"/>
+    <p:sldId id="265" r:id="rId8"/>
+    <p:sldId id="267" r:id="rId9"/>
+    <p:sldId id="268" r:id="rId10"/>
   </p:sldIdLst>
   <p:sldSz cx="13716000" cy="13716000"/>
   <p:notesSz cx="6858000" cy="9144000"/>
@@ -110,6 +115,11 @@
       </a:defRPr>
     </a:lvl9pPr>
   </p:defaultTextStyle>
+  <p:extLst>
+    <p:ext uri="{EFAFB233-063F-42B5-8137-9DF3F51BA10A}">
+      <p15:sldGuideLst xmlns:p15="http://schemas.microsoft.com/office/powerpoint/2012/main"/>
+    </p:ext>
+  </p:extLst>
 </p:presentation>
 </file>
 
@@ -195,7 +205,7 @@
           <a:p>
             <a:fld id="{9F8948C0-EC5C-9E41-9DEE-622318C4F48C}" type="datetimeFigureOut">
               <a:rPr lang="en-US" smtClean="0"/>
-              <a:t>6/3/21</a:t>
+              <a:t>6/4/21</a:t>
             </a:fld>
             <a:endParaRPr lang="en-US"/>
           </a:p>
@@ -657,7 +667,7 @@
           <a:p>
             <a:fld id="{BF02AACD-DBFF-E94A-B9E6-6AAF40FB9DD4}" type="slidenum">
               <a:rPr lang="en-US" smtClean="0"/>
-              <a:t>2</a:t>
+              <a:t>3</a:t>
             </a:fld>
             <a:endParaRPr lang="en-US"/>
           </a:p>
@@ -667,6 +677,258 @@
     <p:extLst>
       <p:ext uri="{BB962C8B-B14F-4D97-AF65-F5344CB8AC3E}">
         <p14:creationId xmlns:p14="http://schemas.microsoft.com/office/powerpoint/2010/main" val="755794592"/>
+      </p:ext>
+    </p:extLst>
+  </p:cSld>
+  <p:clrMapOvr>
+    <a:masterClrMapping/>
+  </p:clrMapOvr>
+</p:notes>
+</file>
+
+<file path=ppt/notesSlides/notesSlide3.xml><?xml version="1.0" encoding="utf-8"?>
+<p:notes xmlns:a="http://schemas.openxmlformats.org/drawingml/2006/main" xmlns:r="http://schemas.openxmlformats.org/officeDocument/2006/relationships" xmlns:p="http://schemas.openxmlformats.org/presentationml/2006/main">
+  <p:cSld>
+    <p:spTree>
+      <p:nvGrpSpPr>
+        <p:cNvPr id="1" name=""/>
+        <p:cNvGrpSpPr/>
+        <p:nvPr/>
+      </p:nvGrpSpPr>
+      <p:grpSpPr>
+        <a:xfrm>
+          <a:off x="0" y="0"/>
+          <a:ext cx="0" cy="0"/>
+          <a:chOff x="0" y="0"/>
+          <a:chExt cx="0" cy="0"/>
+        </a:xfrm>
+      </p:grpSpPr>
+      <p:sp>
+        <p:nvSpPr>
+          <p:cNvPr id="2" name="Slide Image Placeholder 1"/>
+          <p:cNvSpPr>
+            <a:spLocks noGrp="1" noRot="1" noChangeAspect="1"/>
+          </p:cNvSpPr>
+          <p:nvPr>
+            <p:ph type="sldImg"/>
+          </p:nvPr>
+        </p:nvSpPr>
+        <p:spPr/>
+      </p:sp>
+      <p:sp>
+        <p:nvSpPr>
+          <p:cNvPr id="3" name="Notes Placeholder 2"/>
+          <p:cNvSpPr>
+            <a:spLocks noGrp="1"/>
+          </p:cNvSpPr>
+          <p:nvPr>
+            <p:ph type="body" idx="1"/>
+          </p:nvPr>
+        </p:nvSpPr>
+        <p:spPr/>
+        <p:txBody>
+          <a:bodyPr/>
+          <a:lstStyle/>
+          <a:p>
+            <a:endParaRPr lang="en-US" dirty="0"/>
+          </a:p>
+        </p:txBody>
+      </p:sp>
+      <p:sp>
+        <p:nvSpPr>
+          <p:cNvPr id="4" name="Slide Number Placeholder 3"/>
+          <p:cNvSpPr>
+            <a:spLocks noGrp="1"/>
+          </p:cNvSpPr>
+          <p:nvPr>
+            <p:ph type="sldNum" sz="quarter" idx="5"/>
+          </p:nvPr>
+        </p:nvSpPr>
+        <p:spPr/>
+        <p:txBody>
+          <a:bodyPr/>
+          <a:lstStyle/>
+          <a:p>
+            <a:fld id="{BF02AACD-DBFF-E94A-B9E6-6AAF40FB9DD4}" type="slidenum">
+              <a:rPr lang="en-US" smtClean="0"/>
+              <a:t>5</a:t>
+            </a:fld>
+            <a:endParaRPr lang="en-US"/>
+          </a:p>
+        </p:txBody>
+      </p:sp>
+    </p:spTree>
+    <p:extLst>
+      <p:ext uri="{BB962C8B-B14F-4D97-AF65-F5344CB8AC3E}">
+        <p14:creationId xmlns:p14="http://schemas.microsoft.com/office/powerpoint/2010/main" val="3084716408"/>
+      </p:ext>
+    </p:extLst>
+  </p:cSld>
+  <p:clrMapOvr>
+    <a:masterClrMapping/>
+  </p:clrMapOvr>
+</p:notes>
+</file>
+
+<file path=ppt/notesSlides/notesSlide4.xml><?xml version="1.0" encoding="utf-8"?>
+<p:notes xmlns:a="http://schemas.openxmlformats.org/drawingml/2006/main" xmlns:r="http://schemas.openxmlformats.org/officeDocument/2006/relationships" xmlns:p="http://schemas.openxmlformats.org/presentationml/2006/main">
+  <p:cSld>
+    <p:spTree>
+      <p:nvGrpSpPr>
+        <p:cNvPr id="1" name=""/>
+        <p:cNvGrpSpPr/>
+        <p:nvPr/>
+      </p:nvGrpSpPr>
+      <p:grpSpPr>
+        <a:xfrm>
+          <a:off x="0" y="0"/>
+          <a:ext cx="0" cy="0"/>
+          <a:chOff x="0" y="0"/>
+          <a:chExt cx="0" cy="0"/>
+        </a:xfrm>
+      </p:grpSpPr>
+      <p:sp>
+        <p:nvSpPr>
+          <p:cNvPr id="2" name="Slide Image Placeholder 1"/>
+          <p:cNvSpPr>
+            <a:spLocks noGrp="1" noRot="1" noChangeAspect="1"/>
+          </p:cNvSpPr>
+          <p:nvPr>
+            <p:ph type="sldImg"/>
+          </p:nvPr>
+        </p:nvSpPr>
+        <p:spPr/>
+      </p:sp>
+      <p:sp>
+        <p:nvSpPr>
+          <p:cNvPr id="3" name="Notes Placeholder 2"/>
+          <p:cNvSpPr>
+            <a:spLocks noGrp="1"/>
+          </p:cNvSpPr>
+          <p:nvPr>
+            <p:ph type="body" idx="1"/>
+          </p:nvPr>
+        </p:nvSpPr>
+        <p:spPr/>
+        <p:txBody>
+          <a:bodyPr/>
+          <a:lstStyle/>
+          <a:p>
+            <a:endParaRPr lang="en-US" dirty="0"/>
+          </a:p>
+        </p:txBody>
+      </p:sp>
+      <p:sp>
+        <p:nvSpPr>
+          <p:cNvPr id="4" name="Slide Number Placeholder 3"/>
+          <p:cNvSpPr>
+            <a:spLocks noGrp="1"/>
+          </p:cNvSpPr>
+          <p:nvPr>
+            <p:ph type="sldNum" sz="quarter" idx="5"/>
+          </p:nvPr>
+        </p:nvSpPr>
+        <p:spPr/>
+        <p:txBody>
+          <a:bodyPr/>
+          <a:lstStyle/>
+          <a:p>
+            <a:fld id="{BF02AACD-DBFF-E94A-B9E6-6AAF40FB9DD4}" type="slidenum">
+              <a:rPr lang="en-US" smtClean="0"/>
+              <a:t>6</a:t>
+            </a:fld>
+            <a:endParaRPr lang="en-US"/>
+          </a:p>
+        </p:txBody>
+      </p:sp>
+    </p:spTree>
+    <p:extLst>
+      <p:ext uri="{BB962C8B-B14F-4D97-AF65-F5344CB8AC3E}">
+        <p14:creationId xmlns:p14="http://schemas.microsoft.com/office/powerpoint/2010/main" val="2296137052"/>
+      </p:ext>
+    </p:extLst>
+  </p:cSld>
+  <p:clrMapOvr>
+    <a:masterClrMapping/>
+  </p:clrMapOvr>
+</p:notes>
+</file>
+
+<file path=ppt/notesSlides/notesSlide5.xml><?xml version="1.0" encoding="utf-8"?>
+<p:notes xmlns:a="http://schemas.openxmlformats.org/drawingml/2006/main" xmlns:r="http://schemas.openxmlformats.org/officeDocument/2006/relationships" xmlns:p="http://schemas.openxmlformats.org/presentationml/2006/main">
+  <p:cSld>
+    <p:spTree>
+      <p:nvGrpSpPr>
+        <p:cNvPr id="1" name=""/>
+        <p:cNvGrpSpPr/>
+        <p:nvPr/>
+      </p:nvGrpSpPr>
+      <p:grpSpPr>
+        <a:xfrm>
+          <a:off x="0" y="0"/>
+          <a:ext cx="0" cy="0"/>
+          <a:chOff x="0" y="0"/>
+          <a:chExt cx="0" cy="0"/>
+        </a:xfrm>
+      </p:grpSpPr>
+      <p:sp>
+        <p:nvSpPr>
+          <p:cNvPr id="2" name="Slide Image Placeholder 1"/>
+          <p:cNvSpPr>
+            <a:spLocks noGrp="1" noRot="1" noChangeAspect="1"/>
+          </p:cNvSpPr>
+          <p:nvPr>
+            <p:ph type="sldImg"/>
+          </p:nvPr>
+        </p:nvSpPr>
+        <p:spPr/>
+      </p:sp>
+      <p:sp>
+        <p:nvSpPr>
+          <p:cNvPr id="3" name="Notes Placeholder 2"/>
+          <p:cNvSpPr>
+            <a:spLocks noGrp="1"/>
+          </p:cNvSpPr>
+          <p:nvPr>
+            <p:ph type="body" idx="1"/>
+          </p:nvPr>
+        </p:nvSpPr>
+        <p:spPr/>
+        <p:txBody>
+          <a:bodyPr/>
+          <a:lstStyle/>
+          <a:p>
+            <a:endParaRPr lang="en-US" dirty="0"/>
+          </a:p>
+        </p:txBody>
+      </p:sp>
+      <p:sp>
+        <p:nvSpPr>
+          <p:cNvPr id="4" name="Slide Number Placeholder 3"/>
+          <p:cNvSpPr>
+            <a:spLocks noGrp="1"/>
+          </p:cNvSpPr>
+          <p:nvPr>
+            <p:ph type="sldNum" sz="quarter" idx="5"/>
+          </p:nvPr>
+        </p:nvSpPr>
+        <p:spPr/>
+        <p:txBody>
+          <a:bodyPr/>
+          <a:lstStyle/>
+          <a:p>
+            <a:fld id="{BF02AACD-DBFF-E94A-B9E6-6AAF40FB9DD4}" type="slidenum">
+              <a:rPr lang="en-US" smtClean="0"/>
+              <a:t>7</a:t>
+            </a:fld>
+            <a:endParaRPr lang="en-US"/>
+          </a:p>
+        </p:txBody>
+      </p:sp>
+    </p:spTree>
+    <p:extLst>
+      <p:ext uri="{BB962C8B-B14F-4D97-AF65-F5344CB8AC3E}">
+        <p14:creationId xmlns:p14="http://schemas.microsoft.com/office/powerpoint/2010/main" val="1400264169"/>
       </p:ext>
     </p:extLst>
   </p:cSld>
@@ -705,17 +967,15 @@
         </p:nvSpPr>
         <p:spPr>
           <a:xfrm>
-            <a:off x="3594479" y="1604599"/>
-            <a:ext cx="8427773" cy="5082862"/>
-          </a:xfrm>
-        </p:spPr>
-        <p:txBody>
-          <a:bodyPr bIns="0" anchor="b">
-            <a:normAutofit/>
-          </a:bodyPr>
+            <a:off x="1028700" y="2244726"/>
+            <a:ext cx="11658600" cy="4775200"/>
+          </a:xfrm>
+        </p:spPr>
+        <p:txBody>
+          <a:bodyPr anchor="b"/>
           <a:lstStyle>
-            <a:lvl1pPr algn="l">
-              <a:defRPr sz="8100"/>
+            <a:lvl1pPr algn="ctr">
+              <a:defRPr sz="9000"/>
             </a:lvl1pPr>
           </a:lstStyle>
           <a:p>
@@ -739,54 +999,48 @@
         </p:nvSpPr>
         <p:spPr>
           <a:xfrm>
-            <a:off x="3594479" y="7062411"/>
-            <a:ext cx="8427773" cy="1955242"/>
-          </a:xfrm>
-        </p:spPr>
-        <p:txBody>
-          <a:bodyPr tIns="91440" bIns="91440">
-            <a:normAutofit/>
-          </a:bodyPr>
+            <a:off x="1714500" y="7204076"/>
+            <a:ext cx="10287000" cy="3311524"/>
+          </a:xfrm>
+        </p:spPr>
+        <p:txBody>
+          <a:bodyPr/>
           <a:lstStyle>
-            <a:lvl1pPr marL="0" indent="0" algn="l">
+            <a:lvl1pPr marL="0" indent="0" algn="ctr">
               <a:buNone/>
-              <a:defRPr sz="2400" b="0" cap="all" baseline="0">
-                <a:solidFill>
-                  <a:schemeClr val="tx1"/>
-                </a:solidFill>
-              </a:defRPr>
+              <a:defRPr sz="3600"/>
             </a:lvl1pPr>
-            <a:lvl2pPr marL="514350" indent="0" algn="ctr">
+            <a:lvl2pPr marL="685800" indent="0" algn="ctr">
               <a:buNone/>
-              <a:defRPr sz="2250"/>
+              <a:defRPr sz="3000"/>
             </a:lvl2pPr>
-            <a:lvl3pPr marL="1028700" indent="0" algn="ctr">
+            <a:lvl3pPr marL="1371600" indent="0" algn="ctr">
               <a:buNone/>
-              <a:defRPr sz="2025"/>
+              <a:defRPr sz="2700"/>
             </a:lvl3pPr>
-            <a:lvl4pPr marL="1543050" indent="0" algn="ctr">
+            <a:lvl4pPr marL="2057400" indent="0" algn="ctr">
               <a:buNone/>
-              <a:defRPr sz="1800"/>
+              <a:defRPr sz="2400"/>
             </a:lvl4pPr>
-            <a:lvl5pPr marL="2057400" indent="0" algn="ctr">
+            <a:lvl5pPr marL="2743200" indent="0" algn="ctr">
               <a:buNone/>
-              <a:defRPr sz="1800"/>
+              <a:defRPr sz="2400"/>
             </a:lvl5pPr>
-            <a:lvl6pPr marL="2571750" indent="0" algn="ctr">
+            <a:lvl6pPr marL="3429000" indent="0" algn="ctr">
               <a:buNone/>
-              <a:defRPr sz="1800"/>
+              <a:defRPr sz="2400"/>
             </a:lvl6pPr>
-            <a:lvl7pPr marL="3086100" indent="0" algn="ctr">
+            <a:lvl7pPr marL="4114800" indent="0" algn="ctr">
               <a:buNone/>
-              <a:defRPr sz="1800"/>
+              <a:defRPr sz="2400"/>
             </a:lvl7pPr>
-            <a:lvl8pPr marL="3600450" indent="0" algn="ctr">
+            <a:lvl8pPr marL="4800600" indent="0" algn="ctr">
               <a:buNone/>
-              <a:defRPr sz="1800"/>
+              <a:defRPr sz="2400"/>
             </a:lvl8pPr>
-            <a:lvl9pPr marL="4114800" indent="0" algn="ctr">
+            <a:lvl9pPr marL="5486400" indent="0" algn="ctr">
               <a:buNone/>
-              <a:defRPr sz="1800"/>
+              <a:defRPr sz="2400"/>
             </a:lvl9pPr>
           </a:lstStyle>
           <a:p>
@@ -815,7 +1069,7 @@
           <a:p>
             <a:fld id="{ACA9C334-3C7E-A547-98D3-27A91BE7814D}" type="datetimeFigureOut">
               <a:rPr lang="en-US" smtClean="0"/>
-              <a:t>6/3/21</a:t>
+              <a:t>6/4/21</a:t>
             </a:fld>
             <a:endParaRPr lang="en-US"/>
           </a:p>
@@ -831,12 +1085,7 @@
             <p:ph type="ftr" sz="quarter" idx="11"/>
           </p:nvPr>
         </p:nvSpPr>
-        <p:spPr>
-          <a:xfrm>
-            <a:off x="3594479" y="658617"/>
-            <a:ext cx="4629438" cy="618402"/>
-          </a:xfrm>
-        </p:spPr>
+        <p:spPr/>
         <p:txBody>
           <a:bodyPr/>
           <a:lstStyle/>
@@ -855,12 +1104,7 @@
             <p:ph type="sldNum" sz="quarter" idx="12"/>
           </p:nvPr>
         </p:nvSpPr>
-        <p:spPr>
-          <a:xfrm>
-            <a:off x="2152055" y="1597946"/>
-            <a:ext cx="1203008" cy="1007156"/>
-          </a:xfrm>
-        </p:spPr>
+        <p:spPr/>
         <p:txBody>
           <a:bodyPr/>
           <a:lstStyle/>
@@ -873,41 +1117,10 @@
           </a:p>
         </p:txBody>
       </p:sp>
-      <p:cxnSp>
-        <p:nvCxnSpPr>
-          <p:cNvPr id="15" name="Straight Connector 14"/>
-          <p:cNvCxnSpPr/>
-          <p:nvPr/>
-        </p:nvCxnSpPr>
-        <p:spPr>
-          <a:xfrm>
-            <a:off x="3594479" y="7057084"/>
-            <a:ext cx="8427773" cy="0"/>
-          </a:xfrm>
-          <a:prstGeom prst="line">
-            <a:avLst/>
-          </a:prstGeom>
-          <a:ln w="31750"/>
-        </p:spPr>
-        <p:style>
-          <a:lnRef idx="3">
-            <a:schemeClr val="accent1"/>
-          </a:lnRef>
-          <a:fillRef idx="0">
-            <a:schemeClr val="accent1"/>
-          </a:fillRef>
-          <a:effectRef idx="2">
-            <a:schemeClr val="accent1"/>
-          </a:effectRef>
-          <a:fontRef idx="minor">
-            <a:schemeClr val="tx1"/>
-          </a:fontRef>
-        </p:style>
-      </p:cxnSp>
     </p:spTree>
     <p:extLst>
       <p:ext uri="{BB962C8B-B14F-4D97-AF65-F5344CB8AC3E}">
-        <p14:creationId xmlns:p14="http://schemas.microsoft.com/office/powerpoint/2010/main" val="2148913604"/>
+        <p14:creationId xmlns:p14="http://schemas.microsoft.com/office/powerpoint/2010/main" val="524083131"/>
       </p:ext>
     </p:extLst>
   </p:cSld>
@@ -934,37 +1147,6 @@
           <a:chExt cx="0" cy="0"/>
         </a:xfrm>
       </p:grpSpPr>
-      <p:cxnSp>
-        <p:nvCxnSpPr>
-          <p:cNvPr id="33" name="Straight Connector 32"/>
-          <p:cNvCxnSpPr/>
-          <p:nvPr/>
-        </p:nvCxnSpPr>
-        <p:spPr>
-          <a:xfrm>
-            <a:off x="2165237" y="3694176"/>
-            <a:ext cx="9857015" cy="0"/>
-          </a:xfrm>
-          <a:prstGeom prst="line">
-            <a:avLst/>
-          </a:prstGeom>
-          <a:ln w="31750"/>
-        </p:spPr>
-        <p:style>
-          <a:lnRef idx="3">
-            <a:schemeClr val="accent1"/>
-          </a:lnRef>
-          <a:fillRef idx="0">
-            <a:schemeClr val="accent1"/>
-          </a:fillRef>
-          <a:effectRef idx="2">
-            <a:schemeClr val="accent1"/>
-          </a:effectRef>
-          <a:fontRef idx="minor">
-            <a:schemeClr val="tx1"/>
-          </a:fontRef>
-        </p:style>
-      </p:cxnSp>
       <p:sp>
         <p:nvSpPr>
           <p:cNvPr id="2" name="Title 1"/>
@@ -1057,7 +1239,7 @@
           <a:p>
             <a:fld id="{ACA9C334-3C7E-A547-98D3-27A91BE7814D}" type="datetimeFigureOut">
               <a:rPr lang="en-US" smtClean="0"/>
-              <a:t>6/3/21</a:t>
+              <a:t>6/4/21</a:t>
             </a:fld>
             <a:endParaRPr lang="en-US"/>
           </a:p>
@@ -1108,7 +1290,7 @@
     </p:spTree>
     <p:extLst>
       <p:ext uri="{BB962C8B-B14F-4D97-AF65-F5344CB8AC3E}">
-        <p14:creationId xmlns:p14="http://schemas.microsoft.com/office/powerpoint/2010/main" val="4023311834"/>
+        <p14:creationId xmlns:p14="http://schemas.microsoft.com/office/powerpoint/2010/main" val="2770982079"/>
       </p:ext>
     </p:extLst>
   </p:cSld>
@@ -1147,17 +1329,13 @@
         </p:nvSpPr>
         <p:spPr>
           <a:xfrm>
-            <a:off x="10377043" y="1597949"/>
-            <a:ext cx="1654541" cy="9319778"/>
+            <a:off x="9815513" y="730250"/>
+            <a:ext cx="2957513" cy="11623676"/>
           </a:xfrm>
         </p:spPr>
         <p:txBody>
           <a:bodyPr vert="eaVert"/>
-          <a:lstStyle>
-            <a:lvl1pPr algn="l">
-              <a:defRPr/>
-            </a:lvl1pPr>
-          </a:lstStyle>
+          <a:lstStyle/>
           <a:p>
             <a:r>
               <a:rPr lang="en-US"/>
@@ -1179,8 +1357,8 @@
         </p:nvSpPr>
         <p:spPr>
           <a:xfrm>
-            <a:off x="2165237" y="1597949"/>
-            <a:ext cx="7951643" cy="9319778"/>
+            <a:off x="942976" y="730250"/>
+            <a:ext cx="8701088" cy="11623676"/>
           </a:xfrm>
         </p:spPr>
         <p:txBody>
@@ -1241,7 +1419,7 @@
           <a:p>
             <a:fld id="{ACA9C334-3C7E-A547-98D3-27A91BE7814D}" type="datetimeFigureOut">
               <a:rPr lang="en-US" smtClean="0"/>
-              <a:t>6/3/21</a:t>
+              <a:t>6/4/21</a:t>
             </a:fld>
             <a:endParaRPr lang="en-US"/>
           </a:p>
@@ -1289,41 +1467,10 @@
           </a:p>
         </p:txBody>
       </p:sp>
-      <p:cxnSp>
-        <p:nvCxnSpPr>
-          <p:cNvPr id="15" name="Straight Connector 14"/>
-          <p:cNvCxnSpPr/>
-          <p:nvPr/>
-        </p:nvCxnSpPr>
-        <p:spPr>
-          <a:xfrm>
-            <a:off x="10377042" y="1597949"/>
-            <a:ext cx="0" cy="9319778"/>
-          </a:xfrm>
-          <a:prstGeom prst="line">
-            <a:avLst/>
-          </a:prstGeom>
-          <a:ln w="31750"/>
-        </p:spPr>
-        <p:style>
-          <a:lnRef idx="3">
-            <a:schemeClr val="accent1"/>
-          </a:lnRef>
-          <a:fillRef idx="0">
-            <a:schemeClr val="accent1"/>
-          </a:fillRef>
-          <a:effectRef idx="2">
-            <a:schemeClr val="accent1"/>
-          </a:effectRef>
-          <a:fontRef idx="minor">
-            <a:schemeClr val="tx1"/>
-          </a:fontRef>
-        </p:style>
-      </p:cxnSp>
     </p:spTree>
     <p:extLst>
       <p:ext uri="{BB962C8B-B14F-4D97-AF65-F5344CB8AC3E}">
-        <p14:creationId xmlns:p14="http://schemas.microsoft.com/office/powerpoint/2010/main" val="3198167583"/>
+        <p14:creationId xmlns:p14="http://schemas.microsoft.com/office/powerpoint/2010/main" val="2046701032"/>
       </p:ext>
     </p:extLst>
   </p:cSld>
@@ -1385,7 +1532,7 @@
         </p:nvSpPr>
         <p:spPr/>
         <p:txBody>
-          <a:bodyPr anchor="t"/>
+          <a:bodyPr/>
           <a:lstStyle/>
           <a:p>
             <a:pPr lvl="0"/>
@@ -1442,7 +1589,7 @@
           <a:p>
             <a:fld id="{ACA9C334-3C7E-A547-98D3-27A91BE7814D}" type="datetimeFigureOut">
               <a:rPr lang="en-US" smtClean="0"/>
-              <a:t>6/3/21</a:t>
+              <a:t>6/4/21</a:t>
             </a:fld>
             <a:endParaRPr lang="en-US"/>
           </a:p>
@@ -1490,41 +1637,10 @@
           </a:p>
         </p:txBody>
       </p:sp>
-      <p:cxnSp>
-        <p:nvCxnSpPr>
-          <p:cNvPr id="33" name="Straight Connector 32"/>
-          <p:cNvCxnSpPr/>
-          <p:nvPr/>
-        </p:nvCxnSpPr>
-        <p:spPr>
-          <a:xfrm>
-            <a:off x="2165237" y="3694176"/>
-            <a:ext cx="9857015" cy="0"/>
-          </a:xfrm>
-          <a:prstGeom prst="line">
-            <a:avLst/>
-          </a:prstGeom>
-          <a:ln w="31750"/>
-        </p:spPr>
-        <p:style>
-          <a:lnRef idx="3">
-            <a:schemeClr val="accent1"/>
-          </a:lnRef>
-          <a:fillRef idx="0">
-            <a:schemeClr val="accent1"/>
-          </a:fillRef>
-          <a:effectRef idx="2">
-            <a:schemeClr val="accent1"/>
-          </a:effectRef>
-          <a:fontRef idx="minor">
-            <a:schemeClr val="tx1"/>
-          </a:fontRef>
-        </p:style>
-      </p:cxnSp>
     </p:spTree>
     <p:extLst>
       <p:ext uri="{BB962C8B-B14F-4D97-AF65-F5344CB8AC3E}">
-        <p14:creationId xmlns:p14="http://schemas.microsoft.com/office/powerpoint/2010/main" val="3950584775"/>
+        <p14:creationId xmlns:p14="http://schemas.microsoft.com/office/powerpoint/2010/main" val="1114470675"/>
       </p:ext>
     </p:extLst>
   </p:cSld>
@@ -1563,17 +1679,15 @@
         </p:nvSpPr>
         <p:spPr>
           <a:xfrm>
-            <a:off x="2165237" y="3512260"/>
-            <a:ext cx="8425503" cy="3775900"/>
-          </a:xfrm>
-        </p:spPr>
-        <p:txBody>
-          <a:bodyPr anchor="b">
-            <a:normAutofit/>
-          </a:bodyPr>
+            <a:off x="935832" y="3419479"/>
+            <a:ext cx="11830050" cy="5705474"/>
+          </a:xfrm>
+        </p:spPr>
+        <p:txBody>
+          <a:bodyPr anchor="b"/>
           <a:lstStyle>
-            <a:lvl1pPr algn="l">
-              <a:defRPr sz="4800"/>
+            <a:lvl1pPr>
+              <a:defRPr sz="9000"/>
             </a:lvl1pPr>
           </a:lstStyle>
           <a:p>
@@ -1597,26 +1711,24 @@
         </p:nvSpPr>
         <p:spPr>
           <a:xfrm>
-            <a:off x="2165238" y="7612393"/>
-            <a:ext cx="8425503" cy="2025858"/>
-          </a:xfrm>
-        </p:spPr>
-        <p:txBody>
-          <a:bodyPr tIns="91440">
-            <a:normAutofit/>
-          </a:bodyPr>
+            <a:off x="935832" y="9178929"/>
+            <a:ext cx="11830050" cy="3000374"/>
+          </a:xfrm>
+        </p:spPr>
+        <p:txBody>
+          <a:bodyPr/>
           <a:lstStyle>
-            <a:lvl1pPr marL="0" indent="0" algn="l">
+            <a:lvl1pPr marL="0" indent="0">
               <a:buNone/>
-              <a:defRPr sz="2700">
+              <a:defRPr sz="3600">
                 <a:solidFill>
                   <a:schemeClr val="tx1"/>
                 </a:solidFill>
               </a:defRPr>
             </a:lvl1pPr>
-            <a:lvl2pPr marL="514350" indent="0">
+            <a:lvl2pPr marL="685800" indent="0">
               <a:buNone/>
-              <a:defRPr sz="2250">
+              <a:defRPr sz="3000">
                 <a:solidFill>
                   <a:schemeClr val="tx1">
                     <a:tint val="75000"/>
@@ -1624,9 +1736,9 @@
                 </a:solidFill>
               </a:defRPr>
             </a:lvl2pPr>
-            <a:lvl3pPr marL="1028700" indent="0">
+            <a:lvl3pPr marL="1371600" indent="0">
               <a:buNone/>
-              <a:defRPr sz="2025">
+              <a:defRPr sz="2700">
                 <a:solidFill>
                   <a:schemeClr val="tx1">
                     <a:tint val="75000"/>
@@ -1634,9 +1746,9 @@
                 </a:solidFill>
               </a:defRPr>
             </a:lvl3pPr>
-            <a:lvl4pPr marL="1543050" indent="0">
+            <a:lvl4pPr marL="2057400" indent="0">
               <a:buNone/>
-              <a:defRPr sz="1800">
+              <a:defRPr sz="2400">
                 <a:solidFill>
                   <a:schemeClr val="tx1">
                     <a:tint val="75000"/>
@@ -1644,9 +1756,9 @@
                 </a:solidFill>
               </a:defRPr>
             </a:lvl4pPr>
-            <a:lvl5pPr marL="2057400" indent="0">
+            <a:lvl5pPr marL="2743200" indent="0">
               <a:buNone/>
-              <a:defRPr sz="1800">
+              <a:defRPr sz="2400">
                 <a:solidFill>
                   <a:schemeClr val="tx1">
                     <a:tint val="75000"/>
@@ -1654,9 +1766,9 @@
                 </a:solidFill>
               </a:defRPr>
             </a:lvl5pPr>
-            <a:lvl6pPr marL="2571750" indent="0">
+            <a:lvl6pPr marL="3429000" indent="0">
               <a:buNone/>
-              <a:defRPr sz="1800">
+              <a:defRPr sz="2400">
                 <a:solidFill>
                   <a:schemeClr val="tx1">
                     <a:tint val="75000"/>
@@ -1664,9 +1776,9 @@
                 </a:solidFill>
               </a:defRPr>
             </a:lvl6pPr>
-            <a:lvl7pPr marL="3086100" indent="0">
+            <a:lvl7pPr marL="4114800" indent="0">
               <a:buNone/>
-              <a:defRPr sz="1800">
+              <a:defRPr sz="2400">
                 <a:solidFill>
                   <a:schemeClr val="tx1">
                     <a:tint val="75000"/>
@@ -1674,9 +1786,9 @@
                 </a:solidFill>
               </a:defRPr>
             </a:lvl7pPr>
-            <a:lvl8pPr marL="3600450" indent="0">
+            <a:lvl8pPr marL="4800600" indent="0">
               <a:buNone/>
-              <a:defRPr sz="1800">
+              <a:defRPr sz="2400">
                 <a:solidFill>
                   <a:schemeClr val="tx1">
                     <a:tint val="75000"/>
@@ -1684,9 +1796,9 @@
                 </a:solidFill>
               </a:defRPr>
             </a:lvl8pPr>
-            <a:lvl9pPr marL="4114800" indent="0">
+            <a:lvl9pPr marL="5486400" indent="0">
               <a:buNone/>
-              <a:defRPr sz="1800">
+              <a:defRPr sz="2400">
                 <a:solidFill>
                   <a:schemeClr val="tx1">
                     <a:tint val="75000"/>
@@ -1721,7 +1833,7 @@
           <a:p>
             <a:fld id="{ACA9C334-3C7E-A547-98D3-27A91BE7814D}" type="datetimeFigureOut">
               <a:rPr lang="en-US" smtClean="0"/>
-              <a:t>6/3/21</a:t>
+              <a:t>6/4/21</a:t>
             </a:fld>
             <a:endParaRPr lang="en-US"/>
           </a:p>
@@ -1769,41 +1881,10 @@
           </a:p>
         </p:txBody>
       </p:sp>
-      <p:cxnSp>
-        <p:nvCxnSpPr>
-          <p:cNvPr id="15" name="Straight Connector 14"/>
-          <p:cNvCxnSpPr/>
-          <p:nvPr/>
-        </p:nvCxnSpPr>
-        <p:spPr>
-          <a:xfrm>
-            <a:off x="2165237" y="7609970"/>
-            <a:ext cx="8425503" cy="0"/>
-          </a:xfrm>
-          <a:prstGeom prst="line">
-            <a:avLst/>
-          </a:prstGeom>
-          <a:ln w="31750"/>
-        </p:spPr>
-        <p:style>
-          <a:lnRef idx="3">
-            <a:schemeClr val="accent1"/>
-          </a:lnRef>
-          <a:fillRef idx="0">
-            <a:schemeClr val="accent1"/>
-          </a:fillRef>
-          <a:effectRef idx="2">
-            <a:schemeClr val="accent1"/>
-          </a:effectRef>
-          <a:fontRef idx="minor">
-            <a:schemeClr val="tx1"/>
-          </a:fontRef>
-        </p:style>
-      </p:cxnSp>
     </p:spTree>
     <p:extLst>
       <p:ext uri="{BB962C8B-B14F-4D97-AF65-F5344CB8AC3E}">
-        <p14:creationId xmlns:p14="http://schemas.microsoft.com/office/powerpoint/2010/main" val="2954924745"/>
+        <p14:creationId xmlns:p14="http://schemas.microsoft.com/office/powerpoint/2010/main" val="4189326641"/>
       </p:ext>
     </p:extLst>
   </p:cSld>
@@ -1840,12 +1921,7 @@
             <p:ph type="title"/>
           </p:nvPr>
         </p:nvSpPr>
-        <p:spPr>
-          <a:xfrm>
-            <a:off x="2165237" y="1609781"/>
-            <a:ext cx="9857015" cy="2118610"/>
-          </a:xfrm>
-        </p:spPr>
+        <p:spPr/>
         <p:txBody>
           <a:bodyPr/>
           <a:lstStyle/>
@@ -1870,8 +1946,8 @@
         </p:nvSpPr>
         <p:spPr>
           <a:xfrm>
-            <a:off x="2165236" y="4027872"/>
-            <a:ext cx="4688807" cy="6875120"/>
+            <a:off x="942975" y="3651250"/>
+            <a:ext cx="5829300" cy="8702676"/>
           </a:xfrm>
         </p:spPr>
         <p:txBody>
@@ -1927,8 +2003,8 @@
         </p:nvSpPr>
         <p:spPr>
           <a:xfrm>
-            <a:off x="7333773" y="4027873"/>
-            <a:ext cx="4688478" cy="6875118"/>
+            <a:off x="6943725" y="3651250"/>
+            <a:ext cx="5829300" cy="8702676"/>
           </a:xfrm>
         </p:spPr>
         <p:txBody>
@@ -1989,7 +2065,7 @@
           <a:p>
             <a:fld id="{ACA9C334-3C7E-A547-98D3-27A91BE7814D}" type="datetimeFigureOut">
               <a:rPr lang="en-US" smtClean="0"/>
-              <a:t>6/3/21</a:t>
+              <a:t>6/4/21</a:t>
             </a:fld>
             <a:endParaRPr lang="en-US"/>
           </a:p>
@@ -2037,41 +2113,10 @@
           </a:p>
         </p:txBody>
       </p:sp>
-      <p:cxnSp>
-        <p:nvCxnSpPr>
-          <p:cNvPr id="33" name="Straight Connector 32"/>
-          <p:cNvCxnSpPr/>
-          <p:nvPr/>
-        </p:nvCxnSpPr>
-        <p:spPr>
-          <a:xfrm>
-            <a:off x="2165237" y="3694176"/>
-            <a:ext cx="9857015" cy="0"/>
-          </a:xfrm>
-          <a:prstGeom prst="line">
-            <a:avLst/>
-          </a:prstGeom>
-          <a:ln w="31750"/>
-        </p:spPr>
-        <p:style>
-          <a:lnRef idx="3">
-            <a:schemeClr val="accent1"/>
-          </a:lnRef>
-          <a:fillRef idx="0">
-            <a:schemeClr val="accent1"/>
-          </a:fillRef>
-          <a:effectRef idx="2">
-            <a:schemeClr val="accent1"/>
-          </a:effectRef>
-          <a:fontRef idx="minor">
-            <a:schemeClr val="tx1"/>
-          </a:fontRef>
-        </p:style>
-      </p:cxnSp>
     </p:spTree>
     <p:extLst>
       <p:ext uri="{BB962C8B-B14F-4D97-AF65-F5344CB8AC3E}">
-        <p14:creationId xmlns:p14="http://schemas.microsoft.com/office/powerpoint/2010/main" val="1986626368"/>
+        <p14:creationId xmlns:p14="http://schemas.microsoft.com/office/powerpoint/2010/main" val="1613828762"/>
       </p:ext>
     </p:extLst>
   </p:cSld>
@@ -2098,37 +2143,6 @@
           <a:chExt cx="0" cy="0"/>
         </a:xfrm>
       </p:grpSpPr>
-      <p:cxnSp>
-        <p:nvCxnSpPr>
-          <p:cNvPr id="36" name="Straight Connector 35"/>
-          <p:cNvCxnSpPr/>
-          <p:nvPr/>
-        </p:nvCxnSpPr>
-        <p:spPr>
-          <a:xfrm>
-            <a:off x="2165237" y="3694176"/>
-            <a:ext cx="9857015" cy="0"/>
-          </a:xfrm>
-          <a:prstGeom prst="line">
-            <a:avLst/>
-          </a:prstGeom>
-          <a:ln w="31750"/>
-        </p:spPr>
-        <p:style>
-          <a:lnRef idx="3">
-            <a:schemeClr val="accent1"/>
-          </a:lnRef>
-          <a:fillRef idx="0">
-            <a:schemeClr val="accent1"/>
-          </a:fillRef>
-          <a:effectRef idx="2">
-            <a:schemeClr val="accent1"/>
-          </a:effectRef>
-          <a:fontRef idx="minor">
-            <a:schemeClr val="tx1"/>
-          </a:fontRef>
-        </p:style>
-      </p:cxnSp>
       <p:sp>
         <p:nvSpPr>
           <p:cNvPr id="2" name="Title 1"/>
@@ -2141,8 +2155,8 @@
         </p:nvSpPr>
         <p:spPr>
           <a:xfrm>
-            <a:off x="2165237" y="1608329"/>
-            <a:ext cx="9857016" cy="2112638"/>
+            <a:off x="944762" y="730253"/>
+            <a:ext cx="11830050" cy="2651126"/>
           </a:xfrm>
         </p:spPr>
         <p:txBody>
@@ -2169,57 +2183,48 @@
         </p:nvSpPr>
         <p:spPr>
           <a:xfrm>
-            <a:off x="2165237" y="4039101"/>
-            <a:ext cx="4688649" cy="1603886"/>
-          </a:xfrm>
-        </p:spPr>
-        <p:txBody>
-          <a:bodyPr anchor="b">
-            <a:normAutofit/>
-          </a:bodyPr>
+            <a:off x="944763" y="3362326"/>
+            <a:ext cx="5802510" cy="1647824"/>
+          </a:xfrm>
+        </p:spPr>
+        <p:txBody>
+          <a:bodyPr anchor="b"/>
           <a:lstStyle>
             <a:lvl1pPr marL="0" indent="0">
-              <a:lnSpc>
-                <a:spcPct val="100000"/>
-              </a:lnSpc>
               <a:buNone/>
-              <a:defRPr sz="3300" b="0" cap="all" baseline="0">
-                <a:solidFill>
-                  <a:schemeClr val="accent1"/>
-                </a:solidFill>
-              </a:defRPr>
+              <a:defRPr sz="3600" b="1"/>
             </a:lvl1pPr>
-            <a:lvl2pPr marL="514350" indent="0">
+            <a:lvl2pPr marL="685800" indent="0">
               <a:buNone/>
-              <a:defRPr sz="2250" b="1"/>
+              <a:defRPr sz="3000" b="1"/>
             </a:lvl2pPr>
-            <a:lvl3pPr marL="1028700" indent="0">
+            <a:lvl3pPr marL="1371600" indent="0">
               <a:buNone/>
-              <a:defRPr sz="2025" b="1"/>
+              <a:defRPr sz="2700" b="1"/>
             </a:lvl3pPr>
-            <a:lvl4pPr marL="1543050" indent="0">
+            <a:lvl4pPr marL="2057400" indent="0">
               <a:buNone/>
-              <a:defRPr sz="1800" b="1"/>
+              <a:defRPr sz="2400" b="1"/>
             </a:lvl4pPr>
-            <a:lvl5pPr marL="2057400" indent="0">
+            <a:lvl5pPr marL="2743200" indent="0">
               <a:buNone/>
-              <a:defRPr sz="1800" b="1"/>
+              <a:defRPr sz="2400" b="1"/>
             </a:lvl5pPr>
-            <a:lvl6pPr marL="2571750" indent="0">
+            <a:lvl6pPr marL="3429000" indent="0">
               <a:buNone/>
-              <a:defRPr sz="1800" b="1"/>
+              <a:defRPr sz="2400" b="1"/>
             </a:lvl6pPr>
-            <a:lvl7pPr marL="3086100" indent="0">
+            <a:lvl7pPr marL="4114800" indent="0">
               <a:buNone/>
-              <a:defRPr sz="1800" b="1"/>
+              <a:defRPr sz="2400" b="1"/>
             </a:lvl7pPr>
-            <a:lvl8pPr marL="3600450" indent="0">
+            <a:lvl8pPr marL="4800600" indent="0">
               <a:buNone/>
-              <a:defRPr sz="1800" b="1"/>
+              <a:defRPr sz="2400" b="1"/>
             </a:lvl8pPr>
-            <a:lvl9pPr marL="4114800" indent="0">
+            <a:lvl9pPr marL="5486400" indent="0">
               <a:buNone/>
-              <a:defRPr sz="1800" b="1"/>
+              <a:defRPr sz="2400" b="1"/>
             </a:lvl9pPr>
           </a:lstStyle>
           <a:p>
@@ -2243,8 +2248,8 @@
         </p:nvSpPr>
         <p:spPr>
           <a:xfrm>
-            <a:off x="2165237" y="5648541"/>
-            <a:ext cx="4688649" cy="5288914"/>
+            <a:off x="944763" y="5010150"/>
+            <a:ext cx="5802510" cy="7369176"/>
           </a:xfrm>
         </p:spPr>
         <p:txBody>
@@ -2300,57 +2305,48 @@
         </p:nvSpPr>
         <p:spPr>
           <a:xfrm>
-            <a:off x="7333773" y="4046009"/>
-            <a:ext cx="4688478" cy="1604474"/>
-          </a:xfrm>
-        </p:spPr>
-        <p:txBody>
-          <a:bodyPr anchor="b">
-            <a:normAutofit/>
-          </a:bodyPr>
+            <a:off x="6943726" y="3362326"/>
+            <a:ext cx="5831087" cy="1647824"/>
+          </a:xfrm>
+        </p:spPr>
+        <p:txBody>
+          <a:bodyPr anchor="b"/>
           <a:lstStyle>
             <a:lvl1pPr marL="0" indent="0">
-              <a:lnSpc>
-                <a:spcPct val="100000"/>
-              </a:lnSpc>
               <a:buNone/>
-              <a:defRPr sz="3300" b="0" cap="all" baseline="0">
-                <a:solidFill>
-                  <a:schemeClr val="accent1"/>
-                </a:solidFill>
-              </a:defRPr>
+              <a:defRPr sz="3600" b="1"/>
             </a:lvl1pPr>
-            <a:lvl2pPr marL="514350" indent="0">
+            <a:lvl2pPr marL="685800" indent="0">
               <a:buNone/>
-              <a:defRPr sz="2250" b="1"/>
+              <a:defRPr sz="3000" b="1"/>
             </a:lvl2pPr>
-            <a:lvl3pPr marL="1028700" indent="0">
+            <a:lvl3pPr marL="1371600" indent="0">
               <a:buNone/>
-              <a:defRPr sz="2025" b="1"/>
+              <a:defRPr sz="2700" b="1"/>
             </a:lvl3pPr>
-            <a:lvl4pPr marL="1543050" indent="0">
+            <a:lvl4pPr marL="2057400" indent="0">
               <a:buNone/>
-              <a:defRPr sz="1800" b="1"/>
+              <a:defRPr sz="2400" b="1"/>
             </a:lvl4pPr>
-            <a:lvl5pPr marL="2057400" indent="0">
+            <a:lvl5pPr marL="2743200" indent="0">
               <a:buNone/>
-              <a:defRPr sz="1800" b="1"/>
+              <a:defRPr sz="2400" b="1"/>
             </a:lvl5pPr>
-            <a:lvl6pPr marL="2571750" indent="0">
+            <a:lvl6pPr marL="3429000" indent="0">
               <a:buNone/>
-              <a:defRPr sz="1800" b="1"/>
+              <a:defRPr sz="2400" b="1"/>
             </a:lvl6pPr>
-            <a:lvl7pPr marL="3086100" indent="0">
+            <a:lvl7pPr marL="4114800" indent="0">
               <a:buNone/>
-              <a:defRPr sz="1800" b="1"/>
+              <a:defRPr sz="2400" b="1"/>
             </a:lvl7pPr>
-            <a:lvl8pPr marL="3600450" indent="0">
+            <a:lvl8pPr marL="4800600" indent="0">
               <a:buNone/>
-              <a:defRPr sz="1800" b="1"/>
+              <a:defRPr sz="2400" b="1"/>
             </a:lvl8pPr>
-            <a:lvl9pPr marL="4114800" indent="0">
+            <a:lvl9pPr marL="5486400" indent="0">
               <a:buNone/>
-              <a:defRPr sz="1800" b="1"/>
+              <a:defRPr sz="2400" b="1"/>
             </a:lvl9pPr>
           </a:lstStyle>
           <a:p>
@@ -2374,8 +2370,8 @@
         </p:nvSpPr>
         <p:spPr>
           <a:xfrm>
-            <a:off x="7333773" y="5642983"/>
-            <a:ext cx="4688478" cy="5274742"/>
+            <a:off x="6943726" y="5010150"/>
+            <a:ext cx="5831087" cy="7369176"/>
           </a:xfrm>
         </p:spPr>
         <p:txBody>
@@ -2436,7 +2432,7 @@
           <a:p>
             <a:fld id="{ACA9C334-3C7E-A547-98D3-27A91BE7814D}" type="datetimeFigureOut">
               <a:rPr lang="en-US" smtClean="0"/>
-              <a:t>6/3/21</a:t>
+              <a:t>6/4/21</a:t>
             </a:fld>
             <a:endParaRPr lang="en-US"/>
           </a:p>
@@ -2487,7 +2483,7 @@
     </p:spTree>
     <p:extLst>
       <p:ext uri="{BB962C8B-B14F-4D97-AF65-F5344CB8AC3E}">
-        <p14:creationId xmlns:p14="http://schemas.microsoft.com/office/powerpoint/2010/main" val="1407921576"/>
+        <p14:creationId xmlns:p14="http://schemas.microsoft.com/office/powerpoint/2010/main" val="1588411702"/>
       </p:ext>
     </p:extLst>
   </p:cSld>
@@ -2514,37 +2510,6 @@
           <a:chExt cx="0" cy="0"/>
         </a:xfrm>
       </p:grpSpPr>
-      <p:cxnSp>
-        <p:nvCxnSpPr>
-          <p:cNvPr id="32" name="Straight Connector 31"/>
-          <p:cNvCxnSpPr/>
-          <p:nvPr/>
-        </p:nvCxnSpPr>
-        <p:spPr>
-          <a:xfrm>
-            <a:off x="2165237" y="3694176"/>
-            <a:ext cx="9857015" cy="0"/>
-          </a:xfrm>
-          <a:prstGeom prst="line">
-            <a:avLst/>
-          </a:prstGeom>
-          <a:ln w="31750"/>
-        </p:spPr>
-        <p:style>
-          <a:lnRef idx="3">
-            <a:schemeClr val="accent1"/>
-          </a:lnRef>
-          <a:fillRef idx="0">
-            <a:schemeClr val="accent1"/>
-          </a:fillRef>
-          <a:effectRef idx="2">
-            <a:schemeClr val="accent1"/>
-          </a:effectRef>
-          <a:fontRef idx="minor">
-            <a:schemeClr val="tx1"/>
-          </a:fontRef>
-        </p:style>
-      </p:cxnSp>
       <p:sp>
         <p:nvSpPr>
           <p:cNvPr id="2" name="Title 1"/>
@@ -2585,7 +2550,7 @@
           <a:p>
             <a:fld id="{ACA9C334-3C7E-A547-98D3-27A91BE7814D}" type="datetimeFigureOut">
               <a:rPr lang="en-US" smtClean="0"/>
-              <a:t>6/3/21</a:t>
+              <a:t>6/4/21</a:t>
             </a:fld>
             <a:endParaRPr lang="en-US"/>
           </a:p>
@@ -2636,7 +2601,7 @@
     </p:spTree>
     <p:extLst>
       <p:ext uri="{BB962C8B-B14F-4D97-AF65-F5344CB8AC3E}">
-        <p14:creationId xmlns:p14="http://schemas.microsoft.com/office/powerpoint/2010/main" val="2829516905"/>
+        <p14:creationId xmlns:p14="http://schemas.microsoft.com/office/powerpoint/2010/main" val="1215536458"/>
       </p:ext>
     </p:extLst>
   </p:cSld>
@@ -2680,7 +2645,7 @@
           <a:p>
             <a:fld id="{ACA9C334-3C7E-A547-98D3-27A91BE7814D}" type="datetimeFigureOut">
               <a:rPr lang="en-US" smtClean="0"/>
-              <a:t>6/3/21</a:t>
+              <a:t>6/4/21</a:t>
             </a:fld>
             <a:endParaRPr lang="en-US"/>
           </a:p>
@@ -2731,7 +2696,7 @@
     </p:spTree>
     <p:extLst>
       <p:ext uri="{BB962C8B-B14F-4D97-AF65-F5344CB8AC3E}">
-        <p14:creationId xmlns:p14="http://schemas.microsoft.com/office/powerpoint/2010/main" val="3713006777"/>
+        <p14:creationId xmlns:p14="http://schemas.microsoft.com/office/powerpoint/2010/main" val="3550906588"/>
       </p:ext>
     </p:extLst>
   </p:cSld>
@@ -2770,17 +2735,15 @@
         </p:nvSpPr>
         <p:spPr>
           <a:xfrm>
-            <a:off x="2158563" y="1597947"/>
-            <a:ext cx="3638925" cy="4494234"/>
-          </a:xfrm>
-        </p:spPr>
-        <p:txBody>
-          <a:bodyPr anchor="b">
-            <a:normAutofit/>
-          </a:bodyPr>
+            <a:off x="944762" y="914400"/>
+            <a:ext cx="4423767" cy="3200400"/>
+          </a:xfrm>
+        </p:spPr>
+        <p:txBody>
+          <a:bodyPr anchor="b"/>
           <a:lstStyle>
-            <a:lvl1pPr algn="l">
-              <a:defRPr sz="3600"/>
+            <a:lvl1pPr>
+              <a:defRPr sz="4800"/>
             </a:lvl1pPr>
           </a:lstStyle>
           <a:p>
@@ -2804,13 +2767,41 @@
         </p:nvSpPr>
         <p:spPr>
           <a:xfrm>
-            <a:off x="6279984" y="1597948"/>
-            <a:ext cx="5742267" cy="9317652"/>
-          </a:xfrm>
-        </p:spPr>
-        <p:txBody>
-          <a:bodyPr anchor="ctr"/>
-          <a:lstStyle/>
+            <a:off x="5831087" y="1974853"/>
+            <a:ext cx="6943725" cy="9747250"/>
+          </a:xfrm>
+        </p:spPr>
+        <p:txBody>
+          <a:bodyPr/>
+          <a:lstStyle>
+            <a:lvl1pPr>
+              <a:defRPr sz="4800"/>
+            </a:lvl1pPr>
+            <a:lvl2pPr>
+              <a:defRPr sz="4200"/>
+            </a:lvl2pPr>
+            <a:lvl3pPr>
+              <a:defRPr sz="3600"/>
+            </a:lvl3pPr>
+            <a:lvl4pPr>
+              <a:defRPr sz="3000"/>
+            </a:lvl4pPr>
+            <a:lvl5pPr>
+              <a:defRPr sz="3000"/>
+            </a:lvl5pPr>
+            <a:lvl6pPr>
+              <a:defRPr sz="3000"/>
+            </a:lvl6pPr>
+            <a:lvl7pPr>
+              <a:defRPr sz="3000"/>
+            </a:lvl7pPr>
+            <a:lvl8pPr>
+              <a:defRPr sz="3000"/>
+            </a:lvl8pPr>
+            <a:lvl9pPr>
+              <a:defRPr sz="3000"/>
+            </a:lvl9pPr>
+          </a:lstStyle>
           <a:p>
             <a:pPr lvl="0"/>
             <a:r>
@@ -2861,50 +2852,48 @@
         </p:nvSpPr>
         <p:spPr>
           <a:xfrm>
-            <a:off x="2158564" y="6410985"/>
-            <a:ext cx="3641054" cy="4496362"/>
-          </a:xfrm>
-        </p:spPr>
-        <p:txBody>
-          <a:bodyPr>
-            <a:normAutofit/>
-          </a:bodyPr>
+            <a:off x="944762" y="4114800"/>
+            <a:ext cx="4423767" cy="7623176"/>
+          </a:xfrm>
+        </p:spPr>
+        <p:txBody>
+          <a:bodyPr/>
           <a:lstStyle>
-            <a:lvl1pPr marL="0" indent="0" algn="l">
+            <a:lvl1pPr marL="0" indent="0">
               <a:buNone/>
               <a:defRPr sz="2400"/>
             </a:lvl1pPr>
-            <a:lvl2pPr marL="514350" indent="0">
+            <a:lvl2pPr marL="685800" indent="0">
               <a:buNone/>
-              <a:defRPr sz="1575"/>
+              <a:defRPr sz="2100"/>
             </a:lvl2pPr>
-            <a:lvl3pPr marL="1028700" indent="0">
+            <a:lvl3pPr marL="1371600" indent="0">
               <a:buNone/>
-              <a:defRPr sz="1350"/>
+              <a:defRPr sz="1800"/>
             </a:lvl3pPr>
-            <a:lvl4pPr marL="1543050" indent="0">
+            <a:lvl4pPr marL="2057400" indent="0">
               <a:buNone/>
-              <a:defRPr sz="1125"/>
+              <a:defRPr sz="1500"/>
             </a:lvl4pPr>
-            <a:lvl5pPr marL="2057400" indent="0">
+            <a:lvl5pPr marL="2743200" indent="0">
               <a:buNone/>
-              <a:defRPr sz="1125"/>
+              <a:defRPr sz="1500"/>
             </a:lvl5pPr>
-            <a:lvl6pPr marL="2571750" indent="0">
+            <a:lvl6pPr marL="3429000" indent="0">
               <a:buNone/>
-              <a:defRPr sz="1125"/>
+              <a:defRPr sz="1500"/>
             </a:lvl6pPr>
-            <a:lvl7pPr marL="3086100" indent="0">
+            <a:lvl7pPr marL="4114800" indent="0">
               <a:buNone/>
-              <a:defRPr sz="1125"/>
+              <a:defRPr sz="1500"/>
             </a:lvl7pPr>
-            <a:lvl8pPr marL="3600450" indent="0">
+            <a:lvl8pPr marL="4800600" indent="0">
               <a:buNone/>
-              <a:defRPr sz="1125"/>
+              <a:defRPr sz="1500"/>
             </a:lvl8pPr>
-            <a:lvl9pPr marL="4114800" indent="0">
+            <a:lvl9pPr marL="5486400" indent="0">
               <a:buNone/>
-              <a:defRPr sz="1125"/>
+              <a:defRPr sz="1500"/>
             </a:lvl9pPr>
           </a:lstStyle>
           <a:p>
@@ -2933,7 +2922,7 @@
           <a:p>
             <a:fld id="{ACA9C334-3C7E-A547-98D3-27A91BE7814D}" type="datetimeFigureOut">
               <a:rPr lang="en-US" smtClean="0"/>
-              <a:t>6/3/21</a:t>
+              <a:t>6/4/21</a:t>
             </a:fld>
             <a:endParaRPr lang="en-US"/>
           </a:p>
@@ -2981,41 +2970,10 @@
           </a:p>
         </p:txBody>
       </p:sp>
-      <p:cxnSp>
-        <p:nvCxnSpPr>
-          <p:cNvPr id="17" name="Straight Connector 16"/>
-          <p:cNvCxnSpPr/>
-          <p:nvPr/>
-        </p:nvCxnSpPr>
-        <p:spPr>
-          <a:xfrm>
-            <a:off x="2162622" y="6410982"/>
-            <a:ext cx="3634914" cy="0"/>
-          </a:xfrm>
-          <a:prstGeom prst="line">
-            <a:avLst/>
-          </a:prstGeom>
-          <a:ln w="31750"/>
-        </p:spPr>
-        <p:style>
-          <a:lnRef idx="3">
-            <a:schemeClr val="accent1"/>
-          </a:lnRef>
-          <a:fillRef idx="0">
-            <a:schemeClr val="accent1"/>
-          </a:fillRef>
-          <a:effectRef idx="2">
-            <a:schemeClr val="accent1"/>
-          </a:effectRef>
-          <a:fontRef idx="minor">
-            <a:schemeClr val="tx1"/>
-          </a:fontRef>
-        </p:style>
-      </p:cxnSp>
     </p:spTree>
     <p:extLst>
       <p:ext uri="{BB962C8B-B14F-4D97-AF65-F5344CB8AC3E}">
-        <p14:creationId xmlns:p14="http://schemas.microsoft.com/office/powerpoint/2010/main" val="1720929503"/>
+        <p14:creationId xmlns:p14="http://schemas.microsoft.com/office/powerpoint/2010/main" val="952110981"/>
       </p:ext>
     </p:extLst>
   </p:cSld>
@@ -3042,140 +3000,6 @@
           <a:chExt cx="0" cy="0"/>
         </a:xfrm>
       </p:grpSpPr>
-      <p:grpSp>
-        <p:nvGrpSpPr>
-          <p:cNvPr id="13" name="Group 12"/>
-          <p:cNvGrpSpPr/>
-          <p:nvPr/>
-        </p:nvGrpSpPr>
-        <p:grpSpPr>
-          <a:xfrm>
-            <a:off x="7494752" y="964343"/>
-            <a:ext cx="5267081" cy="10298202"/>
-            <a:chOff x="6852919" y="583365"/>
-            <a:chExt cx="4681849" cy="5181928"/>
-          </a:xfrm>
-        </p:grpSpPr>
-        <p:sp>
-          <p:nvSpPr>
-            <p:cNvPr id="14" name="Rectangle 13"/>
-            <p:cNvSpPr/>
-            <p:nvPr/>
-          </p:nvSpPr>
-          <p:spPr>
-            <a:xfrm>
-              <a:off x="6852919" y="583365"/>
-              <a:ext cx="4681849" cy="5181928"/>
-            </a:xfrm>
-            <a:prstGeom prst="rect">
-              <a:avLst/>
-            </a:prstGeom>
-            <a:gradFill>
-              <a:gsLst>
-                <a:gs pos="0">
-                  <a:srgbClr val="000001"/>
-                </a:gs>
-                <a:gs pos="100000">
-                  <a:srgbClr val="191919"/>
-                </a:gs>
-              </a:gsLst>
-            </a:gradFill>
-            <a:ln w="76200" cmpd="sng">
-              <a:noFill/>
-              <a:miter lim="800000"/>
-            </a:ln>
-            <a:effectLst>
-              <a:outerShdw blurRad="127000" dist="228600" dir="4740000" sx="98000" sy="98000" algn="tl" rotWithShape="0">
-                <a:srgbClr val="000000">
-                  <a:alpha val="34000"/>
-                </a:srgbClr>
-              </a:outerShdw>
-            </a:effectLst>
-            <a:scene3d>
-              <a:camera prst="orthographicFront"/>
-              <a:lightRig rig="threePt" dir="t"/>
-            </a:scene3d>
-            <a:sp3d>
-              <a:bevelT w="152400" h="50800" prst="softRound"/>
-            </a:sp3d>
-          </p:spPr>
-          <p:style>
-            <a:lnRef idx="1">
-              <a:schemeClr val="accent1"/>
-            </a:lnRef>
-            <a:fillRef idx="3">
-              <a:schemeClr val="accent1"/>
-            </a:fillRef>
-            <a:effectRef idx="2">
-              <a:schemeClr val="accent1"/>
-            </a:effectRef>
-            <a:fontRef idx="minor">
-              <a:schemeClr val="lt1"/>
-            </a:fontRef>
-          </p:style>
-        </p:sp>
-        <p:sp>
-          <p:nvSpPr>
-            <p:cNvPr id="15" name="Rectangle 14"/>
-            <p:cNvSpPr/>
-            <p:nvPr/>
-          </p:nvSpPr>
-          <p:spPr>
-            <a:xfrm>
-              <a:off x="7273787" y="915806"/>
-              <a:ext cx="3844017" cy="4507918"/>
-            </a:xfrm>
-            <a:prstGeom prst="rect">
-              <a:avLst/>
-            </a:prstGeom>
-            <a:gradFill>
-              <a:gsLst>
-                <a:gs pos="0">
-                  <a:srgbClr val="DADADA"/>
-                </a:gs>
-                <a:gs pos="100000">
-                  <a:srgbClr val="FFFFFE"/>
-                </a:gs>
-              </a:gsLst>
-              <a:lin ang="16200000" scaled="0"/>
-            </a:gradFill>
-            <a:ln w="50800" cmpd="sng">
-              <a:solidFill>
-                <a:srgbClr val="191919"/>
-              </a:solidFill>
-              <a:miter lim="800000"/>
-            </a:ln>
-            <a:effectLst>
-              <a:innerShdw blurRad="63500" dist="88900" dir="14100000">
-                <a:srgbClr val="000000">
-                  <a:alpha val="30000"/>
-                </a:srgbClr>
-              </a:innerShdw>
-            </a:effectLst>
-            <a:scene3d>
-              <a:camera prst="orthographicFront"/>
-              <a:lightRig rig="threePt" dir="t"/>
-            </a:scene3d>
-            <a:sp3d>
-              <a:bevelT prst="relaxedInset"/>
-            </a:sp3d>
-          </p:spPr>
-          <p:style>
-            <a:lnRef idx="1">
-              <a:schemeClr val="accent1"/>
-            </a:lnRef>
-            <a:fillRef idx="3">
-              <a:schemeClr val="accent1"/>
-            </a:fillRef>
-            <a:effectRef idx="2">
-              <a:schemeClr val="accent1"/>
-            </a:effectRef>
-            <a:fontRef idx="minor">
-              <a:schemeClr val="lt1"/>
-            </a:fontRef>
-          </p:style>
-        </p:sp>
-      </p:grpSp>
       <p:sp>
         <p:nvSpPr>
           <p:cNvPr id="2" name="Title 1"/>
@@ -3188,14 +3012,12 @@
         </p:nvSpPr>
         <p:spPr>
           <a:xfrm>
-            <a:off x="2166223" y="2259026"/>
-            <a:ext cx="4867403" cy="3661168"/>
-          </a:xfrm>
-        </p:spPr>
-        <p:txBody>
-          <a:bodyPr anchor="b">
-            <a:normAutofit/>
-          </a:bodyPr>
+            <a:off x="944762" y="914400"/>
+            <a:ext cx="4423767" cy="3200400"/>
+          </a:xfrm>
+        </p:spPr>
+        <p:txBody>
+          <a:bodyPr anchor="b"/>
           <a:lstStyle>
             <a:lvl1pPr>
               <a:defRPr sz="4800"/>
@@ -3222,58 +3044,48 @@
         </p:nvSpPr>
         <p:spPr>
           <a:xfrm>
-            <a:off x="8460192" y="2245087"/>
-            <a:ext cx="3352497" cy="7732654"/>
-          </a:xfrm>
-          <a:solidFill>
-            <a:schemeClr val="bg1">
-              <a:lumMod val="85000"/>
-            </a:schemeClr>
-          </a:solidFill>
-          <a:ln w="9525" cap="sq">
-            <a:noFill/>
-            <a:miter lim="800000"/>
-          </a:ln>
-          <a:effectLst/>
+            <a:off x="5831087" y="1974853"/>
+            <a:ext cx="6943725" cy="9747250"/>
+          </a:xfrm>
         </p:spPr>
         <p:txBody>
           <a:bodyPr anchor="t"/>
           <a:lstStyle>
-            <a:lvl1pPr marL="0" indent="0" algn="ctr">
+            <a:lvl1pPr marL="0" indent="0">
+              <a:buNone/>
+              <a:defRPr sz="4800"/>
+            </a:lvl1pPr>
+            <a:lvl2pPr marL="685800" indent="0">
+              <a:buNone/>
+              <a:defRPr sz="4200"/>
+            </a:lvl2pPr>
+            <a:lvl3pPr marL="1371600" indent="0">
               <a:buNone/>
               <a:defRPr sz="3600"/>
-            </a:lvl1pPr>
-            <a:lvl2pPr marL="514350" indent="0">
+            </a:lvl3pPr>
+            <a:lvl4pPr marL="2057400" indent="0">
               <a:buNone/>
-              <a:defRPr sz="3150"/>
-            </a:lvl2pPr>
-            <a:lvl3pPr marL="1028700" indent="0">
+              <a:defRPr sz="3000"/>
+            </a:lvl4pPr>
+            <a:lvl5pPr marL="2743200" indent="0">
               <a:buNone/>
-              <a:defRPr sz="2700"/>
-            </a:lvl3pPr>
-            <a:lvl4pPr marL="1543050" indent="0">
+              <a:defRPr sz="3000"/>
+            </a:lvl5pPr>
+            <a:lvl6pPr marL="3429000" indent="0">
               <a:buNone/>
-              <a:defRPr sz="2250"/>
-            </a:lvl4pPr>
-            <a:lvl5pPr marL="2057400" indent="0">
+              <a:defRPr sz="3000"/>
+            </a:lvl6pPr>
+            <a:lvl7pPr marL="4114800" indent="0">
               <a:buNone/>
-              <a:defRPr sz="2250"/>
-            </a:lvl5pPr>
-            <a:lvl6pPr marL="2571750" indent="0">
+              <a:defRPr sz="3000"/>
+            </a:lvl7pPr>
+            <a:lvl8pPr marL="4800600" indent="0">
               <a:buNone/>
-              <a:defRPr sz="2250"/>
-            </a:lvl6pPr>
-            <a:lvl7pPr marL="3086100" indent="0">
+              <a:defRPr sz="3000"/>
+            </a:lvl8pPr>
+            <a:lvl9pPr marL="5486400" indent="0">
               <a:buNone/>
-              <a:defRPr sz="2250"/>
-            </a:lvl7pPr>
-            <a:lvl8pPr marL="3600450" indent="0">
-              <a:buNone/>
-              <a:defRPr sz="2250"/>
-            </a:lvl8pPr>
-            <a:lvl9pPr marL="4114800" indent="0">
-              <a:buNone/>
-              <a:defRPr sz="2250"/>
+              <a:defRPr sz="3000"/>
             </a:lvl9pPr>
           </a:lstStyle>
           <a:p>
@@ -3297,50 +3109,48 @@
         </p:nvSpPr>
         <p:spPr>
           <a:xfrm>
-            <a:off x="2165238" y="6291984"/>
-            <a:ext cx="4860429" cy="4007484"/>
-          </a:xfrm>
-        </p:spPr>
-        <p:txBody>
-          <a:bodyPr>
-            <a:normAutofit/>
-          </a:bodyPr>
+            <a:off x="944762" y="4114800"/>
+            <a:ext cx="4423767" cy="7623176"/>
+          </a:xfrm>
+        </p:spPr>
+        <p:txBody>
+          <a:bodyPr/>
           <a:lstStyle>
-            <a:lvl1pPr marL="0" indent="0" algn="l">
+            <a:lvl1pPr marL="0" indent="0">
               <a:buNone/>
-              <a:defRPr sz="2700"/>
+              <a:defRPr sz="2400"/>
             </a:lvl1pPr>
-            <a:lvl2pPr marL="514350" indent="0">
+            <a:lvl2pPr marL="685800" indent="0">
               <a:buNone/>
-              <a:defRPr sz="1575"/>
+              <a:defRPr sz="2100"/>
             </a:lvl2pPr>
-            <a:lvl3pPr marL="1028700" indent="0">
+            <a:lvl3pPr marL="1371600" indent="0">
               <a:buNone/>
-              <a:defRPr sz="1350"/>
+              <a:defRPr sz="1800"/>
             </a:lvl3pPr>
-            <a:lvl4pPr marL="1543050" indent="0">
+            <a:lvl4pPr marL="2057400" indent="0">
               <a:buNone/>
-              <a:defRPr sz="1125"/>
+              <a:defRPr sz="1500"/>
             </a:lvl4pPr>
-            <a:lvl5pPr marL="2057400" indent="0">
+            <a:lvl5pPr marL="2743200" indent="0">
               <a:buNone/>
-              <a:defRPr sz="1125"/>
+              <a:defRPr sz="1500"/>
             </a:lvl5pPr>
-            <a:lvl6pPr marL="2571750" indent="0">
+            <a:lvl6pPr marL="3429000" indent="0">
               <a:buNone/>
-              <a:defRPr sz="1125"/>
+              <a:defRPr sz="1500"/>
             </a:lvl6pPr>
-            <a:lvl7pPr marL="3086100" indent="0">
+            <a:lvl7pPr marL="4114800" indent="0">
               <a:buNone/>
-              <a:defRPr sz="1125"/>
+              <a:defRPr sz="1500"/>
             </a:lvl7pPr>
-            <a:lvl8pPr marL="3600450" indent="0">
+            <a:lvl8pPr marL="4800600" indent="0">
               <a:buNone/>
-              <a:defRPr sz="1125"/>
+              <a:defRPr sz="1500"/>
             </a:lvl8pPr>
-            <a:lvl9pPr marL="4114800" indent="0">
+            <a:lvl9pPr marL="5486400" indent="0">
               <a:buNone/>
-              <a:defRPr sz="1125"/>
+              <a:defRPr sz="1500"/>
             </a:lvl9pPr>
           </a:lstStyle>
           <a:p>
@@ -3362,23 +3172,14 @@
             <p:ph type="dt" sz="half" idx="10"/>
           </p:nvPr>
         </p:nvSpPr>
-        <p:spPr>
-          <a:xfrm>
-            <a:off x="2154996" y="10939715"/>
-            <a:ext cx="4878630" cy="640246"/>
-          </a:xfrm>
-        </p:spPr>
+        <p:spPr/>
         <p:txBody>
           <a:bodyPr/>
-          <a:lstStyle>
-            <a:lvl1pPr algn="l">
-              <a:defRPr/>
-            </a:lvl1pPr>
-          </a:lstStyle>
+          <a:lstStyle/>
           <a:p>
             <a:fld id="{ACA9C334-3C7E-A547-98D3-27A91BE7814D}" type="datetimeFigureOut">
               <a:rPr lang="en-US" smtClean="0"/>
-              <a:t>6/3/21</a:t>
+              <a:t>6/4/21</a:t>
             </a:fld>
             <a:endParaRPr lang="en-US"/>
           </a:p>
@@ -3394,12 +3195,7 @@
             <p:ph type="ftr" sz="quarter" idx="11"/>
           </p:nvPr>
         </p:nvSpPr>
-        <p:spPr>
-          <a:xfrm>
-            <a:off x="2156296" y="637283"/>
-            <a:ext cx="4877330" cy="641862"/>
-          </a:xfrm>
-        </p:spPr>
+        <p:spPr/>
         <p:txBody>
           <a:bodyPr/>
           <a:lstStyle/>
@@ -3431,41 +3227,10 @@
           </a:p>
         </p:txBody>
       </p:sp>
-      <p:cxnSp>
-        <p:nvCxnSpPr>
-          <p:cNvPr id="31" name="Straight Connector 30"/>
-          <p:cNvCxnSpPr/>
-          <p:nvPr/>
-        </p:nvCxnSpPr>
-        <p:spPr>
-          <a:xfrm>
-            <a:off x="2161922" y="6287210"/>
-            <a:ext cx="4863021" cy="0"/>
-          </a:xfrm>
-          <a:prstGeom prst="line">
-            <a:avLst/>
-          </a:prstGeom>
-          <a:ln w="31750"/>
-        </p:spPr>
-        <p:style>
-          <a:lnRef idx="3">
-            <a:schemeClr val="accent1"/>
-          </a:lnRef>
-          <a:fillRef idx="0">
-            <a:schemeClr val="accent1"/>
-          </a:fillRef>
-          <a:effectRef idx="2">
-            <a:schemeClr val="accent1"/>
-          </a:effectRef>
-          <a:fontRef idx="minor">
-            <a:schemeClr val="tx1"/>
-          </a:fontRef>
-        </p:style>
-      </p:cxnSp>
     </p:spTree>
     <p:extLst>
       <p:ext uri="{BB962C8B-B14F-4D97-AF65-F5344CB8AC3E}">
-        <p14:creationId xmlns:p14="http://schemas.microsoft.com/office/powerpoint/2010/main" val="506430387"/>
+        <p14:creationId xmlns:p14="http://schemas.microsoft.com/office/powerpoint/2010/main" val="3451566724"/>
       </p:ext>
     </p:extLst>
   </p:cSld>
@@ -3479,8 +3244,8 @@
 <p:sldMaster xmlns:a="http://schemas.openxmlformats.org/drawingml/2006/main" xmlns:r="http://schemas.openxmlformats.org/officeDocument/2006/relationships" xmlns:p="http://schemas.openxmlformats.org/presentationml/2006/main">
   <p:cSld>
     <p:bg>
-      <p:bgRef idx="1003">
-        <a:schemeClr val="bg2"/>
+      <p:bgRef idx="1001">
+        <a:schemeClr val="bg1"/>
       </p:bgRef>
     </p:bg>
     <p:spTree>
@@ -3499,121 +3264,6 @@
       </p:grpSpPr>
       <p:sp>
         <p:nvSpPr>
-          <p:cNvPr id="10" name="Rectangle 9"/>
-          <p:cNvSpPr/>
-          <p:nvPr/>
-        </p:nvSpPr>
-        <p:spPr>
-          <a:xfrm>
-            <a:off x="0" y="4031468"/>
-            <a:ext cx="13716000" cy="8159040"/>
-          </a:xfrm>
-          <a:prstGeom prst="rect">
-            <a:avLst/>
-          </a:prstGeom>
-          <a:gradFill flip="none" rotWithShape="1">
-            <a:gsLst>
-              <a:gs pos="0">
-                <a:schemeClr val="bg2">
-                  <a:alpha val="0"/>
-                </a:schemeClr>
-              </a:gs>
-              <a:gs pos="100000">
-                <a:schemeClr val="bg2"/>
-              </a:gs>
-            </a:gsLst>
-            <a:lin ang="5400000" scaled="0"/>
-            <a:tileRect/>
-          </a:gradFill>
-          <a:ln>
-            <a:noFill/>
-          </a:ln>
-        </p:spPr>
-        <p:style>
-          <a:lnRef idx="2">
-            <a:schemeClr val="accent1">
-              <a:shade val="50000"/>
-            </a:schemeClr>
-          </a:lnRef>
-          <a:fillRef idx="1">
-            <a:schemeClr val="accent1"/>
-          </a:fillRef>
-          <a:effectRef idx="0">
-            <a:schemeClr val="accent1"/>
-          </a:effectRef>
-          <a:fontRef idx="minor">
-            <a:schemeClr val="lt1"/>
-          </a:fontRef>
-        </p:style>
-      </p:sp>
-      <p:pic>
-        <p:nvPicPr>
-          <p:cNvPr id="12" name="Picture 11"/>
-          <p:cNvPicPr>
-            <a:picLocks noChangeAspect="1"/>
-          </p:cNvPicPr>
-          <p:nvPr/>
-        </p:nvPicPr>
-        <p:blipFill rotWithShape="1">
-          <a:blip r:embed="rId13">
-            <a:extLst>
-              <a:ext uri="{28A0092B-C50C-407E-A947-70E740481C1C}">
-                <a14:useLocalDpi xmlns:a14="http://schemas.microsoft.com/office/drawing/2010/main" val="0"/>
-              </a:ext>
-            </a:extLst>
-          </a:blip>
-          <a:srcRect l="12500" t="1538" r="12500" b="-1538"/>
-          <a:stretch/>
-        </p:blipFill>
-        <p:spPr>
-          <a:xfrm>
-            <a:off x="-1" y="12190507"/>
-            <a:ext cx="13716002" cy="1549454"/>
-          </a:xfrm>
-          <a:prstGeom prst="rect">
-            <a:avLst/>
-          </a:prstGeom>
-        </p:spPr>
-      </p:pic>
-      <p:cxnSp>
-        <p:nvCxnSpPr>
-          <p:cNvPr id="13" name="Straight Connector 12"/>
-          <p:cNvCxnSpPr/>
-          <p:nvPr/>
-        </p:nvCxnSpPr>
-        <p:spPr>
-          <a:xfrm>
-            <a:off x="0" y="12202254"/>
-            <a:ext cx="13716000" cy="0"/>
-          </a:xfrm>
-          <a:prstGeom prst="line">
-            <a:avLst/>
-          </a:prstGeom>
-          <a:ln w="12700">
-            <a:solidFill>
-              <a:srgbClr val="000001">
-                <a:alpha val="20000"/>
-              </a:srgbClr>
-            </a:solidFill>
-          </a:ln>
-        </p:spPr>
-        <p:style>
-          <a:lnRef idx="1">
-            <a:schemeClr val="accent1"/>
-          </a:lnRef>
-          <a:fillRef idx="0">
-            <a:schemeClr val="accent1"/>
-          </a:fillRef>
-          <a:effectRef idx="0">
-            <a:schemeClr val="accent1"/>
-          </a:effectRef>
-          <a:fontRef idx="minor">
-            <a:schemeClr val="tx1"/>
-          </a:fontRef>
-        </p:style>
-      </p:cxnSp>
-      <p:sp>
-        <p:nvSpPr>
           <p:cNvPr id="2" name="Title Placeholder 1"/>
           <p:cNvSpPr>
             <a:spLocks noGrp="1"/>
@@ -3624,15 +3274,15 @@
         </p:nvSpPr>
         <p:spPr>
           <a:xfrm>
-            <a:off x="2165237" y="1609041"/>
-            <a:ext cx="9857015" cy="2098470"/>
+            <a:off x="942975" y="730253"/>
+            <a:ext cx="11830050" cy="2651126"/>
           </a:xfrm>
           <a:prstGeom prst="rect">
             <a:avLst/>
           </a:prstGeom>
         </p:spPr>
         <p:txBody>
-          <a:bodyPr vert="horz" lIns="91440" tIns="45720" rIns="91440" bIns="45720" rtlCol="0" anchor="t">
+          <a:bodyPr vert="horz" lIns="91440" tIns="45720" rIns="91440" bIns="45720" rtlCol="0" anchor="ctr">
             <a:normAutofit/>
           </a:bodyPr>
           <a:lstStyle/>
@@ -3657,8 +3307,8 @@
         </p:nvSpPr>
         <p:spPr>
           <a:xfrm>
-            <a:off x="2165237" y="4031467"/>
-            <a:ext cx="9857015" cy="6901226"/>
+            <a:off x="942975" y="3651250"/>
+            <a:ext cx="11830050" cy="8702676"/>
           </a:xfrm>
           <a:prstGeom prst="rect">
             <a:avLst/>
@@ -3719,8 +3369,8 @@
         </p:nvSpPr>
         <p:spPr>
           <a:xfrm>
-            <a:off x="8469813" y="660741"/>
-            <a:ext cx="3552438" cy="618402"/>
+            <a:off x="942975" y="12712703"/>
+            <a:ext cx="3086100" cy="730250"/>
           </a:xfrm>
           <a:prstGeom prst="rect">
             <a:avLst/>
@@ -3729,8 +3379,8 @@
         <p:txBody>
           <a:bodyPr vert="horz" lIns="91440" tIns="45720" rIns="91440" bIns="45720" rtlCol="0" anchor="ctr"/>
           <a:lstStyle>
-            <a:lvl1pPr algn="r">
-              <a:defRPr sz="1500">
+            <a:lvl1pPr algn="l">
+              <a:defRPr sz="1800">
                 <a:solidFill>
                   <a:schemeClr val="tx1">
                     <a:tint val="75000"/>
@@ -3742,7 +3392,7 @@
           <a:p>
             <a:fld id="{ACA9C334-3C7E-A547-98D3-27A91BE7814D}" type="datetimeFigureOut">
               <a:rPr lang="en-US" smtClean="0"/>
-              <a:t>6/3/21</a:t>
+              <a:t>6/4/21</a:t>
             </a:fld>
             <a:endParaRPr lang="en-US"/>
           </a:p>
@@ -3760,8 +3410,8 @@
         </p:nvSpPr>
         <p:spPr>
           <a:xfrm>
-            <a:off x="2165237" y="658617"/>
-            <a:ext cx="6051006" cy="618402"/>
+            <a:off x="4543425" y="12712703"/>
+            <a:ext cx="4629150" cy="730250"/>
           </a:xfrm>
           <a:prstGeom prst="rect">
             <a:avLst/>
@@ -3770,8 +3420,8 @@
         <p:txBody>
           <a:bodyPr vert="horz" lIns="91440" tIns="45720" rIns="91440" bIns="45720" rtlCol="0" anchor="ctr"/>
           <a:lstStyle>
-            <a:lvl1pPr algn="l">
-              <a:defRPr sz="1500">
+            <a:lvl1pPr algn="ctr">
+              <a:defRPr sz="1800">
                 <a:solidFill>
                   <a:schemeClr val="tx1">
                     <a:tint val="75000"/>
@@ -3797,20 +3447,22 @@
         </p:nvSpPr>
         <p:spPr>
           <a:xfrm>
-            <a:off x="731588" y="1597946"/>
-            <a:ext cx="1193619" cy="1007156"/>
+            <a:off x="9686925" y="12712703"/>
+            <a:ext cx="3086100" cy="730250"/>
           </a:xfrm>
           <a:prstGeom prst="rect">
             <a:avLst/>
           </a:prstGeom>
         </p:spPr>
         <p:txBody>
-          <a:bodyPr vert="horz" lIns="91440" tIns="45720" rIns="91440" bIns="45720" rtlCol="0" anchor="t"/>
+          <a:bodyPr vert="horz" lIns="91440" tIns="45720" rIns="91440" bIns="45720" rtlCol="0" anchor="ctr"/>
           <a:lstStyle>
             <a:lvl1pPr algn="r">
-              <a:defRPr sz="4200">
+              <a:defRPr sz="1800">
                 <a:solidFill>
-                  <a:schemeClr val="accent1"/>
+                  <a:schemeClr val="tx1">
+                    <a:tint val="75000"/>
+                  </a:schemeClr>
                 </a:solidFill>
               </a:defRPr>
             </a:lvl1pPr>
@@ -3827,27 +3479,27 @@
     </p:spTree>
     <p:extLst>
       <p:ext uri="{BB962C8B-B14F-4D97-AF65-F5344CB8AC3E}">
-        <p14:creationId xmlns:p14="http://schemas.microsoft.com/office/powerpoint/2010/main" val="3943519574"/>
+        <p14:creationId xmlns:p14="http://schemas.microsoft.com/office/powerpoint/2010/main" val="2966321234"/>
       </p:ext>
     </p:extLst>
   </p:cSld>
   <p:clrMap bg1="lt1" tx1="dk1" bg2="lt2" tx2="dk2" accent1="accent1" accent2="accent2" accent3="accent3" accent4="accent4" accent5="accent5" accent6="accent6" hlink="hlink" folHlink="folHlink"/>
   <p:sldLayoutIdLst>
-    <p:sldLayoutId id="2147483721" r:id="rId1"/>
-    <p:sldLayoutId id="2147483722" r:id="rId2"/>
-    <p:sldLayoutId id="2147483723" r:id="rId3"/>
-    <p:sldLayoutId id="2147483724" r:id="rId4"/>
-    <p:sldLayoutId id="2147483725" r:id="rId5"/>
-    <p:sldLayoutId id="2147483726" r:id="rId6"/>
-    <p:sldLayoutId id="2147483727" r:id="rId7"/>
-    <p:sldLayoutId id="2147483728" r:id="rId8"/>
-    <p:sldLayoutId id="2147483729" r:id="rId9"/>
-    <p:sldLayoutId id="2147483730" r:id="rId10"/>
-    <p:sldLayoutId id="2147483731" r:id="rId11"/>
+    <p:sldLayoutId id="2147483829" r:id="rId1"/>
+    <p:sldLayoutId id="2147483830" r:id="rId2"/>
+    <p:sldLayoutId id="2147483831" r:id="rId3"/>
+    <p:sldLayoutId id="2147483832" r:id="rId4"/>
+    <p:sldLayoutId id="2147483833" r:id="rId5"/>
+    <p:sldLayoutId id="2147483834" r:id="rId6"/>
+    <p:sldLayoutId id="2147483835" r:id="rId7"/>
+    <p:sldLayoutId id="2147483836" r:id="rId8"/>
+    <p:sldLayoutId id="2147483837" r:id="rId9"/>
+    <p:sldLayoutId id="2147483838" r:id="rId10"/>
+    <p:sldLayoutId id="2147483839" r:id="rId11"/>
   </p:sldLayoutIdLst>
   <p:txStyles>
     <p:titleStyle>
-      <a:lvl1pPr algn="l" defTabSz="1028700" rtl="0" eaLnBrk="1" latinLnBrk="0" hangingPunct="1">
+      <a:lvl1pPr algn="l" defTabSz="1371600" rtl="0" eaLnBrk="1" latinLnBrk="0" hangingPunct="1">
         <a:lnSpc>
           <a:spcPct val="90000"/>
         </a:lnSpc>
@@ -3855,11 +3507,10 @@
           <a:spcPct val="0"/>
         </a:spcBef>
         <a:buNone/>
-        <a:defRPr sz="4800" b="0" i="0" kern="1200" cap="all">
+        <a:defRPr sz="6600" kern="1200">
           <a:solidFill>
             <a:schemeClr val="tx1"/>
           </a:solidFill>
-          <a:effectLst/>
           <a:latin typeface="+mj-lt"/>
           <a:ea typeface="+mj-ea"/>
           <a:cs typeface="+mj-cs"/>
@@ -3867,116 +3518,91 @@
       </a:lvl1pPr>
     </p:titleStyle>
     <p:bodyStyle>
-      <a:lvl1pPr marL="342900" indent="-342900" algn="l" defTabSz="1028700" rtl="0" eaLnBrk="1" latinLnBrk="0" hangingPunct="1">
+      <a:lvl1pPr marL="342900" indent="-342900" algn="l" defTabSz="1371600" rtl="0" eaLnBrk="1" latinLnBrk="0" hangingPunct="1">
         <a:lnSpc>
-          <a:spcPct val="120000"/>
+          <a:spcPct val="90000"/>
         </a:lnSpc>
         <a:spcBef>
           <a:spcPts val="1500"/>
         </a:spcBef>
-        <a:buClr>
-          <a:schemeClr val="accent1"/>
-        </a:buClr>
-        <a:buSzPct val="100000"/>
         <a:buFont typeface="Arial" panose="020B0604020202020204" pitchFamily="34" charset="0"/>
         <a:buChar char="•"/>
-        <a:defRPr sz="3000" kern="1200" cap="none">
+        <a:defRPr sz="4200" kern="1200">
           <a:solidFill>
             <a:schemeClr val="tx1"/>
           </a:solidFill>
-          <a:effectLst/>
           <a:latin typeface="+mn-lt"/>
           <a:ea typeface="+mn-ea"/>
           <a:cs typeface="+mn-cs"/>
         </a:defRPr>
       </a:lvl1pPr>
-      <a:lvl2pPr marL="1028700" indent="-342900" algn="l" defTabSz="1028700" rtl="0" eaLnBrk="1" latinLnBrk="0" hangingPunct="1">
+      <a:lvl2pPr marL="1028700" indent="-342900" algn="l" defTabSz="1371600" rtl="0" eaLnBrk="1" latinLnBrk="0" hangingPunct="1">
         <a:lnSpc>
-          <a:spcPct val="120000"/>
+          <a:spcPct val="90000"/>
         </a:lnSpc>
         <a:spcBef>
           <a:spcPts val="750"/>
         </a:spcBef>
-        <a:buClr>
-          <a:schemeClr val="accent1"/>
-        </a:buClr>
-        <a:buSzPct val="100000"/>
         <a:buFont typeface="Arial" panose="020B0604020202020204" pitchFamily="34" charset="0"/>
         <a:buChar char="•"/>
-        <a:defRPr sz="2400" kern="1200" cap="none" baseline="0">
+        <a:defRPr sz="3600" kern="1200">
           <a:solidFill>
             <a:schemeClr val="tx1"/>
           </a:solidFill>
-          <a:effectLst/>
           <a:latin typeface="+mn-lt"/>
           <a:ea typeface="+mn-ea"/>
           <a:cs typeface="+mn-cs"/>
         </a:defRPr>
       </a:lvl2pPr>
-      <a:lvl3pPr marL="1714500" indent="-342900" algn="l" defTabSz="1028700" rtl="0" eaLnBrk="1" latinLnBrk="0" hangingPunct="1">
+      <a:lvl3pPr marL="1714500" indent="-342900" algn="l" defTabSz="1371600" rtl="0" eaLnBrk="1" latinLnBrk="0" hangingPunct="1">
         <a:lnSpc>
-          <a:spcPct val="120000"/>
+          <a:spcPct val="90000"/>
         </a:lnSpc>
         <a:spcBef>
           <a:spcPts val="750"/>
         </a:spcBef>
-        <a:buClr>
-          <a:schemeClr val="accent1"/>
-        </a:buClr>
-        <a:buSzPct val="100000"/>
         <a:buFont typeface="Arial" panose="020B0604020202020204" pitchFamily="34" charset="0"/>
         <a:buChar char="•"/>
-        <a:defRPr sz="2400" kern="1200" cap="none">
+        <a:defRPr sz="3000" kern="1200">
           <a:solidFill>
             <a:schemeClr val="tx1"/>
           </a:solidFill>
-          <a:effectLst/>
           <a:latin typeface="+mn-lt"/>
           <a:ea typeface="+mn-ea"/>
           <a:cs typeface="+mn-cs"/>
         </a:defRPr>
       </a:lvl3pPr>
-      <a:lvl4pPr marL="2400300" indent="-342900" algn="l" defTabSz="1028700" rtl="0" eaLnBrk="1" latinLnBrk="0" hangingPunct="1">
+      <a:lvl4pPr marL="2400300" indent="-342900" algn="l" defTabSz="1371600" rtl="0" eaLnBrk="1" latinLnBrk="0" hangingPunct="1">
         <a:lnSpc>
-          <a:spcPct val="120000"/>
+          <a:spcPct val="90000"/>
         </a:lnSpc>
         <a:spcBef>
           <a:spcPts val="750"/>
         </a:spcBef>
-        <a:buClr>
-          <a:schemeClr val="accent1"/>
-        </a:buClr>
-        <a:buSzPct val="100000"/>
         <a:buFont typeface="Arial" panose="020B0604020202020204" pitchFamily="34" charset="0"/>
         <a:buChar char="•"/>
-        <a:defRPr sz="2100" kern="1200" cap="none" baseline="0">
+        <a:defRPr sz="2700" kern="1200">
           <a:solidFill>
             <a:schemeClr val="tx1"/>
           </a:solidFill>
-          <a:effectLst/>
           <a:latin typeface="+mn-lt"/>
           <a:ea typeface="+mn-ea"/>
           <a:cs typeface="+mn-cs"/>
         </a:defRPr>
       </a:lvl4pPr>
-      <a:lvl5pPr marL="3086100" indent="-342900" algn="l" defTabSz="1028700" rtl="0" eaLnBrk="1" latinLnBrk="0" hangingPunct="1">
+      <a:lvl5pPr marL="3086100" indent="-342900" algn="l" defTabSz="1371600" rtl="0" eaLnBrk="1" latinLnBrk="0" hangingPunct="1">
         <a:lnSpc>
-          <a:spcPct val="120000"/>
+          <a:spcPct val="90000"/>
         </a:lnSpc>
         <a:spcBef>
           <a:spcPts val="750"/>
         </a:spcBef>
-        <a:buClr>
-          <a:schemeClr val="accent1"/>
-        </a:buClr>
-        <a:buSzPct val="100000"/>
         <a:buFont typeface="Arial" panose="020B0604020202020204" pitchFamily="34" charset="0"/>
         <a:buChar char="•"/>
-        <a:defRPr sz="1800" kern="1200" cap="none">
+        <a:defRPr sz="2700" kern="1200">
           <a:solidFill>
             <a:schemeClr val="tx1"/>
           </a:solidFill>
-          <a:effectLst/>
           <a:latin typeface="+mn-lt"/>
           <a:ea typeface="+mn-ea"/>
           <a:cs typeface="+mn-cs"/>
@@ -3984,22 +3610,17 @@
       </a:lvl5pPr>
       <a:lvl6pPr marL="3771900" indent="-342900" algn="l" defTabSz="1371600" rtl="0" eaLnBrk="1" latinLnBrk="0" hangingPunct="1">
         <a:lnSpc>
-          <a:spcPct val="120000"/>
+          <a:spcPct val="90000"/>
         </a:lnSpc>
         <a:spcBef>
           <a:spcPts val="750"/>
         </a:spcBef>
-        <a:buClr>
-          <a:schemeClr val="accent1"/>
-        </a:buClr>
-        <a:buSzPct val="100000"/>
         <a:buFont typeface="Arial" panose="020B0604020202020204" pitchFamily="34" charset="0"/>
         <a:buChar char="•"/>
-        <a:defRPr sz="1800" kern="1200">
+        <a:defRPr sz="2700" kern="1200">
           <a:solidFill>
             <a:schemeClr val="tx1"/>
           </a:solidFill>
-          <a:effectLst/>
           <a:latin typeface="+mn-lt"/>
           <a:ea typeface="+mn-ea"/>
           <a:cs typeface="+mn-cs"/>
@@ -4007,22 +3628,17 @@
       </a:lvl6pPr>
       <a:lvl7pPr marL="4457700" indent="-342900" algn="l" defTabSz="1371600" rtl="0" eaLnBrk="1" latinLnBrk="0" hangingPunct="1">
         <a:lnSpc>
-          <a:spcPct val="120000"/>
+          <a:spcPct val="90000"/>
         </a:lnSpc>
         <a:spcBef>
           <a:spcPts val="750"/>
         </a:spcBef>
-        <a:buClr>
-          <a:schemeClr val="accent1"/>
-        </a:buClr>
-        <a:buSzPct val="100000"/>
         <a:buFont typeface="Arial" panose="020B0604020202020204" pitchFamily="34" charset="0"/>
         <a:buChar char="•"/>
-        <a:defRPr sz="1800" kern="1200">
+        <a:defRPr sz="2700" kern="1200">
           <a:solidFill>
             <a:schemeClr val="tx1"/>
           </a:solidFill>
-          <a:effectLst/>
           <a:latin typeface="+mn-lt"/>
           <a:ea typeface="+mn-ea"/>
           <a:cs typeface="+mn-cs"/>
@@ -4030,22 +3646,17 @@
       </a:lvl7pPr>
       <a:lvl8pPr marL="5143500" indent="-342900" algn="l" defTabSz="1371600" rtl="0" eaLnBrk="1" latinLnBrk="0" hangingPunct="1">
         <a:lnSpc>
-          <a:spcPct val="120000"/>
+          <a:spcPct val="90000"/>
         </a:lnSpc>
         <a:spcBef>
           <a:spcPts val="750"/>
         </a:spcBef>
-        <a:buClr>
-          <a:schemeClr val="accent1"/>
-        </a:buClr>
-        <a:buSzPct val="100000"/>
         <a:buFont typeface="Arial" panose="020B0604020202020204" pitchFamily="34" charset="0"/>
         <a:buChar char="•"/>
-        <a:defRPr sz="1800" kern="1200" baseline="0">
+        <a:defRPr sz="2700" kern="1200">
           <a:solidFill>
             <a:schemeClr val="tx1"/>
           </a:solidFill>
-          <a:effectLst/>
           <a:latin typeface="+mn-lt"/>
           <a:ea typeface="+mn-ea"/>
           <a:cs typeface="+mn-cs"/>
@@ -4053,22 +3664,17 @@
       </a:lvl8pPr>
       <a:lvl9pPr marL="5829300" indent="-342900" algn="l" defTabSz="1371600" rtl="0" eaLnBrk="1" latinLnBrk="0" hangingPunct="1">
         <a:lnSpc>
-          <a:spcPct val="120000"/>
+          <a:spcPct val="90000"/>
         </a:lnSpc>
         <a:spcBef>
           <a:spcPts val="750"/>
         </a:spcBef>
-        <a:buClr>
-          <a:schemeClr val="accent1"/>
-        </a:buClr>
-        <a:buSzPct val="100000"/>
         <a:buFont typeface="Arial" panose="020B0604020202020204" pitchFamily="34" charset="0"/>
         <a:buChar char="•"/>
-        <a:defRPr sz="1800" kern="1200" baseline="0">
+        <a:defRPr sz="2700" kern="1200">
           <a:solidFill>
             <a:schemeClr val="tx1"/>
           </a:solidFill>
-          <a:effectLst/>
           <a:latin typeface="+mn-lt"/>
           <a:ea typeface="+mn-ea"/>
           <a:cs typeface="+mn-cs"/>
@@ -4079,8 +3685,8 @@
       <a:defPPr>
         <a:defRPr lang="en-US"/>
       </a:defPPr>
-      <a:lvl1pPr marL="0" algn="l" defTabSz="1028700" rtl="0" eaLnBrk="1" latinLnBrk="0" hangingPunct="1">
-        <a:defRPr sz="2025" kern="1200">
+      <a:lvl1pPr marL="0" algn="l" defTabSz="1371600" rtl="0" eaLnBrk="1" latinLnBrk="0" hangingPunct="1">
+        <a:defRPr sz="2700" kern="1200">
           <a:solidFill>
             <a:schemeClr val="tx1"/>
           </a:solidFill>
@@ -4089,8 +3695,8 @@
           <a:cs typeface="+mn-cs"/>
         </a:defRPr>
       </a:lvl1pPr>
-      <a:lvl2pPr marL="514350" algn="l" defTabSz="1028700" rtl="0" eaLnBrk="1" latinLnBrk="0" hangingPunct="1">
-        <a:defRPr sz="2025" kern="1200">
+      <a:lvl2pPr marL="685800" algn="l" defTabSz="1371600" rtl="0" eaLnBrk="1" latinLnBrk="0" hangingPunct="1">
+        <a:defRPr sz="2700" kern="1200">
           <a:solidFill>
             <a:schemeClr val="tx1"/>
           </a:solidFill>
@@ -4099,8 +3705,8 @@
           <a:cs typeface="+mn-cs"/>
         </a:defRPr>
       </a:lvl2pPr>
-      <a:lvl3pPr marL="1028700" algn="l" defTabSz="1028700" rtl="0" eaLnBrk="1" latinLnBrk="0" hangingPunct="1">
-        <a:defRPr sz="2025" kern="1200">
+      <a:lvl3pPr marL="1371600" algn="l" defTabSz="1371600" rtl="0" eaLnBrk="1" latinLnBrk="0" hangingPunct="1">
+        <a:defRPr sz="2700" kern="1200">
           <a:solidFill>
             <a:schemeClr val="tx1"/>
           </a:solidFill>
@@ -4109,8 +3715,8 @@
           <a:cs typeface="+mn-cs"/>
         </a:defRPr>
       </a:lvl3pPr>
-      <a:lvl4pPr marL="1543050" algn="l" defTabSz="1028700" rtl="0" eaLnBrk="1" latinLnBrk="0" hangingPunct="1">
-        <a:defRPr sz="2025" kern="1200">
+      <a:lvl4pPr marL="2057400" algn="l" defTabSz="1371600" rtl="0" eaLnBrk="1" latinLnBrk="0" hangingPunct="1">
+        <a:defRPr sz="2700" kern="1200">
           <a:solidFill>
             <a:schemeClr val="tx1"/>
           </a:solidFill>
@@ -4119,8 +3725,8 @@
           <a:cs typeface="+mn-cs"/>
         </a:defRPr>
       </a:lvl4pPr>
-      <a:lvl5pPr marL="2057400" algn="l" defTabSz="1028700" rtl="0" eaLnBrk="1" latinLnBrk="0" hangingPunct="1">
-        <a:defRPr sz="2025" kern="1200">
+      <a:lvl5pPr marL="2743200" algn="l" defTabSz="1371600" rtl="0" eaLnBrk="1" latinLnBrk="0" hangingPunct="1">
+        <a:defRPr sz="2700" kern="1200">
           <a:solidFill>
             <a:schemeClr val="tx1"/>
           </a:solidFill>
@@ -4129,8 +3735,8 @@
           <a:cs typeface="+mn-cs"/>
         </a:defRPr>
       </a:lvl5pPr>
-      <a:lvl6pPr marL="2571750" algn="l" defTabSz="1028700" rtl="0" eaLnBrk="1" latinLnBrk="0" hangingPunct="1">
-        <a:defRPr sz="2025" kern="1200">
+      <a:lvl6pPr marL="3429000" algn="l" defTabSz="1371600" rtl="0" eaLnBrk="1" latinLnBrk="0" hangingPunct="1">
+        <a:defRPr sz="2700" kern="1200">
           <a:solidFill>
             <a:schemeClr val="tx1"/>
           </a:solidFill>
@@ -4139,8 +3745,8 @@
           <a:cs typeface="+mn-cs"/>
         </a:defRPr>
       </a:lvl6pPr>
-      <a:lvl7pPr marL="3086100" algn="l" defTabSz="1028700" rtl="0" eaLnBrk="1" latinLnBrk="0" hangingPunct="1">
-        <a:defRPr sz="2025" kern="1200">
+      <a:lvl7pPr marL="4114800" algn="l" defTabSz="1371600" rtl="0" eaLnBrk="1" latinLnBrk="0" hangingPunct="1">
+        <a:defRPr sz="2700" kern="1200">
           <a:solidFill>
             <a:schemeClr val="tx1"/>
           </a:solidFill>
@@ -4149,8 +3755,8 @@
           <a:cs typeface="+mn-cs"/>
         </a:defRPr>
       </a:lvl7pPr>
-      <a:lvl8pPr marL="3600450" algn="l" defTabSz="1028700" rtl="0" eaLnBrk="1" latinLnBrk="0" hangingPunct="1">
-        <a:defRPr sz="2025" kern="1200">
+      <a:lvl8pPr marL="4800600" algn="l" defTabSz="1371600" rtl="0" eaLnBrk="1" latinLnBrk="0" hangingPunct="1">
+        <a:defRPr sz="2700" kern="1200">
           <a:solidFill>
             <a:schemeClr val="tx1"/>
           </a:solidFill>
@@ -4159,8 +3765,8 @@
           <a:cs typeface="+mn-cs"/>
         </a:defRPr>
       </a:lvl8pPr>
-      <a:lvl9pPr marL="4114800" algn="l" defTabSz="1028700" rtl="0" eaLnBrk="1" latinLnBrk="0" hangingPunct="1">
-        <a:defRPr sz="2025" kern="1200">
+      <a:lvl9pPr marL="5486400" algn="l" defTabSz="1371600" rtl="0" eaLnBrk="1" latinLnBrk="0" hangingPunct="1">
+        <a:defRPr sz="2700" kern="1200">
           <a:solidFill>
             <a:schemeClr val="tx1"/>
           </a:solidFill>
@@ -5475,6 +5081,741 @@
 <file path=ppt/slides/slide2.xml><?xml version="1.0" encoding="utf-8"?>
 <p:sld xmlns:a="http://schemas.openxmlformats.org/drawingml/2006/main" xmlns:r="http://schemas.openxmlformats.org/officeDocument/2006/relationships" xmlns:p="http://schemas.openxmlformats.org/presentationml/2006/main">
   <p:cSld>
+    <p:spTree>
+      <p:nvGrpSpPr>
+        <p:cNvPr id="1" name=""/>
+        <p:cNvGrpSpPr/>
+        <p:nvPr/>
+      </p:nvGrpSpPr>
+      <p:grpSpPr>
+        <a:xfrm>
+          <a:off x="0" y="0"/>
+          <a:ext cx="0" cy="0"/>
+          <a:chOff x="0" y="0"/>
+          <a:chExt cx="0" cy="0"/>
+        </a:xfrm>
+      </p:grpSpPr>
+      <p:sp>
+        <p:nvSpPr>
+          <p:cNvPr id="4" name="Oval 3">
+            <a:extLst>
+              <a:ext uri="{FF2B5EF4-FFF2-40B4-BE49-F238E27FC236}">
+                <a16:creationId xmlns:a16="http://schemas.microsoft.com/office/drawing/2014/main" id="{B386AF9D-CEF1-C747-9F57-14A85271F9AB}"/>
+              </a:ext>
+            </a:extLst>
+          </p:cNvPr>
+          <p:cNvSpPr/>
+          <p:nvPr/>
+        </p:nvSpPr>
+        <p:spPr>
+          <a:xfrm>
+            <a:off x="4305806" y="1726752"/>
+            <a:ext cx="4572000" cy="4572000"/>
+          </a:xfrm>
+          <a:prstGeom prst="ellipse">
+            <a:avLst/>
+          </a:prstGeom>
+          <a:noFill/>
+          <a:ln w="57150">
+            <a:solidFill>
+              <a:schemeClr val="tx1"/>
+            </a:solidFill>
+          </a:ln>
+        </p:spPr>
+        <p:style>
+          <a:lnRef idx="2">
+            <a:schemeClr val="accent1">
+              <a:shade val="50000"/>
+            </a:schemeClr>
+          </a:lnRef>
+          <a:fillRef idx="1">
+            <a:schemeClr val="accent1"/>
+          </a:fillRef>
+          <a:effectRef idx="0">
+            <a:schemeClr val="accent1"/>
+          </a:effectRef>
+          <a:fontRef idx="minor">
+            <a:schemeClr val="lt1"/>
+          </a:fontRef>
+        </p:style>
+        <p:txBody>
+          <a:bodyPr rtlCol="0" anchor="ctr"/>
+          <a:lstStyle/>
+          <a:p>
+            <a:pPr algn="ctr"/>
+            <a:endParaRPr lang="en-US" dirty="0"/>
+          </a:p>
+        </p:txBody>
+      </p:sp>
+      <p:cxnSp>
+        <p:nvCxnSpPr>
+          <p:cNvPr id="6" name="Straight Connector 5">
+            <a:extLst>
+              <a:ext uri="{FF2B5EF4-FFF2-40B4-BE49-F238E27FC236}">
+                <a16:creationId xmlns:a16="http://schemas.microsoft.com/office/drawing/2014/main" id="{415EBC33-73B2-2449-AE3B-537B1E952532}"/>
+              </a:ext>
+            </a:extLst>
+          </p:cNvPr>
+          <p:cNvCxnSpPr>
+            <a:cxnSpLocks/>
+          </p:cNvCxnSpPr>
+          <p:nvPr/>
+        </p:nvCxnSpPr>
+        <p:spPr>
+          <a:xfrm>
+            <a:off x="4744720" y="5405153"/>
+            <a:ext cx="18288" cy="5374540"/>
+          </a:xfrm>
+          <a:prstGeom prst="line">
+            <a:avLst/>
+          </a:prstGeom>
+          <a:ln w="57150"/>
+        </p:spPr>
+        <p:style>
+          <a:lnRef idx="1">
+            <a:schemeClr val="dk1"/>
+          </a:lnRef>
+          <a:fillRef idx="0">
+            <a:schemeClr val="dk1"/>
+          </a:fillRef>
+          <a:effectRef idx="0">
+            <a:schemeClr val="dk1"/>
+          </a:effectRef>
+          <a:fontRef idx="minor">
+            <a:schemeClr val="tx1"/>
+          </a:fontRef>
+        </p:style>
+      </p:cxnSp>
+      <p:cxnSp>
+        <p:nvCxnSpPr>
+          <p:cNvPr id="7" name="Straight Connector 6">
+            <a:extLst>
+              <a:ext uri="{FF2B5EF4-FFF2-40B4-BE49-F238E27FC236}">
+                <a16:creationId xmlns:a16="http://schemas.microsoft.com/office/drawing/2014/main" id="{B2C6DABC-B064-BC49-B88D-6FB61A83515C}"/>
+              </a:ext>
+            </a:extLst>
+          </p:cNvPr>
+          <p:cNvCxnSpPr>
+            <a:cxnSpLocks/>
+          </p:cNvCxnSpPr>
+          <p:nvPr/>
+        </p:nvCxnSpPr>
+        <p:spPr>
+          <a:xfrm>
+            <a:off x="8402320" y="5405153"/>
+            <a:ext cx="18288" cy="5481463"/>
+          </a:xfrm>
+          <a:prstGeom prst="line">
+            <a:avLst/>
+          </a:prstGeom>
+          <a:ln w="57150">
+            <a:solidFill>
+              <a:schemeClr val="tx1"/>
+            </a:solidFill>
+          </a:ln>
+        </p:spPr>
+        <p:style>
+          <a:lnRef idx="1">
+            <a:schemeClr val="accent1"/>
+          </a:lnRef>
+          <a:fillRef idx="0">
+            <a:schemeClr val="accent1"/>
+          </a:fillRef>
+          <a:effectRef idx="0">
+            <a:schemeClr val="accent1"/>
+          </a:effectRef>
+          <a:fontRef idx="minor">
+            <a:schemeClr val="tx1"/>
+          </a:fontRef>
+        </p:style>
+      </p:cxnSp>
+      <p:cxnSp>
+        <p:nvCxnSpPr>
+          <p:cNvPr id="8" name="Straight Connector 7">
+            <a:extLst>
+              <a:ext uri="{FF2B5EF4-FFF2-40B4-BE49-F238E27FC236}">
+                <a16:creationId xmlns:a16="http://schemas.microsoft.com/office/drawing/2014/main" id="{817EDDAD-F953-E24A-9637-A2A3D9D7525E}"/>
+              </a:ext>
+            </a:extLst>
+          </p:cNvPr>
+          <p:cNvCxnSpPr>
+            <a:cxnSpLocks/>
+          </p:cNvCxnSpPr>
+          <p:nvPr/>
+        </p:nvCxnSpPr>
+        <p:spPr>
+          <a:xfrm>
+            <a:off x="6066802" y="7988782"/>
+            <a:ext cx="1050009" cy="0"/>
+          </a:xfrm>
+          <a:prstGeom prst="line">
+            <a:avLst/>
+          </a:prstGeom>
+          <a:ln w="57150">
+            <a:solidFill>
+              <a:schemeClr val="tx1"/>
+            </a:solidFill>
+          </a:ln>
+        </p:spPr>
+        <p:style>
+          <a:lnRef idx="1">
+            <a:schemeClr val="accent1"/>
+          </a:lnRef>
+          <a:fillRef idx="0">
+            <a:schemeClr val="accent1"/>
+          </a:fillRef>
+          <a:effectRef idx="0">
+            <a:schemeClr val="accent1"/>
+          </a:effectRef>
+          <a:fontRef idx="minor">
+            <a:schemeClr val="tx1"/>
+          </a:fontRef>
+        </p:style>
+      </p:cxnSp>
+      <p:sp>
+        <p:nvSpPr>
+          <p:cNvPr id="13" name="Rectangle 12">
+            <a:extLst>
+              <a:ext uri="{FF2B5EF4-FFF2-40B4-BE49-F238E27FC236}">
+                <a16:creationId xmlns:a16="http://schemas.microsoft.com/office/drawing/2014/main" id="{06237A77-BA69-004E-9143-8C96AE953928}"/>
+              </a:ext>
+            </a:extLst>
+          </p:cNvPr>
+          <p:cNvSpPr/>
+          <p:nvPr/>
+        </p:nvSpPr>
+        <p:spPr>
+          <a:xfrm>
+            <a:off x="3020299" y="361823"/>
+            <a:ext cx="8193024" cy="5023685"/>
+          </a:xfrm>
+          <a:prstGeom prst="rect">
+            <a:avLst/>
+          </a:prstGeom>
+          <a:solidFill>
+            <a:schemeClr val="bg1"/>
+          </a:solidFill>
+          <a:ln>
+            <a:solidFill>
+              <a:schemeClr val="bg1"/>
+            </a:solidFill>
+          </a:ln>
+        </p:spPr>
+        <p:style>
+          <a:lnRef idx="2">
+            <a:schemeClr val="accent1">
+              <a:shade val="50000"/>
+            </a:schemeClr>
+          </a:lnRef>
+          <a:fillRef idx="1">
+            <a:schemeClr val="accent1"/>
+          </a:fillRef>
+          <a:effectRef idx="0">
+            <a:schemeClr val="accent1"/>
+          </a:effectRef>
+          <a:fontRef idx="minor">
+            <a:schemeClr val="lt1"/>
+          </a:fontRef>
+        </p:style>
+        <p:txBody>
+          <a:bodyPr rtlCol="0" anchor="ctr"/>
+          <a:lstStyle/>
+          <a:p>
+            <a:pPr algn="ctr"/>
+            <a:endParaRPr lang="en-US" dirty="0"/>
+          </a:p>
+        </p:txBody>
+      </p:sp>
+      <p:sp>
+        <p:nvSpPr>
+          <p:cNvPr id="17" name="Oval 16">
+            <a:extLst>
+              <a:ext uri="{FF2B5EF4-FFF2-40B4-BE49-F238E27FC236}">
+                <a16:creationId xmlns:a16="http://schemas.microsoft.com/office/drawing/2014/main" id="{5A473805-7345-2648-AE30-C22E1A381BC2}"/>
+              </a:ext>
+            </a:extLst>
+          </p:cNvPr>
+          <p:cNvSpPr/>
+          <p:nvPr/>
+        </p:nvSpPr>
+        <p:spPr>
+          <a:xfrm>
+            <a:off x="4336194" y="9881157"/>
+            <a:ext cx="4572000" cy="4572000"/>
+          </a:xfrm>
+          <a:prstGeom prst="ellipse">
+            <a:avLst/>
+          </a:prstGeom>
+          <a:noFill/>
+          <a:ln w="57150">
+            <a:solidFill>
+              <a:schemeClr val="tx1"/>
+            </a:solidFill>
+          </a:ln>
+        </p:spPr>
+        <p:style>
+          <a:lnRef idx="2">
+            <a:schemeClr val="accent1">
+              <a:shade val="50000"/>
+            </a:schemeClr>
+          </a:lnRef>
+          <a:fillRef idx="1">
+            <a:schemeClr val="accent1"/>
+          </a:fillRef>
+          <a:effectRef idx="0">
+            <a:schemeClr val="accent1"/>
+          </a:effectRef>
+          <a:fontRef idx="minor">
+            <a:schemeClr val="lt1"/>
+          </a:fontRef>
+        </p:style>
+        <p:txBody>
+          <a:bodyPr rtlCol="0" anchor="ctr"/>
+          <a:lstStyle/>
+          <a:p>
+            <a:pPr algn="ctr"/>
+            <a:endParaRPr lang="en-US"/>
+          </a:p>
+        </p:txBody>
+      </p:sp>
+      <p:sp>
+        <p:nvSpPr>
+          <p:cNvPr id="12" name="Rectangle 11">
+            <a:extLst>
+              <a:ext uri="{FF2B5EF4-FFF2-40B4-BE49-F238E27FC236}">
+                <a16:creationId xmlns:a16="http://schemas.microsoft.com/office/drawing/2014/main" id="{A196BCF4-CE19-5B4D-AEE5-60FD330CF723}"/>
+              </a:ext>
+            </a:extLst>
+          </p:cNvPr>
+          <p:cNvSpPr/>
+          <p:nvPr/>
+        </p:nvSpPr>
+        <p:spPr>
+          <a:xfrm>
+            <a:off x="2477008" y="10779693"/>
+            <a:ext cx="8193024" cy="4788700"/>
+          </a:xfrm>
+          <a:prstGeom prst="rect">
+            <a:avLst/>
+          </a:prstGeom>
+          <a:solidFill>
+            <a:schemeClr val="bg1"/>
+          </a:solidFill>
+          <a:ln>
+            <a:solidFill>
+              <a:schemeClr val="bg1"/>
+            </a:solidFill>
+          </a:ln>
+        </p:spPr>
+        <p:style>
+          <a:lnRef idx="2">
+            <a:schemeClr val="accent1">
+              <a:shade val="50000"/>
+            </a:schemeClr>
+          </a:lnRef>
+          <a:fillRef idx="1">
+            <a:schemeClr val="accent1"/>
+          </a:fillRef>
+          <a:effectRef idx="0">
+            <a:schemeClr val="accent1"/>
+          </a:effectRef>
+          <a:fontRef idx="minor">
+            <a:schemeClr val="lt1"/>
+          </a:fontRef>
+        </p:style>
+        <p:txBody>
+          <a:bodyPr rtlCol="0" anchor="ctr"/>
+          <a:lstStyle/>
+          <a:p>
+            <a:pPr algn="ctr"/>
+            <a:endParaRPr lang="en-US"/>
+          </a:p>
+        </p:txBody>
+      </p:sp>
+      <p:sp>
+        <p:nvSpPr>
+          <p:cNvPr id="18" name="TextBox 17">
+            <a:extLst>
+              <a:ext uri="{FF2B5EF4-FFF2-40B4-BE49-F238E27FC236}">
+                <a16:creationId xmlns:a16="http://schemas.microsoft.com/office/drawing/2014/main" id="{D7743404-7F12-C748-9E4E-38A8368956B8}"/>
+              </a:ext>
+            </a:extLst>
+          </p:cNvPr>
+          <p:cNvSpPr txBox="1"/>
+          <p:nvPr/>
+        </p:nvSpPr>
+        <p:spPr>
+          <a:xfrm>
+            <a:off x="5990279" y="11302585"/>
+            <a:ext cx="1203056" cy="553998"/>
+          </a:xfrm>
+          <a:prstGeom prst="rect">
+            <a:avLst/>
+          </a:prstGeom>
+          <a:noFill/>
+        </p:spPr>
+        <p:txBody>
+          <a:bodyPr wrap="square" rtlCol="0">
+            <a:spAutoFit/>
+          </a:bodyPr>
+          <a:lstStyle/>
+          <a:p>
+            <a:pPr algn="ctr"/>
+            <a:r>
+              <a:rPr lang="en-US" sz="3000" dirty="0"/>
+              <a:t>2L</a:t>
+            </a:r>
+          </a:p>
+        </p:txBody>
+      </p:sp>
+      <p:sp>
+        <p:nvSpPr>
+          <p:cNvPr id="19" name="TextBox 18">
+            <a:extLst>
+              <a:ext uri="{FF2B5EF4-FFF2-40B4-BE49-F238E27FC236}">
+                <a16:creationId xmlns:a16="http://schemas.microsoft.com/office/drawing/2014/main" id="{6E583C8F-1D60-5D43-9D88-D5F72EF96D20}"/>
+              </a:ext>
+            </a:extLst>
+          </p:cNvPr>
+          <p:cNvSpPr txBox="1"/>
+          <p:nvPr/>
+        </p:nvSpPr>
+        <p:spPr>
+          <a:xfrm>
+            <a:off x="8542528" y="7883280"/>
+            <a:ext cx="1203056" cy="553998"/>
+          </a:xfrm>
+          <a:prstGeom prst="rect">
+            <a:avLst/>
+          </a:prstGeom>
+          <a:noFill/>
+        </p:spPr>
+        <p:txBody>
+          <a:bodyPr wrap="square" rtlCol="0">
+            <a:spAutoFit/>
+          </a:bodyPr>
+          <a:lstStyle/>
+          <a:p>
+            <a:pPr algn="ctr"/>
+            <a:r>
+              <a:rPr lang="en-US" sz="3000" dirty="0"/>
+              <a:t>2h</a:t>
+            </a:r>
+          </a:p>
+        </p:txBody>
+      </p:sp>
+      <p:cxnSp>
+        <p:nvCxnSpPr>
+          <p:cNvPr id="20" name="Straight Arrow Connector 19">
+            <a:extLst>
+              <a:ext uri="{FF2B5EF4-FFF2-40B4-BE49-F238E27FC236}">
+                <a16:creationId xmlns:a16="http://schemas.microsoft.com/office/drawing/2014/main" id="{2AFB839C-5BFA-284D-AEE4-BFF34B551591}"/>
+              </a:ext>
+            </a:extLst>
+          </p:cNvPr>
+          <p:cNvCxnSpPr>
+            <a:cxnSpLocks/>
+          </p:cNvCxnSpPr>
+          <p:nvPr/>
+        </p:nvCxnSpPr>
+        <p:spPr>
+          <a:xfrm>
+            <a:off x="8808720" y="5400216"/>
+            <a:ext cx="0" cy="5379477"/>
+          </a:xfrm>
+          <a:prstGeom prst="straightConnector1">
+            <a:avLst/>
+          </a:prstGeom>
+          <a:ln w="38100">
+            <a:headEnd type="triangle"/>
+            <a:tailEnd type="triangle"/>
+          </a:ln>
+        </p:spPr>
+        <p:style>
+          <a:lnRef idx="1">
+            <a:schemeClr val="dk1"/>
+          </a:lnRef>
+          <a:fillRef idx="0">
+            <a:schemeClr val="dk1"/>
+          </a:fillRef>
+          <a:effectRef idx="0">
+            <a:schemeClr val="dk1"/>
+          </a:effectRef>
+          <a:fontRef idx="minor">
+            <a:schemeClr val="tx1"/>
+          </a:fontRef>
+        </p:style>
+      </p:cxnSp>
+      <p:cxnSp>
+        <p:nvCxnSpPr>
+          <p:cNvPr id="21" name="Straight Arrow Connector 20">
+            <a:extLst>
+              <a:ext uri="{FF2B5EF4-FFF2-40B4-BE49-F238E27FC236}">
+                <a16:creationId xmlns:a16="http://schemas.microsoft.com/office/drawing/2014/main" id="{C306E918-15F3-224B-904E-A974C9CB6FA1}"/>
+              </a:ext>
+            </a:extLst>
+          </p:cNvPr>
+          <p:cNvCxnSpPr>
+            <a:cxnSpLocks/>
+          </p:cNvCxnSpPr>
+          <p:nvPr/>
+        </p:nvCxnSpPr>
+        <p:spPr>
+          <a:xfrm>
+            <a:off x="4744720" y="11225902"/>
+            <a:ext cx="3657600" cy="0"/>
+          </a:xfrm>
+          <a:prstGeom prst="straightConnector1">
+            <a:avLst/>
+          </a:prstGeom>
+          <a:ln w="38100">
+            <a:headEnd type="triangle"/>
+            <a:tailEnd type="triangle"/>
+          </a:ln>
+        </p:spPr>
+        <p:style>
+          <a:lnRef idx="1">
+            <a:schemeClr val="dk1"/>
+          </a:lnRef>
+          <a:fillRef idx="0">
+            <a:schemeClr val="dk1"/>
+          </a:fillRef>
+          <a:effectRef idx="0">
+            <a:schemeClr val="dk1"/>
+          </a:effectRef>
+          <a:fontRef idx="minor">
+            <a:schemeClr val="tx1"/>
+          </a:fontRef>
+        </p:style>
+      </p:cxnSp>
+      <p:cxnSp>
+        <p:nvCxnSpPr>
+          <p:cNvPr id="25" name="Straight Arrow Connector 24">
+            <a:extLst>
+              <a:ext uri="{FF2B5EF4-FFF2-40B4-BE49-F238E27FC236}">
+                <a16:creationId xmlns:a16="http://schemas.microsoft.com/office/drawing/2014/main" id="{240BA2B0-514F-0F48-8AF4-F1F55661FFDF}"/>
+              </a:ext>
+            </a:extLst>
+          </p:cNvPr>
+          <p:cNvCxnSpPr>
+            <a:cxnSpLocks/>
+          </p:cNvCxnSpPr>
+          <p:nvPr/>
+        </p:nvCxnSpPr>
+        <p:spPr>
+          <a:xfrm>
+            <a:off x="6573520" y="4012752"/>
+            <a:ext cx="1359408" cy="1726751"/>
+          </a:xfrm>
+          <a:prstGeom prst="straightConnector1">
+            <a:avLst/>
+          </a:prstGeom>
+          <a:ln w="38100">
+            <a:solidFill>
+              <a:schemeClr val="tx1"/>
+            </a:solidFill>
+            <a:prstDash val="sysDash"/>
+            <a:tailEnd type="triangle"/>
+          </a:ln>
+        </p:spPr>
+        <p:style>
+          <a:lnRef idx="1">
+            <a:schemeClr val="accent1"/>
+          </a:lnRef>
+          <a:fillRef idx="0">
+            <a:schemeClr val="accent1"/>
+          </a:fillRef>
+          <a:effectRef idx="0">
+            <a:schemeClr val="accent1"/>
+          </a:effectRef>
+          <a:fontRef idx="minor">
+            <a:schemeClr val="tx1"/>
+          </a:fontRef>
+        </p:style>
+      </p:cxnSp>
+      <p:sp>
+        <p:nvSpPr>
+          <p:cNvPr id="28" name="Oval 27">
+            <a:extLst>
+              <a:ext uri="{FF2B5EF4-FFF2-40B4-BE49-F238E27FC236}">
+                <a16:creationId xmlns:a16="http://schemas.microsoft.com/office/drawing/2014/main" id="{A245829B-F4C5-A740-8F77-64B15541D537}"/>
+              </a:ext>
+            </a:extLst>
+          </p:cNvPr>
+          <p:cNvSpPr/>
+          <p:nvPr/>
+        </p:nvSpPr>
+        <p:spPr>
+          <a:xfrm>
+            <a:off x="4305806" y="1712044"/>
+            <a:ext cx="4572000" cy="4572000"/>
+          </a:xfrm>
+          <a:prstGeom prst="ellipse">
+            <a:avLst/>
+          </a:prstGeom>
+          <a:noFill/>
+          <a:ln w="57150">
+            <a:solidFill>
+              <a:schemeClr val="tx1"/>
+            </a:solidFill>
+            <a:prstDash val="sysDash"/>
+          </a:ln>
+        </p:spPr>
+        <p:style>
+          <a:lnRef idx="2">
+            <a:schemeClr val="accent1">
+              <a:shade val="50000"/>
+            </a:schemeClr>
+          </a:lnRef>
+          <a:fillRef idx="1">
+            <a:schemeClr val="accent1"/>
+          </a:fillRef>
+          <a:effectRef idx="0">
+            <a:schemeClr val="accent1"/>
+          </a:effectRef>
+          <a:fontRef idx="minor">
+            <a:schemeClr val="lt1"/>
+          </a:fontRef>
+        </p:style>
+        <p:txBody>
+          <a:bodyPr rtlCol="0" anchor="ctr"/>
+          <a:lstStyle/>
+          <a:p>
+            <a:pPr algn="ctr"/>
+            <a:endParaRPr lang="en-US" dirty="0"/>
+          </a:p>
+        </p:txBody>
+      </p:sp>
+      <p:sp>
+        <p:nvSpPr>
+          <p:cNvPr id="31" name="TextBox 30">
+            <a:extLst>
+              <a:ext uri="{FF2B5EF4-FFF2-40B4-BE49-F238E27FC236}">
+                <a16:creationId xmlns:a16="http://schemas.microsoft.com/office/drawing/2014/main" id="{B149F114-8C1A-114B-954B-01A873B12F47}"/>
+              </a:ext>
+            </a:extLst>
+          </p:cNvPr>
+          <p:cNvSpPr txBox="1"/>
+          <p:nvPr/>
+        </p:nvSpPr>
+        <p:spPr>
+          <a:xfrm>
+            <a:off x="6698319" y="4030602"/>
+            <a:ext cx="1203056" cy="553998"/>
+          </a:xfrm>
+          <a:prstGeom prst="rect">
+            <a:avLst/>
+          </a:prstGeom>
+          <a:noFill/>
+        </p:spPr>
+        <p:txBody>
+          <a:bodyPr wrap="square" rtlCol="0">
+            <a:spAutoFit/>
+          </a:bodyPr>
+          <a:lstStyle/>
+          <a:p>
+            <a:pPr algn="ctr"/>
+            <a:r>
+              <a:rPr lang="en-US" sz="3000" dirty="0"/>
+              <a:t>r</a:t>
+            </a:r>
+          </a:p>
+        </p:txBody>
+      </p:sp>
+      <p:cxnSp>
+        <p:nvCxnSpPr>
+          <p:cNvPr id="32" name="Straight Arrow Connector 31">
+            <a:extLst>
+              <a:ext uri="{FF2B5EF4-FFF2-40B4-BE49-F238E27FC236}">
+                <a16:creationId xmlns:a16="http://schemas.microsoft.com/office/drawing/2014/main" id="{A8F6D238-D21A-0A46-BE90-0684919F4CDF}"/>
+              </a:ext>
+            </a:extLst>
+          </p:cNvPr>
+          <p:cNvCxnSpPr>
+            <a:cxnSpLocks/>
+          </p:cNvCxnSpPr>
+          <p:nvPr/>
+        </p:nvCxnSpPr>
+        <p:spPr>
+          <a:xfrm>
+            <a:off x="6066802" y="8377114"/>
+            <a:ext cx="1050009" cy="0"/>
+          </a:xfrm>
+          <a:prstGeom prst="straightConnector1">
+            <a:avLst/>
+          </a:prstGeom>
+          <a:ln w="38100">
+            <a:headEnd type="triangle"/>
+            <a:tailEnd type="triangle"/>
+          </a:ln>
+        </p:spPr>
+        <p:style>
+          <a:lnRef idx="1">
+            <a:schemeClr val="dk1"/>
+          </a:lnRef>
+          <a:fillRef idx="0">
+            <a:schemeClr val="dk1"/>
+          </a:fillRef>
+          <a:effectRef idx="0">
+            <a:schemeClr val="dk1"/>
+          </a:effectRef>
+          <a:fontRef idx="minor">
+            <a:schemeClr val="tx1"/>
+          </a:fontRef>
+        </p:style>
+      </p:cxnSp>
+      <p:sp>
+        <p:nvSpPr>
+          <p:cNvPr id="34" name="TextBox 33">
+            <a:extLst>
+              <a:ext uri="{FF2B5EF4-FFF2-40B4-BE49-F238E27FC236}">
+                <a16:creationId xmlns:a16="http://schemas.microsoft.com/office/drawing/2014/main" id="{6CCD7F89-E87A-EC42-A461-BA89882EC0E0}"/>
+              </a:ext>
+            </a:extLst>
+          </p:cNvPr>
+          <p:cNvSpPr txBox="1"/>
+          <p:nvPr/>
+        </p:nvSpPr>
+        <p:spPr>
+          <a:xfrm>
+            <a:off x="6016583" y="8328069"/>
+            <a:ext cx="1203056" cy="553998"/>
+          </a:xfrm>
+          <a:prstGeom prst="rect">
+            <a:avLst/>
+          </a:prstGeom>
+          <a:noFill/>
+        </p:spPr>
+        <p:txBody>
+          <a:bodyPr wrap="square" rtlCol="0">
+            <a:spAutoFit/>
+          </a:bodyPr>
+          <a:lstStyle/>
+          <a:p>
+            <a:pPr algn="ctr"/>
+            <a:r>
+              <a:rPr lang="en-US" sz="3000" dirty="0"/>
+              <a:t>c</a:t>
+            </a:r>
+          </a:p>
+        </p:txBody>
+      </p:sp>
+    </p:spTree>
+    <p:extLst>
+      <p:ext uri="{BB962C8B-B14F-4D97-AF65-F5344CB8AC3E}">
+        <p14:creationId xmlns:p14="http://schemas.microsoft.com/office/powerpoint/2010/main" val="3742469563"/>
+      </p:ext>
+    </p:extLst>
+  </p:cSld>
+  <p:clrMapOvr>
+    <a:masterClrMapping/>
+  </p:clrMapOvr>
+</p:sld>
+</file>
+
+<file path=ppt/slides/slide3.xml><?xml version="1.0" encoding="utf-8"?>
+<p:sld xmlns:a="http://schemas.openxmlformats.org/drawingml/2006/main" xmlns:r="http://schemas.openxmlformats.org/officeDocument/2006/relationships" xmlns:p="http://schemas.openxmlformats.org/presentationml/2006/main">
+  <p:cSld>
     <p:bg>
       <p:bgPr>
         <a:solidFill>
@@ -5621,508 +5962,6 @@
     <p:extLst>
       <p:ext uri="{BB962C8B-B14F-4D97-AF65-F5344CB8AC3E}">
         <p14:creationId xmlns:p14="http://schemas.microsoft.com/office/powerpoint/2010/main" val="499537901"/>
-      </p:ext>
-    </p:extLst>
-  </p:cSld>
-  <p:clrMapOvr>
-    <a:masterClrMapping/>
-  </p:clrMapOvr>
-</p:sld>
-</file>
-
-<file path=ppt/slides/slide3.xml><?xml version="1.0" encoding="utf-8"?>
-<p:sld xmlns:a="http://schemas.openxmlformats.org/drawingml/2006/main" xmlns:r="http://schemas.openxmlformats.org/officeDocument/2006/relationships" xmlns:p="http://schemas.openxmlformats.org/presentationml/2006/main">
-  <p:cSld>
-    <p:spTree>
-      <p:nvGrpSpPr>
-        <p:cNvPr id="1" name=""/>
-        <p:cNvGrpSpPr/>
-        <p:nvPr/>
-      </p:nvGrpSpPr>
-      <p:grpSpPr>
-        <a:xfrm>
-          <a:off x="0" y="0"/>
-          <a:ext cx="0" cy="0"/>
-          <a:chOff x="0" y="0"/>
-          <a:chExt cx="0" cy="0"/>
-        </a:xfrm>
-      </p:grpSpPr>
-      <p:pic>
-        <p:nvPicPr>
-          <p:cNvPr id="7" name="Picture 6" descr="A picture containing antenna&#10;&#10;Description automatically generated">
-            <a:extLst>
-              <a:ext uri="{FF2B5EF4-FFF2-40B4-BE49-F238E27FC236}">
-                <a16:creationId xmlns:a16="http://schemas.microsoft.com/office/drawing/2014/main" id="{FDB27B41-A099-404D-987C-08CDFE618B2A}"/>
-              </a:ext>
-            </a:extLst>
-          </p:cNvPr>
-          <p:cNvPicPr>
-            <a:picLocks noChangeAspect="1"/>
-          </p:cNvPicPr>
-          <p:nvPr/>
-        </p:nvPicPr>
-        <p:blipFill>
-          <a:blip r:embed="rId2"/>
-          <a:stretch>
-            <a:fillRect/>
-          </a:stretch>
-        </p:blipFill>
-        <p:spPr>
-          <a:xfrm>
-            <a:off x="318702" y="1991505"/>
-            <a:ext cx="6539298" cy="3552786"/>
-          </a:xfrm>
-          <a:prstGeom prst="rect">
-            <a:avLst/>
-          </a:prstGeom>
-        </p:spPr>
-      </p:pic>
-      <p:pic>
-        <p:nvPicPr>
-          <p:cNvPr id="10" name="Picture 9" descr="Chart, diagram&#10;&#10;Description automatically generated">
-            <a:extLst>
-              <a:ext uri="{FF2B5EF4-FFF2-40B4-BE49-F238E27FC236}">
-                <a16:creationId xmlns:a16="http://schemas.microsoft.com/office/drawing/2014/main" id="{2D836D4F-E2AC-BE41-B13E-F4D6EE958CB1}"/>
-              </a:ext>
-            </a:extLst>
-          </p:cNvPr>
-          <p:cNvPicPr>
-            <a:picLocks noChangeAspect="1"/>
-          </p:cNvPicPr>
-          <p:nvPr/>
-        </p:nvPicPr>
-        <p:blipFill>
-          <a:blip r:embed="rId3"/>
-          <a:stretch>
-            <a:fillRect/>
-          </a:stretch>
-        </p:blipFill>
-        <p:spPr>
-          <a:xfrm>
-            <a:off x="318702" y="5569389"/>
-            <a:ext cx="6539298" cy="4904474"/>
-          </a:xfrm>
-          <a:prstGeom prst="rect">
-            <a:avLst/>
-          </a:prstGeom>
-        </p:spPr>
-      </p:pic>
-      <p:cxnSp>
-        <p:nvCxnSpPr>
-          <p:cNvPr id="24" name="Straight Connector 23">
-            <a:extLst>
-              <a:ext uri="{FF2B5EF4-FFF2-40B4-BE49-F238E27FC236}">
-                <a16:creationId xmlns:a16="http://schemas.microsoft.com/office/drawing/2014/main" id="{E660F277-11FF-2046-9954-59008633935C}"/>
-              </a:ext>
-            </a:extLst>
-          </p:cNvPr>
-          <p:cNvCxnSpPr>
-            <a:cxnSpLocks/>
-          </p:cNvCxnSpPr>
-          <p:nvPr/>
-        </p:nvCxnSpPr>
-        <p:spPr>
-          <a:xfrm>
-            <a:off x="4574326" y="7543800"/>
-            <a:ext cx="1674074" cy="0"/>
-          </a:xfrm>
-          <a:prstGeom prst="line">
-            <a:avLst/>
-          </a:prstGeom>
-          <a:ln w="28575">
-            <a:solidFill>
-              <a:schemeClr val="tx1">
-                <a:lumMod val="50000"/>
-                <a:lumOff val="50000"/>
-              </a:schemeClr>
-            </a:solidFill>
-          </a:ln>
-        </p:spPr>
-        <p:style>
-          <a:lnRef idx="1">
-            <a:schemeClr val="accent1"/>
-          </a:lnRef>
-          <a:fillRef idx="0">
-            <a:schemeClr val="accent1"/>
-          </a:fillRef>
-          <a:effectRef idx="0">
-            <a:schemeClr val="accent1"/>
-          </a:effectRef>
-          <a:fontRef idx="minor">
-            <a:schemeClr val="tx1"/>
-          </a:fontRef>
-        </p:style>
-      </p:cxnSp>
-      <p:cxnSp>
-        <p:nvCxnSpPr>
-          <p:cNvPr id="28" name="Straight Connector 27">
-            <a:extLst>
-              <a:ext uri="{FF2B5EF4-FFF2-40B4-BE49-F238E27FC236}">
-                <a16:creationId xmlns:a16="http://schemas.microsoft.com/office/drawing/2014/main" id="{266706DE-0CCF-C649-B9B2-FD1E55DDF073}"/>
-              </a:ext>
-            </a:extLst>
-          </p:cNvPr>
-          <p:cNvCxnSpPr>
-            <a:cxnSpLocks/>
-          </p:cNvCxnSpPr>
-          <p:nvPr/>
-        </p:nvCxnSpPr>
-        <p:spPr>
-          <a:xfrm>
-            <a:off x="4574326" y="7543800"/>
-            <a:ext cx="0" cy="206528"/>
-          </a:xfrm>
-          <a:prstGeom prst="line">
-            <a:avLst/>
-          </a:prstGeom>
-          <a:ln w="28575">
-            <a:solidFill>
-              <a:schemeClr val="tx1">
-                <a:lumMod val="50000"/>
-                <a:lumOff val="50000"/>
-              </a:schemeClr>
-            </a:solidFill>
-            <a:prstDash val="sysDash"/>
-            <a:headEnd type="none" w="med" len="med"/>
-            <a:tailEnd type="arrow" w="med" len="med"/>
-          </a:ln>
-        </p:spPr>
-        <p:style>
-          <a:lnRef idx="1">
-            <a:schemeClr val="accent1"/>
-          </a:lnRef>
-          <a:fillRef idx="0">
-            <a:schemeClr val="accent1"/>
-          </a:fillRef>
-          <a:effectRef idx="0">
-            <a:schemeClr val="accent1"/>
-          </a:effectRef>
-          <a:fontRef idx="minor">
-            <a:schemeClr val="tx1"/>
-          </a:fontRef>
-        </p:style>
-      </p:cxnSp>
-      <p:cxnSp>
-        <p:nvCxnSpPr>
-          <p:cNvPr id="30" name="Straight Connector 29">
-            <a:extLst>
-              <a:ext uri="{FF2B5EF4-FFF2-40B4-BE49-F238E27FC236}">
-                <a16:creationId xmlns:a16="http://schemas.microsoft.com/office/drawing/2014/main" id="{CA63307A-AB0B-804D-ACEB-3662861BAEA5}"/>
-              </a:ext>
-            </a:extLst>
-          </p:cNvPr>
-          <p:cNvCxnSpPr>
-            <a:cxnSpLocks/>
-          </p:cNvCxnSpPr>
-          <p:nvPr/>
-        </p:nvCxnSpPr>
-        <p:spPr>
-          <a:xfrm>
-            <a:off x="6226628" y="7543800"/>
-            <a:ext cx="0" cy="1545771"/>
-          </a:xfrm>
-          <a:prstGeom prst="line">
-            <a:avLst/>
-          </a:prstGeom>
-          <a:ln w="28575">
-            <a:solidFill>
-              <a:schemeClr val="tx1">
-                <a:lumMod val="50000"/>
-                <a:lumOff val="50000"/>
-              </a:schemeClr>
-            </a:solidFill>
-            <a:prstDash val="sysDash"/>
-            <a:headEnd type="none" w="med" len="med"/>
-            <a:tailEnd type="arrow" w="med" len="med"/>
-          </a:ln>
-        </p:spPr>
-        <p:style>
-          <a:lnRef idx="1">
-            <a:schemeClr val="accent1"/>
-          </a:lnRef>
-          <a:fillRef idx="0">
-            <a:schemeClr val="accent1"/>
-          </a:fillRef>
-          <a:effectRef idx="0">
-            <a:schemeClr val="accent1"/>
-          </a:effectRef>
-          <a:fontRef idx="minor">
-            <a:schemeClr val="tx1"/>
-          </a:fontRef>
-        </p:style>
-      </p:cxnSp>
-      <p:sp>
-        <p:nvSpPr>
-          <p:cNvPr id="37" name="TextBox 36">
-            <a:extLst>
-              <a:ext uri="{FF2B5EF4-FFF2-40B4-BE49-F238E27FC236}">
-                <a16:creationId xmlns:a16="http://schemas.microsoft.com/office/drawing/2014/main" id="{8C252865-B2CD-0E49-B4FE-868D68753C4D}"/>
-              </a:ext>
-            </a:extLst>
-          </p:cNvPr>
-          <p:cNvSpPr txBox="1"/>
-          <p:nvPr/>
-        </p:nvSpPr>
-        <p:spPr>
-          <a:xfrm>
-            <a:off x="4393581" y="7186611"/>
-            <a:ext cx="2051824" cy="338554"/>
-          </a:xfrm>
-          <a:prstGeom prst="rect">
-            <a:avLst/>
-          </a:prstGeom>
-          <a:noFill/>
-        </p:spPr>
-        <p:txBody>
-          <a:bodyPr wrap="square" rtlCol="0">
-            <a:spAutoFit/>
-          </a:bodyPr>
-          <a:lstStyle/>
-          <a:p>
-            <a:pPr algn="ctr"/>
-            <a:r>
-              <a:rPr lang="en-US" sz="1600" dirty="0"/>
-              <a:t>Width of Phase Field</a:t>
-            </a:r>
-          </a:p>
-        </p:txBody>
-      </p:sp>
-      <p:pic>
-        <p:nvPicPr>
-          <p:cNvPr id="39" name="Picture 38" descr="Graphical user interface, application&#10;&#10;Description automatically generated">
-            <a:extLst>
-              <a:ext uri="{FF2B5EF4-FFF2-40B4-BE49-F238E27FC236}">
-                <a16:creationId xmlns:a16="http://schemas.microsoft.com/office/drawing/2014/main" id="{E2E695E0-C809-6542-B3CC-9386D570BA49}"/>
-              </a:ext>
-            </a:extLst>
-          </p:cNvPr>
-          <p:cNvPicPr>
-            <a:picLocks noChangeAspect="1"/>
-          </p:cNvPicPr>
-          <p:nvPr/>
-        </p:nvPicPr>
-        <p:blipFill rotWithShape="1">
-          <a:blip r:embed="rId4"/>
-          <a:srcRect t="6295" r="19066" b="27332"/>
-          <a:stretch/>
-        </p:blipFill>
-        <p:spPr>
-          <a:xfrm>
-            <a:off x="7057944" y="3471163"/>
-            <a:ext cx="3679330" cy="1627307"/>
-          </a:xfrm>
-          <a:prstGeom prst="rect">
-            <a:avLst/>
-          </a:prstGeom>
-        </p:spPr>
-      </p:pic>
-      <p:pic>
-        <p:nvPicPr>
-          <p:cNvPr id="41" name="Picture 40" descr="Graphical user interface&#10;&#10;Description automatically generated with medium confidence">
-            <a:extLst>
-              <a:ext uri="{FF2B5EF4-FFF2-40B4-BE49-F238E27FC236}">
-                <a16:creationId xmlns:a16="http://schemas.microsoft.com/office/drawing/2014/main" id="{258D1445-782A-2344-9AC2-825C49214A4F}"/>
-              </a:ext>
-            </a:extLst>
-          </p:cNvPr>
-          <p:cNvPicPr>
-            <a:picLocks noChangeAspect="1"/>
-          </p:cNvPicPr>
-          <p:nvPr/>
-        </p:nvPicPr>
-        <p:blipFill rotWithShape="1">
-          <a:blip r:embed="rId5"/>
-          <a:srcRect t="6295" r="19066" b="27332"/>
-          <a:stretch/>
-        </p:blipFill>
-        <p:spPr>
-          <a:xfrm>
-            <a:off x="7057943" y="5230694"/>
-            <a:ext cx="3679330" cy="1627306"/>
-          </a:xfrm>
-          <a:prstGeom prst="rect">
-            <a:avLst/>
-          </a:prstGeom>
-        </p:spPr>
-      </p:pic>
-      <p:pic>
-        <p:nvPicPr>
-          <p:cNvPr id="43" name="Picture 42" descr="A picture containing rectangle&#10;&#10;Description automatically generated">
-            <a:extLst>
-              <a:ext uri="{FF2B5EF4-FFF2-40B4-BE49-F238E27FC236}">
-                <a16:creationId xmlns:a16="http://schemas.microsoft.com/office/drawing/2014/main" id="{9D4CBF83-701E-B840-8C73-E83E211E73C5}"/>
-              </a:ext>
-            </a:extLst>
-          </p:cNvPr>
-          <p:cNvPicPr>
-            <a:picLocks noChangeAspect="1"/>
-          </p:cNvPicPr>
-          <p:nvPr/>
-        </p:nvPicPr>
-        <p:blipFill rotWithShape="1">
-          <a:blip r:embed="rId6"/>
-          <a:srcRect l="845" t="6295" r="19017" b="27332"/>
-          <a:stretch/>
-        </p:blipFill>
-        <p:spPr>
-          <a:xfrm>
-            <a:off x="7057942" y="7128765"/>
-            <a:ext cx="3643087" cy="1627307"/>
-          </a:xfrm>
-          <a:prstGeom prst="rect">
-            <a:avLst/>
-          </a:prstGeom>
-        </p:spPr>
-      </p:pic>
-      <p:pic>
-        <p:nvPicPr>
-          <p:cNvPr id="45" name="Picture 44" descr="Rectangle&#10;&#10;Description automatically generated with medium confidence">
-            <a:extLst>
-              <a:ext uri="{FF2B5EF4-FFF2-40B4-BE49-F238E27FC236}">
-                <a16:creationId xmlns:a16="http://schemas.microsoft.com/office/drawing/2014/main" id="{1B6C246E-010F-2247-9A19-796B748389C4}"/>
-              </a:ext>
-            </a:extLst>
-          </p:cNvPr>
-          <p:cNvPicPr>
-            <a:picLocks noChangeAspect="1"/>
-          </p:cNvPicPr>
-          <p:nvPr/>
-        </p:nvPicPr>
-        <p:blipFill rotWithShape="1">
-          <a:blip r:embed="rId7"/>
-          <a:srcRect t="7245" r="19197" b="25927"/>
-          <a:stretch/>
-        </p:blipFill>
-        <p:spPr>
-          <a:xfrm>
-            <a:off x="7053018" y="8872298"/>
-            <a:ext cx="3684255" cy="1643304"/>
-          </a:xfrm>
-          <a:prstGeom prst="rect">
-            <a:avLst/>
-          </a:prstGeom>
-        </p:spPr>
-      </p:pic>
-      <p:pic>
-        <p:nvPicPr>
-          <p:cNvPr id="47" name="Picture 46" descr="A picture containing icon&#10;&#10;Description automatically generated">
-            <a:extLst>
-              <a:ext uri="{FF2B5EF4-FFF2-40B4-BE49-F238E27FC236}">
-                <a16:creationId xmlns:a16="http://schemas.microsoft.com/office/drawing/2014/main" id="{37125610-5074-6245-B13C-8E80E925E001}"/>
-              </a:ext>
-            </a:extLst>
-          </p:cNvPr>
-          <p:cNvPicPr>
-            <a:picLocks noChangeAspect="1"/>
-          </p:cNvPicPr>
-          <p:nvPr/>
-        </p:nvPicPr>
-        <p:blipFill rotWithShape="1">
-          <a:blip r:embed="rId8"/>
-          <a:srcRect l="2941" t="3713" r="19546" b="31335"/>
-          <a:stretch/>
-        </p:blipFill>
-        <p:spPr>
-          <a:xfrm>
-            <a:off x="7053019" y="1838631"/>
-            <a:ext cx="3679330" cy="1662724"/>
-          </a:xfrm>
-          <a:prstGeom prst="rect">
-            <a:avLst/>
-          </a:prstGeom>
-        </p:spPr>
-      </p:pic>
-      <p:pic>
-        <p:nvPicPr>
-          <p:cNvPr id="50" name="Picture 49" descr="Icon&#10;&#10;Description automatically generated with medium confidence">
-            <a:extLst>
-              <a:ext uri="{FF2B5EF4-FFF2-40B4-BE49-F238E27FC236}">
-                <a16:creationId xmlns:a16="http://schemas.microsoft.com/office/drawing/2014/main" id="{7686BD83-8119-4F40-B4E2-D3A8A934D289}"/>
-              </a:ext>
-            </a:extLst>
-          </p:cNvPr>
-          <p:cNvPicPr>
-            <a:picLocks noChangeAspect="1"/>
-          </p:cNvPicPr>
-          <p:nvPr/>
-        </p:nvPicPr>
-        <p:blipFill rotWithShape="1">
-          <a:blip r:embed="rId9"/>
-          <a:srcRect l="75661" t="60743"/>
-          <a:stretch/>
-        </p:blipFill>
-        <p:spPr>
-          <a:xfrm>
-            <a:off x="10927369" y="1991505"/>
-            <a:ext cx="951132" cy="1479658"/>
-          </a:xfrm>
-          <a:prstGeom prst="rect">
-            <a:avLst/>
-          </a:prstGeom>
-        </p:spPr>
-      </p:pic>
-      <p:pic>
-        <p:nvPicPr>
-          <p:cNvPr id="52" name="Picture 51" descr="Graphical user interface, application&#10;&#10;Description automatically generated">
-            <a:extLst>
-              <a:ext uri="{FF2B5EF4-FFF2-40B4-BE49-F238E27FC236}">
-                <a16:creationId xmlns:a16="http://schemas.microsoft.com/office/drawing/2014/main" id="{1277BAAF-1AB3-8243-BDA6-D528C06AA2EC}"/>
-              </a:ext>
-            </a:extLst>
-          </p:cNvPr>
-          <p:cNvPicPr>
-            <a:picLocks noChangeAspect="1"/>
-          </p:cNvPicPr>
-          <p:nvPr/>
-        </p:nvPicPr>
-        <p:blipFill rotWithShape="1">
-          <a:blip r:embed="rId4"/>
-          <a:srcRect l="81046" t="59577" r="3236"/>
-          <a:stretch/>
-        </p:blipFill>
-        <p:spPr>
-          <a:xfrm>
-            <a:off x="10742198" y="4284816"/>
-            <a:ext cx="1438507" cy="1995134"/>
-          </a:xfrm>
-          <a:prstGeom prst="rect">
-            <a:avLst/>
-          </a:prstGeom>
-        </p:spPr>
-      </p:pic>
-      <p:pic>
-        <p:nvPicPr>
-          <p:cNvPr id="55" name="Picture 54" descr="A picture containing rectangle&#10;&#10;Description automatically generated">
-            <a:extLst>
-              <a:ext uri="{FF2B5EF4-FFF2-40B4-BE49-F238E27FC236}">
-                <a16:creationId xmlns:a16="http://schemas.microsoft.com/office/drawing/2014/main" id="{9EC0EB4B-BC39-7843-900A-58D426CB5769}"/>
-              </a:ext>
-            </a:extLst>
-          </p:cNvPr>
-          <p:cNvPicPr>
-            <a:picLocks noChangeAspect="1"/>
-          </p:cNvPicPr>
-          <p:nvPr/>
-        </p:nvPicPr>
-        <p:blipFill rotWithShape="1">
-          <a:blip r:embed="rId6"/>
-          <a:srcRect l="80017" t="58884" r="3065"/>
-          <a:stretch/>
-        </p:blipFill>
-        <p:spPr>
-          <a:xfrm>
-            <a:off x="10900971" y="7878133"/>
-            <a:ext cx="1517019" cy="1988329"/>
-          </a:xfrm>
-          <a:prstGeom prst="rect">
-            <a:avLst/>
-          </a:prstGeom>
-        </p:spPr>
-      </p:pic>
-    </p:spTree>
-    <p:extLst>
-      <p:ext uri="{BB962C8B-B14F-4D97-AF65-F5344CB8AC3E}">
-        <p14:creationId xmlns:p14="http://schemas.microsoft.com/office/powerpoint/2010/main" val="770817440"/>
       </p:ext>
     </p:extLst>
   </p:cSld>
@@ -6149,10 +5988,3378 @@
           <a:chExt cx="0" cy="0"/>
         </a:xfrm>
       </p:grpSpPr>
+      <p:pic>
+        <p:nvPicPr>
+          <p:cNvPr id="7" name="Picture 6" descr="A picture containing antenna&#10;&#10;Description automatically generated">
+            <a:extLst>
+              <a:ext uri="{FF2B5EF4-FFF2-40B4-BE49-F238E27FC236}">
+                <a16:creationId xmlns:a16="http://schemas.microsoft.com/office/drawing/2014/main" id="{FDB27B41-A099-404D-987C-08CDFE618B2A}"/>
+              </a:ext>
+            </a:extLst>
+          </p:cNvPr>
+          <p:cNvPicPr>
+            <a:picLocks noChangeAspect="1"/>
+          </p:cNvPicPr>
+          <p:nvPr/>
+        </p:nvPicPr>
+        <p:blipFill>
+          <a:blip r:embed="rId2"/>
+          <a:stretch>
+            <a:fillRect/>
+          </a:stretch>
+        </p:blipFill>
+        <p:spPr>
+          <a:xfrm>
+            <a:off x="318702" y="1991505"/>
+            <a:ext cx="6539298" cy="3552786"/>
+          </a:xfrm>
+          <a:prstGeom prst="rect">
+            <a:avLst/>
+          </a:prstGeom>
+        </p:spPr>
+      </p:pic>
+      <p:pic>
+        <p:nvPicPr>
+          <p:cNvPr id="10" name="Picture 9" descr="Chart, diagram&#10;&#10;Description automatically generated">
+            <a:extLst>
+              <a:ext uri="{FF2B5EF4-FFF2-40B4-BE49-F238E27FC236}">
+                <a16:creationId xmlns:a16="http://schemas.microsoft.com/office/drawing/2014/main" id="{2D836D4F-E2AC-BE41-B13E-F4D6EE958CB1}"/>
+              </a:ext>
+            </a:extLst>
+          </p:cNvPr>
+          <p:cNvPicPr>
+            <a:picLocks noChangeAspect="1"/>
+          </p:cNvPicPr>
+          <p:nvPr/>
+        </p:nvPicPr>
+        <p:blipFill>
+          <a:blip r:embed="rId3"/>
+          <a:stretch>
+            <a:fillRect/>
+          </a:stretch>
+        </p:blipFill>
+        <p:spPr>
+          <a:xfrm>
+            <a:off x="318702" y="5569389"/>
+            <a:ext cx="6539298" cy="4904474"/>
+          </a:xfrm>
+          <a:prstGeom prst="rect">
+            <a:avLst/>
+          </a:prstGeom>
+        </p:spPr>
+      </p:pic>
+      <p:cxnSp>
+        <p:nvCxnSpPr>
+          <p:cNvPr id="24" name="Straight Connector 23">
+            <a:extLst>
+              <a:ext uri="{FF2B5EF4-FFF2-40B4-BE49-F238E27FC236}">
+                <a16:creationId xmlns:a16="http://schemas.microsoft.com/office/drawing/2014/main" id="{E660F277-11FF-2046-9954-59008633935C}"/>
+              </a:ext>
+            </a:extLst>
+          </p:cNvPr>
+          <p:cNvCxnSpPr>
+            <a:cxnSpLocks/>
+          </p:cNvCxnSpPr>
+          <p:nvPr/>
+        </p:nvCxnSpPr>
+        <p:spPr>
+          <a:xfrm>
+            <a:off x="4574326" y="7543800"/>
+            <a:ext cx="1674074" cy="0"/>
+          </a:xfrm>
+          <a:prstGeom prst="line">
+            <a:avLst/>
+          </a:prstGeom>
+          <a:ln w="28575">
+            <a:solidFill>
+              <a:schemeClr val="tx1">
+                <a:lumMod val="50000"/>
+                <a:lumOff val="50000"/>
+              </a:schemeClr>
+            </a:solidFill>
+          </a:ln>
+        </p:spPr>
+        <p:style>
+          <a:lnRef idx="1">
+            <a:schemeClr val="accent1"/>
+          </a:lnRef>
+          <a:fillRef idx="0">
+            <a:schemeClr val="accent1"/>
+          </a:fillRef>
+          <a:effectRef idx="0">
+            <a:schemeClr val="accent1"/>
+          </a:effectRef>
+          <a:fontRef idx="minor">
+            <a:schemeClr val="tx1"/>
+          </a:fontRef>
+        </p:style>
+      </p:cxnSp>
+      <p:cxnSp>
+        <p:nvCxnSpPr>
+          <p:cNvPr id="28" name="Straight Connector 27">
+            <a:extLst>
+              <a:ext uri="{FF2B5EF4-FFF2-40B4-BE49-F238E27FC236}">
+                <a16:creationId xmlns:a16="http://schemas.microsoft.com/office/drawing/2014/main" id="{266706DE-0CCF-C649-B9B2-FD1E55DDF073}"/>
+              </a:ext>
+            </a:extLst>
+          </p:cNvPr>
+          <p:cNvCxnSpPr>
+            <a:cxnSpLocks/>
+          </p:cNvCxnSpPr>
+          <p:nvPr/>
+        </p:nvCxnSpPr>
+        <p:spPr>
+          <a:xfrm>
+            <a:off x="4574326" y="7543800"/>
+            <a:ext cx="0" cy="206528"/>
+          </a:xfrm>
+          <a:prstGeom prst="line">
+            <a:avLst/>
+          </a:prstGeom>
+          <a:ln w="28575">
+            <a:solidFill>
+              <a:schemeClr val="tx1">
+                <a:lumMod val="50000"/>
+                <a:lumOff val="50000"/>
+              </a:schemeClr>
+            </a:solidFill>
+            <a:prstDash val="sysDash"/>
+            <a:headEnd type="none" w="med" len="med"/>
+            <a:tailEnd type="arrow" w="med" len="med"/>
+          </a:ln>
+        </p:spPr>
+        <p:style>
+          <a:lnRef idx="1">
+            <a:schemeClr val="accent1"/>
+          </a:lnRef>
+          <a:fillRef idx="0">
+            <a:schemeClr val="accent1"/>
+          </a:fillRef>
+          <a:effectRef idx="0">
+            <a:schemeClr val="accent1"/>
+          </a:effectRef>
+          <a:fontRef idx="minor">
+            <a:schemeClr val="tx1"/>
+          </a:fontRef>
+        </p:style>
+      </p:cxnSp>
+      <p:cxnSp>
+        <p:nvCxnSpPr>
+          <p:cNvPr id="30" name="Straight Connector 29">
+            <a:extLst>
+              <a:ext uri="{FF2B5EF4-FFF2-40B4-BE49-F238E27FC236}">
+                <a16:creationId xmlns:a16="http://schemas.microsoft.com/office/drawing/2014/main" id="{CA63307A-AB0B-804D-ACEB-3662861BAEA5}"/>
+              </a:ext>
+            </a:extLst>
+          </p:cNvPr>
+          <p:cNvCxnSpPr>
+            <a:cxnSpLocks/>
+          </p:cNvCxnSpPr>
+          <p:nvPr/>
+        </p:nvCxnSpPr>
+        <p:spPr>
+          <a:xfrm>
+            <a:off x="6226628" y="7543800"/>
+            <a:ext cx="0" cy="1545771"/>
+          </a:xfrm>
+          <a:prstGeom prst="line">
+            <a:avLst/>
+          </a:prstGeom>
+          <a:ln w="28575">
+            <a:solidFill>
+              <a:schemeClr val="tx1">
+                <a:lumMod val="50000"/>
+                <a:lumOff val="50000"/>
+              </a:schemeClr>
+            </a:solidFill>
+            <a:prstDash val="sysDash"/>
+            <a:headEnd type="none" w="med" len="med"/>
+            <a:tailEnd type="arrow" w="med" len="med"/>
+          </a:ln>
+        </p:spPr>
+        <p:style>
+          <a:lnRef idx="1">
+            <a:schemeClr val="accent1"/>
+          </a:lnRef>
+          <a:fillRef idx="0">
+            <a:schemeClr val="accent1"/>
+          </a:fillRef>
+          <a:effectRef idx="0">
+            <a:schemeClr val="accent1"/>
+          </a:effectRef>
+          <a:fontRef idx="minor">
+            <a:schemeClr val="tx1"/>
+          </a:fontRef>
+        </p:style>
+      </p:cxnSp>
+      <p:sp>
+        <p:nvSpPr>
+          <p:cNvPr id="37" name="TextBox 36">
+            <a:extLst>
+              <a:ext uri="{FF2B5EF4-FFF2-40B4-BE49-F238E27FC236}">
+                <a16:creationId xmlns:a16="http://schemas.microsoft.com/office/drawing/2014/main" id="{8C252865-B2CD-0E49-B4FE-868D68753C4D}"/>
+              </a:ext>
+            </a:extLst>
+          </p:cNvPr>
+          <p:cNvSpPr txBox="1"/>
+          <p:nvPr/>
+        </p:nvSpPr>
+        <p:spPr>
+          <a:xfrm>
+            <a:off x="4393581" y="7186611"/>
+            <a:ext cx="2051824" cy="338554"/>
+          </a:xfrm>
+          <a:prstGeom prst="rect">
+            <a:avLst/>
+          </a:prstGeom>
+          <a:noFill/>
+        </p:spPr>
+        <p:txBody>
+          <a:bodyPr wrap="square" rtlCol="0">
+            <a:spAutoFit/>
+          </a:bodyPr>
+          <a:lstStyle/>
+          <a:p>
+            <a:pPr algn="ctr"/>
+            <a:r>
+              <a:rPr lang="en-US" sz="1600" dirty="0"/>
+              <a:t>Width of Phase Field</a:t>
+            </a:r>
+          </a:p>
+        </p:txBody>
+      </p:sp>
+      <p:pic>
+        <p:nvPicPr>
+          <p:cNvPr id="39" name="Picture 38" descr="Graphical user interface, application&#10;&#10;Description automatically generated">
+            <a:extLst>
+              <a:ext uri="{FF2B5EF4-FFF2-40B4-BE49-F238E27FC236}">
+                <a16:creationId xmlns:a16="http://schemas.microsoft.com/office/drawing/2014/main" id="{E2E695E0-C809-6542-B3CC-9386D570BA49}"/>
+              </a:ext>
+            </a:extLst>
+          </p:cNvPr>
+          <p:cNvPicPr>
+            <a:picLocks noChangeAspect="1"/>
+          </p:cNvPicPr>
+          <p:nvPr/>
+        </p:nvPicPr>
+        <p:blipFill rotWithShape="1">
+          <a:blip r:embed="rId4"/>
+          <a:srcRect t="6295" r="19066" b="27332"/>
+          <a:stretch/>
+        </p:blipFill>
+        <p:spPr>
+          <a:xfrm>
+            <a:off x="7057944" y="3471163"/>
+            <a:ext cx="3679330" cy="1627307"/>
+          </a:xfrm>
+          <a:prstGeom prst="rect">
+            <a:avLst/>
+          </a:prstGeom>
+        </p:spPr>
+      </p:pic>
+      <p:pic>
+        <p:nvPicPr>
+          <p:cNvPr id="41" name="Picture 40" descr="Graphical user interface&#10;&#10;Description automatically generated with medium confidence">
+            <a:extLst>
+              <a:ext uri="{FF2B5EF4-FFF2-40B4-BE49-F238E27FC236}">
+                <a16:creationId xmlns:a16="http://schemas.microsoft.com/office/drawing/2014/main" id="{258D1445-782A-2344-9AC2-825C49214A4F}"/>
+              </a:ext>
+            </a:extLst>
+          </p:cNvPr>
+          <p:cNvPicPr>
+            <a:picLocks noChangeAspect="1"/>
+          </p:cNvPicPr>
+          <p:nvPr/>
+        </p:nvPicPr>
+        <p:blipFill rotWithShape="1">
+          <a:blip r:embed="rId5"/>
+          <a:srcRect t="6295" r="19066" b="27332"/>
+          <a:stretch/>
+        </p:blipFill>
+        <p:spPr>
+          <a:xfrm>
+            <a:off x="7057943" y="5230694"/>
+            <a:ext cx="3679330" cy="1627306"/>
+          </a:xfrm>
+          <a:prstGeom prst="rect">
+            <a:avLst/>
+          </a:prstGeom>
+        </p:spPr>
+      </p:pic>
+      <p:pic>
+        <p:nvPicPr>
+          <p:cNvPr id="43" name="Picture 42" descr="A picture containing rectangle&#10;&#10;Description automatically generated">
+            <a:extLst>
+              <a:ext uri="{FF2B5EF4-FFF2-40B4-BE49-F238E27FC236}">
+                <a16:creationId xmlns:a16="http://schemas.microsoft.com/office/drawing/2014/main" id="{9D4CBF83-701E-B840-8C73-E83E211E73C5}"/>
+              </a:ext>
+            </a:extLst>
+          </p:cNvPr>
+          <p:cNvPicPr>
+            <a:picLocks noChangeAspect="1"/>
+          </p:cNvPicPr>
+          <p:nvPr/>
+        </p:nvPicPr>
+        <p:blipFill rotWithShape="1">
+          <a:blip r:embed="rId6"/>
+          <a:srcRect l="845" t="6295" r="19017" b="27332"/>
+          <a:stretch/>
+        </p:blipFill>
+        <p:spPr>
+          <a:xfrm>
+            <a:off x="7057942" y="7128765"/>
+            <a:ext cx="3643087" cy="1627307"/>
+          </a:xfrm>
+          <a:prstGeom prst="rect">
+            <a:avLst/>
+          </a:prstGeom>
+        </p:spPr>
+      </p:pic>
+      <p:pic>
+        <p:nvPicPr>
+          <p:cNvPr id="45" name="Picture 44" descr="Rectangle&#10;&#10;Description automatically generated with medium confidence">
+            <a:extLst>
+              <a:ext uri="{FF2B5EF4-FFF2-40B4-BE49-F238E27FC236}">
+                <a16:creationId xmlns:a16="http://schemas.microsoft.com/office/drawing/2014/main" id="{1B6C246E-010F-2247-9A19-796B748389C4}"/>
+              </a:ext>
+            </a:extLst>
+          </p:cNvPr>
+          <p:cNvPicPr>
+            <a:picLocks noChangeAspect="1"/>
+          </p:cNvPicPr>
+          <p:nvPr/>
+        </p:nvPicPr>
+        <p:blipFill rotWithShape="1">
+          <a:blip r:embed="rId7"/>
+          <a:srcRect t="7245" r="19197" b="25927"/>
+          <a:stretch/>
+        </p:blipFill>
+        <p:spPr>
+          <a:xfrm>
+            <a:off x="7053018" y="8872298"/>
+            <a:ext cx="3684255" cy="1643304"/>
+          </a:xfrm>
+          <a:prstGeom prst="rect">
+            <a:avLst/>
+          </a:prstGeom>
+        </p:spPr>
+      </p:pic>
+      <p:pic>
+        <p:nvPicPr>
+          <p:cNvPr id="47" name="Picture 46" descr="A picture containing icon&#10;&#10;Description automatically generated">
+            <a:extLst>
+              <a:ext uri="{FF2B5EF4-FFF2-40B4-BE49-F238E27FC236}">
+                <a16:creationId xmlns:a16="http://schemas.microsoft.com/office/drawing/2014/main" id="{37125610-5074-6245-B13C-8E80E925E001}"/>
+              </a:ext>
+            </a:extLst>
+          </p:cNvPr>
+          <p:cNvPicPr>
+            <a:picLocks noChangeAspect="1"/>
+          </p:cNvPicPr>
+          <p:nvPr/>
+        </p:nvPicPr>
+        <p:blipFill rotWithShape="1">
+          <a:blip r:embed="rId8"/>
+          <a:srcRect l="2941" t="3713" r="19546" b="31335"/>
+          <a:stretch/>
+        </p:blipFill>
+        <p:spPr>
+          <a:xfrm>
+            <a:off x="7053019" y="1838631"/>
+            <a:ext cx="3679330" cy="1662724"/>
+          </a:xfrm>
+          <a:prstGeom prst="rect">
+            <a:avLst/>
+          </a:prstGeom>
+        </p:spPr>
+      </p:pic>
+      <p:pic>
+        <p:nvPicPr>
+          <p:cNvPr id="50" name="Picture 49" descr="Icon&#10;&#10;Description automatically generated with medium confidence">
+            <a:extLst>
+              <a:ext uri="{FF2B5EF4-FFF2-40B4-BE49-F238E27FC236}">
+                <a16:creationId xmlns:a16="http://schemas.microsoft.com/office/drawing/2014/main" id="{7686BD83-8119-4F40-B4E2-D3A8A934D289}"/>
+              </a:ext>
+            </a:extLst>
+          </p:cNvPr>
+          <p:cNvPicPr>
+            <a:picLocks noChangeAspect="1"/>
+          </p:cNvPicPr>
+          <p:nvPr/>
+        </p:nvPicPr>
+        <p:blipFill rotWithShape="1">
+          <a:blip r:embed="rId9"/>
+          <a:srcRect l="75661" t="60743"/>
+          <a:stretch/>
+        </p:blipFill>
+        <p:spPr>
+          <a:xfrm>
+            <a:off x="10927369" y="1991505"/>
+            <a:ext cx="951132" cy="1479658"/>
+          </a:xfrm>
+          <a:prstGeom prst="rect">
+            <a:avLst/>
+          </a:prstGeom>
+        </p:spPr>
+      </p:pic>
+      <p:pic>
+        <p:nvPicPr>
+          <p:cNvPr id="52" name="Picture 51" descr="Graphical user interface, application&#10;&#10;Description automatically generated">
+            <a:extLst>
+              <a:ext uri="{FF2B5EF4-FFF2-40B4-BE49-F238E27FC236}">
+                <a16:creationId xmlns:a16="http://schemas.microsoft.com/office/drawing/2014/main" id="{1277BAAF-1AB3-8243-BDA6-D528C06AA2EC}"/>
+              </a:ext>
+            </a:extLst>
+          </p:cNvPr>
+          <p:cNvPicPr>
+            <a:picLocks noChangeAspect="1"/>
+          </p:cNvPicPr>
+          <p:nvPr/>
+        </p:nvPicPr>
+        <p:blipFill rotWithShape="1">
+          <a:blip r:embed="rId4"/>
+          <a:srcRect l="81046" t="59577" r="3236"/>
+          <a:stretch/>
+        </p:blipFill>
+        <p:spPr>
+          <a:xfrm>
+            <a:off x="10742198" y="4284816"/>
+            <a:ext cx="1438507" cy="1995134"/>
+          </a:xfrm>
+          <a:prstGeom prst="rect">
+            <a:avLst/>
+          </a:prstGeom>
+        </p:spPr>
+      </p:pic>
+      <p:pic>
+        <p:nvPicPr>
+          <p:cNvPr id="55" name="Picture 54" descr="A picture containing rectangle&#10;&#10;Description automatically generated">
+            <a:extLst>
+              <a:ext uri="{FF2B5EF4-FFF2-40B4-BE49-F238E27FC236}">
+                <a16:creationId xmlns:a16="http://schemas.microsoft.com/office/drawing/2014/main" id="{9EC0EB4B-BC39-7843-900A-58D426CB5769}"/>
+              </a:ext>
+            </a:extLst>
+          </p:cNvPr>
+          <p:cNvPicPr>
+            <a:picLocks noChangeAspect="1"/>
+          </p:cNvPicPr>
+          <p:nvPr/>
+        </p:nvPicPr>
+        <p:blipFill rotWithShape="1">
+          <a:blip r:embed="rId6"/>
+          <a:srcRect l="80017" t="58884" r="3065"/>
+          <a:stretch/>
+        </p:blipFill>
+        <p:spPr>
+          <a:xfrm>
+            <a:off x="10900971" y="7878133"/>
+            <a:ext cx="1517019" cy="1988329"/>
+          </a:xfrm>
+          <a:prstGeom prst="rect">
+            <a:avLst/>
+          </a:prstGeom>
+        </p:spPr>
+      </p:pic>
     </p:spTree>
     <p:extLst>
       <p:ext uri="{BB962C8B-B14F-4D97-AF65-F5344CB8AC3E}">
-        <p14:creationId xmlns:p14="http://schemas.microsoft.com/office/powerpoint/2010/main" val="706424522"/>
+        <p14:creationId xmlns:p14="http://schemas.microsoft.com/office/powerpoint/2010/main" val="770817440"/>
+      </p:ext>
+    </p:extLst>
+  </p:cSld>
+  <p:clrMapOvr>
+    <a:masterClrMapping/>
+  </p:clrMapOvr>
+</p:sld>
+</file>
+
+<file path=ppt/slides/slide5.xml><?xml version="1.0" encoding="utf-8"?>
+<p:sld xmlns:a="http://schemas.openxmlformats.org/drawingml/2006/main" xmlns:r="http://schemas.openxmlformats.org/officeDocument/2006/relationships" xmlns:p="http://schemas.openxmlformats.org/presentationml/2006/main">
+  <p:cSld>
+    <p:spTree>
+      <p:nvGrpSpPr>
+        <p:cNvPr id="1" name=""/>
+        <p:cNvGrpSpPr/>
+        <p:nvPr/>
+      </p:nvGrpSpPr>
+      <p:grpSpPr>
+        <a:xfrm>
+          <a:off x="0" y="0"/>
+          <a:ext cx="0" cy="0"/>
+          <a:chOff x="0" y="0"/>
+          <a:chExt cx="0" cy="0"/>
+        </a:xfrm>
+      </p:grpSpPr>
+      <p:pic>
+        <p:nvPicPr>
+          <p:cNvPr id="7" name="Picture 6" descr="A picture containing antenna&#10;&#10;Description automatically generated">
+            <a:extLst>
+              <a:ext uri="{FF2B5EF4-FFF2-40B4-BE49-F238E27FC236}">
+                <a16:creationId xmlns:a16="http://schemas.microsoft.com/office/drawing/2014/main" id="{FDB27B41-A099-404D-987C-08CDFE618B2A}"/>
+              </a:ext>
+            </a:extLst>
+          </p:cNvPr>
+          <p:cNvPicPr>
+            <a:picLocks noChangeAspect="1"/>
+          </p:cNvPicPr>
+          <p:nvPr/>
+        </p:nvPicPr>
+        <p:blipFill rotWithShape="1">
+          <a:blip r:embed="rId3"/>
+          <a:srcRect t="4612" b="5107"/>
+          <a:stretch/>
+        </p:blipFill>
+        <p:spPr>
+          <a:xfrm>
+            <a:off x="329588" y="2327234"/>
+            <a:ext cx="6539298" cy="3207491"/>
+          </a:xfrm>
+          <a:prstGeom prst="rect">
+            <a:avLst/>
+          </a:prstGeom>
+        </p:spPr>
+      </p:pic>
+      <p:pic>
+        <p:nvPicPr>
+          <p:cNvPr id="10" name="Picture 9" descr="Chart, diagram&#10;&#10;Description automatically generated">
+            <a:extLst>
+              <a:ext uri="{FF2B5EF4-FFF2-40B4-BE49-F238E27FC236}">
+                <a16:creationId xmlns:a16="http://schemas.microsoft.com/office/drawing/2014/main" id="{2D836D4F-E2AC-BE41-B13E-F4D6EE958CB1}"/>
+              </a:ext>
+            </a:extLst>
+          </p:cNvPr>
+          <p:cNvPicPr>
+            <a:picLocks noChangeAspect="1"/>
+          </p:cNvPicPr>
+          <p:nvPr/>
+        </p:nvPicPr>
+        <p:blipFill>
+          <a:blip r:embed="rId4"/>
+          <a:stretch>
+            <a:fillRect/>
+          </a:stretch>
+        </p:blipFill>
+        <p:spPr>
+          <a:xfrm>
+            <a:off x="318702" y="5569389"/>
+            <a:ext cx="6539298" cy="4904474"/>
+          </a:xfrm>
+          <a:prstGeom prst="rect">
+            <a:avLst/>
+          </a:prstGeom>
+        </p:spPr>
+      </p:pic>
+      <p:cxnSp>
+        <p:nvCxnSpPr>
+          <p:cNvPr id="24" name="Straight Connector 23">
+            <a:extLst>
+              <a:ext uri="{FF2B5EF4-FFF2-40B4-BE49-F238E27FC236}">
+                <a16:creationId xmlns:a16="http://schemas.microsoft.com/office/drawing/2014/main" id="{E660F277-11FF-2046-9954-59008633935C}"/>
+              </a:ext>
+            </a:extLst>
+          </p:cNvPr>
+          <p:cNvCxnSpPr>
+            <a:cxnSpLocks/>
+          </p:cNvCxnSpPr>
+          <p:nvPr/>
+        </p:nvCxnSpPr>
+        <p:spPr>
+          <a:xfrm>
+            <a:off x="4574326" y="7543800"/>
+            <a:ext cx="1674074" cy="0"/>
+          </a:xfrm>
+          <a:prstGeom prst="line">
+            <a:avLst/>
+          </a:prstGeom>
+          <a:ln w="28575">
+            <a:solidFill>
+              <a:schemeClr val="tx1">
+                <a:lumMod val="50000"/>
+                <a:lumOff val="50000"/>
+              </a:schemeClr>
+            </a:solidFill>
+          </a:ln>
+        </p:spPr>
+        <p:style>
+          <a:lnRef idx="1">
+            <a:schemeClr val="accent1"/>
+          </a:lnRef>
+          <a:fillRef idx="0">
+            <a:schemeClr val="accent1"/>
+          </a:fillRef>
+          <a:effectRef idx="0">
+            <a:schemeClr val="accent1"/>
+          </a:effectRef>
+          <a:fontRef idx="minor">
+            <a:schemeClr val="tx1"/>
+          </a:fontRef>
+        </p:style>
+      </p:cxnSp>
+      <p:cxnSp>
+        <p:nvCxnSpPr>
+          <p:cNvPr id="28" name="Straight Connector 27">
+            <a:extLst>
+              <a:ext uri="{FF2B5EF4-FFF2-40B4-BE49-F238E27FC236}">
+                <a16:creationId xmlns:a16="http://schemas.microsoft.com/office/drawing/2014/main" id="{266706DE-0CCF-C649-B9B2-FD1E55DDF073}"/>
+              </a:ext>
+            </a:extLst>
+          </p:cNvPr>
+          <p:cNvCxnSpPr>
+            <a:cxnSpLocks/>
+          </p:cNvCxnSpPr>
+          <p:nvPr/>
+        </p:nvCxnSpPr>
+        <p:spPr>
+          <a:xfrm>
+            <a:off x="4574326" y="7543800"/>
+            <a:ext cx="0" cy="206528"/>
+          </a:xfrm>
+          <a:prstGeom prst="line">
+            <a:avLst/>
+          </a:prstGeom>
+          <a:ln w="28575">
+            <a:solidFill>
+              <a:schemeClr val="tx1">
+                <a:lumMod val="50000"/>
+                <a:lumOff val="50000"/>
+              </a:schemeClr>
+            </a:solidFill>
+            <a:prstDash val="sysDash"/>
+            <a:headEnd type="none" w="med" len="med"/>
+            <a:tailEnd type="arrow" w="med" len="med"/>
+          </a:ln>
+        </p:spPr>
+        <p:style>
+          <a:lnRef idx="1">
+            <a:schemeClr val="accent1"/>
+          </a:lnRef>
+          <a:fillRef idx="0">
+            <a:schemeClr val="accent1"/>
+          </a:fillRef>
+          <a:effectRef idx="0">
+            <a:schemeClr val="accent1"/>
+          </a:effectRef>
+          <a:fontRef idx="minor">
+            <a:schemeClr val="tx1"/>
+          </a:fontRef>
+        </p:style>
+      </p:cxnSp>
+      <p:cxnSp>
+        <p:nvCxnSpPr>
+          <p:cNvPr id="30" name="Straight Connector 29">
+            <a:extLst>
+              <a:ext uri="{FF2B5EF4-FFF2-40B4-BE49-F238E27FC236}">
+                <a16:creationId xmlns:a16="http://schemas.microsoft.com/office/drawing/2014/main" id="{CA63307A-AB0B-804D-ACEB-3662861BAEA5}"/>
+              </a:ext>
+            </a:extLst>
+          </p:cNvPr>
+          <p:cNvCxnSpPr>
+            <a:cxnSpLocks/>
+          </p:cNvCxnSpPr>
+          <p:nvPr/>
+        </p:nvCxnSpPr>
+        <p:spPr>
+          <a:xfrm>
+            <a:off x="6226628" y="7543800"/>
+            <a:ext cx="0" cy="1545771"/>
+          </a:xfrm>
+          <a:prstGeom prst="line">
+            <a:avLst/>
+          </a:prstGeom>
+          <a:ln w="28575">
+            <a:solidFill>
+              <a:schemeClr val="tx1">
+                <a:lumMod val="50000"/>
+                <a:lumOff val="50000"/>
+              </a:schemeClr>
+            </a:solidFill>
+            <a:prstDash val="sysDash"/>
+            <a:headEnd type="none" w="med" len="med"/>
+            <a:tailEnd type="arrow" w="med" len="med"/>
+          </a:ln>
+        </p:spPr>
+        <p:style>
+          <a:lnRef idx="1">
+            <a:schemeClr val="accent1"/>
+          </a:lnRef>
+          <a:fillRef idx="0">
+            <a:schemeClr val="accent1"/>
+          </a:fillRef>
+          <a:effectRef idx="0">
+            <a:schemeClr val="accent1"/>
+          </a:effectRef>
+          <a:fontRef idx="minor">
+            <a:schemeClr val="tx1"/>
+          </a:fontRef>
+        </p:style>
+      </p:cxnSp>
+      <p:sp>
+        <p:nvSpPr>
+          <p:cNvPr id="37" name="TextBox 36">
+            <a:extLst>
+              <a:ext uri="{FF2B5EF4-FFF2-40B4-BE49-F238E27FC236}">
+                <a16:creationId xmlns:a16="http://schemas.microsoft.com/office/drawing/2014/main" id="{8C252865-B2CD-0E49-B4FE-868D68753C4D}"/>
+              </a:ext>
+            </a:extLst>
+          </p:cNvPr>
+          <p:cNvSpPr txBox="1"/>
+          <p:nvPr/>
+        </p:nvSpPr>
+        <p:spPr>
+          <a:xfrm>
+            <a:off x="4393581" y="7186611"/>
+            <a:ext cx="2051824" cy="338554"/>
+          </a:xfrm>
+          <a:prstGeom prst="rect">
+            <a:avLst/>
+          </a:prstGeom>
+          <a:noFill/>
+        </p:spPr>
+        <p:txBody>
+          <a:bodyPr wrap="square" rtlCol="0">
+            <a:spAutoFit/>
+          </a:bodyPr>
+          <a:lstStyle/>
+          <a:p>
+            <a:pPr algn="ctr"/>
+            <a:r>
+              <a:rPr lang="en-US" sz="1600" dirty="0"/>
+              <a:t>Width of Phase Field</a:t>
+            </a:r>
+          </a:p>
+        </p:txBody>
+      </p:sp>
+      <p:pic>
+        <p:nvPicPr>
+          <p:cNvPr id="3" name="Picture 2" descr="Graphical user interface, application&#10;&#10;Description automatically generated">
+            <a:extLst>
+              <a:ext uri="{FF2B5EF4-FFF2-40B4-BE49-F238E27FC236}">
+                <a16:creationId xmlns:a16="http://schemas.microsoft.com/office/drawing/2014/main" id="{7B83DA35-441B-A843-A4AB-424EF9B7D628}"/>
+              </a:ext>
+            </a:extLst>
+          </p:cNvPr>
+          <p:cNvPicPr>
+            <a:picLocks noChangeAspect="1"/>
+          </p:cNvPicPr>
+          <p:nvPr/>
+        </p:nvPicPr>
+        <p:blipFill rotWithShape="1">
+          <a:blip r:embed="rId5"/>
+          <a:srcRect t="9052" b="45265"/>
+          <a:stretch/>
+        </p:blipFill>
+        <p:spPr>
+          <a:xfrm>
+            <a:off x="6858000" y="5569389"/>
+            <a:ext cx="5664200" cy="1177768"/>
+          </a:xfrm>
+          <a:prstGeom prst="rect">
+            <a:avLst/>
+          </a:prstGeom>
+        </p:spPr>
+      </p:pic>
+      <p:pic>
+        <p:nvPicPr>
+          <p:cNvPr id="5" name="Picture 4" descr="Graphical user interface, application, background pattern&#10;&#10;Description automatically generated">
+            <a:extLst>
+              <a:ext uri="{FF2B5EF4-FFF2-40B4-BE49-F238E27FC236}">
+                <a16:creationId xmlns:a16="http://schemas.microsoft.com/office/drawing/2014/main" id="{BD92A362-AC99-D745-8D24-2414FDDAB832}"/>
+              </a:ext>
+            </a:extLst>
+          </p:cNvPr>
+          <p:cNvPicPr>
+            <a:picLocks noChangeAspect="1"/>
+          </p:cNvPicPr>
+          <p:nvPr/>
+        </p:nvPicPr>
+        <p:blipFill rotWithShape="1">
+          <a:blip r:embed="rId6"/>
+          <a:srcRect t="9051" b="45265"/>
+          <a:stretch/>
+        </p:blipFill>
+        <p:spPr>
+          <a:xfrm>
+            <a:off x="6849300" y="6746252"/>
+            <a:ext cx="5672900" cy="1179576"/>
+          </a:xfrm>
+          <a:prstGeom prst="rect">
+            <a:avLst/>
+          </a:prstGeom>
+        </p:spPr>
+      </p:pic>
+      <p:pic>
+        <p:nvPicPr>
+          <p:cNvPr id="8" name="Picture 7" descr="Application&#10;&#10;Description automatically generated with low confidence">
+            <a:extLst>
+              <a:ext uri="{FF2B5EF4-FFF2-40B4-BE49-F238E27FC236}">
+                <a16:creationId xmlns:a16="http://schemas.microsoft.com/office/drawing/2014/main" id="{CEFFC43C-ACD3-D840-9B5C-3DF81FBD6E6B}"/>
+              </a:ext>
+            </a:extLst>
+          </p:cNvPr>
+          <p:cNvPicPr>
+            <a:picLocks noChangeAspect="1"/>
+          </p:cNvPicPr>
+          <p:nvPr/>
+        </p:nvPicPr>
+        <p:blipFill rotWithShape="1">
+          <a:blip r:embed="rId7"/>
+          <a:srcRect t="9053" b="46797"/>
+          <a:stretch/>
+        </p:blipFill>
+        <p:spPr>
+          <a:xfrm>
+            <a:off x="6849300" y="8157864"/>
+            <a:ext cx="5664200" cy="1138234"/>
+          </a:xfrm>
+          <a:prstGeom prst="rect">
+            <a:avLst/>
+          </a:prstGeom>
+        </p:spPr>
+      </p:pic>
+      <p:pic>
+        <p:nvPicPr>
+          <p:cNvPr id="11" name="Picture 10" descr="Graphical user interface, text, application&#10;&#10;Description automatically generated">
+            <a:extLst>
+              <a:ext uri="{FF2B5EF4-FFF2-40B4-BE49-F238E27FC236}">
+                <a16:creationId xmlns:a16="http://schemas.microsoft.com/office/drawing/2014/main" id="{D5DD54E6-29B9-E641-8B72-3F18DBDC7CD7}"/>
+              </a:ext>
+            </a:extLst>
+          </p:cNvPr>
+          <p:cNvPicPr>
+            <a:picLocks noChangeAspect="1"/>
+          </p:cNvPicPr>
+          <p:nvPr/>
+        </p:nvPicPr>
+        <p:blipFill rotWithShape="1">
+          <a:blip r:embed="rId8"/>
+          <a:srcRect t="9052" b="45265"/>
+          <a:stretch/>
+        </p:blipFill>
+        <p:spPr>
+          <a:xfrm>
+            <a:off x="6858000" y="9296098"/>
+            <a:ext cx="5664200" cy="1177765"/>
+          </a:xfrm>
+          <a:prstGeom prst="rect">
+            <a:avLst/>
+          </a:prstGeom>
+        </p:spPr>
+      </p:pic>
+      <p:pic>
+        <p:nvPicPr>
+          <p:cNvPr id="25" name="Picture 24" descr="A picture containing icon&#10;&#10;Description automatically generated">
+            <a:extLst>
+              <a:ext uri="{FF2B5EF4-FFF2-40B4-BE49-F238E27FC236}">
+                <a16:creationId xmlns:a16="http://schemas.microsoft.com/office/drawing/2014/main" id="{B1501931-193C-5E45-9A49-99894587B06B}"/>
+              </a:ext>
+            </a:extLst>
+          </p:cNvPr>
+          <p:cNvPicPr>
+            <a:picLocks noChangeAspect="1"/>
+          </p:cNvPicPr>
+          <p:nvPr/>
+        </p:nvPicPr>
+        <p:blipFill rotWithShape="1">
+          <a:blip r:embed="rId9"/>
+          <a:srcRect l="2941" t="3713" r="19546" b="31335"/>
+          <a:stretch/>
+        </p:blipFill>
+        <p:spPr>
+          <a:xfrm>
+            <a:off x="7053768" y="2706175"/>
+            <a:ext cx="4921418" cy="2224035"/>
+          </a:xfrm>
+          <a:prstGeom prst="rect">
+            <a:avLst/>
+          </a:prstGeom>
+        </p:spPr>
+      </p:pic>
+      <p:pic>
+        <p:nvPicPr>
+          <p:cNvPr id="26" name="Picture 25" descr="Icon&#10;&#10;Description automatically generated with medium confidence">
+            <a:extLst>
+              <a:ext uri="{FF2B5EF4-FFF2-40B4-BE49-F238E27FC236}">
+                <a16:creationId xmlns:a16="http://schemas.microsoft.com/office/drawing/2014/main" id="{C329B863-7D82-D94D-9955-DA203146081F}"/>
+              </a:ext>
+            </a:extLst>
+          </p:cNvPr>
+          <p:cNvPicPr>
+            <a:picLocks noChangeAspect="1"/>
+          </p:cNvPicPr>
+          <p:nvPr/>
+        </p:nvPicPr>
+        <p:blipFill rotWithShape="1">
+          <a:blip r:embed="rId10"/>
+          <a:srcRect l="75661" t="60743"/>
+          <a:stretch/>
+        </p:blipFill>
+        <p:spPr>
+          <a:xfrm>
+            <a:off x="11925878" y="2862090"/>
+            <a:ext cx="1249646" cy="1944050"/>
+          </a:xfrm>
+          <a:prstGeom prst="rect">
+            <a:avLst/>
+          </a:prstGeom>
+        </p:spPr>
+      </p:pic>
+      <p:pic>
+        <p:nvPicPr>
+          <p:cNvPr id="27" name="Picture 26" descr="Graphical user interface, application&#10;&#10;Description automatically generated">
+            <a:extLst>
+              <a:ext uri="{FF2B5EF4-FFF2-40B4-BE49-F238E27FC236}">
+                <a16:creationId xmlns:a16="http://schemas.microsoft.com/office/drawing/2014/main" id="{5D0FB261-B384-3E42-8349-503CABFE7BDD}"/>
+              </a:ext>
+            </a:extLst>
+          </p:cNvPr>
+          <p:cNvPicPr>
+            <a:picLocks noChangeAspect="1"/>
+          </p:cNvPicPr>
+          <p:nvPr/>
+        </p:nvPicPr>
+        <p:blipFill rotWithShape="1">
+          <a:blip r:embed="rId5"/>
+          <a:srcRect l="85907" t="59823" r="2744" b="-400"/>
+          <a:stretch/>
+        </p:blipFill>
+        <p:spPr>
+          <a:xfrm>
+            <a:off x="12522200" y="5569389"/>
+            <a:ext cx="759033" cy="1235174"/>
+          </a:xfrm>
+          <a:prstGeom prst="rect">
+            <a:avLst/>
+          </a:prstGeom>
+        </p:spPr>
+      </p:pic>
+      <p:pic>
+        <p:nvPicPr>
+          <p:cNvPr id="29" name="Picture 28" descr="Graphical user interface, application, background pattern&#10;&#10;Description automatically generated">
+            <a:extLst>
+              <a:ext uri="{FF2B5EF4-FFF2-40B4-BE49-F238E27FC236}">
+                <a16:creationId xmlns:a16="http://schemas.microsoft.com/office/drawing/2014/main" id="{244C6139-13EE-B141-9E1B-56E4E084F15D}"/>
+              </a:ext>
+            </a:extLst>
+          </p:cNvPr>
+          <p:cNvPicPr>
+            <a:picLocks noChangeAspect="1"/>
+          </p:cNvPicPr>
+          <p:nvPr/>
+        </p:nvPicPr>
+        <p:blipFill rotWithShape="1">
+          <a:blip r:embed="rId6"/>
+          <a:srcRect l="85321" t="58909" r="2523" b="-39"/>
+          <a:stretch/>
+        </p:blipFill>
+        <p:spPr>
+          <a:xfrm>
+            <a:off x="12522200" y="6747157"/>
+            <a:ext cx="759033" cy="1168888"/>
+          </a:xfrm>
+          <a:prstGeom prst="rect">
+            <a:avLst/>
+          </a:prstGeom>
+        </p:spPr>
+      </p:pic>
+      <p:pic>
+        <p:nvPicPr>
+          <p:cNvPr id="31" name="Picture 30" descr="Application&#10;&#10;Description automatically generated with low confidence">
+            <a:extLst>
+              <a:ext uri="{FF2B5EF4-FFF2-40B4-BE49-F238E27FC236}">
+                <a16:creationId xmlns:a16="http://schemas.microsoft.com/office/drawing/2014/main" id="{D820BD89-895E-CF45-A2FE-78940E7CB743}"/>
+              </a:ext>
+            </a:extLst>
+          </p:cNvPr>
+          <p:cNvPicPr>
+            <a:picLocks noChangeAspect="1"/>
+          </p:cNvPicPr>
+          <p:nvPr/>
+        </p:nvPicPr>
+        <p:blipFill rotWithShape="1">
+          <a:blip r:embed="rId7"/>
+          <a:srcRect l="85395" t="60073" r="2445" b="-824"/>
+          <a:stretch/>
+        </p:blipFill>
+        <p:spPr>
+          <a:xfrm>
+            <a:off x="12513500" y="8155832"/>
+            <a:ext cx="759033" cy="1157741"/>
+          </a:xfrm>
+          <a:prstGeom prst="rect">
+            <a:avLst/>
+          </a:prstGeom>
+        </p:spPr>
+      </p:pic>
+      <p:pic>
+        <p:nvPicPr>
+          <p:cNvPr id="32" name="Picture 31" descr="Graphical user interface, text, application&#10;&#10;Description automatically generated">
+            <a:extLst>
+              <a:ext uri="{FF2B5EF4-FFF2-40B4-BE49-F238E27FC236}">
+                <a16:creationId xmlns:a16="http://schemas.microsoft.com/office/drawing/2014/main" id="{537DC92E-D5C7-524A-ABCF-F4D1D34E8241}"/>
+              </a:ext>
+            </a:extLst>
+          </p:cNvPr>
+          <p:cNvPicPr>
+            <a:picLocks noChangeAspect="1"/>
+          </p:cNvPicPr>
+          <p:nvPr/>
+        </p:nvPicPr>
+        <p:blipFill rotWithShape="1">
+          <a:blip r:embed="rId8"/>
+          <a:srcRect l="85906" t="60120" r="2341" b="-115"/>
+          <a:stretch/>
+        </p:blipFill>
+        <p:spPr>
+          <a:xfrm>
+            <a:off x="12522200" y="9296098"/>
+            <a:ext cx="759033" cy="1175733"/>
+          </a:xfrm>
+          <a:prstGeom prst="rect">
+            <a:avLst/>
+          </a:prstGeom>
+        </p:spPr>
+      </p:pic>
+    </p:spTree>
+    <p:extLst>
+      <p:ext uri="{BB962C8B-B14F-4D97-AF65-F5344CB8AC3E}">
+        <p14:creationId xmlns:p14="http://schemas.microsoft.com/office/powerpoint/2010/main" val="323094855"/>
+      </p:ext>
+    </p:extLst>
+  </p:cSld>
+  <p:clrMapOvr>
+    <a:masterClrMapping/>
+  </p:clrMapOvr>
+</p:sld>
+</file>
+
+<file path=ppt/slides/slide6.xml><?xml version="1.0" encoding="utf-8"?>
+<p:sld xmlns:a="http://schemas.openxmlformats.org/drawingml/2006/main" xmlns:r="http://schemas.openxmlformats.org/officeDocument/2006/relationships" xmlns:p="http://schemas.openxmlformats.org/presentationml/2006/main">
+  <p:cSld>
+    <p:spTree>
+      <p:nvGrpSpPr>
+        <p:cNvPr id="1" name=""/>
+        <p:cNvGrpSpPr/>
+        <p:nvPr/>
+      </p:nvGrpSpPr>
+      <p:grpSpPr>
+        <a:xfrm>
+          <a:off x="0" y="0"/>
+          <a:ext cx="0" cy="0"/>
+          <a:chOff x="0" y="0"/>
+          <a:chExt cx="0" cy="0"/>
+        </a:xfrm>
+      </p:grpSpPr>
+      <p:pic>
+        <p:nvPicPr>
+          <p:cNvPr id="10" name="Picture 9" descr="Chart, diagram&#10;&#10;Description automatically generated">
+            <a:extLst>
+              <a:ext uri="{FF2B5EF4-FFF2-40B4-BE49-F238E27FC236}">
+                <a16:creationId xmlns:a16="http://schemas.microsoft.com/office/drawing/2014/main" id="{2D836D4F-E2AC-BE41-B13E-F4D6EE958CB1}"/>
+              </a:ext>
+            </a:extLst>
+          </p:cNvPr>
+          <p:cNvPicPr>
+            <a:picLocks noChangeAspect="1"/>
+          </p:cNvPicPr>
+          <p:nvPr/>
+        </p:nvPicPr>
+        <p:blipFill>
+          <a:blip r:embed="rId3"/>
+          <a:stretch>
+            <a:fillRect/>
+          </a:stretch>
+        </p:blipFill>
+        <p:spPr>
+          <a:xfrm>
+            <a:off x="318702" y="5569389"/>
+            <a:ext cx="6539298" cy="4904474"/>
+          </a:xfrm>
+          <a:prstGeom prst="rect">
+            <a:avLst/>
+          </a:prstGeom>
+        </p:spPr>
+      </p:pic>
+      <p:pic>
+        <p:nvPicPr>
+          <p:cNvPr id="7" name="Picture 6" descr="A picture containing antenna&#10;&#10;Description automatically generated">
+            <a:extLst>
+              <a:ext uri="{FF2B5EF4-FFF2-40B4-BE49-F238E27FC236}">
+                <a16:creationId xmlns:a16="http://schemas.microsoft.com/office/drawing/2014/main" id="{FDB27B41-A099-404D-987C-08CDFE618B2A}"/>
+              </a:ext>
+            </a:extLst>
+          </p:cNvPr>
+          <p:cNvPicPr>
+            <a:picLocks noChangeAspect="1"/>
+          </p:cNvPicPr>
+          <p:nvPr/>
+        </p:nvPicPr>
+        <p:blipFill rotWithShape="1">
+          <a:blip r:embed="rId4"/>
+          <a:srcRect t="4612" b="5107"/>
+          <a:stretch/>
+        </p:blipFill>
+        <p:spPr>
+          <a:xfrm>
+            <a:off x="965870" y="2639327"/>
+            <a:ext cx="5903016" cy="2895398"/>
+          </a:xfrm>
+          <a:prstGeom prst="rect">
+            <a:avLst/>
+          </a:prstGeom>
+        </p:spPr>
+      </p:pic>
+      <p:cxnSp>
+        <p:nvCxnSpPr>
+          <p:cNvPr id="24" name="Straight Connector 23">
+            <a:extLst>
+              <a:ext uri="{FF2B5EF4-FFF2-40B4-BE49-F238E27FC236}">
+                <a16:creationId xmlns:a16="http://schemas.microsoft.com/office/drawing/2014/main" id="{E660F277-11FF-2046-9954-59008633935C}"/>
+              </a:ext>
+            </a:extLst>
+          </p:cNvPr>
+          <p:cNvCxnSpPr>
+            <a:cxnSpLocks/>
+          </p:cNvCxnSpPr>
+          <p:nvPr/>
+        </p:nvCxnSpPr>
+        <p:spPr>
+          <a:xfrm>
+            <a:off x="4574326" y="7543800"/>
+            <a:ext cx="1674074" cy="0"/>
+          </a:xfrm>
+          <a:prstGeom prst="line">
+            <a:avLst/>
+          </a:prstGeom>
+          <a:ln w="28575">
+            <a:solidFill>
+              <a:schemeClr val="tx1">
+                <a:lumMod val="50000"/>
+                <a:lumOff val="50000"/>
+              </a:schemeClr>
+            </a:solidFill>
+          </a:ln>
+        </p:spPr>
+        <p:style>
+          <a:lnRef idx="1">
+            <a:schemeClr val="accent1"/>
+          </a:lnRef>
+          <a:fillRef idx="0">
+            <a:schemeClr val="accent1"/>
+          </a:fillRef>
+          <a:effectRef idx="0">
+            <a:schemeClr val="accent1"/>
+          </a:effectRef>
+          <a:fontRef idx="minor">
+            <a:schemeClr val="tx1"/>
+          </a:fontRef>
+        </p:style>
+      </p:cxnSp>
+      <p:cxnSp>
+        <p:nvCxnSpPr>
+          <p:cNvPr id="28" name="Straight Connector 27">
+            <a:extLst>
+              <a:ext uri="{FF2B5EF4-FFF2-40B4-BE49-F238E27FC236}">
+                <a16:creationId xmlns:a16="http://schemas.microsoft.com/office/drawing/2014/main" id="{266706DE-0CCF-C649-B9B2-FD1E55DDF073}"/>
+              </a:ext>
+            </a:extLst>
+          </p:cNvPr>
+          <p:cNvCxnSpPr>
+            <a:cxnSpLocks/>
+          </p:cNvCxnSpPr>
+          <p:nvPr/>
+        </p:nvCxnSpPr>
+        <p:spPr>
+          <a:xfrm>
+            <a:off x="4574326" y="7543800"/>
+            <a:ext cx="0" cy="206528"/>
+          </a:xfrm>
+          <a:prstGeom prst="line">
+            <a:avLst/>
+          </a:prstGeom>
+          <a:ln w="28575">
+            <a:solidFill>
+              <a:schemeClr val="tx1">
+                <a:lumMod val="50000"/>
+                <a:lumOff val="50000"/>
+              </a:schemeClr>
+            </a:solidFill>
+            <a:prstDash val="sysDash"/>
+            <a:headEnd type="none" w="med" len="med"/>
+            <a:tailEnd type="arrow" w="med" len="med"/>
+          </a:ln>
+        </p:spPr>
+        <p:style>
+          <a:lnRef idx="1">
+            <a:schemeClr val="accent1"/>
+          </a:lnRef>
+          <a:fillRef idx="0">
+            <a:schemeClr val="accent1"/>
+          </a:fillRef>
+          <a:effectRef idx="0">
+            <a:schemeClr val="accent1"/>
+          </a:effectRef>
+          <a:fontRef idx="minor">
+            <a:schemeClr val="tx1"/>
+          </a:fontRef>
+        </p:style>
+      </p:cxnSp>
+      <p:cxnSp>
+        <p:nvCxnSpPr>
+          <p:cNvPr id="30" name="Straight Connector 29">
+            <a:extLst>
+              <a:ext uri="{FF2B5EF4-FFF2-40B4-BE49-F238E27FC236}">
+                <a16:creationId xmlns:a16="http://schemas.microsoft.com/office/drawing/2014/main" id="{CA63307A-AB0B-804D-ACEB-3662861BAEA5}"/>
+              </a:ext>
+            </a:extLst>
+          </p:cNvPr>
+          <p:cNvCxnSpPr>
+            <a:cxnSpLocks/>
+          </p:cNvCxnSpPr>
+          <p:nvPr/>
+        </p:nvCxnSpPr>
+        <p:spPr>
+          <a:xfrm>
+            <a:off x="6226628" y="7543800"/>
+            <a:ext cx="0" cy="1545771"/>
+          </a:xfrm>
+          <a:prstGeom prst="line">
+            <a:avLst/>
+          </a:prstGeom>
+          <a:ln w="28575">
+            <a:solidFill>
+              <a:schemeClr val="tx1">
+                <a:lumMod val="50000"/>
+                <a:lumOff val="50000"/>
+              </a:schemeClr>
+            </a:solidFill>
+            <a:prstDash val="sysDash"/>
+            <a:headEnd type="none" w="med" len="med"/>
+            <a:tailEnd type="arrow" w="med" len="med"/>
+          </a:ln>
+        </p:spPr>
+        <p:style>
+          <a:lnRef idx="1">
+            <a:schemeClr val="accent1"/>
+          </a:lnRef>
+          <a:fillRef idx="0">
+            <a:schemeClr val="accent1"/>
+          </a:fillRef>
+          <a:effectRef idx="0">
+            <a:schemeClr val="accent1"/>
+          </a:effectRef>
+          <a:fontRef idx="minor">
+            <a:schemeClr val="tx1"/>
+          </a:fontRef>
+        </p:style>
+      </p:cxnSp>
+      <p:sp>
+        <p:nvSpPr>
+          <p:cNvPr id="37" name="TextBox 36">
+            <a:extLst>
+              <a:ext uri="{FF2B5EF4-FFF2-40B4-BE49-F238E27FC236}">
+                <a16:creationId xmlns:a16="http://schemas.microsoft.com/office/drawing/2014/main" id="{8C252865-B2CD-0E49-B4FE-868D68753C4D}"/>
+              </a:ext>
+            </a:extLst>
+          </p:cNvPr>
+          <p:cNvSpPr txBox="1"/>
+          <p:nvPr/>
+        </p:nvSpPr>
+        <p:spPr>
+          <a:xfrm>
+            <a:off x="4393581" y="7186611"/>
+            <a:ext cx="2051824" cy="338554"/>
+          </a:xfrm>
+          <a:prstGeom prst="rect">
+            <a:avLst/>
+          </a:prstGeom>
+          <a:noFill/>
+        </p:spPr>
+        <p:txBody>
+          <a:bodyPr wrap="square" rtlCol="0">
+            <a:spAutoFit/>
+          </a:bodyPr>
+          <a:lstStyle/>
+          <a:p>
+            <a:pPr algn="ctr"/>
+            <a:r>
+              <a:rPr lang="en-US" sz="1600" dirty="0"/>
+              <a:t>Width of Phase Field</a:t>
+            </a:r>
+          </a:p>
+        </p:txBody>
+      </p:sp>
+      <p:pic>
+        <p:nvPicPr>
+          <p:cNvPr id="25" name="Picture 24" descr="A picture containing icon&#10;&#10;Description automatically generated">
+            <a:extLst>
+              <a:ext uri="{FF2B5EF4-FFF2-40B4-BE49-F238E27FC236}">
+                <a16:creationId xmlns:a16="http://schemas.microsoft.com/office/drawing/2014/main" id="{B1501931-193C-5E45-9A49-99894587B06B}"/>
+              </a:ext>
+            </a:extLst>
+          </p:cNvPr>
+          <p:cNvPicPr>
+            <a:picLocks noChangeAspect="1"/>
+          </p:cNvPicPr>
+          <p:nvPr/>
+        </p:nvPicPr>
+        <p:blipFill rotWithShape="1">
+          <a:blip r:embed="rId5"/>
+          <a:srcRect l="2941" t="3713" r="19546" b="31335"/>
+          <a:stretch/>
+        </p:blipFill>
+        <p:spPr>
+          <a:xfrm>
+            <a:off x="6971718" y="2296782"/>
+            <a:ext cx="3736121" cy="1688388"/>
+          </a:xfrm>
+          <a:prstGeom prst="rect">
+            <a:avLst/>
+          </a:prstGeom>
+        </p:spPr>
+      </p:pic>
+      <p:pic>
+        <p:nvPicPr>
+          <p:cNvPr id="26" name="Picture 25" descr="Icon&#10;&#10;Description automatically generated with medium confidence">
+            <a:extLst>
+              <a:ext uri="{FF2B5EF4-FFF2-40B4-BE49-F238E27FC236}">
+                <a16:creationId xmlns:a16="http://schemas.microsoft.com/office/drawing/2014/main" id="{C329B863-7D82-D94D-9955-DA203146081F}"/>
+              </a:ext>
+            </a:extLst>
+          </p:cNvPr>
+          <p:cNvPicPr>
+            <a:picLocks noChangeAspect="1"/>
+          </p:cNvPicPr>
+          <p:nvPr/>
+        </p:nvPicPr>
+        <p:blipFill rotWithShape="1">
+          <a:blip r:embed="rId6"/>
+          <a:srcRect l="75661" t="60743"/>
+          <a:stretch/>
+        </p:blipFill>
+        <p:spPr>
+          <a:xfrm>
+            <a:off x="10747351" y="2460174"/>
+            <a:ext cx="980276" cy="1524996"/>
+          </a:xfrm>
+          <a:prstGeom prst="rect">
+            <a:avLst/>
+          </a:prstGeom>
+        </p:spPr>
+      </p:pic>
+      <p:pic>
+        <p:nvPicPr>
+          <p:cNvPr id="18" name="Picture 17" descr="A picture containing graphical user interface&#10;&#10;Description automatically generated">
+            <a:extLst>
+              <a:ext uri="{FF2B5EF4-FFF2-40B4-BE49-F238E27FC236}">
+                <a16:creationId xmlns:a16="http://schemas.microsoft.com/office/drawing/2014/main" id="{D0CEDA68-F581-4D46-AD71-5460F5F631AA}"/>
+              </a:ext>
+            </a:extLst>
+          </p:cNvPr>
+          <p:cNvPicPr>
+            <a:picLocks noChangeAspect="1"/>
+          </p:cNvPicPr>
+          <p:nvPr/>
+        </p:nvPicPr>
+        <p:blipFill rotWithShape="1">
+          <a:blip r:embed="rId7"/>
+          <a:srcRect l="3338" r="14175" b="21577"/>
+          <a:stretch/>
+        </p:blipFill>
+        <p:spPr>
+          <a:xfrm>
+            <a:off x="6971718" y="4173023"/>
+            <a:ext cx="3629248" cy="1570498"/>
+          </a:xfrm>
+          <a:prstGeom prst="rect">
+            <a:avLst/>
+          </a:prstGeom>
+        </p:spPr>
+      </p:pic>
+      <p:pic>
+        <p:nvPicPr>
+          <p:cNvPr id="19" name="Picture 18" descr="Background pattern&#10;&#10;Description automatically generated">
+            <a:extLst>
+              <a:ext uri="{FF2B5EF4-FFF2-40B4-BE49-F238E27FC236}">
+                <a16:creationId xmlns:a16="http://schemas.microsoft.com/office/drawing/2014/main" id="{A28EAD3B-E36B-4E40-9F97-6B1710A14240}"/>
+              </a:ext>
+            </a:extLst>
+          </p:cNvPr>
+          <p:cNvPicPr>
+            <a:picLocks noChangeAspect="1"/>
+          </p:cNvPicPr>
+          <p:nvPr/>
+        </p:nvPicPr>
+        <p:blipFill rotWithShape="1">
+          <a:blip r:embed="rId8"/>
+          <a:srcRect l="3339" r="14174" b="21577"/>
+          <a:stretch/>
+        </p:blipFill>
+        <p:spPr>
+          <a:xfrm>
+            <a:off x="6971718" y="5748233"/>
+            <a:ext cx="3640135" cy="1575210"/>
+          </a:xfrm>
+          <a:prstGeom prst="rect">
+            <a:avLst/>
+          </a:prstGeom>
+        </p:spPr>
+      </p:pic>
+      <p:pic>
+        <p:nvPicPr>
+          <p:cNvPr id="20" name="Picture 19" descr="A screen shot of a computer&#10;&#10;Description automatically generated with low confidence">
+            <a:extLst>
+              <a:ext uri="{FF2B5EF4-FFF2-40B4-BE49-F238E27FC236}">
+                <a16:creationId xmlns:a16="http://schemas.microsoft.com/office/drawing/2014/main" id="{18F90C46-483C-6241-8C26-F30BD5220B18}"/>
+              </a:ext>
+            </a:extLst>
+          </p:cNvPr>
+          <p:cNvPicPr>
+            <a:picLocks noChangeAspect="1"/>
+          </p:cNvPicPr>
+          <p:nvPr/>
+        </p:nvPicPr>
+        <p:blipFill rotWithShape="1">
+          <a:blip r:embed="rId9"/>
+          <a:srcRect l="3339" r="14174" b="21577"/>
+          <a:stretch/>
+        </p:blipFill>
+        <p:spPr>
+          <a:xfrm>
+            <a:off x="6971718" y="7323443"/>
+            <a:ext cx="3640135" cy="1575210"/>
+          </a:xfrm>
+          <a:prstGeom prst="rect">
+            <a:avLst/>
+          </a:prstGeom>
+        </p:spPr>
+      </p:pic>
+      <p:pic>
+        <p:nvPicPr>
+          <p:cNvPr id="21" name="Picture 20" descr="Shape&#10;&#10;Description automatically generated">
+            <a:extLst>
+              <a:ext uri="{FF2B5EF4-FFF2-40B4-BE49-F238E27FC236}">
+                <a16:creationId xmlns:a16="http://schemas.microsoft.com/office/drawing/2014/main" id="{C31C4D7D-0250-AB46-BE33-65E85CF2ADCA}"/>
+              </a:ext>
+            </a:extLst>
+          </p:cNvPr>
+          <p:cNvPicPr>
+            <a:picLocks noChangeAspect="1"/>
+          </p:cNvPicPr>
+          <p:nvPr/>
+        </p:nvPicPr>
+        <p:blipFill rotWithShape="1">
+          <a:blip r:embed="rId10"/>
+          <a:srcRect l="3338" r="14175" b="21577"/>
+          <a:stretch/>
+        </p:blipFill>
+        <p:spPr>
+          <a:xfrm>
+            <a:off x="6982606" y="8898653"/>
+            <a:ext cx="3640139" cy="1575210"/>
+          </a:xfrm>
+          <a:prstGeom prst="rect">
+            <a:avLst/>
+          </a:prstGeom>
+        </p:spPr>
+      </p:pic>
+      <p:pic>
+        <p:nvPicPr>
+          <p:cNvPr id="22" name="Picture 21" descr="A picture containing graphical user interface&#10;&#10;Description automatically generated">
+            <a:extLst>
+              <a:ext uri="{FF2B5EF4-FFF2-40B4-BE49-F238E27FC236}">
+                <a16:creationId xmlns:a16="http://schemas.microsoft.com/office/drawing/2014/main" id="{CE12A2F7-1AFE-364C-826C-1F725FB9277F}"/>
+              </a:ext>
+            </a:extLst>
+          </p:cNvPr>
+          <p:cNvPicPr>
+            <a:picLocks noChangeAspect="1"/>
+          </p:cNvPicPr>
+          <p:nvPr/>
+        </p:nvPicPr>
+        <p:blipFill rotWithShape="1">
+          <a:blip r:embed="rId7"/>
+          <a:srcRect l="86157" t="60932" r="2470"/>
+          <a:stretch/>
+        </p:blipFill>
+        <p:spPr>
+          <a:xfrm>
+            <a:off x="10751610" y="4173023"/>
+            <a:ext cx="980276" cy="1532619"/>
+          </a:xfrm>
+          <a:prstGeom prst="rect">
+            <a:avLst/>
+          </a:prstGeom>
+        </p:spPr>
+      </p:pic>
+      <p:pic>
+        <p:nvPicPr>
+          <p:cNvPr id="23" name="Picture 22" descr="Background pattern&#10;&#10;Description automatically generated">
+            <a:extLst>
+              <a:ext uri="{FF2B5EF4-FFF2-40B4-BE49-F238E27FC236}">
+                <a16:creationId xmlns:a16="http://schemas.microsoft.com/office/drawing/2014/main" id="{EE443CB3-8267-2E41-A74F-6297FC265FF5}"/>
+              </a:ext>
+            </a:extLst>
+          </p:cNvPr>
+          <p:cNvPicPr>
+            <a:picLocks noChangeAspect="1"/>
+          </p:cNvPicPr>
+          <p:nvPr/>
+        </p:nvPicPr>
+        <p:blipFill rotWithShape="1">
+          <a:blip r:embed="rId8"/>
+          <a:srcRect l="86157" t="60932" r="2470"/>
+          <a:stretch/>
+        </p:blipFill>
+        <p:spPr>
+          <a:xfrm>
+            <a:off x="10751609" y="5790823"/>
+            <a:ext cx="980277" cy="1532619"/>
+          </a:xfrm>
+          <a:prstGeom prst="rect">
+            <a:avLst/>
+          </a:prstGeom>
+        </p:spPr>
+      </p:pic>
+      <p:pic>
+        <p:nvPicPr>
+          <p:cNvPr id="33" name="Picture 32" descr="A screen shot of a computer&#10;&#10;Description automatically generated with low confidence">
+            <a:extLst>
+              <a:ext uri="{FF2B5EF4-FFF2-40B4-BE49-F238E27FC236}">
+                <a16:creationId xmlns:a16="http://schemas.microsoft.com/office/drawing/2014/main" id="{A3918B7E-214F-5140-9DED-A2AF2E34CB41}"/>
+              </a:ext>
+            </a:extLst>
+          </p:cNvPr>
+          <p:cNvPicPr>
+            <a:picLocks noChangeAspect="1"/>
+          </p:cNvPicPr>
+          <p:nvPr/>
+        </p:nvPicPr>
+        <p:blipFill rotWithShape="1">
+          <a:blip r:embed="rId9"/>
+          <a:srcRect l="86158" t="60932" r="2322"/>
+          <a:stretch/>
+        </p:blipFill>
+        <p:spPr>
+          <a:xfrm>
+            <a:off x="10747351" y="7366035"/>
+            <a:ext cx="992952" cy="1532618"/>
+          </a:xfrm>
+          <a:prstGeom prst="rect">
+            <a:avLst/>
+          </a:prstGeom>
+        </p:spPr>
+      </p:pic>
+      <p:pic>
+        <p:nvPicPr>
+          <p:cNvPr id="34" name="Picture 33" descr="Shape&#10;&#10;Description automatically generated">
+            <a:extLst>
+              <a:ext uri="{FF2B5EF4-FFF2-40B4-BE49-F238E27FC236}">
+                <a16:creationId xmlns:a16="http://schemas.microsoft.com/office/drawing/2014/main" id="{AE8A5D2C-95A6-1A43-8784-5F51FF185117}"/>
+              </a:ext>
+            </a:extLst>
+          </p:cNvPr>
+          <p:cNvPicPr>
+            <a:picLocks noChangeAspect="1"/>
+          </p:cNvPicPr>
+          <p:nvPr/>
+        </p:nvPicPr>
+        <p:blipFill rotWithShape="1">
+          <a:blip r:embed="rId10"/>
+          <a:srcRect l="86157" t="60932" r="2470"/>
+          <a:stretch/>
+        </p:blipFill>
+        <p:spPr>
+          <a:xfrm>
+            <a:off x="10752031" y="8941241"/>
+            <a:ext cx="980276" cy="1532618"/>
+          </a:xfrm>
+          <a:prstGeom prst="rect">
+            <a:avLst/>
+          </a:prstGeom>
+        </p:spPr>
+      </p:pic>
+    </p:spTree>
+    <p:extLst>
+      <p:ext uri="{BB962C8B-B14F-4D97-AF65-F5344CB8AC3E}">
+        <p14:creationId xmlns:p14="http://schemas.microsoft.com/office/powerpoint/2010/main" val="3427799761"/>
+      </p:ext>
+    </p:extLst>
+  </p:cSld>
+  <p:clrMapOvr>
+    <a:masterClrMapping/>
+  </p:clrMapOvr>
+</p:sld>
+</file>
+
+<file path=ppt/slides/slide7.xml><?xml version="1.0" encoding="utf-8"?>
+<p:sld xmlns:a="http://schemas.openxmlformats.org/drawingml/2006/main" xmlns:r="http://schemas.openxmlformats.org/officeDocument/2006/relationships" xmlns:p="http://schemas.openxmlformats.org/presentationml/2006/main">
+  <p:cSld>
+    <p:spTree>
+      <p:nvGrpSpPr>
+        <p:cNvPr id="1" name=""/>
+        <p:cNvGrpSpPr/>
+        <p:nvPr/>
+      </p:nvGrpSpPr>
+      <p:grpSpPr>
+        <a:xfrm>
+          <a:off x="0" y="0"/>
+          <a:ext cx="0" cy="0"/>
+          <a:chOff x="0" y="0"/>
+          <a:chExt cx="0" cy="0"/>
+        </a:xfrm>
+      </p:grpSpPr>
+      <p:pic>
+        <p:nvPicPr>
+          <p:cNvPr id="10" name="Picture 9" descr="Chart, diagram&#10;&#10;Description automatically generated">
+            <a:extLst>
+              <a:ext uri="{FF2B5EF4-FFF2-40B4-BE49-F238E27FC236}">
+                <a16:creationId xmlns:a16="http://schemas.microsoft.com/office/drawing/2014/main" id="{2D836D4F-E2AC-BE41-B13E-F4D6EE958CB1}"/>
+              </a:ext>
+            </a:extLst>
+          </p:cNvPr>
+          <p:cNvPicPr>
+            <a:picLocks noChangeAspect="1"/>
+          </p:cNvPicPr>
+          <p:nvPr/>
+        </p:nvPicPr>
+        <p:blipFill>
+          <a:blip r:embed="rId3"/>
+          <a:stretch>
+            <a:fillRect/>
+          </a:stretch>
+        </p:blipFill>
+        <p:spPr>
+          <a:xfrm>
+            <a:off x="6755991" y="1796407"/>
+            <a:ext cx="6539298" cy="4904474"/>
+          </a:xfrm>
+          <a:prstGeom prst="rect">
+            <a:avLst/>
+          </a:prstGeom>
+        </p:spPr>
+      </p:pic>
+      <p:cxnSp>
+        <p:nvCxnSpPr>
+          <p:cNvPr id="24" name="Straight Connector 23">
+            <a:extLst>
+              <a:ext uri="{FF2B5EF4-FFF2-40B4-BE49-F238E27FC236}">
+                <a16:creationId xmlns:a16="http://schemas.microsoft.com/office/drawing/2014/main" id="{E660F277-11FF-2046-9954-59008633935C}"/>
+              </a:ext>
+            </a:extLst>
+          </p:cNvPr>
+          <p:cNvCxnSpPr>
+            <a:cxnSpLocks/>
+          </p:cNvCxnSpPr>
+          <p:nvPr/>
+        </p:nvCxnSpPr>
+        <p:spPr>
+          <a:xfrm>
+            <a:off x="10973503" y="3684248"/>
+            <a:ext cx="1674074" cy="0"/>
+          </a:xfrm>
+          <a:prstGeom prst="line">
+            <a:avLst/>
+          </a:prstGeom>
+          <a:ln w="28575">
+            <a:solidFill>
+              <a:schemeClr val="tx1">
+                <a:lumMod val="50000"/>
+                <a:lumOff val="50000"/>
+              </a:schemeClr>
+            </a:solidFill>
+          </a:ln>
+        </p:spPr>
+        <p:style>
+          <a:lnRef idx="1">
+            <a:schemeClr val="accent1"/>
+          </a:lnRef>
+          <a:fillRef idx="0">
+            <a:schemeClr val="accent1"/>
+          </a:fillRef>
+          <a:effectRef idx="0">
+            <a:schemeClr val="accent1"/>
+          </a:effectRef>
+          <a:fontRef idx="minor">
+            <a:schemeClr val="tx1"/>
+          </a:fontRef>
+        </p:style>
+      </p:cxnSp>
+      <p:cxnSp>
+        <p:nvCxnSpPr>
+          <p:cNvPr id="28" name="Straight Connector 27">
+            <a:extLst>
+              <a:ext uri="{FF2B5EF4-FFF2-40B4-BE49-F238E27FC236}">
+                <a16:creationId xmlns:a16="http://schemas.microsoft.com/office/drawing/2014/main" id="{266706DE-0CCF-C649-B9B2-FD1E55DDF073}"/>
+              </a:ext>
+            </a:extLst>
+          </p:cNvPr>
+          <p:cNvCxnSpPr>
+            <a:cxnSpLocks/>
+          </p:cNvCxnSpPr>
+          <p:nvPr/>
+        </p:nvCxnSpPr>
+        <p:spPr>
+          <a:xfrm>
+            <a:off x="10995275" y="3684248"/>
+            <a:ext cx="0" cy="206528"/>
+          </a:xfrm>
+          <a:prstGeom prst="line">
+            <a:avLst/>
+          </a:prstGeom>
+          <a:ln w="28575">
+            <a:solidFill>
+              <a:schemeClr val="tx1">
+                <a:lumMod val="50000"/>
+                <a:lumOff val="50000"/>
+              </a:schemeClr>
+            </a:solidFill>
+            <a:prstDash val="sysDash"/>
+            <a:headEnd type="none" w="med" len="med"/>
+            <a:tailEnd type="arrow" w="med" len="med"/>
+          </a:ln>
+        </p:spPr>
+        <p:style>
+          <a:lnRef idx="1">
+            <a:schemeClr val="accent1"/>
+          </a:lnRef>
+          <a:fillRef idx="0">
+            <a:schemeClr val="accent1"/>
+          </a:fillRef>
+          <a:effectRef idx="0">
+            <a:schemeClr val="accent1"/>
+          </a:effectRef>
+          <a:fontRef idx="minor">
+            <a:schemeClr val="tx1"/>
+          </a:fontRef>
+        </p:style>
+      </p:cxnSp>
+      <p:cxnSp>
+        <p:nvCxnSpPr>
+          <p:cNvPr id="30" name="Straight Connector 29">
+            <a:extLst>
+              <a:ext uri="{FF2B5EF4-FFF2-40B4-BE49-F238E27FC236}">
+                <a16:creationId xmlns:a16="http://schemas.microsoft.com/office/drawing/2014/main" id="{CA63307A-AB0B-804D-ACEB-3662861BAEA5}"/>
+              </a:ext>
+            </a:extLst>
+          </p:cNvPr>
+          <p:cNvCxnSpPr>
+            <a:cxnSpLocks/>
+          </p:cNvCxnSpPr>
+          <p:nvPr/>
+        </p:nvCxnSpPr>
+        <p:spPr>
+          <a:xfrm>
+            <a:off x="12647577" y="3684248"/>
+            <a:ext cx="0" cy="1545771"/>
+          </a:xfrm>
+          <a:prstGeom prst="line">
+            <a:avLst/>
+          </a:prstGeom>
+          <a:ln w="28575">
+            <a:solidFill>
+              <a:schemeClr val="tx1">
+                <a:lumMod val="50000"/>
+                <a:lumOff val="50000"/>
+              </a:schemeClr>
+            </a:solidFill>
+            <a:prstDash val="sysDash"/>
+            <a:headEnd type="none" w="med" len="med"/>
+            <a:tailEnd type="arrow" w="med" len="med"/>
+          </a:ln>
+        </p:spPr>
+        <p:style>
+          <a:lnRef idx="1">
+            <a:schemeClr val="accent1"/>
+          </a:lnRef>
+          <a:fillRef idx="0">
+            <a:schemeClr val="accent1"/>
+          </a:fillRef>
+          <a:effectRef idx="0">
+            <a:schemeClr val="accent1"/>
+          </a:effectRef>
+          <a:fontRef idx="minor">
+            <a:schemeClr val="tx1"/>
+          </a:fontRef>
+        </p:style>
+      </p:cxnSp>
+      <p:sp>
+        <p:nvSpPr>
+          <p:cNvPr id="37" name="TextBox 36">
+            <a:extLst>
+              <a:ext uri="{FF2B5EF4-FFF2-40B4-BE49-F238E27FC236}">
+                <a16:creationId xmlns:a16="http://schemas.microsoft.com/office/drawing/2014/main" id="{8C252865-B2CD-0E49-B4FE-868D68753C4D}"/>
+              </a:ext>
+            </a:extLst>
+          </p:cNvPr>
+          <p:cNvSpPr txBox="1"/>
+          <p:nvPr/>
+        </p:nvSpPr>
+        <p:spPr>
+          <a:xfrm>
+            <a:off x="10814530" y="3327059"/>
+            <a:ext cx="2051824" cy="338554"/>
+          </a:xfrm>
+          <a:prstGeom prst="rect">
+            <a:avLst/>
+          </a:prstGeom>
+          <a:noFill/>
+        </p:spPr>
+        <p:txBody>
+          <a:bodyPr wrap="square" rtlCol="0">
+            <a:spAutoFit/>
+          </a:bodyPr>
+          <a:lstStyle/>
+          <a:p>
+            <a:pPr algn="ctr"/>
+            <a:r>
+              <a:rPr lang="en-US" sz="1600" dirty="0"/>
+              <a:t>Width of Phase Field</a:t>
+            </a:r>
+          </a:p>
+        </p:txBody>
+      </p:sp>
+      <p:pic>
+        <p:nvPicPr>
+          <p:cNvPr id="25" name="Picture 24" descr="A picture containing icon&#10;&#10;Description automatically generated">
+            <a:extLst>
+              <a:ext uri="{FF2B5EF4-FFF2-40B4-BE49-F238E27FC236}">
+                <a16:creationId xmlns:a16="http://schemas.microsoft.com/office/drawing/2014/main" id="{B1501931-193C-5E45-9A49-99894587B06B}"/>
+              </a:ext>
+            </a:extLst>
+          </p:cNvPr>
+          <p:cNvPicPr>
+            <a:picLocks noChangeAspect="1"/>
+          </p:cNvPicPr>
+          <p:nvPr/>
+        </p:nvPicPr>
+        <p:blipFill rotWithShape="1">
+          <a:blip r:embed="rId4"/>
+          <a:srcRect l="2941" t="3713" r="19546" b="31335"/>
+          <a:stretch/>
+        </p:blipFill>
+        <p:spPr>
+          <a:xfrm>
+            <a:off x="792208" y="4797274"/>
+            <a:ext cx="4331816" cy="1957588"/>
+          </a:xfrm>
+          <a:prstGeom prst="rect">
+            <a:avLst/>
+          </a:prstGeom>
+        </p:spPr>
+      </p:pic>
+      <p:pic>
+        <p:nvPicPr>
+          <p:cNvPr id="18" name="Picture 17" descr="A picture containing graphical user interface&#10;&#10;Description automatically generated">
+            <a:extLst>
+              <a:ext uri="{FF2B5EF4-FFF2-40B4-BE49-F238E27FC236}">
+                <a16:creationId xmlns:a16="http://schemas.microsoft.com/office/drawing/2014/main" id="{D0CEDA68-F581-4D46-AD71-5460F5F631AA}"/>
+              </a:ext>
+            </a:extLst>
+          </p:cNvPr>
+          <p:cNvPicPr>
+            <a:picLocks noChangeAspect="1"/>
+          </p:cNvPicPr>
+          <p:nvPr/>
+        </p:nvPicPr>
+        <p:blipFill rotWithShape="1">
+          <a:blip r:embed="rId5"/>
+          <a:srcRect l="3338" r="14175" b="21577"/>
+          <a:stretch/>
+        </p:blipFill>
+        <p:spPr>
+          <a:xfrm>
+            <a:off x="761728" y="6948257"/>
+            <a:ext cx="4331816" cy="1874523"/>
+          </a:xfrm>
+          <a:prstGeom prst="rect">
+            <a:avLst/>
+          </a:prstGeom>
+        </p:spPr>
+      </p:pic>
+      <p:pic>
+        <p:nvPicPr>
+          <p:cNvPr id="19" name="Picture 18" descr="Background pattern&#10;&#10;Description automatically generated">
+            <a:extLst>
+              <a:ext uri="{FF2B5EF4-FFF2-40B4-BE49-F238E27FC236}">
+                <a16:creationId xmlns:a16="http://schemas.microsoft.com/office/drawing/2014/main" id="{A28EAD3B-E36B-4E40-9F97-6B1710A14240}"/>
+              </a:ext>
+            </a:extLst>
+          </p:cNvPr>
+          <p:cNvPicPr>
+            <a:picLocks noChangeAspect="1"/>
+          </p:cNvPicPr>
+          <p:nvPr/>
+        </p:nvPicPr>
+        <p:blipFill rotWithShape="1">
+          <a:blip r:embed="rId6"/>
+          <a:srcRect l="3339" r="14174" b="21577"/>
+          <a:stretch/>
+        </p:blipFill>
+        <p:spPr>
+          <a:xfrm>
+            <a:off x="7337406" y="6968222"/>
+            <a:ext cx="4331814" cy="1874523"/>
+          </a:xfrm>
+          <a:prstGeom prst="rect">
+            <a:avLst/>
+          </a:prstGeom>
+        </p:spPr>
+      </p:pic>
+      <p:pic>
+        <p:nvPicPr>
+          <p:cNvPr id="20" name="Picture 19" descr="A screen shot of a computer&#10;&#10;Description automatically generated with low confidence">
+            <a:extLst>
+              <a:ext uri="{FF2B5EF4-FFF2-40B4-BE49-F238E27FC236}">
+                <a16:creationId xmlns:a16="http://schemas.microsoft.com/office/drawing/2014/main" id="{18F90C46-483C-6241-8C26-F30BD5220B18}"/>
+              </a:ext>
+            </a:extLst>
+          </p:cNvPr>
+          <p:cNvPicPr>
+            <a:picLocks noChangeAspect="1"/>
+          </p:cNvPicPr>
+          <p:nvPr/>
+        </p:nvPicPr>
+        <p:blipFill rotWithShape="1">
+          <a:blip r:embed="rId7"/>
+          <a:srcRect l="3339" r="14174" b="21577"/>
+          <a:stretch/>
+        </p:blipFill>
+        <p:spPr>
+          <a:xfrm>
+            <a:off x="761728" y="8908415"/>
+            <a:ext cx="4331814" cy="1874523"/>
+          </a:xfrm>
+          <a:prstGeom prst="rect">
+            <a:avLst/>
+          </a:prstGeom>
+        </p:spPr>
+      </p:pic>
+      <p:pic>
+        <p:nvPicPr>
+          <p:cNvPr id="21" name="Picture 20" descr="Shape&#10;&#10;Description automatically generated">
+            <a:extLst>
+              <a:ext uri="{FF2B5EF4-FFF2-40B4-BE49-F238E27FC236}">
+                <a16:creationId xmlns:a16="http://schemas.microsoft.com/office/drawing/2014/main" id="{C31C4D7D-0250-AB46-BE33-65E85CF2ADCA}"/>
+              </a:ext>
+            </a:extLst>
+          </p:cNvPr>
+          <p:cNvPicPr>
+            <a:picLocks noChangeAspect="1"/>
+          </p:cNvPicPr>
+          <p:nvPr/>
+        </p:nvPicPr>
+        <p:blipFill rotWithShape="1">
+          <a:blip r:embed="rId8"/>
+          <a:srcRect l="3338" r="14175" b="21577"/>
+          <a:stretch/>
+        </p:blipFill>
+        <p:spPr>
+          <a:xfrm>
+            <a:off x="7337406" y="8908415"/>
+            <a:ext cx="4331814" cy="1874521"/>
+          </a:xfrm>
+          <a:prstGeom prst="rect">
+            <a:avLst/>
+          </a:prstGeom>
+        </p:spPr>
+      </p:pic>
+      <p:pic>
+        <p:nvPicPr>
+          <p:cNvPr id="22" name="Picture 21" descr="A picture containing graphical user interface&#10;&#10;Description automatically generated">
+            <a:extLst>
+              <a:ext uri="{FF2B5EF4-FFF2-40B4-BE49-F238E27FC236}">
+                <a16:creationId xmlns:a16="http://schemas.microsoft.com/office/drawing/2014/main" id="{CE12A2F7-1AFE-364C-826C-1F725FB9277F}"/>
+              </a:ext>
+            </a:extLst>
+          </p:cNvPr>
+          <p:cNvPicPr>
+            <a:picLocks noChangeAspect="1"/>
+          </p:cNvPicPr>
+          <p:nvPr/>
+        </p:nvPicPr>
+        <p:blipFill rotWithShape="1">
+          <a:blip r:embed="rId5"/>
+          <a:srcRect l="86157" t="60932" r="2470"/>
+          <a:stretch/>
+        </p:blipFill>
+        <p:spPr>
+          <a:xfrm>
+            <a:off x="5205028" y="6947410"/>
+            <a:ext cx="1158258" cy="1810886"/>
+          </a:xfrm>
+          <a:prstGeom prst="rect">
+            <a:avLst/>
+          </a:prstGeom>
+        </p:spPr>
+      </p:pic>
+      <p:pic>
+        <p:nvPicPr>
+          <p:cNvPr id="23" name="Picture 22" descr="Background pattern&#10;&#10;Description automatically generated">
+            <a:extLst>
+              <a:ext uri="{FF2B5EF4-FFF2-40B4-BE49-F238E27FC236}">
+                <a16:creationId xmlns:a16="http://schemas.microsoft.com/office/drawing/2014/main" id="{EE443CB3-8267-2E41-A74F-6297FC265FF5}"/>
+              </a:ext>
+            </a:extLst>
+          </p:cNvPr>
+          <p:cNvPicPr>
+            <a:picLocks noChangeAspect="1"/>
+          </p:cNvPicPr>
+          <p:nvPr/>
+        </p:nvPicPr>
+        <p:blipFill rotWithShape="1">
+          <a:blip r:embed="rId6"/>
+          <a:srcRect l="86157" t="60932" r="2470"/>
+          <a:stretch/>
+        </p:blipFill>
+        <p:spPr>
+          <a:xfrm>
+            <a:off x="11753461" y="6968222"/>
+            <a:ext cx="1184009" cy="1851144"/>
+          </a:xfrm>
+          <a:prstGeom prst="rect">
+            <a:avLst/>
+          </a:prstGeom>
+        </p:spPr>
+      </p:pic>
+      <p:pic>
+        <p:nvPicPr>
+          <p:cNvPr id="33" name="Picture 32" descr="A screen shot of a computer&#10;&#10;Description automatically generated with low confidence">
+            <a:extLst>
+              <a:ext uri="{FF2B5EF4-FFF2-40B4-BE49-F238E27FC236}">
+                <a16:creationId xmlns:a16="http://schemas.microsoft.com/office/drawing/2014/main" id="{A3918B7E-214F-5140-9DED-A2AF2E34CB41}"/>
+              </a:ext>
+            </a:extLst>
+          </p:cNvPr>
+          <p:cNvPicPr>
+            <a:picLocks noChangeAspect="1"/>
+          </p:cNvPicPr>
+          <p:nvPr/>
+        </p:nvPicPr>
+        <p:blipFill rotWithShape="1">
+          <a:blip r:embed="rId7"/>
+          <a:srcRect l="86158" t="60932" r="2834"/>
+          <a:stretch/>
+        </p:blipFill>
+        <p:spPr>
+          <a:xfrm>
+            <a:off x="5205028" y="8908415"/>
+            <a:ext cx="1158258" cy="1870980"/>
+          </a:xfrm>
+          <a:prstGeom prst="rect">
+            <a:avLst/>
+          </a:prstGeom>
+        </p:spPr>
+      </p:pic>
+      <p:pic>
+        <p:nvPicPr>
+          <p:cNvPr id="34" name="Picture 33" descr="Shape&#10;&#10;Description automatically generated">
+            <a:extLst>
+              <a:ext uri="{FF2B5EF4-FFF2-40B4-BE49-F238E27FC236}">
+                <a16:creationId xmlns:a16="http://schemas.microsoft.com/office/drawing/2014/main" id="{AE8A5D2C-95A6-1A43-8784-5F51FF185117}"/>
+              </a:ext>
+            </a:extLst>
+          </p:cNvPr>
+          <p:cNvPicPr>
+            <a:picLocks noChangeAspect="1"/>
+          </p:cNvPicPr>
+          <p:nvPr/>
+        </p:nvPicPr>
+        <p:blipFill rotWithShape="1">
+          <a:blip r:embed="rId8"/>
+          <a:srcRect l="86157" t="60932" r="2470"/>
+          <a:stretch/>
+        </p:blipFill>
+        <p:spPr>
+          <a:xfrm>
+            <a:off x="11753462" y="8896725"/>
+            <a:ext cx="1184008" cy="1851144"/>
+          </a:xfrm>
+          <a:prstGeom prst="rect">
+            <a:avLst/>
+          </a:prstGeom>
+        </p:spPr>
+      </p:pic>
+      <p:pic>
+        <p:nvPicPr>
+          <p:cNvPr id="27" name="Picture 26" descr="A picture containing antenna&#10;&#10;Description automatically generated">
+            <a:extLst>
+              <a:ext uri="{FF2B5EF4-FFF2-40B4-BE49-F238E27FC236}">
+                <a16:creationId xmlns:a16="http://schemas.microsoft.com/office/drawing/2014/main" id="{A441117B-5A0D-024A-B2F4-C63B35DC2A95}"/>
+              </a:ext>
+            </a:extLst>
+          </p:cNvPr>
+          <p:cNvPicPr>
+            <a:picLocks noChangeAspect="1"/>
+          </p:cNvPicPr>
+          <p:nvPr/>
+        </p:nvPicPr>
+        <p:blipFill rotWithShape="1">
+          <a:blip r:embed="rId9"/>
+          <a:srcRect t="4612" b="5107"/>
+          <a:stretch/>
+        </p:blipFill>
+        <p:spPr>
+          <a:xfrm>
+            <a:off x="548640" y="1827939"/>
+            <a:ext cx="6156028" cy="3019499"/>
+          </a:xfrm>
+          <a:prstGeom prst="rect">
+            <a:avLst/>
+          </a:prstGeom>
+        </p:spPr>
+      </p:pic>
+      <p:pic>
+        <p:nvPicPr>
+          <p:cNvPr id="26" name="Picture 25" descr="Icon&#10;&#10;Description automatically generated with medium confidence">
+            <a:extLst>
+              <a:ext uri="{FF2B5EF4-FFF2-40B4-BE49-F238E27FC236}">
+                <a16:creationId xmlns:a16="http://schemas.microsoft.com/office/drawing/2014/main" id="{C329B863-7D82-D94D-9955-DA203146081F}"/>
+              </a:ext>
+            </a:extLst>
+          </p:cNvPr>
+          <p:cNvPicPr>
+            <a:picLocks noChangeAspect="1"/>
+          </p:cNvPicPr>
+          <p:nvPr/>
+        </p:nvPicPr>
+        <p:blipFill rotWithShape="1">
+          <a:blip r:embed="rId10"/>
+          <a:srcRect l="75661" t="60743"/>
+          <a:stretch/>
+        </p:blipFill>
+        <p:spPr>
+          <a:xfrm>
+            <a:off x="5181057" y="4861710"/>
+            <a:ext cx="1182229" cy="1839171"/>
+          </a:xfrm>
+          <a:prstGeom prst="rect">
+            <a:avLst/>
+          </a:prstGeom>
+        </p:spPr>
+      </p:pic>
+      <mc:AlternateContent xmlns:mc="http://schemas.openxmlformats.org/markup-compatibility/2006">
+        <mc:Choice xmlns:a14="http://schemas.microsoft.com/office/drawing/2010/main" Requires="a14">
+          <p:sp>
+            <p:nvSpPr>
+              <p:cNvPr id="3" name="TextBox 2">
+                <a:extLst>
+                  <a:ext uri="{FF2B5EF4-FFF2-40B4-BE49-F238E27FC236}">
+                    <a16:creationId xmlns:a16="http://schemas.microsoft.com/office/drawing/2014/main" id="{99D68879-A35D-5142-97E4-B659B5F52FA4}"/>
+                  </a:ext>
+                </a:extLst>
+              </p:cNvPr>
+              <p:cNvSpPr txBox="1"/>
+              <p:nvPr/>
+            </p:nvSpPr>
+            <p:spPr>
+              <a:xfrm>
+                <a:off x="5893727" y="7660492"/>
+                <a:ext cx="511679" cy="384721"/>
+              </a:xfrm>
+              <a:prstGeom prst="rect">
+                <a:avLst/>
+              </a:prstGeom>
+              <a:noFill/>
+            </p:spPr>
+            <p:txBody>
+              <a:bodyPr wrap="none" lIns="0" tIns="0" rIns="0" bIns="0" rtlCol="0">
+                <a:spAutoFit/>
+              </a:bodyPr>
+              <a:lstStyle/>
+              <a:p>
+                <a14:m>
+                  <m:oMathPara xmlns:m="http://schemas.openxmlformats.org/officeDocument/2006/math">
+                    <m:oMathParaPr>
+                      <m:jc m:val="centerGroup"/>
+                    </m:oMathParaPr>
+                    <m:oMath xmlns:m="http://schemas.openxmlformats.org/officeDocument/2006/math">
+                      <m:sSub>
+                        <m:sSubPr>
+                          <m:ctrlPr>
+                            <a:rPr lang="en-US" sz="2500" i="1" smtClean="0">
+                              <a:latin typeface="Cambria Math" panose="02040503050406030204" pitchFamily="18" charset="0"/>
+                            </a:rPr>
+                          </m:ctrlPr>
+                        </m:sSubPr>
+                        <m:e>
+                          <m:r>
+                            <a:rPr lang="en-US" sz="2500" b="0" i="1" smtClean="0">
+                              <a:latin typeface="Cambria Math" panose="02040503050406030204" pitchFamily="18" charset="0"/>
+                            </a:rPr>
+                            <m:t>𝑃</m:t>
+                          </m:r>
+                        </m:e>
+                        <m:sub>
+                          <m:r>
+                            <a:rPr lang="en-US" sz="2500" b="0" i="1" smtClean="0">
+                              <a:latin typeface="Cambria Math" panose="02040503050406030204" pitchFamily="18" charset="0"/>
+                            </a:rPr>
+                            <m:t>11</m:t>
+                          </m:r>
+                        </m:sub>
+                      </m:sSub>
+                    </m:oMath>
+                  </m:oMathPara>
+                </a14:m>
+                <a:endParaRPr lang="en-US" sz="2500" dirty="0"/>
+              </a:p>
+            </p:txBody>
+          </p:sp>
+        </mc:Choice>
+        <mc:Fallback>
+          <p:sp>
+            <p:nvSpPr>
+              <p:cNvPr id="3" name="TextBox 2">
+                <a:extLst>
+                  <a:ext uri="{FF2B5EF4-FFF2-40B4-BE49-F238E27FC236}">
+                    <a16:creationId xmlns:a16="http://schemas.microsoft.com/office/drawing/2014/main" id="{99D68879-A35D-5142-97E4-B659B5F52FA4}"/>
+                  </a:ext>
+                </a:extLst>
+              </p:cNvPr>
+              <p:cNvSpPr txBox="1">
+                <a:spLocks noRot="1" noChangeAspect="1" noMove="1" noResize="1" noEditPoints="1" noAdjustHandles="1" noChangeArrowheads="1" noChangeShapeType="1" noTextEdit="1"/>
+              </p:cNvSpPr>
+              <p:nvPr/>
+            </p:nvSpPr>
+            <p:spPr>
+              <a:xfrm>
+                <a:off x="5893727" y="7660492"/>
+                <a:ext cx="511679" cy="384721"/>
+              </a:xfrm>
+              <a:prstGeom prst="rect">
+                <a:avLst/>
+              </a:prstGeom>
+              <a:blipFill>
+                <a:blip r:embed="rId11"/>
+                <a:stretch>
+                  <a:fillRect l="-14634" r="-4878" b="-12903"/>
+                </a:stretch>
+              </a:blipFill>
+            </p:spPr>
+            <p:txBody>
+              <a:bodyPr/>
+              <a:lstStyle/>
+              <a:p>
+                <a:r>
+                  <a:rPr lang="en-US">
+                    <a:noFill/>
+                  </a:rPr>
+                  <a:t> </a:t>
+                </a:r>
+              </a:p>
+            </p:txBody>
+          </p:sp>
+        </mc:Fallback>
+      </mc:AlternateContent>
+      <mc:AlternateContent xmlns:mc="http://schemas.openxmlformats.org/markup-compatibility/2006">
+        <mc:Choice xmlns:a14="http://schemas.microsoft.com/office/drawing/2010/main" Requires="a14">
+          <p:sp>
+            <p:nvSpPr>
+              <p:cNvPr id="4" name="TextBox 3">
+                <a:extLst>
+                  <a:ext uri="{FF2B5EF4-FFF2-40B4-BE49-F238E27FC236}">
+                    <a16:creationId xmlns:a16="http://schemas.microsoft.com/office/drawing/2014/main" id="{32302A30-4DDC-7F40-9E40-274E8E156704}"/>
+                  </a:ext>
+                </a:extLst>
+              </p:cNvPr>
+              <p:cNvSpPr txBox="1"/>
+              <p:nvPr/>
+            </p:nvSpPr>
+            <p:spPr>
+              <a:xfrm>
+                <a:off x="3964700" y="3007922"/>
+                <a:ext cx="276101" cy="276999"/>
+              </a:xfrm>
+              <a:prstGeom prst="rect">
+                <a:avLst/>
+              </a:prstGeom>
+              <a:noFill/>
+            </p:spPr>
+            <p:txBody>
+              <a:bodyPr wrap="none" lIns="0" tIns="0" rIns="0" bIns="0" rtlCol="0">
+                <a:spAutoFit/>
+              </a:bodyPr>
+              <a:lstStyle/>
+              <a:p>
+                <a14:m>
+                  <m:oMathPara xmlns:m="http://schemas.openxmlformats.org/officeDocument/2006/math">
+                    <m:oMathParaPr>
+                      <m:jc m:val="centerGroup"/>
+                    </m:oMathParaPr>
+                    <m:oMath xmlns:m="http://schemas.openxmlformats.org/officeDocument/2006/math">
+                      <m:sSub>
+                        <m:sSubPr>
+                          <m:ctrlPr>
+                            <a:rPr lang="en-US" i="1" smtClean="0">
+                              <a:latin typeface="Cambria Math" panose="02040503050406030204" pitchFamily="18" charset="0"/>
+                            </a:rPr>
+                          </m:ctrlPr>
+                        </m:sSubPr>
+                        <m:e>
+                          <m:r>
+                            <a:rPr lang="en-US" b="0" i="1" smtClean="0">
+                              <a:latin typeface="Cambria Math" panose="02040503050406030204" pitchFamily="18" charset="0"/>
+                            </a:rPr>
+                            <m:t>𝑥</m:t>
+                          </m:r>
+                        </m:e>
+                        <m:sub>
+                          <m:r>
+                            <a:rPr lang="en-US" b="0" i="1" smtClean="0">
+                              <a:latin typeface="Cambria Math" panose="02040503050406030204" pitchFamily="18" charset="0"/>
+                            </a:rPr>
+                            <m:t>1</m:t>
+                          </m:r>
+                        </m:sub>
+                      </m:sSub>
+                    </m:oMath>
+                  </m:oMathPara>
+                </a14:m>
+                <a:endParaRPr lang="en-US" dirty="0"/>
+              </a:p>
+            </p:txBody>
+          </p:sp>
+        </mc:Choice>
+        <mc:Fallback>
+          <p:sp>
+            <p:nvSpPr>
+              <p:cNvPr id="4" name="TextBox 3">
+                <a:extLst>
+                  <a:ext uri="{FF2B5EF4-FFF2-40B4-BE49-F238E27FC236}">
+                    <a16:creationId xmlns:a16="http://schemas.microsoft.com/office/drawing/2014/main" id="{32302A30-4DDC-7F40-9E40-274E8E156704}"/>
+                  </a:ext>
+                </a:extLst>
+              </p:cNvPr>
+              <p:cNvSpPr txBox="1">
+                <a:spLocks noRot="1" noChangeAspect="1" noMove="1" noResize="1" noEditPoints="1" noAdjustHandles="1" noChangeArrowheads="1" noChangeShapeType="1" noTextEdit="1"/>
+              </p:cNvSpPr>
+              <p:nvPr/>
+            </p:nvSpPr>
+            <p:spPr>
+              <a:xfrm>
+                <a:off x="3964700" y="3007922"/>
+                <a:ext cx="276101" cy="276999"/>
+              </a:xfrm>
+              <a:prstGeom prst="rect">
+                <a:avLst/>
+              </a:prstGeom>
+              <a:blipFill>
+                <a:blip r:embed="rId12"/>
+                <a:stretch>
+                  <a:fillRect l="-13043" r="-4348" b="-13043"/>
+                </a:stretch>
+              </a:blipFill>
+            </p:spPr>
+            <p:txBody>
+              <a:bodyPr/>
+              <a:lstStyle/>
+              <a:p>
+                <a:r>
+                  <a:rPr lang="en-US">
+                    <a:noFill/>
+                  </a:rPr>
+                  <a:t> </a:t>
+                </a:r>
+              </a:p>
+            </p:txBody>
+          </p:sp>
+        </mc:Fallback>
+      </mc:AlternateContent>
+      <mc:AlternateContent xmlns:mc="http://schemas.openxmlformats.org/markup-compatibility/2006">
+        <mc:Choice xmlns:a14="http://schemas.microsoft.com/office/drawing/2010/main" Requires="a14">
+          <p:sp>
+            <p:nvSpPr>
+              <p:cNvPr id="29" name="TextBox 28">
+                <a:extLst>
+                  <a:ext uri="{FF2B5EF4-FFF2-40B4-BE49-F238E27FC236}">
+                    <a16:creationId xmlns:a16="http://schemas.microsoft.com/office/drawing/2014/main" id="{E2203B0C-DC50-1441-AA7F-B78DB1748E81}"/>
+                  </a:ext>
+                </a:extLst>
+              </p:cNvPr>
+              <p:cNvSpPr txBox="1"/>
+              <p:nvPr/>
+            </p:nvSpPr>
+            <p:spPr>
+              <a:xfrm>
+                <a:off x="3409827" y="2489381"/>
+                <a:ext cx="281423" cy="276999"/>
+              </a:xfrm>
+              <a:prstGeom prst="rect">
+                <a:avLst/>
+              </a:prstGeom>
+              <a:noFill/>
+            </p:spPr>
+            <p:txBody>
+              <a:bodyPr wrap="none" lIns="0" tIns="0" rIns="0" bIns="0" rtlCol="0">
+                <a:spAutoFit/>
+              </a:bodyPr>
+              <a:lstStyle/>
+              <a:p>
+                <a14:m>
+                  <m:oMathPara xmlns:m="http://schemas.openxmlformats.org/officeDocument/2006/math">
+                    <m:oMathParaPr>
+                      <m:jc m:val="centerGroup"/>
+                    </m:oMathParaPr>
+                    <m:oMath xmlns:m="http://schemas.openxmlformats.org/officeDocument/2006/math">
+                      <m:sSub>
+                        <m:sSubPr>
+                          <m:ctrlPr>
+                            <a:rPr lang="en-US" i="1" smtClean="0">
+                              <a:latin typeface="Cambria Math" panose="02040503050406030204" pitchFamily="18" charset="0"/>
+                            </a:rPr>
+                          </m:ctrlPr>
+                        </m:sSubPr>
+                        <m:e>
+                          <m:r>
+                            <a:rPr lang="en-US" b="0" i="1" smtClean="0">
+                              <a:latin typeface="Cambria Math" panose="02040503050406030204" pitchFamily="18" charset="0"/>
+                            </a:rPr>
+                            <m:t>𝑥</m:t>
+                          </m:r>
+                        </m:e>
+                        <m:sub>
+                          <m:r>
+                            <a:rPr lang="en-US" b="0" i="1" smtClean="0">
+                              <a:latin typeface="Cambria Math" panose="02040503050406030204" pitchFamily="18" charset="0"/>
+                            </a:rPr>
+                            <m:t>2</m:t>
+                          </m:r>
+                        </m:sub>
+                      </m:sSub>
+                    </m:oMath>
+                  </m:oMathPara>
+                </a14:m>
+                <a:endParaRPr lang="en-US" dirty="0"/>
+              </a:p>
+            </p:txBody>
+          </p:sp>
+        </mc:Choice>
+        <mc:Fallback>
+          <p:sp>
+            <p:nvSpPr>
+              <p:cNvPr id="29" name="TextBox 28">
+                <a:extLst>
+                  <a:ext uri="{FF2B5EF4-FFF2-40B4-BE49-F238E27FC236}">
+                    <a16:creationId xmlns:a16="http://schemas.microsoft.com/office/drawing/2014/main" id="{E2203B0C-DC50-1441-AA7F-B78DB1748E81}"/>
+                  </a:ext>
+                </a:extLst>
+              </p:cNvPr>
+              <p:cNvSpPr txBox="1">
+                <a:spLocks noRot="1" noChangeAspect="1" noMove="1" noResize="1" noEditPoints="1" noAdjustHandles="1" noChangeArrowheads="1" noChangeShapeType="1" noTextEdit="1"/>
+              </p:cNvSpPr>
+              <p:nvPr/>
+            </p:nvSpPr>
+            <p:spPr>
+              <a:xfrm>
+                <a:off x="3409827" y="2489381"/>
+                <a:ext cx="281423" cy="276999"/>
+              </a:xfrm>
+              <a:prstGeom prst="rect">
+                <a:avLst/>
+              </a:prstGeom>
+              <a:blipFill>
+                <a:blip r:embed="rId13"/>
+                <a:stretch>
+                  <a:fillRect l="-13043" r="-4348" b="-13043"/>
+                </a:stretch>
+              </a:blipFill>
+            </p:spPr>
+            <p:txBody>
+              <a:bodyPr/>
+              <a:lstStyle/>
+              <a:p>
+                <a:r>
+                  <a:rPr lang="en-US">
+                    <a:noFill/>
+                  </a:rPr>
+                  <a:t> </a:t>
+                </a:r>
+              </a:p>
+            </p:txBody>
+          </p:sp>
+        </mc:Fallback>
+      </mc:AlternateContent>
+      <mc:AlternateContent xmlns:mc="http://schemas.openxmlformats.org/markup-compatibility/2006">
+        <mc:Choice xmlns:a14="http://schemas.microsoft.com/office/drawing/2010/main" Requires="a14">
+          <p:sp>
+            <p:nvSpPr>
+              <p:cNvPr id="31" name="TextBox 30">
+                <a:extLst>
+                  <a:ext uri="{FF2B5EF4-FFF2-40B4-BE49-F238E27FC236}">
+                    <a16:creationId xmlns:a16="http://schemas.microsoft.com/office/drawing/2014/main" id="{C03D4E71-55FB-5148-B215-6FF1FE5A0C73}"/>
+                  </a:ext>
+                </a:extLst>
+              </p:cNvPr>
+              <p:cNvSpPr txBox="1"/>
+              <p:nvPr/>
+            </p:nvSpPr>
+            <p:spPr>
+              <a:xfrm>
+                <a:off x="12510032" y="7660492"/>
+                <a:ext cx="511679" cy="384721"/>
+              </a:xfrm>
+              <a:prstGeom prst="rect">
+                <a:avLst/>
+              </a:prstGeom>
+              <a:noFill/>
+            </p:spPr>
+            <p:txBody>
+              <a:bodyPr wrap="none" lIns="0" tIns="0" rIns="0" bIns="0" rtlCol="0">
+                <a:spAutoFit/>
+              </a:bodyPr>
+              <a:lstStyle/>
+              <a:p>
+                <a14:m>
+                  <m:oMathPara xmlns:m="http://schemas.openxmlformats.org/officeDocument/2006/math">
+                    <m:oMathParaPr>
+                      <m:jc m:val="centerGroup"/>
+                    </m:oMathParaPr>
+                    <m:oMath xmlns:m="http://schemas.openxmlformats.org/officeDocument/2006/math">
+                      <m:sSub>
+                        <m:sSubPr>
+                          <m:ctrlPr>
+                            <a:rPr lang="en-US" sz="2500" i="1" smtClean="0">
+                              <a:latin typeface="Cambria Math" panose="02040503050406030204" pitchFamily="18" charset="0"/>
+                            </a:rPr>
+                          </m:ctrlPr>
+                        </m:sSubPr>
+                        <m:e>
+                          <m:r>
+                            <a:rPr lang="en-US" sz="2500" b="0" i="1" smtClean="0">
+                              <a:latin typeface="Cambria Math" panose="02040503050406030204" pitchFamily="18" charset="0"/>
+                            </a:rPr>
+                            <m:t>𝑃</m:t>
+                          </m:r>
+                        </m:e>
+                        <m:sub>
+                          <m:r>
+                            <a:rPr lang="en-US" sz="2500" b="0" i="1" smtClean="0">
+                              <a:latin typeface="Cambria Math" panose="02040503050406030204" pitchFamily="18" charset="0"/>
+                            </a:rPr>
+                            <m:t>12</m:t>
+                          </m:r>
+                        </m:sub>
+                      </m:sSub>
+                    </m:oMath>
+                  </m:oMathPara>
+                </a14:m>
+                <a:endParaRPr lang="en-US" sz="2500" dirty="0"/>
+              </a:p>
+            </p:txBody>
+          </p:sp>
+        </mc:Choice>
+        <mc:Fallback>
+          <p:sp>
+            <p:nvSpPr>
+              <p:cNvPr id="31" name="TextBox 30">
+                <a:extLst>
+                  <a:ext uri="{FF2B5EF4-FFF2-40B4-BE49-F238E27FC236}">
+                    <a16:creationId xmlns:a16="http://schemas.microsoft.com/office/drawing/2014/main" id="{C03D4E71-55FB-5148-B215-6FF1FE5A0C73}"/>
+                  </a:ext>
+                </a:extLst>
+              </p:cNvPr>
+              <p:cNvSpPr txBox="1">
+                <a:spLocks noRot="1" noChangeAspect="1" noMove="1" noResize="1" noEditPoints="1" noAdjustHandles="1" noChangeArrowheads="1" noChangeShapeType="1" noTextEdit="1"/>
+              </p:cNvSpPr>
+              <p:nvPr/>
+            </p:nvSpPr>
+            <p:spPr>
+              <a:xfrm>
+                <a:off x="12510032" y="7660492"/>
+                <a:ext cx="511679" cy="384721"/>
+              </a:xfrm>
+              <a:prstGeom prst="rect">
+                <a:avLst/>
+              </a:prstGeom>
+              <a:blipFill>
+                <a:blip r:embed="rId14"/>
+                <a:stretch>
+                  <a:fillRect l="-11905" r="-4762" b="-12903"/>
+                </a:stretch>
+              </a:blipFill>
+            </p:spPr>
+            <p:txBody>
+              <a:bodyPr/>
+              <a:lstStyle/>
+              <a:p>
+                <a:r>
+                  <a:rPr lang="en-US">
+                    <a:noFill/>
+                  </a:rPr>
+                  <a:t> </a:t>
+                </a:r>
+              </a:p>
+            </p:txBody>
+          </p:sp>
+        </mc:Fallback>
+      </mc:AlternateContent>
+      <mc:AlternateContent xmlns:mc="http://schemas.openxmlformats.org/markup-compatibility/2006">
+        <mc:Choice xmlns:a14="http://schemas.microsoft.com/office/drawing/2010/main" Requires="a14">
+          <p:sp>
+            <p:nvSpPr>
+              <p:cNvPr id="32" name="TextBox 31">
+                <a:extLst>
+                  <a:ext uri="{FF2B5EF4-FFF2-40B4-BE49-F238E27FC236}">
+                    <a16:creationId xmlns:a16="http://schemas.microsoft.com/office/drawing/2014/main" id="{0EE65BB7-0B51-1D46-A228-61C2EEDF9AF8}"/>
+                  </a:ext>
+                </a:extLst>
+              </p:cNvPr>
+              <p:cNvSpPr txBox="1"/>
+              <p:nvPr/>
+            </p:nvSpPr>
+            <p:spPr>
+              <a:xfrm>
+                <a:off x="5886290" y="9629936"/>
+                <a:ext cx="519116" cy="384721"/>
+              </a:xfrm>
+              <a:prstGeom prst="rect">
+                <a:avLst/>
+              </a:prstGeom>
+              <a:noFill/>
+            </p:spPr>
+            <p:txBody>
+              <a:bodyPr wrap="none" lIns="0" tIns="0" rIns="0" bIns="0" rtlCol="0">
+                <a:spAutoFit/>
+              </a:bodyPr>
+              <a:lstStyle/>
+              <a:p>
+                <a14:m>
+                  <m:oMathPara xmlns:m="http://schemas.openxmlformats.org/officeDocument/2006/math">
+                    <m:oMathParaPr>
+                      <m:jc m:val="centerGroup"/>
+                    </m:oMathParaPr>
+                    <m:oMath xmlns:m="http://schemas.openxmlformats.org/officeDocument/2006/math">
+                      <m:sSub>
+                        <m:sSubPr>
+                          <m:ctrlPr>
+                            <a:rPr lang="en-US" sz="2500" i="1" smtClean="0">
+                              <a:latin typeface="Cambria Math" panose="02040503050406030204" pitchFamily="18" charset="0"/>
+                            </a:rPr>
+                          </m:ctrlPr>
+                        </m:sSubPr>
+                        <m:e>
+                          <m:r>
+                            <a:rPr lang="en-US" sz="2500" b="0" i="1" smtClean="0">
+                              <a:latin typeface="Cambria Math" panose="02040503050406030204" pitchFamily="18" charset="0"/>
+                            </a:rPr>
+                            <m:t>𝑃</m:t>
+                          </m:r>
+                        </m:e>
+                        <m:sub>
+                          <m:r>
+                            <a:rPr lang="en-US" sz="2500" b="0" i="1" smtClean="0">
+                              <a:latin typeface="Cambria Math" panose="02040503050406030204" pitchFamily="18" charset="0"/>
+                            </a:rPr>
+                            <m:t>21</m:t>
+                          </m:r>
+                        </m:sub>
+                      </m:sSub>
+                    </m:oMath>
+                  </m:oMathPara>
+                </a14:m>
+                <a:endParaRPr lang="en-US" sz="2500" dirty="0"/>
+              </a:p>
+            </p:txBody>
+          </p:sp>
+        </mc:Choice>
+        <mc:Fallback>
+          <p:sp>
+            <p:nvSpPr>
+              <p:cNvPr id="32" name="TextBox 31">
+                <a:extLst>
+                  <a:ext uri="{FF2B5EF4-FFF2-40B4-BE49-F238E27FC236}">
+                    <a16:creationId xmlns:a16="http://schemas.microsoft.com/office/drawing/2014/main" id="{0EE65BB7-0B51-1D46-A228-61C2EEDF9AF8}"/>
+                  </a:ext>
+                </a:extLst>
+              </p:cNvPr>
+              <p:cNvSpPr txBox="1">
+                <a:spLocks noRot="1" noChangeAspect="1" noMove="1" noResize="1" noEditPoints="1" noAdjustHandles="1" noChangeArrowheads="1" noChangeShapeType="1" noTextEdit="1"/>
+              </p:cNvSpPr>
+              <p:nvPr/>
+            </p:nvSpPr>
+            <p:spPr>
+              <a:xfrm>
+                <a:off x="5886290" y="9629936"/>
+                <a:ext cx="519116" cy="384721"/>
+              </a:xfrm>
+              <a:prstGeom prst="rect">
+                <a:avLst/>
+              </a:prstGeom>
+              <a:blipFill>
+                <a:blip r:embed="rId15"/>
+                <a:stretch>
+                  <a:fillRect l="-14286" r="-4762" b="-12903"/>
+                </a:stretch>
+              </a:blipFill>
+            </p:spPr>
+            <p:txBody>
+              <a:bodyPr/>
+              <a:lstStyle/>
+              <a:p>
+                <a:r>
+                  <a:rPr lang="en-US">
+                    <a:noFill/>
+                  </a:rPr>
+                  <a:t> </a:t>
+                </a:r>
+              </a:p>
+            </p:txBody>
+          </p:sp>
+        </mc:Fallback>
+      </mc:AlternateContent>
+      <mc:AlternateContent xmlns:mc="http://schemas.openxmlformats.org/markup-compatibility/2006">
+        <mc:Choice xmlns:a14="http://schemas.microsoft.com/office/drawing/2010/main" Requires="a14">
+          <p:sp>
+            <p:nvSpPr>
+              <p:cNvPr id="35" name="TextBox 34">
+                <a:extLst>
+                  <a:ext uri="{FF2B5EF4-FFF2-40B4-BE49-F238E27FC236}">
+                    <a16:creationId xmlns:a16="http://schemas.microsoft.com/office/drawing/2014/main" id="{0A1D42D6-7CBF-E74C-8DDD-C410133E1FCB}"/>
+                  </a:ext>
+                </a:extLst>
+              </p:cNvPr>
+              <p:cNvSpPr txBox="1"/>
+              <p:nvPr/>
+            </p:nvSpPr>
+            <p:spPr>
+              <a:xfrm>
+                <a:off x="12451077" y="9629935"/>
+                <a:ext cx="519116" cy="384721"/>
+              </a:xfrm>
+              <a:prstGeom prst="rect">
+                <a:avLst/>
+              </a:prstGeom>
+              <a:noFill/>
+            </p:spPr>
+            <p:txBody>
+              <a:bodyPr wrap="none" lIns="0" tIns="0" rIns="0" bIns="0" rtlCol="0">
+                <a:spAutoFit/>
+              </a:bodyPr>
+              <a:lstStyle/>
+              <a:p>
+                <a14:m>
+                  <m:oMathPara xmlns:m="http://schemas.openxmlformats.org/officeDocument/2006/math">
+                    <m:oMathParaPr>
+                      <m:jc m:val="centerGroup"/>
+                    </m:oMathParaPr>
+                    <m:oMath xmlns:m="http://schemas.openxmlformats.org/officeDocument/2006/math">
+                      <m:sSub>
+                        <m:sSubPr>
+                          <m:ctrlPr>
+                            <a:rPr lang="en-US" sz="2500" i="1" smtClean="0">
+                              <a:latin typeface="Cambria Math" panose="02040503050406030204" pitchFamily="18" charset="0"/>
+                            </a:rPr>
+                          </m:ctrlPr>
+                        </m:sSubPr>
+                        <m:e>
+                          <m:r>
+                            <a:rPr lang="en-US" sz="2500" b="0" i="1" smtClean="0">
+                              <a:latin typeface="Cambria Math" panose="02040503050406030204" pitchFamily="18" charset="0"/>
+                            </a:rPr>
+                            <m:t>𝑃</m:t>
+                          </m:r>
+                        </m:e>
+                        <m:sub>
+                          <m:r>
+                            <a:rPr lang="en-US" sz="2500" b="0" i="1" smtClean="0">
+                              <a:latin typeface="Cambria Math" panose="02040503050406030204" pitchFamily="18" charset="0"/>
+                            </a:rPr>
+                            <m:t>22</m:t>
+                          </m:r>
+                        </m:sub>
+                      </m:sSub>
+                    </m:oMath>
+                  </m:oMathPara>
+                </a14:m>
+                <a:endParaRPr lang="en-US" sz="2500" dirty="0"/>
+              </a:p>
+            </p:txBody>
+          </p:sp>
+        </mc:Choice>
+        <mc:Fallback>
+          <p:sp>
+            <p:nvSpPr>
+              <p:cNvPr id="35" name="TextBox 34">
+                <a:extLst>
+                  <a:ext uri="{FF2B5EF4-FFF2-40B4-BE49-F238E27FC236}">
+                    <a16:creationId xmlns:a16="http://schemas.microsoft.com/office/drawing/2014/main" id="{0A1D42D6-7CBF-E74C-8DDD-C410133E1FCB}"/>
+                  </a:ext>
+                </a:extLst>
+              </p:cNvPr>
+              <p:cNvSpPr txBox="1">
+                <a:spLocks noRot="1" noChangeAspect="1" noMove="1" noResize="1" noEditPoints="1" noAdjustHandles="1" noChangeArrowheads="1" noChangeShapeType="1" noTextEdit="1"/>
+              </p:cNvSpPr>
+              <p:nvPr/>
+            </p:nvSpPr>
+            <p:spPr>
+              <a:xfrm>
+                <a:off x="12451077" y="9629935"/>
+                <a:ext cx="519116" cy="384721"/>
+              </a:xfrm>
+              <a:prstGeom prst="rect">
+                <a:avLst/>
+              </a:prstGeom>
+              <a:blipFill>
+                <a:blip r:embed="rId16"/>
+                <a:stretch>
+                  <a:fillRect l="-14286" r="-4762" b="-12903"/>
+                </a:stretch>
+              </a:blipFill>
+            </p:spPr>
+            <p:txBody>
+              <a:bodyPr/>
+              <a:lstStyle/>
+              <a:p>
+                <a:r>
+                  <a:rPr lang="en-US">
+                    <a:noFill/>
+                  </a:rPr>
+                  <a:t> </a:t>
+                </a:r>
+              </a:p>
+            </p:txBody>
+          </p:sp>
+        </mc:Fallback>
+      </mc:AlternateContent>
+      <p:sp>
+        <p:nvSpPr>
+          <p:cNvPr id="5" name="TextBox 4">
+            <a:extLst>
+              <a:ext uri="{FF2B5EF4-FFF2-40B4-BE49-F238E27FC236}">
+                <a16:creationId xmlns:a16="http://schemas.microsoft.com/office/drawing/2014/main" id="{6C1D79B5-B3B3-7243-BB4B-CB02F5A06F49}"/>
+              </a:ext>
+            </a:extLst>
+          </p:cNvPr>
+          <p:cNvSpPr txBox="1"/>
+          <p:nvPr/>
+        </p:nvSpPr>
+        <p:spPr>
+          <a:xfrm>
+            <a:off x="175562" y="4272047"/>
+            <a:ext cx="1240328" cy="553998"/>
+          </a:xfrm>
+          <a:prstGeom prst="rect">
+            <a:avLst/>
+          </a:prstGeom>
+          <a:noFill/>
+        </p:spPr>
+        <p:txBody>
+          <a:bodyPr wrap="square" rtlCol="0">
+            <a:spAutoFit/>
+          </a:bodyPr>
+          <a:lstStyle/>
+          <a:p>
+            <a:r>
+              <a:rPr lang="en-US" sz="3000" dirty="0"/>
+              <a:t>a)</a:t>
+            </a:r>
+          </a:p>
+        </p:txBody>
+      </p:sp>
+      <p:sp>
+        <p:nvSpPr>
+          <p:cNvPr id="36" name="TextBox 35">
+            <a:extLst>
+              <a:ext uri="{FF2B5EF4-FFF2-40B4-BE49-F238E27FC236}">
+                <a16:creationId xmlns:a16="http://schemas.microsoft.com/office/drawing/2014/main" id="{5F223F57-9852-6142-A055-0372A9CE351D}"/>
+              </a:ext>
+            </a:extLst>
+          </p:cNvPr>
+          <p:cNvSpPr txBox="1"/>
+          <p:nvPr/>
+        </p:nvSpPr>
+        <p:spPr>
+          <a:xfrm>
+            <a:off x="175562" y="6138082"/>
+            <a:ext cx="1240328" cy="553998"/>
+          </a:xfrm>
+          <a:prstGeom prst="rect">
+            <a:avLst/>
+          </a:prstGeom>
+          <a:noFill/>
+        </p:spPr>
+        <p:txBody>
+          <a:bodyPr wrap="square" rtlCol="0">
+            <a:spAutoFit/>
+          </a:bodyPr>
+          <a:lstStyle/>
+          <a:p>
+            <a:r>
+              <a:rPr lang="en-US" sz="3000" dirty="0"/>
+              <a:t>b)</a:t>
+            </a:r>
+          </a:p>
+        </p:txBody>
+      </p:sp>
+      <p:sp>
+        <p:nvSpPr>
+          <p:cNvPr id="38" name="TextBox 37">
+            <a:extLst>
+              <a:ext uri="{FF2B5EF4-FFF2-40B4-BE49-F238E27FC236}">
+                <a16:creationId xmlns:a16="http://schemas.microsoft.com/office/drawing/2014/main" id="{968F0385-5F3D-0F4C-B7ED-9AAE29BD270D}"/>
+              </a:ext>
+            </a:extLst>
+          </p:cNvPr>
+          <p:cNvSpPr txBox="1"/>
+          <p:nvPr/>
+        </p:nvSpPr>
+        <p:spPr>
+          <a:xfrm>
+            <a:off x="6447715" y="6135194"/>
+            <a:ext cx="1240328" cy="553998"/>
+          </a:xfrm>
+          <a:prstGeom prst="rect">
+            <a:avLst/>
+          </a:prstGeom>
+          <a:noFill/>
+        </p:spPr>
+        <p:txBody>
+          <a:bodyPr wrap="square" rtlCol="0">
+            <a:spAutoFit/>
+          </a:bodyPr>
+          <a:lstStyle/>
+          <a:p>
+            <a:r>
+              <a:rPr lang="en-US" sz="3000" dirty="0"/>
+              <a:t>c)</a:t>
+            </a:r>
+          </a:p>
+        </p:txBody>
+      </p:sp>
+      <p:sp>
+        <p:nvSpPr>
+          <p:cNvPr id="39" name="TextBox 38">
+            <a:extLst>
+              <a:ext uri="{FF2B5EF4-FFF2-40B4-BE49-F238E27FC236}">
+                <a16:creationId xmlns:a16="http://schemas.microsoft.com/office/drawing/2014/main" id="{349D8427-F76C-A447-8F79-C9E9134E59DB}"/>
+              </a:ext>
+            </a:extLst>
+          </p:cNvPr>
+          <p:cNvSpPr txBox="1"/>
+          <p:nvPr/>
+        </p:nvSpPr>
+        <p:spPr>
+          <a:xfrm>
+            <a:off x="197966" y="10154211"/>
+            <a:ext cx="1240328" cy="553998"/>
+          </a:xfrm>
+          <a:prstGeom prst="rect">
+            <a:avLst/>
+          </a:prstGeom>
+          <a:noFill/>
+        </p:spPr>
+        <p:txBody>
+          <a:bodyPr wrap="square" rtlCol="0">
+            <a:spAutoFit/>
+          </a:bodyPr>
+          <a:lstStyle/>
+          <a:p>
+            <a:r>
+              <a:rPr lang="en-US" sz="3000" dirty="0"/>
+              <a:t>d)</a:t>
+            </a:r>
+          </a:p>
+        </p:txBody>
+      </p:sp>
+    </p:spTree>
+    <p:extLst>
+      <p:ext uri="{BB962C8B-B14F-4D97-AF65-F5344CB8AC3E}">
+        <p14:creationId xmlns:p14="http://schemas.microsoft.com/office/powerpoint/2010/main" val="2175284940"/>
+      </p:ext>
+    </p:extLst>
+  </p:cSld>
+  <p:clrMapOvr>
+    <a:masterClrMapping/>
+  </p:clrMapOvr>
+</p:sld>
+</file>
+
+<file path=ppt/slides/slide8.xml><?xml version="1.0" encoding="utf-8"?>
+<p:sld xmlns:a="http://schemas.openxmlformats.org/drawingml/2006/main" xmlns:r="http://schemas.openxmlformats.org/officeDocument/2006/relationships" xmlns:p="http://schemas.openxmlformats.org/presentationml/2006/main">
+  <p:cSld>
+    <p:spTree>
+      <p:nvGrpSpPr>
+        <p:cNvPr id="1" name=""/>
+        <p:cNvGrpSpPr/>
+        <p:nvPr/>
+      </p:nvGrpSpPr>
+      <p:grpSpPr>
+        <a:xfrm>
+          <a:off x="0" y="0"/>
+          <a:ext cx="0" cy="0"/>
+          <a:chOff x="0" y="0"/>
+          <a:chExt cx="0" cy="0"/>
+        </a:xfrm>
+      </p:grpSpPr>
+      <p:pic>
+        <p:nvPicPr>
+          <p:cNvPr id="5" name="Picture 4" descr="Shape&#10;&#10;Description automatically generated">
+            <a:extLst>
+              <a:ext uri="{FF2B5EF4-FFF2-40B4-BE49-F238E27FC236}">
+                <a16:creationId xmlns:a16="http://schemas.microsoft.com/office/drawing/2014/main" id="{6FDDB792-2DF6-094D-99A8-FEE2A2F84B20}"/>
+              </a:ext>
+            </a:extLst>
+          </p:cNvPr>
+          <p:cNvPicPr>
+            <a:picLocks noChangeAspect="1"/>
+          </p:cNvPicPr>
+          <p:nvPr/>
+        </p:nvPicPr>
+        <p:blipFill>
+          <a:blip r:embed="rId2"/>
+          <a:stretch>
+            <a:fillRect/>
+          </a:stretch>
+        </p:blipFill>
+        <p:spPr>
+          <a:xfrm>
+            <a:off x="1530350" y="1191507"/>
+            <a:ext cx="3478068" cy="6485066"/>
+          </a:xfrm>
+          <a:prstGeom prst="rect">
+            <a:avLst/>
+          </a:prstGeom>
+        </p:spPr>
+      </p:pic>
+      <p:pic>
+        <p:nvPicPr>
+          <p:cNvPr id="7" name="Picture 6">
+            <a:extLst>
+              <a:ext uri="{FF2B5EF4-FFF2-40B4-BE49-F238E27FC236}">
+                <a16:creationId xmlns:a16="http://schemas.microsoft.com/office/drawing/2014/main" id="{C8B6F377-D5A2-B842-A6F3-65BF4A922C13}"/>
+              </a:ext>
+            </a:extLst>
+          </p:cNvPr>
+          <p:cNvPicPr>
+            <a:picLocks noChangeAspect="1"/>
+          </p:cNvPicPr>
+          <p:nvPr/>
+        </p:nvPicPr>
+        <p:blipFill>
+          <a:blip r:embed="rId3"/>
+          <a:stretch>
+            <a:fillRect/>
+          </a:stretch>
+        </p:blipFill>
+        <p:spPr>
+          <a:xfrm>
+            <a:off x="5340927" y="2646803"/>
+            <a:ext cx="6337510" cy="5029770"/>
+          </a:xfrm>
+          <a:prstGeom prst="rect">
+            <a:avLst/>
+          </a:prstGeom>
+        </p:spPr>
+      </p:pic>
+      <p:sp>
+        <p:nvSpPr>
+          <p:cNvPr id="8" name="Rectangle 7">
+            <a:extLst>
+              <a:ext uri="{FF2B5EF4-FFF2-40B4-BE49-F238E27FC236}">
+                <a16:creationId xmlns:a16="http://schemas.microsoft.com/office/drawing/2014/main" id="{3F1EDCA5-1E2F-D646-BCEA-23759B3AD5BC}"/>
+              </a:ext>
+            </a:extLst>
+          </p:cNvPr>
+          <p:cNvSpPr/>
+          <p:nvPr/>
+        </p:nvSpPr>
+        <p:spPr>
+          <a:xfrm>
+            <a:off x="1530350" y="955963"/>
+            <a:ext cx="3392424" cy="1690840"/>
+          </a:xfrm>
+          <a:prstGeom prst="rect">
+            <a:avLst/>
+          </a:prstGeom>
+          <a:solidFill>
+            <a:schemeClr val="bg1"/>
+          </a:solidFill>
+          <a:ln>
+            <a:solidFill>
+              <a:schemeClr val="bg1"/>
+            </a:solidFill>
+          </a:ln>
+        </p:spPr>
+        <p:style>
+          <a:lnRef idx="2">
+            <a:schemeClr val="accent1">
+              <a:shade val="50000"/>
+            </a:schemeClr>
+          </a:lnRef>
+          <a:fillRef idx="1">
+            <a:schemeClr val="accent1"/>
+          </a:fillRef>
+          <a:effectRef idx="0">
+            <a:schemeClr val="accent1"/>
+          </a:effectRef>
+          <a:fontRef idx="minor">
+            <a:schemeClr val="lt1"/>
+          </a:fontRef>
+        </p:style>
+        <p:txBody>
+          <a:bodyPr rtlCol="0" anchor="ctr"/>
+          <a:lstStyle/>
+          <a:p>
+            <a:pPr algn="ctr"/>
+            <a:endParaRPr lang="en-US"/>
+          </a:p>
+        </p:txBody>
+      </p:sp>
+      <p:pic>
+        <p:nvPicPr>
+          <p:cNvPr id="15" name="Picture 14" descr="Chart&#10;&#10;Description automatically generated with low confidence">
+            <a:extLst>
+              <a:ext uri="{FF2B5EF4-FFF2-40B4-BE49-F238E27FC236}">
+                <a16:creationId xmlns:a16="http://schemas.microsoft.com/office/drawing/2014/main" id="{416868A4-589A-F049-A7B3-D789496823B9}"/>
+              </a:ext>
+            </a:extLst>
+          </p:cNvPr>
+          <p:cNvPicPr>
+            <a:picLocks noChangeAspect="1"/>
+          </p:cNvPicPr>
+          <p:nvPr/>
+        </p:nvPicPr>
+        <p:blipFill rotWithShape="1">
+          <a:blip r:embed="rId4"/>
+          <a:srcRect l="7563" r="32685" b="14275"/>
+          <a:stretch/>
+        </p:blipFill>
+        <p:spPr>
+          <a:xfrm>
+            <a:off x="1842080" y="7912117"/>
+            <a:ext cx="2898083" cy="4425340"/>
+          </a:xfrm>
+          <a:prstGeom prst="rect">
+            <a:avLst/>
+          </a:prstGeom>
+        </p:spPr>
+      </p:pic>
+      <p:pic>
+        <p:nvPicPr>
+          <p:cNvPr id="16" name="Picture 15" descr="A picture containing text, ax, vector graphics&#10;&#10;Description automatically generated">
+            <a:extLst>
+              <a:ext uri="{FF2B5EF4-FFF2-40B4-BE49-F238E27FC236}">
+                <a16:creationId xmlns:a16="http://schemas.microsoft.com/office/drawing/2014/main" id="{F96C902E-3086-D947-99C5-48CC9593A66D}"/>
+              </a:ext>
+            </a:extLst>
+          </p:cNvPr>
+          <p:cNvPicPr>
+            <a:picLocks noChangeAspect="1"/>
+          </p:cNvPicPr>
+          <p:nvPr/>
+        </p:nvPicPr>
+        <p:blipFill rotWithShape="1">
+          <a:blip r:embed="rId5"/>
+          <a:srcRect l="15372" r="24878" b="14275"/>
+          <a:stretch/>
+        </p:blipFill>
+        <p:spPr>
+          <a:xfrm>
+            <a:off x="4740163" y="7912117"/>
+            <a:ext cx="2898083" cy="4425340"/>
+          </a:xfrm>
+          <a:prstGeom prst="rect">
+            <a:avLst/>
+          </a:prstGeom>
+        </p:spPr>
+      </p:pic>
+      <p:pic>
+        <p:nvPicPr>
+          <p:cNvPr id="17" name="Picture 16" descr="A picture containing shape&#10;&#10;Description automatically generated">
+            <a:extLst>
+              <a:ext uri="{FF2B5EF4-FFF2-40B4-BE49-F238E27FC236}">
+                <a16:creationId xmlns:a16="http://schemas.microsoft.com/office/drawing/2014/main" id="{64DB8537-E9C7-1B4F-A8A3-DA05C5956F35}"/>
+              </a:ext>
+            </a:extLst>
+          </p:cNvPr>
+          <p:cNvPicPr>
+            <a:picLocks noChangeAspect="1"/>
+          </p:cNvPicPr>
+          <p:nvPr/>
+        </p:nvPicPr>
+        <p:blipFill rotWithShape="1">
+          <a:blip r:embed="rId6"/>
+          <a:srcRect l="15372" r="24878" b="14275"/>
+          <a:stretch/>
+        </p:blipFill>
+        <p:spPr>
+          <a:xfrm>
+            <a:off x="7638246" y="7912117"/>
+            <a:ext cx="2898083" cy="4425340"/>
+          </a:xfrm>
+          <a:prstGeom prst="rect">
+            <a:avLst/>
+          </a:prstGeom>
+        </p:spPr>
+      </p:pic>
+      <p:pic>
+        <p:nvPicPr>
+          <p:cNvPr id="19" name="Picture 18" descr="A picture containing shape&#10;&#10;Description automatically generated">
+            <a:extLst>
+              <a:ext uri="{FF2B5EF4-FFF2-40B4-BE49-F238E27FC236}">
+                <a16:creationId xmlns:a16="http://schemas.microsoft.com/office/drawing/2014/main" id="{CEBA0BF1-3AEF-F344-8382-4C84B019F44B}"/>
+              </a:ext>
+            </a:extLst>
+          </p:cNvPr>
+          <p:cNvPicPr>
+            <a:picLocks noChangeAspect="1"/>
+          </p:cNvPicPr>
+          <p:nvPr/>
+        </p:nvPicPr>
+        <p:blipFill rotWithShape="1">
+          <a:blip r:embed="rId6"/>
+          <a:srcRect l="74980" t="62376" r="-259" b="-1023"/>
+          <a:stretch/>
+        </p:blipFill>
+        <p:spPr>
+          <a:xfrm>
+            <a:off x="10582560" y="9075898"/>
+            <a:ext cx="1526630" cy="2484006"/>
+          </a:xfrm>
+          <a:prstGeom prst="rect">
+            <a:avLst/>
+          </a:prstGeom>
+        </p:spPr>
+      </p:pic>
+      <p:sp>
+        <p:nvSpPr>
+          <p:cNvPr id="20" name="TextBox 19">
+            <a:extLst>
+              <a:ext uri="{FF2B5EF4-FFF2-40B4-BE49-F238E27FC236}">
+                <a16:creationId xmlns:a16="http://schemas.microsoft.com/office/drawing/2014/main" id="{E8F2FE10-A32C-2A4E-A264-41352FD0A4C2}"/>
+              </a:ext>
+            </a:extLst>
+          </p:cNvPr>
+          <p:cNvSpPr txBox="1"/>
+          <p:nvPr/>
+        </p:nvSpPr>
+        <p:spPr>
+          <a:xfrm>
+            <a:off x="1228195" y="6858000"/>
+            <a:ext cx="1240328" cy="553998"/>
+          </a:xfrm>
+          <a:prstGeom prst="rect">
+            <a:avLst/>
+          </a:prstGeom>
+          <a:noFill/>
+        </p:spPr>
+        <p:txBody>
+          <a:bodyPr wrap="square" rtlCol="0">
+            <a:spAutoFit/>
+          </a:bodyPr>
+          <a:lstStyle/>
+          <a:p>
+            <a:r>
+              <a:rPr lang="en-US" sz="3000" dirty="0"/>
+              <a:t>a)</a:t>
+            </a:r>
+          </a:p>
+        </p:txBody>
+      </p:sp>
+      <p:sp>
+        <p:nvSpPr>
+          <p:cNvPr id="21" name="TextBox 20">
+            <a:extLst>
+              <a:ext uri="{FF2B5EF4-FFF2-40B4-BE49-F238E27FC236}">
+                <a16:creationId xmlns:a16="http://schemas.microsoft.com/office/drawing/2014/main" id="{E7B5BA10-F87A-9C48-A16E-16D0C613D56B}"/>
+              </a:ext>
+            </a:extLst>
+          </p:cNvPr>
+          <p:cNvSpPr txBox="1"/>
+          <p:nvPr/>
+        </p:nvSpPr>
+        <p:spPr>
+          <a:xfrm>
+            <a:off x="4948876" y="6858000"/>
+            <a:ext cx="1240328" cy="553998"/>
+          </a:xfrm>
+          <a:prstGeom prst="rect">
+            <a:avLst/>
+          </a:prstGeom>
+          <a:noFill/>
+        </p:spPr>
+        <p:txBody>
+          <a:bodyPr wrap="square" rtlCol="0">
+            <a:spAutoFit/>
+          </a:bodyPr>
+          <a:lstStyle/>
+          <a:p>
+            <a:r>
+              <a:rPr lang="en-US" sz="3000" dirty="0"/>
+              <a:t>b)</a:t>
+            </a:r>
+          </a:p>
+        </p:txBody>
+      </p:sp>
+      <p:sp>
+        <p:nvSpPr>
+          <p:cNvPr id="22" name="TextBox 21">
+            <a:extLst>
+              <a:ext uri="{FF2B5EF4-FFF2-40B4-BE49-F238E27FC236}">
+                <a16:creationId xmlns:a16="http://schemas.microsoft.com/office/drawing/2014/main" id="{93D7F03B-38CB-5845-BDEE-75DAC9AD68B8}"/>
+              </a:ext>
+            </a:extLst>
+          </p:cNvPr>
+          <p:cNvSpPr txBox="1"/>
+          <p:nvPr/>
+        </p:nvSpPr>
+        <p:spPr>
+          <a:xfrm>
+            <a:off x="1228195" y="11559904"/>
+            <a:ext cx="1240328" cy="553998"/>
+          </a:xfrm>
+          <a:prstGeom prst="rect">
+            <a:avLst/>
+          </a:prstGeom>
+          <a:noFill/>
+        </p:spPr>
+        <p:txBody>
+          <a:bodyPr wrap="square" rtlCol="0">
+            <a:spAutoFit/>
+          </a:bodyPr>
+          <a:lstStyle/>
+          <a:p>
+            <a:r>
+              <a:rPr lang="en-US" sz="3000" dirty="0"/>
+              <a:t>c)</a:t>
+            </a:r>
+          </a:p>
+        </p:txBody>
+      </p:sp>
+    </p:spTree>
+    <p:extLst>
+      <p:ext uri="{BB962C8B-B14F-4D97-AF65-F5344CB8AC3E}">
+        <p14:creationId xmlns:p14="http://schemas.microsoft.com/office/powerpoint/2010/main" val="3366717966"/>
+      </p:ext>
+    </p:extLst>
+  </p:cSld>
+  <p:clrMapOvr>
+    <a:masterClrMapping/>
+  </p:clrMapOvr>
+</p:sld>
+</file>
+
+<file path=ppt/slides/slide9.xml><?xml version="1.0" encoding="utf-8"?>
+<p:sld xmlns:a="http://schemas.openxmlformats.org/drawingml/2006/main" xmlns:r="http://schemas.openxmlformats.org/officeDocument/2006/relationships" xmlns:p="http://schemas.openxmlformats.org/presentationml/2006/main">
+  <p:cSld>
+    <p:spTree>
+      <p:nvGrpSpPr>
+        <p:cNvPr id="1" name=""/>
+        <p:cNvGrpSpPr/>
+        <p:nvPr/>
+      </p:nvGrpSpPr>
+      <p:grpSpPr>
+        <a:xfrm>
+          <a:off x="0" y="0"/>
+          <a:ext cx="0" cy="0"/>
+          <a:chOff x="0" y="0"/>
+          <a:chExt cx="0" cy="0"/>
+        </a:xfrm>
+      </p:grpSpPr>
+    </p:spTree>
+    <p:extLst>
+      <p:ext uri="{BB962C8B-B14F-4D97-AF65-F5344CB8AC3E}">
+        <p14:creationId xmlns:p14="http://schemas.microsoft.com/office/powerpoint/2010/main" val="1029848698"/>
       </p:ext>
     </p:extLst>
   </p:cSld>
@@ -6163,9 +9370,9 @@
 </file>
 
 <file path=ppt/theme/theme1.xml><?xml version="1.0" encoding="utf-8"?>
-<a:theme xmlns:a="http://schemas.openxmlformats.org/drawingml/2006/main" name="Gallery">
+<a:theme xmlns:a="http://schemas.openxmlformats.org/drawingml/2006/main" name="Office Theme">
   <a:themeElements>
-    <a:clrScheme name="Gallery">
+    <a:clrScheme name="Office Theme">
       <a:dk1>
         <a:sysClr val="windowText" lastClr="000000"/>
       </a:dk1>
@@ -6173,39 +9380,39 @@
         <a:sysClr val="window" lastClr="FFFFFF"/>
       </a:lt1>
       <a:dk2>
-        <a:srgbClr val="454545"/>
+        <a:srgbClr val="44546A"/>
       </a:dk2>
       <a:lt2>
-        <a:srgbClr val="DFDBD5"/>
+        <a:srgbClr val="E7E6E6"/>
       </a:lt2>
       <a:accent1>
-        <a:srgbClr val="B71E42"/>
+        <a:srgbClr val="4472C4"/>
       </a:accent1>
       <a:accent2>
-        <a:srgbClr val="DE478E"/>
+        <a:srgbClr val="ED7D31"/>
       </a:accent2>
       <a:accent3>
-        <a:srgbClr val="BC72F0"/>
+        <a:srgbClr val="A5A5A5"/>
       </a:accent3>
       <a:accent4>
-        <a:srgbClr val="795FAF"/>
+        <a:srgbClr val="FFC000"/>
       </a:accent4>
       <a:accent5>
-        <a:srgbClr val="586EA6"/>
+        <a:srgbClr val="5B9BD5"/>
       </a:accent5>
       <a:accent6>
-        <a:srgbClr val="6892A0"/>
+        <a:srgbClr val="70AD47"/>
       </a:accent6>
       <a:hlink>
-        <a:srgbClr val="FA2B5C"/>
+        <a:srgbClr val="0563C1"/>
       </a:hlink>
       <a:folHlink>
-        <a:srgbClr val="BC658E"/>
+        <a:srgbClr val="954F72"/>
       </a:folHlink>
     </a:clrScheme>
-    <a:fontScheme name="Gallery">
+    <a:fontScheme name="Office Theme">
       <a:majorFont>
-        <a:latin typeface="Gill Sans MT" panose="020B0502020104020203"/>
+        <a:latin typeface="Calibri Light" panose="020F0302020204030204"/>
         <a:ea typeface=""/>
         <a:cs typeface=""/>
         <a:font script="Jpan" typeface="游ゴシック Light"/>
@@ -6240,7 +9447,7 @@
         <a:font script="Geor" typeface="Sylfaen"/>
       </a:majorFont>
       <a:minorFont>
-        <a:latin typeface="Gill Sans MT" panose="020B0502020104020203"/>
+        <a:latin typeface="Calibri" panose="020F0502020204030204"/>
         <a:ea typeface=""/>
         <a:cs typeface=""/>
         <a:font script="Jpan" typeface="游ゴシック"/>
@@ -6275,7 +9482,7 @@
         <a:font script="Geor" typeface="Sylfaen"/>
       </a:minorFont>
     </a:fontScheme>
-    <a:fmtScheme name="Gallery">
+    <a:fmtScheme name="Office Theme">
       <a:fillStyleLst>
         <a:solidFill>
           <a:schemeClr val="phClr"/>
@@ -6284,18 +9491,23 @@
           <a:gsLst>
             <a:gs pos="0">
               <a:schemeClr val="phClr">
-                <a:tint val="54000"/>
-                <a:alpha val="100000"/>
+                <a:lumMod val="110000"/>
                 <a:satMod val="105000"/>
-                <a:lumMod val="110000"/>
+                <a:tint val="67000"/>
+              </a:schemeClr>
+            </a:gs>
+            <a:gs pos="50000">
+              <a:schemeClr val="phClr">
+                <a:lumMod val="105000"/>
+                <a:satMod val="103000"/>
+                <a:tint val="73000"/>
               </a:schemeClr>
             </a:gs>
             <a:gs pos="100000">
               <a:schemeClr val="phClr">
-                <a:tint val="78000"/>
-                <a:alpha val="92000"/>
+                <a:lumMod val="105000"/>
                 <a:satMod val="109000"/>
-                <a:lumMod val="100000"/>
+                <a:tint val="81000"/>
               </a:schemeClr>
             </a:gs>
           </a:gsLst>
@@ -6305,23 +9517,23 @@
           <a:gsLst>
             <a:gs pos="0">
               <a:schemeClr val="phClr">
-                <a:tint val="98000"/>
-                <a:satMod val="110000"/>
-                <a:lumMod val="104000"/>
+                <a:satMod val="103000"/>
+                <a:lumMod val="102000"/>
+                <a:tint val="94000"/>
               </a:schemeClr>
             </a:gs>
-            <a:gs pos="69000">
+            <a:gs pos="50000">
               <a:schemeClr val="phClr">
-                <a:shade val="88000"/>
-                <a:satMod val="130000"/>
-                <a:lumMod val="92000"/>
+                <a:satMod val="110000"/>
+                <a:lumMod val="100000"/>
+                <a:shade val="100000"/>
               </a:schemeClr>
             </a:gs>
             <a:gs pos="100000">
               <a:schemeClr val="phClr">
+                <a:lumMod val="99000"/>
+                <a:satMod val="120000"/>
                 <a:shade val="78000"/>
-                <a:satMod val="130000"/>
-                <a:lumMod val="92000"/>
               </a:schemeClr>
             </a:gs>
           </a:gsLst>
@@ -6329,23 +9541,26 @@
         </a:gradFill>
       </a:fillStyleLst>
       <a:lnStyleLst>
-        <a:ln w="9525" cap="flat" cmpd="sng" algn="ctr">
+        <a:ln w="6350" cap="flat" cmpd="sng" algn="ctr">
           <a:solidFill>
             <a:schemeClr val="phClr"/>
           </a:solidFill>
           <a:prstDash val="solid"/>
+          <a:miter lim="800000"/>
         </a:ln>
-        <a:ln w="15875" cap="flat" cmpd="sng" algn="ctr">
+        <a:ln w="12700" cap="flat" cmpd="sng" algn="ctr">
           <a:solidFill>
             <a:schemeClr val="phClr"/>
           </a:solidFill>
           <a:prstDash val="solid"/>
+          <a:miter lim="800000"/>
         </a:ln>
-        <a:ln w="22225" cap="flat" cmpd="sng" algn="ctr">
+        <a:ln w="19050" cap="flat" cmpd="sng" algn="ctr">
           <a:solidFill>
             <a:schemeClr val="phClr"/>
           </a:solidFill>
           <a:prstDash val="solid"/>
+          <a:miter lim="800000"/>
         </a:ln>
       </a:lnStyleLst>
       <a:effectStyleLst>
@@ -6357,23 +9572,12 @@
         </a:effectStyle>
         <a:effectStyle>
           <a:effectLst>
-            <a:outerShdw blurRad="50800" dist="50800" dir="5400000" sx="96000" sy="96000" rotWithShape="0">
+            <a:outerShdw blurRad="57150" dist="19050" dir="5400000" algn="ctr" rotWithShape="0">
               <a:srgbClr val="000000">
-                <a:alpha val="48000"/>
+                <a:alpha val="63000"/>
               </a:srgbClr>
             </a:outerShdw>
           </a:effectLst>
-          <a:scene3d>
-            <a:camera prst="orthographicFront">
-              <a:rot lat="0" lon="0" rev="0"/>
-            </a:camera>
-            <a:lightRig rig="balanced" dir="t">
-              <a:rot lat="0" lon="0" rev="1080000"/>
-            </a:lightRig>
-          </a:scene3d>
-          <a:sp3d>
-            <a:bevelT w="38100" h="12700" prst="softRound"/>
-          </a:sp3d>
         </a:effectStyle>
       </a:effectStyleLst>
       <a:bgFillStyleLst>
@@ -6381,26 +9585,37 @@
           <a:schemeClr val="phClr"/>
         </a:solidFill>
         <a:solidFill>
-          <a:schemeClr val="phClr"/>
+          <a:schemeClr val="phClr">
+            <a:tint val="95000"/>
+            <a:satMod val="170000"/>
+          </a:schemeClr>
         </a:solidFill>
         <a:gradFill rotWithShape="1">
           <a:gsLst>
             <a:gs pos="0">
               <a:schemeClr val="phClr">
-                <a:tint val="94000"/>
-                <a:satMod val="80000"/>
-                <a:lumMod val="106000"/>
+                <a:tint val="93000"/>
+                <a:satMod val="150000"/>
+                <a:shade val="98000"/>
+                <a:lumMod val="102000"/>
+              </a:schemeClr>
+            </a:gs>
+            <a:gs pos="50000">
+              <a:schemeClr val="phClr">
+                <a:tint val="98000"/>
+                <a:satMod val="130000"/>
+                <a:shade val="90000"/>
+                <a:lumMod val="103000"/>
               </a:schemeClr>
             </a:gs>
             <a:gs pos="100000">
               <a:schemeClr val="phClr">
-                <a:shade val="80000"/>
+                <a:shade val="63000"/>
+                <a:satMod val="120000"/>
               </a:schemeClr>
             </a:gs>
           </a:gsLst>
-          <a:path path="circle">
-            <a:fillToRect l="50000" t="50000" r="50000" b="50000"/>
-          </a:path>
+          <a:lin ang="5400000" scaled="0"/>
         </a:gradFill>
       </a:bgFillStyleLst>
     </a:fmtScheme>
@@ -6409,7 +9624,7 @@
   <a:extraClrSchemeLst/>
   <a:extLst>
     <a:ext uri="{05A4C25C-085E-4340-85A3-A5531E510DB2}">
-      <thm15:themeFamily xmlns:thm15="http://schemas.microsoft.com/office/thememl/2012/main" name="Gallery" id="{BBFCD31E-59A1-489D-B089-A3EAD7CAE12E}" vid="{F5E91637-A7B6-4E27-B710-77DA7014EE1E}"/>
+      <thm15:themeFamily xmlns:thm15="http://schemas.microsoft.com/office/thememl/2012/main" name="Office Theme" id="{62F939B6-93AF-4DB8-9C6B-D6C7DFDC589F}" vid="{4A3C46E8-61CC-4603-A589-7422A47A8E4A}"/>
     </a:ext>
   </a:extLst>
 </a:theme>

--- a/Phase_Field_Fracture/Figures/PaperFigures.pptx
+++ b/Phase_Field_Fracture/Figures/PaperFigures.pptx
@@ -2,7 +2,7 @@
 <file path=ppt/presentation.xml><?xml version="1.0" encoding="utf-8"?>
 <p:presentation xmlns:a="http://schemas.openxmlformats.org/drawingml/2006/main" xmlns:r="http://schemas.openxmlformats.org/officeDocument/2006/relationships" xmlns:p="http://schemas.openxmlformats.org/presentationml/2006/main" saveSubsetFonts="1" autoCompressPictures="0">
   <p:sldMasterIdLst>
-    <p:sldMasterId id="2147483828" r:id="rId1"/>
+    <p:sldMasterId id="2147483852" r:id="rId1"/>
   </p:sldMasterIdLst>
   <p:notesMasterIdLst>
     <p:notesMasterId r:id="rId11"/>
@@ -15,8 +15,8 @@
     <p:sldId id="262" r:id="rId6"/>
     <p:sldId id="263" r:id="rId7"/>
     <p:sldId id="265" r:id="rId8"/>
-    <p:sldId id="267" r:id="rId9"/>
-    <p:sldId id="268" r:id="rId10"/>
+    <p:sldId id="268" r:id="rId9"/>
+    <p:sldId id="267" r:id="rId10"/>
   </p:sldIdLst>
   <p:sldSz cx="13716000" cy="13716000"/>
   <p:notesSz cx="6858000" cy="9144000"/>
@@ -938,6 +938,90 @@
 </p:notes>
 </file>
 
+<file path=ppt/notesSlides/notesSlide6.xml><?xml version="1.0" encoding="utf-8"?>
+<p:notes xmlns:a="http://schemas.openxmlformats.org/drawingml/2006/main" xmlns:r="http://schemas.openxmlformats.org/officeDocument/2006/relationships" xmlns:p="http://schemas.openxmlformats.org/presentationml/2006/main">
+  <p:cSld>
+    <p:spTree>
+      <p:nvGrpSpPr>
+        <p:cNvPr id="1" name=""/>
+        <p:cNvGrpSpPr/>
+        <p:nvPr/>
+      </p:nvGrpSpPr>
+      <p:grpSpPr>
+        <a:xfrm>
+          <a:off x="0" y="0"/>
+          <a:ext cx="0" cy="0"/>
+          <a:chOff x="0" y="0"/>
+          <a:chExt cx="0" cy="0"/>
+        </a:xfrm>
+      </p:grpSpPr>
+      <p:sp>
+        <p:nvSpPr>
+          <p:cNvPr id="2" name="Slide Image Placeholder 1"/>
+          <p:cNvSpPr>
+            <a:spLocks noGrp="1" noRot="1" noChangeAspect="1"/>
+          </p:cNvSpPr>
+          <p:nvPr>
+            <p:ph type="sldImg"/>
+          </p:nvPr>
+        </p:nvSpPr>
+        <p:spPr/>
+      </p:sp>
+      <p:sp>
+        <p:nvSpPr>
+          <p:cNvPr id="3" name="Notes Placeholder 2"/>
+          <p:cNvSpPr>
+            <a:spLocks noGrp="1"/>
+          </p:cNvSpPr>
+          <p:nvPr>
+            <p:ph type="body" idx="1"/>
+          </p:nvPr>
+        </p:nvSpPr>
+        <p:spPr/>
+        <p:txBody>
+          <a:bodyPr/>
+          <a:lstStyle/>
+          <a:p>
+            <a:endParaRPr lang="en-US" dirty="0"/>
+          </a:p>
+        </p:txBody>
+      </p:sp>
+      <p:sp>
+        <p:nvSpPr>
+          <p:cNvPr id="4" name="Slide Number Placeholder 3"/>
+          <p:cNvSpPr>
+            <a:spLocks noGrp="1"/>
+          </p:cNvSpPr>
+          <p:nvPr>
+            <p:ph type="sldNum" sz="quarter" idx="5"/>
+          </p:nvPr>
+        </p:nvSpPr>
+        <p:spPr/>
+        <p:txBody>
+          <a:bodyPr/>
+          <a:lstStyle/>
+          <a:p>
+            <a:fld id="{BF02AACD-DBFF-E94A-B9E6-6AAF40FB9DD4}" type="slidenum">
+              <a:rPr lang="en-US" smtClean="0"/>
+              <a:t>8</a:t>
+            </a:fld>
+            <a:endParaRPr lang="en-US"/>
+          </a:p>
+        </p:txBody>
+      </p:sp>
+    </p:spTree>
+    <p:extLst>
+      <p:ext uri="{BB962C8B-B14F-4D97-AF65-F5344CB8AC3E}">
+        <p14:creationId xmlns:p14="http://schemas.microsoft.com/office/powerpoint/2010/main" val="3384273486"/>
+      </p:ext>
+    </p:extLst>
+  </p:cSld>
+  <p:clrMapOvr>
+    <a:masterClrMapping/>
+  </p:clrMapOvr>
+</p:notes>
+</file>
+
 <file path=ppt/slideLayouts/slideLayout1.xml><?xml version="1.0" encoding="utf-8"?>
 <p:sldLayout xmlns:a="http://schemas.openxmlformats.org/drawingml/2006/main" xmlns:r="http://schemas.openxmlformats.org/officeDocument/2006/relationships" xmlns:p="http://schemas.openxmlformats.org/presentationml/2006/main" type="title" preserve="1">
   <p:cSld name="Title Slide">
@@ -1120,7 +1204,7 @@
     </p:spTree>
     <p:extLst>
       <p:ext uri="{BB962C8B-B14F-4D97-AF65-F5344CB8AC3E}">
-        <p14:creationId xmlns:p14="http://schemas.microsoft.com/office/powerpoint/2010/main" val="524083131"/>
+        <p14:creationId xmlns:p14="http://schemas.microsoft.com/office/powerpoint/2010/main" val="1847779213"/>
       </p:ext>
     </p:extLst>
   </p:cSld>
@@ -1290,7 +1374,7 @@
     </p:spTree>
     <p:extLst>
       <p:ext uri="{BB962C8B-B14F-4D97-AF65-F5344CB8AC3E}">
-        <p14:creationId xmlns:p14="http://schemas.microsoft.com/office/powerpoint/2010/main" val="2770982079"/>
+        <p14:creationId xmlns:p14="http://schemas.microsoft.com/office/powerpoint/2010/main" val="1267572903"/>
       </p:ext>
     </p:extLst>
   </p:cSld>
@@ -1470,7 +1554,7 @@
     </p:spTree>
     <p:extLst>
       <p:ext uri="{BB962C8B-B14F-4D97-AF65-F5344CB8AC3E}">
-        <p14:creationId xmlns:p14="http://schemas.microsoft.com/office/powerpoint/2010/main" val="2046701032"/>
+        <p14:creationId xmlns:p14="http://schemas.microsoft.com/office/powerpoint/2010/main" val="4137557192"/>
       </p:ext>
     </p:extLst>
   </p:cSld>
@@ -1640,7 +1724,7 @@
     </p:spTree>
     <p:extLst>
       <p:ext uri="{BB962C8B-B14F-4D97-AF65-F5344CB8AC3E}">
-        <p14:creationId xmlns:p14="http://schemas.microsoft.com/office/powerpoint/2010/main" val="1114470675"/>
+        <p14:creationId xmlns:p14="http://schemas.microsoft.com/office/powerpoint/2010/main" val="2769700014"/>
       </p:ext>
     </p:extLst>
   </p:cSld>
@@ -1884,7 +1968,7 @@
     </p:spTree>
     <p:extLst>
       <p:ext uri="{BB962C8B-B14F-4D97-AF65-F5344CB8AC3E}">
-        <p14:creationId xmlns:p14="http://schemas.microsoft.com/office/powerpoint/2010/main" val="4189326641"/>
+        <p14:creationId xmlns:p14="http://schemas.microsoft.com/office/powerpoint/2010/main" val="1663623447"/>
       </p:ext>
     </p:extLst>
   </p:cSld>
@@ -2116,7 +2200,7 @@
     </p:spTree>
     <p:extLst>
       <p:ext uri="{BB962C8B-B14F-4D97-AF65-F5344CB8AC3E}">
-        <p14:creationId xmlns:p14="http://schemas.microsoft.com/office/powerpoint/2010/main" val="1613828762"/>
+        <p14:creationId xmlns:p14="http://schemas.microsoft.com/office/powerpoint/2010/main" val="3567182869"/>
       </p:ext>
     </p:extLst>
   </p:cSld>
@@ -2483,7 +2567,7 @@
     </p:spTree>
     <p:extLst>
       <p:ext uri="{BB962C8B-B14F-4D97-AF65-F5344CB8AC3E}">
-        <p14:creationId xmlns:p14="http://schemas.microsoft.com/office/powerpoint/2010/main" val="1588411702"/>
+        <p14:creationId xmlns:p14="http://schemas.microsoft.com/office/powerpoint/2010/main" val="2226804362"/>
       </p:ext>
     </p:extLst>
   </p:cSld>
@@ -2601,7 +2685,7 @@
     </p:spTree>
     <p:extLst>
       <p:ext uri="{BB962C8B-B14F-4D97-AF65-F5344CB8AC3E}">
-        <p14:creationId xmlns:p14="http://schemas.microsoft.com/office/powerpoint/2010/main" val="1215536458"/>
+        <p14:creationId xmlns:p14="http://schemas.microsoft.com/office/powerpoint/2010/main" val="908540481"/>
       </p:ext>
     </p:extLst>
   </p:cSld>
@@ -2696,7 +2780,7 @@
     </p:spTree>
     <p:extLst>
       <p:ext uri="{BB962C8B-B14F-4D97-AF65-F5344CB8AC3E}">
-        <p14:creationId xmlns:p14="http://schemas.microsoft.com/office/powerpoint/2010/main" val="3550906588"/>
+        <p14:creationId xmlns:p14="http://schemas.microsoft.com/office/powerpoint/2010/main" val="3715641596"/>
       </p:ext>
     </p:extLst>
   </p:cSld>
@@ -2973,7 +3057,7 @@
     </p:spTree>
     <p:extLst>
       <p:ext uri="{BB962C8B-B14F-4D97-AF65-F5344CB8AC3E}">
-        <p14:creationId xmlns:p14="http://schemas.microsoft.com/office/powerpoint/2010/main" val="952110981"/>
+        <p14:creationId xmlns:p14="http://schemas.microsoft.com/office/powerpoint/2010/main" val="1115139901"/>
       </p:ext>
     </p:extLst>
   </p:cSld>
@@ -3230,7 +3314,7 @@
     </p:spTree>
     <p:extLst>
       <p:ext uri="{BB962C8B-B14F-4D97-AF65-F5344CB8AC3E}">
-        <p14:creationId xmlns:p14="http://schemas.microsoft.com/office/powerpoint/2010/main" val="3451566724"/>
+        <p14:creationId xmlns:p14="http://schemas.microsoft.com/office/powerpoint/2010/main" val="287473136"/>
       </p:ext>
     </p:extLst>
   </p:cSld>
@@ -3479,23 +3563,23 @@
     </p:spTree>
     <p:extLst>
       <p:ext uri="{BB962C8B-B14F-4D97-AF65-F5344CB8AC3E}">
-        <p14:creationId xmlns:p14="http://schemas.microsoft.com/office/powerpoint/2010/main" val="2966321234"/>
+        <p14:creationId xmlns:p14="http://schemas.microsoft.com/office/powerpoint/2010/main" val="1995202969"/>
       </p:ext>
     </p:extLst>
   </p:cSld>
   <p:clrMap bg1="lt1" tx1="dk1" bg2="lt2" tx2="dk2" accent1="accent1" accent2="accent2" accent3="accent3" accent4="accent4" accent5="accent5" accent6="accent6" hlink="hlink" folHlink="folHlink"/>
   <p:sldLayoutIdLst>
-    <p:sldLayoutId id="2147483829" r:id="rId1"/>
-    <p:sldLayoutId id="2147483830" r:id="rId2"/>
-    <p:sldLayoutId id="2147483831" r:id="rId3"/>
-    <p:sldLayoutId id="2147483832" r:id="rId4"/>
-    <p:sldLayoutId id="2147483833" r:id="rId5"/>
-    <p:sldLayoutId id="2147483834" r:id="rId6"/>
-    <p:sldLayoutId id="2147483835" r:id="rId7"/>
-    <p:sldLayoutId id="2147483836" r:id="rId8"/>
-    <p:sldLayoutId id="2147483837" r:id="rId9"/>
-    <p:sldLayoutId id="2147483838" r:id="rId10"/>
-    <p:sldLayoutId id="2147483839" r:id="rId11"/>
+    <p:sldLayoutId id="2147483853" r:id="rId1"/>
+    <p:sldLayoutId id="2147483854" r:id="rId2"/>
+    <p:sldLayoutId id="2147483855" r:id="rId3"/>
+    <p:sldLayoutId id="2147483856" r:id="rId4"/>
+    <p:sldLayoutId id="2147483857" r:id="rId5"/>
+    <p:sldLayoutId id="2147483858" r:id="rId6"/>
+    <p:sldLayoutId id="2147483859" r:id="rId7"/>
+    <p:sldLayoutId id="2147483860" r:id="rId8"/>
+    <p:sldLayoutId id="2147483861" r:id="rId9"/>
+    <p:sldLayoutId id="2147483862" r:id="rId10"/>
+    <p:sldLayoutId id="2147483863" r:id="rId11"/>
   </p:sldLayoutIdLst>
   <p:txStyles>
     <p:titleStyle>
@@ -7610,10 +7694,10 @@
       </p:grpSpPr>
       <p:pic>
         <p:nvPicPr>
-          <p:cNvPr id="10" name="Picture 9" descr="Chart, diagram&#10;&#10;Description automatically generated">
-            <a:extLst>
-              <a:ext uri="{FF2B5EF4-FFF2-40B4-BE49-F238E27FC236}">
-                <a16:creationId xmlns:a16="http://schemas.microsoft.com/office/drawing/2014/main" id="{2D836D4F-E2AC-BE41-B13E-F4D6EE958CB1}"/>
+          <p:cNvPr id="40" name="Picture 39">
+            <a:extLst>
+              <a:ext uri="{FF2B5EF4-FFF2-40B4-BE49-F238E27FC236}">
+                <a16:creationId xmlns:a16="http://schemas.microsoft.com/office/drawing/2014/main" id="{56DE9775-674F-3143-993B-8AB23B2C3309}"/>
               </a:ext>
             </a:extLst>
           </p:cNvPr>
@@ -7630,8 +7714,8 @@
         </p:blipFill>
         <p:spPr>
           <a:xfrm>
-            <a:off x="6755991" y="1796407"/>
-            <a:ext cx="6539298" cy="4904474"/>
+            <a:off x="6858000" y="1981865"/>
+            <a:ext cx="6539299" cy="4904474"/>
           </a:xfrm>
           <a:prstGeom prst="rect">
             <a:avLst/>
@@ -7654,7 +7738,7 @@
         </p:nvCxnSpPr>
         <p:spPr>
           <a:xfrm>
-            <a:off x="10973503" y="3684248"/>
+            <a:off x="11104129" y="3684248"/>
             <a:ext cx="1674074" cy="0"/>
           </a:xfrm>
           <a:prstGeom prst="line">
@@ -7700,7 +7784,7 @@
         </p:nvCxnSpPr>
         <p:spPr>
           <a:xfrm>
-            <a:off x="10995275" y="3684248"/>
+            <a:off x="11111387" y="3684248"/>
             <a:ext cx="0" cy="206528"/>
           </a:xfrm>
           <a:prstGeom prst="line">
@@ -7749,7 +7833,7 @@
         </p:nvCxnSpPr>
         <p:spPr>
           <a:xfrm>
-            <a:off x="12647577" y="3684248"/>
+            <a:off x="12763689" y="3684248"/>
             <a:ext cx="0" cy="1545771"/>
           </a:xfrm>
           <a:prstGeom prst="line">
@@ -7796,7 +7880,7 @@
         </p:nvSpPr>
         <p:spPr>
           <a:xfrm>
-            <a:off x="10814530" y="3327059"/>
+            <a:off x="10930642" y="3327059"/>
             <a:ext cx="2051824" cy="338554"/>
           </a:xfrm>
           <a:prstGeom prst="rect">
@@ -7820,10 +7904,10 @@
       </p:sp>
       <p:pic>
         <p:nvPicPr>
-          <p:cNvPr id="25" name="Picture 24" descr="A picture containing icon&#10;&#10;Description automatically generated">
-            <a:extLst>
-              <a:ext uri="{FF2B5EF4-FFF2-40B4-BE49-F238E27FC236}">
-                <a16:creationId xmlns:a16="http://schemas.microsoft.com/office/drawing/2014/main" id="{B1501931-193C-5E45-9A49-99894587B06B}"/>
+          <p:cNvPr id="27" name="Picture 26" descr="A picture containing antenna&#10;&#10;Description automatically generated">
+            <a:extLst>
+              <a:ext uri="{FF2B5EF4-FFF2-40B4-BE49-F238E27FC236}">
+                <a16:creationId xmlns:a16="http://schemas.microsoft.com/office/drawing/2014/main" id="{A441117B-5A0D-024A-B2F4-C63B35DC2A95}"/>
               </a:ext>
             </a:extLst>
           </p:cNvPr>
@@ -7834,423 +7918,19 @@
         </p:nvPicPr>
         <p:blipFill rotWithShape="1">
           <a:blip r:embed="rId4"/>
-          <a:srcRect l="2941" t="3713" r="19546" b="31335"/>
-          <a:stretch/>
-        </p:blipFill>
-        <p:spPr>
-          <a:xfrm>
-            <a:off x="792208" y="4797274"/>
-            <a:ext cx="4331816" cy="1957588"/>
-          </a:xfrm>
-          <a:prstGeom prst="rect">
-            <a:avLst/>
-          </a:prstGeom>
-        </p:spPr>
-      </p:pic>
-      <p:pic>
-        <p:nvPicPr>
-          <p:cNvPr id="18" name="Picture 17" descr="A picture containing graphical user interface&#10;&#10;Description automatically generated">
-            <a:extLst>
-              <a:ext uri="{FF2B5EF4-FFF2-40B4-BE49-F238E27FC236}">
-                <a16:creationId xmlns:a16="http://schemas.microsoft.com/office/drawing/2014/main" id="{D0CEDA68-F581-4D46-AD71-5460F5F631AA}"/>
-              </a:ext>
-            </a:extLst>
-          </p:cNvPr>
-          <p:cNvPicPr>
-            <a:picLocks noChangeAspect="1"/>
-          </p:cNvPicPr>
-          <p:nvPr/>
-        </p:nvPicPr>
-        <p:blipFill rotWithShape="1">
-          <a:blip r:embed="rId5"/>
-          <a:srcRect l="3338" r="14175" b="21577"/>
-          <a:stretch/>
-        </p:blipFill>
-        <p:spPr>
-          <a:xfrm>
-            <a:off x="761728" y="6948257"/>
-            <a:ext cx="4331816" cy="1874523"/>
-          </a:xfrm>
-          <a:prstGeom prst="rect">
-            <a:avLst/>
-          </a:prstGeom>
-        </p:spPr>
-      </p:pic>
-      <p:pic>
-        <p:nvPicPr>
-          <p:cNvPr id="19" name="Picture 18" descr="Background pattern&#10;&#10;Description automatically generated">
-            <a:extLst>
-              <a:ext uri="{FF2B5EF4-FFF2-40B4-BE49-F238E27FC236}">
-                <a16:creationId xmlns:a16="http://schemas.microsoft.com/office/drawing/2014/main" id="{A28EAD3B-E36B-4E40-9F97-6B1710A14240}"/>
-              </a:ext>
-            </a:extLst>
-          </p:cNvPr>
-          <p:cNvPicPr>
-            <a:picLocks noChangeAspect="1"/>
-          </p:cNvPicPr>
-          <p:nvPr/>
-        </p:nvPicPr>
-        <p:blipFill rotWithShape="1">
-          <a:blip r:embed="rId6"/>
-          <a:srcRect l="3339" r="14174" b="21577"/>
-          <a:stretch/>
-        </p:blipFill>
-        <p:spPr>
-          <a:xfrm>
-            <a:off x="7337406" y="6968222"/>
-            <a:ext cx="4331814" cy="1874523"/>
-          </a:xfrm>
-          <a:prstGeom prst="rect">
-            <a:avLst/>
-          </a:prstGeom>
-        </p:spPr>
-      </p:pic>
-      <p:pic>
-        <p:nvPicPr>
-          <p:cNvPr id="20" name="Picture 19" descr="A screen shot of a computer&#10;&#10;Description automatically generated with low confidence">
-            <a:extLst>
-              <a:ext uri="{FF2B5EF4-FFF2-40B4-BE49-F238E27FC236}">
-                <a16:creationId xmlns:a16="http://schemas.microsoft.com/office/drawing/2014/main" id="{18F90C46-483C-6241-8C26-F30BD5220B18}"/>
-              </a:ext>
-            </a:extLst>
-          </p:cNvPr>
-          <p:cNvPicPr>
-            <a:picLocks noChangeAspect="1"/>
-          </p:cNvPicPr>
-          <p:nvPr/>
-        </p:nvPicPr>
-        <p:blipFill rotWithShape="1">
-          <a:blip r:embed="rId7"/>
-          <a:srcRect l="3339" r="14174" b="21577"/>
-          <a:stretch/>
-        </p:blipFill>
-        <p:spPr>
-          <a:xfrm>
-            <a:off x="761728" y="8908415"/>
-            <a:ext cx="4331814" cy="1874523"/>
-          </a:xfrm>
-          <a:prstGeom prst="rect">
-            <a:avLst/>
-          </a:prstGeom>
-        </p:spPr>
-      </p:pic>
-      <p:pic>
-        <p:nvPicPr>
-          <p:cNvPr id="21" name="Picture 20" descr="Shape&#10;&#10;Description automatically generated">
-            <a:extLst>
-              <a:ext uri="{FF2B5EF4-FFF2-40B4-BE49-F238E27FC236}">
-                <a16:creationId xmlns:a16="http://schemas.microsoft.com/office/drawing/2014/main" id="{C31C4D7D-0250-AB46-BE33-65E85CF2ADCA}"/>
-              </a:ext>
-            </a:extLst>
-          </p:cNvPr>
-          <p:cNvPicPr>
-            <a:picLocks noChangeAspect="1"/>
-          </p:cNvPicPr>
-          <p:nvPr/>
-        </p:nvPicPr>
-        <p:blipFill rotWithShape="1">
-          <a:blip r:embed="rId8"/>
-          <a:srcRect l="3338" r="14175" b="21577"/>
-          <a:stretch/>
-        </p:blipFill>
-        <p:spPr>
-          <a:xfrm>
-            <a:off x="7337406" y="8908415"/>
-            <a:ext cx="4331814" cy="1874521"/>
-          </a:xfrm>
-          <a:prstGeom prst="rect">
-            <a:avLst/>
-          </a:prstGeom>
-        </p:spPr>
-      </p:pic>
-      <p:pic>
-        <p:nvPicPr>
-          <p:cNvPr id="22" name="Picture 21" descr="A picture containing graphical user interface&#10;&#10;Description automatically generated">
-            <a:extLst>
-              <a:ext uri="{FF2B5EF4-FFF2-40B4-BE49-F238E27FC236}">
-                <a16:creationId xmlns:a16="http://schemas.microsoft.com/office/drawing/2014/main" id="{CE12A2F7-1AFE-364C-826C-1F725FB9277F}"/>
-              </a:ext>
-            </a:extLst>
-          </p:cNvPr>
-          <p:cNvPicPr>
-            <a:picLocks noChangeAspect="1"/>
-          </p:cNvPicPr>
-          <p:nvPr/>
-        </p:nvPicPr>
-        <p:blipFill rotWithShape="1">
-          <a:blip r:embed="rId5"/>
-          <a:srcRect l="86157" t="60932" r="2470"/>
-          <a:stretch/>
-        </p:blipFill>
-        <p:spPr>
-          <a:xfrm>
-            <a:off x="5205028" y="6947410"/>
-            <a:ext cx="1158258" cy="1810886"/>
-          </a:xfrm>
-          <a:prstGeom prst="rect">
-            <a:avLst/>
-          </a:prstGeom>
-        </p:spPr>
-      </p:pic>
-      <p:pic>
-        <p:nvPicPr>
-          <p:cNvPr id="23" name="Picture 22" descr="Background pattern&#10;&#10;Description automatically generated">
-            <a:extLst>
-              <a:ext uri="{FF2B5EF4-FFF2-40B4-BE49-F238E27FC236}">
-                <a16:creationId xmlns:a16="http://schemas.microsoft.com/office/drawing/2014/main" id="{EE443CB3-8267-2E41-A74F-6297FC265FF5}"/>
-              </a:ext>
-            </a:extLst>
-          </p:cNvPr>
-          <p:cNvPicPr>
-            <a:picLocks noChangeAspect="1"/>
-          </p:cNvPicPr>
-          <p:nvPr/>
-        </p:nvPicPr>
-        <p:blipFill rotWithShape="1">
-          <a:blip r:embed="rId6"/>
-          <a:srcRect l="86157" t="60932" r="2470"/>
-          <a:stretch/>
-        </p:blipFill>
-        <p:spPr>
-          <a:xfrm>
-            <a:off x="11753461" y="6968222"/>
-            <a:ext cx="1184009" cy="1851144"/>
-          </a:xfrm>
-          <a:prstGeom prst="rect">
-            <a:avLst/>
-          </a:prstGeom>
-        </p:spPr>
-      </p:pic>
-      <p:pic>
-        <p:nvPicPr>
-          <p:cNvPr id="33" name="Picture 32" descr="A screen shot of a computer&#10;&#10;Description automatically generated with low confidence">
-            <a:extLst>
-              <a:ext uri="{FF2B5EF4-FFF2-40B4-BE49-F238E27FC236}">
-                <a16:creationId xmlns:a16="http://schemas.microsoft.com/office/drawing/2014/main" id="{A3918B7E-214F-5140-9DED-A2AF2E34CB41}"/>
-              </a:ext>
-            </a:extLst>
-          </p:cNvPr>
-          <p:cNvPicPr>
-            <a:picLocks noChangeAspect="1"/>
-          </p:cNvPicPr>
-          <p:nvPr/>
-        </p:nvPicPr>
-        <p:blipFill rotWithShape="1">
-          <a:blip r:embed="rId7"/>
-          <a:srcRect l="86158" t="60932" r="2834"/>
-          <a:stretch/>
-        </p:blipFill>
-        <p:spPr>
-          <a:xfrm>
-            <a:off x="5205028" y="8908415"/>
-            <a:ext cx="1158258" cy="1870980"/>
-          </a:xfrm>
-          <a:prstGeom prst="rect">
-            <a:avLst/>
-          </a:prstGeom>
-        </p:spPr>
-      </p:pic>
-      <p:pic>
-        <p:nvPicPr>
-          <p:cNvPr id="34" name="Picture 33" descr="Shape&#10;&#10;Description automatically generated">
-            <a:extLst>
-              <a:ext uri="{FF2B5EF4-FFF2-40B4-BE49-F238E27FC236}">
-                <a16:creationId xmlns:a16="http://schemas.microsoft.com/office/drawing/2014/main" id="{AE8A5D2C-95A6-1A43-8784-5F51FF185117}"/>
-              </a:ext>
-            </a:extLst>
-          </p:cNvPr>
-          <p:cNvPicPr>
-            <a:picLocks noChangeAspect="1"/>
-          </p:cNvPicPr>
-          <p:nvPr/>
-        </p:nvPicPr>
-        <p:blipFill rotWithShape="1">
-          <a:blip r:embed="rId8"/>
-          <a:srcRect l="86157" t="60932" r="2470"/>
-          <a:stretch/>
-        </p:blipFill>
-        <p:spPr>
-          <a:xfrm>
-            <a:off x="11753462" y="8896725"/>
-            <a:ext cx="1184008" cy="1851144"/>
-          </a:xfrm>
-          <a:prstGeom prst="rect">
-            <a:avLst/>
-          </a:prstGeom>
-        </p:spPr>
-      </p:pic>
-      <p:pic>
-        <p:nvPicPr>
-          <p:cNvPr id="27" name="Picture 26" descr="A picture containing antenna&#10;&#10;Description automatically generated">
-            <a:extLst>
-              <a:ext uri="{FF2B5EF4-FFF2-40B4-BE49-F238E27FC236}">
-                <a16:creationId xmlns:a16="http://schemas.microsoft.com/office/drawing/2014/main" id="{A441117B-5A0D-024A-B2F4-C63B35DC2A95}"/>
-              </a:ext>
-            </a:extLst>
-          </p:cNvPr>
-          <p:cNvPicPr>
-            <a:picLocks noChangeAspect="1"/>
-          </p:cNvPicPr>
-          <p:nvPr/>
-        </p:nvPicPr>
-        <p:blipFill rotWithShape="1">
-          <a:blip r:embed="rId9"/>
           <a:srcRect t="4612" b="5107"/>
           <a:stretch/>
         </p:blipFill>
         <p:spPr>
           <a:xfrm>
-            <a:off x="548640" y="1827939"/>
-            <a:ext cx="6156028" cy="3019499"/>
+            <a:off x="294639" y="2782947"/>
+            <a:ext cx="6539299" cy="3207492"/>
           </a:xfrm>
           <a:prstGeom prst="rect">
             <a:avLst/>
           </a:prstGeom>
         </p:spPr>
       </p:pic>
-      <p:pic>
-        <p:nvPicPr>
-          <p:cNvPr id="26" name="Picture 25" descr="Icon&#10;&#10;Description automatically generated with medium confidence">
-            <a:extLst>
-              <a:ext uri="{FF2B5EF4-FFF2-40B4-BE49-F238E27FC236}">
-                <a16:creationId xmlns:a16="http://schemas.microsoft.com/office/drawing/2014/main" id="{C329B863-7D82-D94D-9955-DA203146081F}"/>
-              </a:ext>
-            </a:extLst>
-          </p:cNvPr>
-          <p:cNvPicPr>
-            <a:picLocks noChangeAspect="1"/>
-          </p:cNvPicPr>
-          <p:nvPr/>
-        </p:nvPicPr>
-        <p:blipFill rotWithShape="1">
-          <a:blip r:embed="rId10"/>
-          <a:srcRect l="75661" t="60743"/>
-          <a:stretch/>
-        </p:blipFill>
-        <p:spPr>
-          <a:xfrm>
-            <a:off x="5181057" y="4861710"/>
-            <a:ext cx="1182229" cy="1839171"/>
-          </a:xfrm>
-          <a:prstGeom prst="rect">
-            <a:avLst/>
-          </a:prstGeom>
-        </p:spPr>
-      </p:pic>
-      <mc:AlternateContent xmlns:mc="http://schemas.openxmlformats.org/markup-compatibility/2006">
-        <mc:Choice xmlns:a14="http://schemas.microsoft.com/office/drawing/2010/main" Requires="a14">
-          <p:sp>
-            <p:nvSpPr>
-              <p:cNvPr id="3" name="TextBox 2">
-                <a:extLst>
-                  <a:ext uri="{FF2B5EF4-FFF2-40B4-BE49-F238E27FC236}">
-                    <a16:creationId xmlns:a16="http://schemas.microsoft.com/office/drawing/2014/main" id="{99D68879-A35D-5142-97E4-B659B5F52FA4}"/>
-                  </a:ext>
-                </a:extLst>
-              </p:cNvPr>
-              <p:cNvSpPr txBox="1"/>
-              <p:nvPr/>
-            </p:nvSpPr>
-            <p:spPr>
-              <a:xfrm>
-                <a:off x="5893727" y="7660492"/>
-                <a:ext cx="511679" cy="384721"/>
-              </a:xfrm>
-              <a:prstGeom prst="rect">
-                <a:avLst/>
-              </a:prstGeom>
-              <a:noFill/>
-            </p:spPr>
-            <p:txBody>
-              <a:bodyPr wrap="none" lIns="0" tIns="0" rIns="0" bIns="0" rtlCol="0">
-                <a:spAutoFit/>
-              </a:bodyPr>
-              <a:lstStyle/>
-              <a:p>
-                <a14:m>
-                  <m:oMathPara xmlns:m="http://schemas.openxmlformats.org/officeDocument/2006/math">
-                    <m:oMathParaPr>
-                      <m:jc m:val="centerGroup"/>
-                    </m:oMathParaPr>
-                    <m:oMath xmlns:m="http://schemas.openxmlformats.org/officeDocument/2006/math">
-                      <m:sSub>
-                        <m:sSubPr>
-                          <m:ctrlPr>
-                            <a:rPr lang="en-US" sz="2500" i="1" smtClean="0">
-                              <a:latin typeface="Cambria Math" panose="02040503050406030204" pitchFamily="18" charset="0"/>
-                            </a:rPr>
-                          </m:ctrlPr>
-                        </m:sSubPr>
-                        <m:e>
-                          <m:r>
-                            <a:rPr lang="en-US" sz="2500" b="0" i="1" smtClean="0">
-                              <a:latin typeface="Cambria Math" panose="02040503050406030204" pitchFamily="18" charset="0"/>
-                            </a:rPr>
-                            <m:t>𝑃</m:t>
-                          </m:r>
-                        </m:e>
-                        <m:sub>
-                          <m:r>
-                            <a:rPr lang="en-US" sz="2500" b="0" i="1" smtClean="0">
-                              <a:latin typeface="Cambria Math" panose="02040503050406030204" pitchFamily="18" charset="0"/>
-                            </a:rPr>
-                            <m:t>11</m:t>
-                          </m:r>
-                        </m:sub>
-                      </m:sSub>
-                    </m:oMath>
-                  </m:oMathPara>
-                </a14:m>
-                <a:endParaRPr lang="en-US" sz="2500" dirty="0"/>
-              </a:p>
-            </p:txBody>
-          </p:sp>
-        </mc:Choice>
-        <mc:Fallback>
-          <p:sp>
-            <p:nvSpPr>
-              <p:cNvPr id="3" name="TextBox 2">
-                <a:extLst>
-                  <a:ext uri="{FF2B5EF4-FFF2-40B4-BE49-F238E27FC236}">
-                    <a16:creationId xmlns:a16="http://schemas.microsoft.com/office/drawing/2014/main" id="{99D68879-A35D-5142-97E4-B659B5F52FA4}"/>
-                  </a:ext>
-                </a:extLst>
-              </p:cNvPr>
-              <p:cNvSpPr txBox="1">
-                <a:spLocks noRot="1" noChangeAspect="1" noMove="1" noResize="1" noEditPoints="1" noAdjustHandles="1" noChangeArrowheads="1" noChangeShapeType="1" noTextEdit="1"/>
-              </p:cNvSpPr>
-              <p:nvPr/>
-            </p:nvSpPr>
-            <p:spPr>
-              <a:xfrm>
-                <a:off x="5893727" y="7660492"/>
-                <a:ext cx="511679" cy="384721"/>
-              </a:xfrm>
-              <a:prstGeom prst="rect">
-                <a:avLst/>
-              </a:prstGeom>
-              <a:blipFill>
-                <a:blip r:embed="rId11"/>
-                <a:stretch>
-                  <a:fillRect l="-14634" r="-4878" b="-12903"/>
-                </a:stretch>
-              </a:blipFill>
-            </p:spPr>
-            <p:txBody>
-              <a:bodyPr/>
-              <a:lstStyle/>
-              <a:p>
-                <a:r>
-                  <a:rPr lang="en-US">
-                    <a:noFill/>
-                  </a:rPr>
-                  <a:t> </a:t>
-                </a:r>
-              </a:p>
-            </p:txBody>
-          </p:sp>
-        </mc:Fallback>
-      </mc:AlternateContent>
       <mc:AlternateContent xmlns:mc="http://schemas.openxmlformats.org/markup-compatibility/2006">
         <mc:Choice xmlns:a14="http://schemas.microsoft.com/office/drawing/2010/main" Requires="a14">
           <p:sp>
@@ -8267,7 +7947,7 @@
             </p:nvSpPr>
             <p:spPr>
               <a:xfrm>
-                <a:off x="3964700" y="3007922"/>
+                <a:off x="3964700" y="4049322"/>
                 <a:ext cx="276101" cy="276999"/>
               </a:xfrm>
               <a:prstGeom prst="rect">
@@ -8337,14 +8017,14 @@
             </p:nvSpPr>
             <p:spPr>
               <a:xfrm>
-                <a:off x="3964700" y="3007922"/>
+                <a:off x="3964700" y="4049322"/>
                 <a:ext cx="276101" cy="276999"/>
               </a:xfrm>
               <a:prstGeom prst="rect">
                 <a:avLst/>
               </a:prstGeom>
               <a:blipFill>
-                <a:blip r:embed="rId12"/>
+                <a:blip r:embed="rId5"/>
                 <a:stretch>
                   <a:fillRect l="-13043" r="-4348" b="-13043"/>
                 </a:stretch>
@@ -8381,7 +8061,7 @@
             </p:nvSpPr>
             <p:spPr>
               <a:xfrm>
-                <a:off x="3409827" y="2489381"/>
+                <a:off x="3486027" y="3556181"/>
                 <a:ext cx="281423" cy="276999"/>
               </a:xfrm>
               <a:prstGeom prst="rect">
@@ -8451,16 +8131,520 @@
             </p:nvSpPr>
             <p:spPr>
               <a:xfrm>
-                <a:off x="3409827" y="2489381"/>
+                <a:off x="3486027" y="3556181"/>
                 <a:ext cx="281423" cy="276999"/>
               </a:xfrm>
               <a:prstGeom prst="rect">
                 <a:avLst/>
               </a:prstGeom>
               <a:blipFill>
-                <a:blip r:embed="rId13"/>
+                <a:blip r:embed="rId6"/>
                 <a:stretch>
-                  <a:fillRect l="-13043" r="-4348" b="-13043"/>
+                  <a:fillRect l="-13043" r="-8696" b="-13043"/>
+                </a:stretch>
+              </a:blipFill>
+            </p:spPr>
+            <p:txBody>
+              <a:bodyPr/>
+              <a:lstStyle/>
+              <a:p>
+                <a:r>
+                  <a:rPr lang="en-US">
+                    <a:noFill/>
+                  </a:rPr>
+                  <a:t> </a:t>
+                </a:r>
+              </a:p>
+            </p:txBody>
+          </p:sp>
+        </mc:Fallback>
+      </mc:AlternateContent>
+      <p:sp>
+        <p:nvSpPr>
+          <p:cNvPr id="5" name="TextBox 4">
+            <a:extLst>
+              <a:ext uri="{FF2B5EF4-FFF2-40B4-BE49-F238E27FC236}">
+                <a16:creationId xmlns:a16="http://schemas.microsoft.com/office/drawing/2014/main" id="{6C1D79B5-B3B3-7243-BB4B-CB02F5A06F49}"/>
+              </a:ext>
+            </a:extLst>
+          </p:cNvPr>
+          <p:cNvSpPr txBox="1"/>
+          <p:nvPr/>
+        </p:nvSpPr>
+        <p:spPr>
+          <a:xfrm>
+            <a:off x="118295" y="6135194"/>
+            <a:ext cx="1240328" cy="553998"/>
+          </a:xfrm>
+          <a:prstGeom prst="rect">
+            <a:avLst/>
+          </a:prstGeom>
+          <a:noFill/>
+        </p:spPr>
+        <p:txBody>
+          <a:bodyPr wrap="square" rtlCol="0">
+            <a:spAutoFit/>
+          </a:bodyPr>
+          <a:lstStyle/>
+          <a:p>
+            <a:r>
+              <a:rPr lang="en-US" sz="3000" dirty="0"/>
+              <a:t>a)</a:t>
+            </a:r>
+          </a:p>
+        </p:txBody>
+      </p:sp>
+      <p:sp>
+        <p:nvSpPr>
+          <p:cNvPr id="38" name="TextBox 37">
+            <a:extLst>
+              <a:ext uri="{FF2B5EF4-FFF2-40B4-BE49-F238E27FC236}">
+                <a16:creationId xmlns:a16="http://schemas.microsoft.com/office/drawing/2014/main" id="{968F0385-5F3D-0F4C-B7ED-9AAE29BD270D}"/>
+              </a:ext>
+            </a:extLst>
+          </p:cNvPr>
+          <p:cNvSpPr txBox="1"/>
+          <p:nvPr/>
+        </p:nvSpPr>
+        <p:spPr>
+          <a:xfrm>
+            <a:off x="6447715" y="6135194"/>
+            <a:ext cx="1240328" cy="553998"/>
+          </a:xfrm>
+          <a:prstGeom prst="rect">
+            <a:avLst/>
+          </a:prstGeom>
+          <a:noFill/>
+        </p:spPr>
+        <p:txBody>
+          <a:bodyPr wrap="square" rtlCol="0">
+            <a:spAutoFit/>
+          </a:bodyPr>
+          <a:lstStyle/>
+          <a:p>
+            <a:r>
+              <a:rPr lang="en-US" sz="3000" dirty="0"/>
+              <a:t>b)</a:t>
+            </a:r>
+          </a:p>
+        </p:txBody>
+      </p:sp>
+    </p:spTree>
+    <p:extLst>
+      <p:ext uri="{BB962C8B-B14F-4D97-AF65-F5344CB8AC3E}">
+        <p14:creationId xmlns:p14="http://schemas.microsoft.com/office/powerpoint/2010/main" val="2175284940"/>
+      </p:ext>
+    </p:extLst>
+  </p:cSld>
+  <p:clrMapOvr>
+    <a:masterClrMapping/>
+  </p:clrMapOvr>
+</p:sld>
+</file>
+
+<file path=ppt/slides/slide8.xml><?xml version="1.0" encoding="utf-8"?>
+<p:sld xmlns:a="http://schemas.openxmlformats.org/drawingml/2006/main" xmlns:r="http://schemas.openxmlformats.org/officeDocument/2006/relationships" xmlns:p="http://schemas.openxmlformats.org/presentationml/2006/main">
+  <p:cSld>
+    <p:spTree>
+      <p:nvGrpSpPr>
+        <p:cNvPr id="1" name=""/>
+        <p:cNvGrpSpPr/>
+        <p:nvPr/>
+      </p:nvGrpSpPr>
+      <p:grpSpPr>
+        <a:xfrm>
+          <a:off x="0" y="0"/>
+          <a:ext cx="0" cy="0"/>
+          <a:chOff x="0" y="0"/>
+          <a:chExt cx="0" cy="0"/>
+        </a:xfrm>
+      </p:grpSpPr>
+      <p:pic>
+        <p:nvPicPr>
+          <p:cNvPr id="11" name="Picture 10" descr="A picture containing icon&#10;&#10;Description automatically generated">
+            <a:extLst>
+              <a:ext uri="{FF2B5EF4-FFF2-40B4-BE49-F238E27FC236}">
+                <a16:creationId xmlns:a16="http://schemas.microsoft.com/office/drawing/2014/main" id="{4EF2E576-F682-204E-B675-8584F67029AD}"/>
+              </a:ext>
+            </a:extLst>
+          </p:cNvPr>
+          <p:cNvPicPr>
+            <a:picLocks noChangeAspect="1"/>
+          </p:cNvPicPr>
+          <p:nvPr/>
+        </p:nvPicPr>
+        <p:blipFill rotWithShape="1">
+          <a:blip r:embed="rId3"/>
+          <a:srcRect l="2941" t="3713" r="19546" b="31335"/>
+          <a:stretch/>
+        </p:blipFill>
+        <p:spPr>
+          <a:xfrm>
+            <a:off x="792208" y="4797274"/>
+            <a:ext cx="4331816" cy="1957588"/>
+          </a:xfrm>
+          <a:prstGeom prst="rect">
+            <a:avLst/>
+          </a:prstGeom>
+        </p:spPr>
+      </p:pic>
+      <p:pic>
+        <p:nvPicPr>
+          <p:cNvPr id="12" name="Picture 11" descr="A picture containing graphical user interface&#10;&#10;Description automatically generated">
+            <a:extLst>
+              <a:ext uri="{FF2B5EF4-FFF2-40B4-BE49-F238E27FC236}">
+                <a16:creationId xmlns:a16="http://schemas.microsoft.com/office/drawing/2014/main" id="{6C5B66AF-ECBC-0D41-815D-A0111277FBD4}"/>
+              </a:ext>
+            </a:extLst>
+          </p:cNvPr>
+          <p:cNvPicPr>
+            <a:picLocks noChangeAspect="1"/>
+          </p:cNvPicPr>
+          <p:nvPr/>
+        </p:nvPicPr>
+        <p:blipFill rotWithShape="1">
+          <a:blip r:embed="rId4"/>
+          <a:srcRect l="3338" r="14175" b="21577"/>
+          <a:stretch/>
+        </p:blipFill>
+        <p:spPr>
+          <a:xfrm>
+            <a:off x="761728" y="6948257"/>
+            <a:ext cx="4331816" cy="1874523"/>
+          </a:xfrm>
+          <a:prstGeom prst="rect">
+            <a:avLst/>
+          </a:prstGeom>
+        </p:spPr>
+      </p:pic>
+      <p:pic>
+        <p:nvPicPr>
+          <p:cNvPr id="13" name="Picture 12" descr="Background pattern&#10;&#10;Description automatically generated">
+            <a:extLst>
+              <a:ext uri="{FF2B5EF4-FFF2-40B4-BE49-F238E27FC236}">
+                <a16:creationId xmlns:a16="http://schemas.microsoft.com/office/drawing/2014/main" id="{1E43142B-9EDC-0641-A447-BC36A969D126}"/>
+              </a:ext>
+            </a:extLst>
+          </p:cNvPr>
+          <p:cNvPicPr>
+            <a:picLocks noChangeAspect="1"/>
+          </p:cNvPicPr>
+          <p:nvPr/>
+        </p:nvPicPr>
+        <p:blipFill rotWithShape="1">
+          <a:blip r:embed="rId5"/>
+          <a:srcRect l="3339" r="14174" b="21577"/>
+          <a:stretch/>
+        </p:blipFill>
+        <p:spPr>
+          <a:xfrm>
+            <a:off x="7337406" y="6968222"/>
+            <a:ext cx="4331814" cy="1874523"/>
+          </a:xfrm>
+          <a:prstGeom prst="rect">
+            <a:avLst/>
+          </a:prstGeom>
+        </p:spPr>
+      </p:pic>
+      <p:pic>
+        <p:nvPicPr>
+          <p:cNvPr id="14" name="Picture 13" descr="A screen shot of a computer&#10;&#10;Description automatically generated with low confidence">
+            <a:extLst>
+              <a:ext uri="{FF2B5EF4-FFF2-40B4-BE49-F238E27FC236}">
+                <a16:creationId xmlns:a16="http://schemas.microsoft.com/office/drawing/2014/main" id="{48433032-E010-C449-8CB0-0A4527C45ADF}"/>
+              </a:ext>
+            </a:extLst>
+          </p:cNvPr>
+          <p:cNvPicPr>
+            <a:picLocks noChangeAspect="1"/>
+          </p:cNvPicPr>
+          <p:nvPr/>
+        </p:nvPicPr>
+        <p:blipFill rotWithShape="1">
+          <a:blip r:embed="rId6"/>
+          <a:srcRect l="3339" r="14174" b="21577"/>
+          <a:stretch/>
+        </p:blipFill>
+        <p:spPr>
+          <a:xfrm>
+            <a:off x="761728" y="8908415"/>
+            <a:ext cx="4331814" cy="1874523"/>
+          </a:xfrm>
+          <a:prstGeom prst="rect">
+            <a:avLst/>
+          </a:prstGeom>
+        </p:spPr>
+      </p:pic>
+      <p:pic>
+        <p:nvPicPr>
+          <p:cNvPr id="15" name="Picture 14" descr="Shape&#10;&#10;Description automatically generated">
+            <a:extLst>
+              <a:ext uri="{FF2B5EF4-FFF2-40B4-BE49-F238E27FC236}">
+                <a16:creationId xmlns:a16="http://schemas.microsoft.com/office/drawing/2014/main" id="{85A39ECA-839B-0044-B304-6858AD31D7EC}"/>
+              </a:ext>
+            </a:extLst>
+          </p:cNvPr>
+          <p:cNvPicPr>
+            <a:picLocks noChangeAspect="1"/>
+          </p:cNvPicPr>
+          <p:nvPr/>
+        </p:nvPicPr>
+        <p:blipFill rotWithShape="1">
+          <a:blip r:embed="rId7"/>
+          <a:srcRect l="3338" r="14175" b="21577"/>
+          <a:stretch/>
+        </p:blipFill>
+        <p:spPr>
+          <a:xfrm>
+            <a:off x="7337406" y="8908415"/>
+            <a:ext cx="4331814" cy="1874521"/>
+          </a:xfrm>
+          <a:prstGeom prst="rect">
+            <a:avLst/>
+          </a:prstGeom>
+        </p:spPr>
+      </p:pic>
+      <p:pic>
+        <p:nvPicPr>
+          <p:cNvPr id="16" name="Picture 15" descr="A picture containing graphical user interface&#10;&#10;Description automatically generated">
+            <a:extLst>
+              <a:ext uri="{FF2B5EF4-FFF2-40B4-BE49-F238E27FC236}">
+                <a16:creationId xmlns:a16="http://schemas.microsoft.com/office/drawing/2014/main" id="{A04E9580-990B-8D4E-A607-65A29B235632}"/>
+              </a:ext>
+            </a:extLst>
+          </p:cNvPr>
+          <p:cNvPicPr>
+            <a:picLocks noChangeAspect="1"/>
+          </p:cNvPicPr>
+          <p:nvPr/>
+        </p:nvPicPr>
+        <p:blipFill rotWithShape="1">
+          <a:blip r:embed="rId4"/>
+          <a:srcRect l="86157" t="60932" r="2470"/>
+          <a:stretch/>
+        </p:blipFill>
+        <p:spPr>
+          <a:xfrm>
+            <a:off x="5205028" y="6947410"/>
+            <a:ext cx="1158258" cy="1810886"/>
+          </a:xfrm>
+          <a:prstGeom prst="rect">
+            <a:avLst/>
+          </a:prstGeom>
+        </p:spPr>
+      </p:pic>
+      <p:pic>
+        <p:nvPicPr>
+          <p:cNvPr id="17" name="Picture 16" descr="Background pattern&#10;&#10;Description automatically generated">
+            <a:extLst>
+              <a:ext uri="{FF2B5EF4-FFF2-40B4-BE49-F238E27FC236}">
+                <a16:creationId xmlns:a16="http://schemas.microsoft.com/office/drawing/2014/main" id="{023E25F0-56B0-3B48-AC27-706EB478310B}"/>
+              </a:ext>
+            </a:extLst>
+          </p:cNvPr>
+          <p:cNvPicPr>
+            <a:picLocks noChangeAspect="1"/>
+          </p:cNvPicPr>
+          <p:nvPr/>
+        </p:nvPicPr>
+        <p:blipFill rotWithShape="1">
+          <a:blip r:embed="rId5"/>
+          <a:srcRect l="86157" t="60932" r="2470"/>
+          <a:stretch/>
+        </p:blipFill>
+        <p:spPr>
+          <a:xfrm>
+            <a:off x="11753461" y="6968222"/>
+            <a:ext cx="1184009" cy="1851144"/>
+          </a:xfrm>
+          <a:prstGeom prst="rect">
+            <a:avLst/>
+          </a:prstGeom>
+        </p:spPr>
+      </p:pic>
+      <p:pic>
+        <p:nvPicPr>
+          <p:cNvPr id="18" name="Picture 17" descr="A screen shot of a computer&#10;&#10;Description automatically generated with low confidence">
+            <a:extLst>
+              <a:ext uri="{FF2B5EF4-FFF2-40B4-BE49-F238E27FC236}">
+                <a16:creationId xmlns:a16="http://schemas.microsoft.com/office/drawing/2014/main" id="{4C4E1F07-132E-8946-9F25-158388791056}"/>
+              </a:ext>
+            </a:extLst>
+          </p:cNvPr>
+          <p:cNvPicPr>
+            <a:picLocks noChangeAspect="1"/>
+          </p:cNvPicPr>
+          <p:nvPr/>
+        </p:nvPicPr>
+        <p:blipFill rotWithShape="1">
+          <a:blip r:embed="rId6"/>
+          <a:srcRect l="86158" t="60932" r="2834"/>
+          <a:stretch/>
+        </p:blipFill>
+        <p:spPr>
+          <a:xfrm>
+            <a:off x="5205028" y="8908415"/>
+            <a:ext cx="1158258" cy="1870980"/>
+          </a:xfrm>
+          <a:prstGeom prst="rect">
+            <a:avLst/>
+          </a:prstGeom>
+        </p:spPr>
+      </p:pic>
+      <p:pic>
+        <p:nvPicPr>
+          <p:cNvPr id="19" name="Picture 18" descr="Shape&#10;&#10;Description automatically generated">
+            <a:extLst>
+              <a:ext uri="{FF2B5EF4-FFF2-40B4-BE49-F238E27FC236}">
+                <a16:creationId xmlns:a16="http://schemas.microsoft.com/office/drawing/2014/main" id="{10C7AC70-9FCA-5843-9D97-1988152B355C}"/>
+              </a:ext>
+            </a:extLst>
+          </p:cNvPr>
+          <p:cNvPicPr>
+            <a:picLocks noChangeAspect="1"/>
+          </p:cNvPicPr>
+          <p:nvPr/>
+        </p:nvPicPr>
+        <p:blipFill rotWithShape="1">
+          <a:blip r:embed="rId7"/>
+          <a:srcRect l="86157" t="60932" r="2470"/>
+          <a:stretch/>
+        </p:blipFill>
+        <p:spPr>
+          <a:xfrm>
+            <a:off x="11753462" y="8896725"/>
+            <a:ext cx="1184008" cy="1851144"/>
+          </a:xfrm>
+          <a:prstGeom prst="rect">
+            <a:avLst/>
+          </a:prstGeom>
+        </p:spPr>
+      </p:pic>
+      <p:pic>
+        <p:nvPicPr>
+          <p:cNvPr id="20" name="Picture 19" descr="Icon&#10;&#10;Description automatically generated with medium confidence">
+            <a:extLst>
+              <a:ext uri="{FF2B5EF4-FFF2-40B4-BE49-F238E27FC236}">
+                <a16:creationId xmlns:a16="http://schemas.microsoft.com/office/drawing/2014/main" id="{93C1C116-DEE5-1743-BB3E-0658DC85424A}"/>
+              </a:ext>
+            </a:extLst>
+          </p:cNvPr>
+          <p:cNvPicPr>
+            <a:picLocks noChangeAspect="1"/>
+          </p:cNvPicPr>
+          <p:nvPr/>
+        </p:nvPicPr>
+        <p:blipFill rotWithShape="1">
+          <a:blip r:embed="rId8"/>
+          <a:srcRect l="75661" t="60743"/>
+          <a:stretch/>
+        </p:blipFill>
+        <p:spPr>
+          <a:xfrm>
+            <a:off x="5181057" y="4861710"/>
+            <a:ext cx="1182229" cy="1839171"/>
+          </a:xfrm>
+          <a:prstGeom prst="rect">
+            <a:avLst/>
+          </a:prstGeom>
+        </p:spPr>
+      </p:pic>
+      <mc:AlternateContent xmlns:mc="http://schemas.openxmlformats.org/markup-compatibility/2006">
+        <mc:Choice xmlns:a14="http://schemas.microsoft.com/office/drawing/2010/main" Requires="a14">
+          <p:sp>
+            <p:nvSpPr>
+              <p:cNvPr id="21" name="TextBox 20">
+                <a:extLst>
+                  <a:ext uri="{FF2B5EF4-FFF2-40B4-BE49-F238E27FC236}">
+                    <a16:creationId xmlns:a16="http://schemas.microsoft.com/office/drawing/2014/main" id="{29F3DA3B-A810-1840-B89C-9B7012F355C7}"/>
+                  </a:ext>
+                </a:extLst>
+              </p:cNvPr>
+              <p:cNvSpPr txBox="1"/>
+              <p:nvPr/>
+            </p:nvSpPr>
+            <p:spPr>
+              <a:xfrm>
+                <a:off x="5893727" y="7660492"/>
+                <a:ext cx="511679" cy="384721"/>
+              </a:xfrm>
+              <a:prstGeom prst="rect">
+                <a:avLst/>
+              </a:prstGeom>
+              <a:noFill/>
+            </p:spPr>
+            <p:txBody>
+              <a:bodyPr wrap="none" lIns="0" tIns="0" rIns="0" bIns="0" rtlCol="0">
+                <a:spAutoFit/>
+              </a:bodyPr>
+              <a:lstStyle/>
+              <a:p>
+                <a14:m>
+                  <m:oMathPara xmlns:m="http://schemas.openxmlformats.org/officeDocument/2006/math">
+                    <m:oMathParaPr>
+                      <m:jc m:val="centerGroup"/>
+                    </m:oMathParaPr>
+                    <m:oMath xmlns:m="http://schemas.openxmlformats.org/officeDocument/2006/math">
+                      <m:sSub>
+                        <m:sSubPr>
+                          <m:ctrlPr>
+                            <a:rPr lang="en-US" sz="2500" i="1" smtClean="0">
+                              <a:latin typeface="Cambria Math" panose="02040503050406030204" pitchFamily="18" charset="0"/>
+                            </a:rPr>
+                          </m:ctrlPr>
+                        </m:sSubPr>
+                        <m:e>
+                          <m:r>
+                            <a:rPr lang="en-US" sz="2500" b="0" i="1" smtClean="0">
+                              <a:latin typeface="Cambria Math" panose="02040503050406030204" pitchFamily="18" charset="0"/>
+                            </a:rPr>
+                            <m:t>𝑃</m:t>
+                          </m:r>
+                        </m:e>
+                        <m:sub>
+                          <m:r>
+                            <a:rPr lang="en-US" sz="2500" b="0" i="1" smtClean="0">
+                              <a:latin typeface="Cambria Math" panose="02040503050406030204" pitchFamily="18" charset="0"/>
+                            </a:rPr>
+                            <m:t>11</m:t>
+                          </m:r>
+                        </m:sub>
+                      </m:sSub>
+                    </m:oMath>
+                  </m:oMathPara>
+                </a14:m>
+                <a:endParaRPr lang="en-US" sz="2500" dirty="0"/>
+              </a:p>
+            </p:txBody>
+          </p:sp>
+        </mc:Choice>
+        <mc:Fallback>
+          <p:sp>
+            <p:nvSpPr>
+              <p:cNvPr id="21" name="TextBox 20">
+                <a:extLst>
+                  <a:ext uri="{FF2B5EF4-FFF2-40B4-BE49-F238E27FC236}">
+                    <a16:creationId xmlns:a16="http://schemas.microsoft.com/office/drawing/2014/main" id="{29F3DA3B-A810-1840-B89C-9B7012F355C7}"/>
+                  </a:ext>
+                </a:extLst>
+              </p:cNvPr>
+              <p:cNvSpPr txBox="1">
+                <a:spLocks noRot="1" noChangeAspect="1" noMove="1" noResize="1" noEditPoints="1" noAdjustHandles="1" noChangeArrowheads="1" noChangeShapeType="1" noTextEdit="1"/>
+              </p:cNvSpPr>
+              <p:nvPr/>
+            </p:nvSpPr>
+            <p:spPr>
+              <a:xfrm>
+                <a:off x="5893727" y="7660492"/>
+                <a:ext cx="511679" cy="384721"/>
+              </a:xfrm>
+              <a:prstGeom prst="rect">
+                <a:avLst/>
+              </a:prstGeom>
+              <a:blipFill>
+                <a:blip r:embed="rId9"/>
+                <a:stretch>
+                  <a:fillRect l="-14634" r="-4878" b="-12903"/>
                 </a:stretch>
               </a:blipFill>
             </p:spPr>
@@ -8483,10 +8667,10 @@
         <mc:Choice xmlns:a14="http://schemas.microsoft.com/office/drawing/2010/main" Requires="a14">
           <p:sp>
             <p:nvSpPr>
-              <p:cNvPr id="31" name="TextBox 30">
+              <p:cNvPr id="22" name="TextBox 21">
                 <a:extLst>
                   <a:ext uri="{FF2B5EF4-FFF2-40B4-BE49-F238E27FC236}">
-                    <a16:creationId xmlns:a16="http://schemas.microsoft.com/office/drawing/2014/main" id="{C03D4E71-55FB-5148-B215-6FF1FE5A0C73}"/>
+                    <a16:creationId xmlns:a16="http://schemas.microsoft.com/office/drawing/2014/main" id="{BB5F2720-CE66-3A47-B9E7-160CA6CCCFE1}"/>
                   </a:ext>
                 </a:extLst>
               </p:cNvPr>
@@ -8551,10 +8735,10 @@
         <mc:Fallback>
           <p:sp>
             <p:nvSpPr>
-              <p:cNvPr id="31" name="TextBox 30">
+              <p:cNvPr id="22" name="TextBox 21">
                 <a:extLst>
                   <a:ext uri="{FF2B5EF4-FFF2-40B4-BE49-F238E27FC236}">
-                    <a16:creationId xmlns:a16="http://schemas.microsoft.com/office/drawing/2014/main" id="{C03D4E71-55FB-5148-B215-6FF1FE5A0C73}"/>
+                    <a16:creationId xmlns:a16="http://schemas.microsoft.com/office/drawing/2014/main" id="{BB5F2720-CE66-3A47-B9E7-160CA6CCCFE1}"/>
                   </a:ext>
                 </a:extLst>
               </p:cNvPr>
@@ -8572,7 +8756,7 @@
                 <a:avLst/>
               </a:prstGeom>
               <a:blipFill>
-                <a:blip r:embed="rId14"/>
+                <a:blip r:embed="rId10"/>
                 <a:stretch>
                   <a:fillRect l="-11905" r="-4762" b="-12903"/>
                 </a:stretch>
@@ -8597,10 +8781,10 @@
         <mc:Choice xmlns:a14="http://schemas.microsoft.com/office/drawing/2010/main" Requires="a14">
           <p:sp>
             <p:nvSpPr>
-              <p:cNvPr id="32" name="TextBox 31">
+              <p:cNvPr id="23" name="TextBox 22">
                 <a:extLst>
                   <a:ext uri="{FF2B5EF4-FFF2-40B4-BE49-F238E27FC236}">
-                    <a16:creationId xmlns:a16="http://schemas.microsoft.com/office/drawing/2014/main" id="{0EE65BB7-0B51-1D46-A228-61C2EEDF9AF8}"/>
+                    <a16:creationId xmlns:a16="http://schemas.microsoft.com/office/drawing/2014/main" id="{5088ECA0-A3CF-B343-B1F1-AFB42B14BA93}"/>
                   </a:ext>
                 </a:extLst>
               </p:cNvPr>
@@ -8665,10 +8849,10 @@
         <mc:Fallback>
           <p:sp>
             <p:nvSpPr>
-              <p:cNvPr id="32" name="TextBox 31">
+              <p:cNvPr id="23" name="TextBox 22">
                 <a:extLst>
                   <a:ext uri="{FF2B5EF4-FFF2-40B4-BE49-F238E27FC236}">
-                    <a16:creationId xmlns:a16="http://schemas.microsoft.com/office/drawing/2014/main" id="{0EE65BB7-0B51-1D46-A228-61C2EEDF9AF8}"/>
+                    <a16:creationId xmlns:a16="http://schemas.microsoft.com/office/drawing/2014/main" id="{5088ECA0-A3CF-B343-B1F1-AFB42B14BA93}"/>
                   </a:ext>
                 </a:extLst>
               </p:cNvPr>
@@ -8686,7 +8870,7 @@
                 <a:avLst/>
               </a:prstGeom>
               <a:blipFill>
-                <a:blip r:embed="rId15"/>
+                <a:blip r:embed="rId11"/>
                 <a:stretch>
                   <a:fillRect l="-14286" r="-4762" b="-12903"/>
                 </a:stretch>
@@ -8711,10 +8895,10 @@
         <mc:Choice xmlns:a14="http://schemas.microsoft.com/office/drawing/2010/main" Requires="a14">
           <p:sp>
             <p:nvSpPr>
-              <p:cNvPr id="35" name="TextBox 34">
+              <p:cNvPr id="24" name="TextBox 23">
                 <a:extLst>
                   <a:ext uri="{FF2B5EF4-FFF2-40B4-BE49-F238E27FC236}">
-                    <a16:creationId xmlns:a16="http://schemas.microsoft.com/office/drawing/2014/main" id="{0A1D42D6-7CBF-E74C-8DDD-C410133E1FCB}"/>
+                    <a16:creationId xmlns:a16="http://schemas.microsoft.com/office/drawing/2014/main" id="{04E660CB-ADF5-CF48-B45A-A167862BE157}"/>
                   </a:ext>
                 </a:extLst>
               </p:cNvPr>
@@ -8779,10 +8963,10 @@
         <mc:Fallback>
           <p:sp>
             <p:nvSpPr>
-              <p:cNvPr id="35" name="TextBox 34">
+              <p:cNvPr id="24" name="TextBox 23">
                 <a:extLst>
                   <a:ext uri="{FF2B5EF4-FFF2-40B4-BE49-F238E27FC236}">
-                    <a16:creationId xmlns:a16="http://schemas.microsoft.com/office/drawing/2014/main" id="{0A1D42D6-7CBF-E74C-8DDD-C410133E1FCB}"/>
+                    <a16:creationId xmlns:a16="http://schemas.microsoft.com/office/drawing/2014/main" id="{04E660CB-ADF5-CF48-B45A-A167862BE157}"/>
                   </a:ext>
                 </a:extLst>
               </p:cNvPr>
@@ -8800,7 +8984,7 @@
                 <a:avLst/>
               </a:prstGeom>
               <a:blipFill>
-                <a:blip r:embed="rId16"/>
+                <a:blip r:embed="rId12"/>
                 <a:stretch>
                   <a:fillRect l="-14286" r="-4762" b="-12903"/>
                 </a:stretch>
@@ -8823,10 +9007,10 @@
       </mc:AlternateContent>
       <p:sp>
         <p:nvSpPr>
-          <p:cNvPr id="5" name="TextBox 4">
-            <a:extLst>
-              <a:ext uri="{FF2B5EF4-FFF2-40B4-BE49-F238E27FC236}">
-                <a16:creationId xmlns:a16="http://schemas.microsoft.com/office/drawing/2014/main" id="{6C1D79B5-B3B3-7243-BB4B-CB02F5A06F49}"/>
+          <p:cNvPr id="25" name="TextBox 24">
+            <a:extLst>
+              <a:ext uri="{FF2B5EF4-FFF2-40B4-BE49-F238E27FC236}">
+                <a16:creationId xmlns:a16="http://schemas.microsoft.com/office/drawing/2014/main" id="{75F6EF4F-6756-4142-A207-E7E0F31ED10A}"/>
               </a:ext>
             </a:extLst>
           </p:cNvPr>
@@ -8835,7 +9019,7 @@
         </p:nvSpPr>
         <p:spPr>
           <a:xfrm>
-            <a:off x="175562" y="4272047"/>
+            <a:off x="172044" y="6423882"/>
             <a:ext cx="1240328" cy="553998"/>
           </a:xfrm>
           <a:prstGeom prst="rect">
@@ -8858,10 +9042,10 @@
       </p:sp>
       <p:sp>
         <p:nvSpPr>
-          <p:cNvPr id="36" name="TextBox 35">
-            <a:extLst>
-              <a:ext uri="{FF2B5EF4-FFF2-40B4-BE49-F238E27FC236}">
-                <a16:creationId xmlns:a16="http://schemas.microsoft.com/office/drawing/2014/main" id="{5F223F57-9852-6142-A055-0372A9CE351D}"/>
+          <p:cNvPr id="26" name="TextBox 25">
+            <a:extLst>
+              <a:ext uri="{FF2B5EF4-FFF2-40B4-BE49-F238E27FC236}">
+                <a16:creationId xmlns:a16="http://schemas.microsoft.com/office/drawing/2014/main" id="{97F23B89-724B-5D48-9ECC-90374698882D}"/>
               </a:ext>
             </a:extLst>
           </p:cNvPr>
@@ -8870,7 +9054,7 @@
         </p:nvSpPr>
         <p:spPr>
           <a:xfrm>
-            <a:off x="175562" y="6138082"/>
+            <a:off x="6578783" y="6393412"/>
             <a:ext cx="1240328" cy="553998"/>
           </a:xfrm>
           <a:prstGeom prst="rect">
@@ -8893,10 +9077,10 @@
       </p:sp>
       <p:sp>
         <p:nvSpPr>
-          <p:cNvPr id="38" name="TextBox 37">
-            <a:extLst>
-              <a:ext uri="{FF2B5EF4-FFF2-40B4-BE49-F238E27FC236}">
-                <a16:creationId xmlns:a16="http://schemas.microsoft.com/office/drawing/2014/main" id="{968F0385-5F3D-0F4C-B7ED-9AAE29BD270D}"/>
+          <p:cNvPr id="27" name="TextBox 26">
+            <a:extLst>
+              <a:ext uri="{FF2B5EF4-FFF2-40B4-BE49-F238E27FC236}">
+                <a16:creationId xmlns:a16="http://schemas.microsoft.com/office/drawing/2014/main" id="{B971EFE8-6643-4241-A0EE-3F7BE277B527}"/>
               </a:ext>
             </a:extLst>
           </p:cNvPr>
@@ -8905,7 +9089,7 @@
         </p:nvSpPr>
         <p:spPr>
           <a:xfrm>
-            <a:off x="6447715" y="6135194"/>
+            <a:off x="172044" y="10225397"/>
             <a:ext cx="1240328" cy="553998"/>
           </a:xfrm>
           <a:prstGeom prst="rect">
@@ -8926,410 +9110,10 @@
           </a:p>
         </p:txBody>
       </p:sp>
-      <p:sp>
-        <p:nvSpPr>
-          <p:cNvPr id="39" name="TextBox 38">
-            <a:extLst>
-              <a:ext uri="{FF2B5EF4-FFF2-40B4-BE49-F238E27FC236}">
-                <a16:creationId xmlns:a16="http://schemas.microsoft.com/office/drawing/2014/main" id="{349D8427-F76C-A447-8F79-C9E9134E59DB}"/>
-              </a:ext>
-            </a:extLst>
-          </p:cNvPr>
-          <p:cNvSpPr txBox="1"/>
-          <p:nvPr/>
-        </p:nvSpPr>
-        <p:spPr>
-          <a:xfrm>
-            <a:off x="197966" y="10154211"/>
-            <a:ext cx="1240328" cy="553998"/>
-          </a:xfrm>
-          <a:prstGeom prst="rect">
-            <a:avLst/>
-          </a:prstGeom>
-          <a:noFill/>
-        </p:spPr>
-        <p:txBody>
-          <a:bodyPr wrap="square" rtlCol="0">
-            <a:spAutoFit/>
-          </a:bodyPr>
-          <a:lstStyle/>
-          <a:p>
-            <a:r>
-              <a:rPr lang="en-US" sz="3000" dirty="0"/>
-              <a:t>d)</a:t>
-            </a:r>
-          </a:p>
-        </p:txBody>
-      </p:sp>
     </p:spTree>
     <p:extLst>
       <p:ext uri="{BB962C8B-B14F-4D97-AF65-F5344CB8AC3E}">
-        <p14:creationId xmlns:p14="http://schemas.microsoft.com/office/powerpoint/2010/main" val="2175284940"/>
-      </p:ext>
-    </p:extLst>
-  </p:cSld>
-  <p:clrMapOvr>
-    <a:masterClrMapping/>
-  </p:clrMapOvr>
-</p:sld>
-</file>
-
-<file path=ppt/slides/slide8.xml><?xml version="1.0" encoding="utf-8"?>
-<p:sld xmlns:a="http://schemas.openxmlformats.org/drawingml/2006/main" xmlns:r="http://schemas.openxmlformats.org/officeDocument/2006/relationships" xmlns:p="http://schemas.openxmlformats.org/presentationml/2006/main">
-  <p:cSld>
-    <p:spTree>
-      <p:nvGrpSpPr>
-        <p:cNvPr id="1" name=""/>
-        <p:cNvGrpSpPr/>
-        <p:nvPr/>
-      </p:nvGrpSpPr>
-      <p:grpSpPr>
-        <a:xfrm>
-          <a:off x="0" y="0"/>
-          <a:ext cx="0" cy="0"/>
-          <a:chOff x="0" y="0"/>
-          <a:chExt cx="0" cy="0"/>
-        </a:xfrm>
-      </p:grpSpPr>
-      <p:pic>
-        <p:nvPicPr>
-          <p:cNvPr id="5" name="Picture 4" descr="Shape&#10;&#10;Description automatically generated">
-            <a:extLst>
-              <a:ext uri="{FF2B5EF4-FFF2-40B4-BE49-F238E27FC236}">
-                <a16:creationId xmlns:a16="http://schemas.microsoft.com/office/drawing/2014/main" id="{6FDDB792-2DF6-094D-99A8-FEE2A2F84B20}"/>
-              </a:ext>
-            </a:extLst>
-          </p:cNvPr>
-          <p:cNvPicPr>
-            <a:picLocks noChangeAspect="1"/>
-          </p:cNvPicPr>
-          <p:nvPr/>
-        </p:nvPicPr>
-        <p:blipFill>
-          <a:blip r:embed="rId2"/>
-          <a:stretch>
-            <a:fillRect/>
-          </a:stretch>
-        </p:blipFill>
-        <p:spPr>
-          <a:xfrm>
-            <a:off x="1530350" y="1191507"/>
-            <a:ext cx="3478068" cy="6485066"/>
-          </a:xfrm>
-          <a:prstGeom prst="rect">
-            <a:avLst/>
-          </a:prstGeom>
-        </p:spPr>
-      </p:pic>
-      <p:pic>
-        <p:nvPicPr>
-          <p:cNvPr id="7" name="Picture 6">
-            <a:extLst>
-              <a:ext uri="{FF2B5EF4-FFF2-40B4-BE49-F238E27FC236}">
-                <a16:creationId xmlns:a16="http://schemas.microsoft.com/office/drawing/2014/main" id="{C8B6F377-D5A2-B842-A6F3-65BF4A922C13}"/>
-              </a:ext>
-            </a:extLst>
-          </p:cNvPr>
-          <p:cNvPicPr>
-            <a:picLocks noChangeAspect="1"/>
-          </p:cNvPicPr>
-          <p:nvPr/>
-        </p:nvPicPr>
-        <p:blipFill>
-          <a:blip r:embed="rId3"/>
-          <a:stretch>
-            <a:fillRect/>
-          </a:stretch>
-        </p:blipFill>
-        <p:spPr>
-          <a:xfrm>
-            <a:off x="5340927" y="2646803"/>
-            <a:ext cx="6337510" cy="5029770"/>
-          </a:xfrm>
-          <a:prstGeom prst="rect">
-            <a:avLst/>
-          </a:prstGeom>
-        </p:spPr>
-      </p:pic>
-      <p:sp>
-        <p:nvSpPr>
-          <p:cNvPr id="8" name="Rectangle 7">
-            <a:extLst>
-              <a:ext uri="{FF2B5EF4-FFF2-40B4-BE49-F238E27FC236}">
-                <a16:creationId xmlns:a16="http://schemas.microsoft.com/office/drawing/2014/main" id="{3F1EDCA5-1E2F-D646-BCEA-23759B3AD5BC}"/>
-              </a:ext>
-            </a:extLst>
-          </p:cNvPr>
-          <p:cNvSpPr/>
-          <p:nvPr/>
-        </p:nvSpPr>
-        <p:spPr>
-          <a:xfrm>
-            <a:off x="1530350" y="955963"/>
-            <a:ext cx="3392424" cy="1690840"/>
-          </a:xfrm>
-          <a:prstGeom prst="rect">
-            <a:avLst/>
-          </a:prstGeom>
-          <a:solidFill>
-            <a:schemeClr val="bg1"/>
-          </a:solidFill>
-          <a:ln>
-            <a:solidFill>
-              <a:schemeClr val="bg1"/>
-            </a:solidFill>
-          </a:ln>
-        </p:spPr>
-        <p:style>
-          <a:lnRef idx="2">
-            <a:schemeClr val="accent1">
-              <a:shade val="50000"/>
-            </a:schemeClr>
-          </a:lnRef>
-          <a:fillRef idx="1">
-            <a:schemeClr val="accent1"/>
-          </a:fillRef>
-          <a:effectRef idx="0">
-            <a:schemeClr val="accent1"/>
-          </a:effectRef>
-          <a:fontRef idx="minor">
-            <a:schemeClr val="lt1"/>
-          </a:fontRef>
-        </p:style>
-        <p:txBody>
-          <a:bodyPr rtlCol="0" anchor="ctr"/>
-          <a:lstStyle/>
-          <a:p>
-            <a:pPr algn="ctr"/>
-            <a:endParaRPr lang="en-US"/>
-          </a:p>
-        </p:txBody>
-      </p:sp>
-      <p:pic>
-        <p:nvPicPr>
-          <p:cNvPr id="15" name="Picture 14" descr="Chart&#10;&#10;Description automatically generated with low confidence">
-            <a:extLst>
-              <a:ext uri="{FF2B5EF4-FFF2-40B4-BE49-F238E27FC236}">
-                <a16:creationId xmlns:a16="http://schemas.microsoft.com/office/drawing/2014/main" id="{416868A4-589A-F049-A7B3-D789496823B9}"/>
-              </a:ext>
-            </a:extLst>
-          </p:cNvPr>
-          <p:cNvPicPr>
-            <a:picLocks noChangeAspect="1"/>
-          </p:cNvPicPr>
-          <p:nvPr/>
-        </p:nvPicPr>
-        <p:blipFill rotWithShape="1">
-          <a:blip r:embed="rId4"/>
-          <a:srcRect l="7563" r="32685" b="14275"/>
-          <a:stretch/>
-        </p:blipFill>
-        <p:spPr>
-          <a:xfrm>
-            <a:off x="1842080" y="7912117"/>
-            <a:ext cx="2898083" cy="4425340"/>
-          </a:xfrm>
-          <a:prstGeom prst="rect">
-            <a:avLst/>
-          </a:prstGeom>
-        </p:spPr>
-      </p:pic>
-      <p:pic>
-        <p:nvPicPr>
-          <p:cNvPr id="16" name="Picture 15" descr="A picture containing text, ax, vector graphics&#10;&#10;Description automatically generated">
-            <a:extLst>
-              <a:ext uri="{FF2B5EF4-FFF2-40B4-BE49-F238E27FC236}">
-                <a16:creationId xmlns:a16="http://schemas.microsoft.com/office/drawing/2014/main" id="{F96C902E-3086-D947-99C5-48CC9593A66D}"/>
-              </a:ext>
-            </a:extLst>
-          </p:cNvPr>
-          <p:cNvPicPr>
-            <a:picLocks noChangeAspect="1"/>
-          </p:cNvPicPr>
-          <p:nvPr/>
-        </p:nvPicPr>
-        <p:blipFill rotWithShape="1">
-          <a:blip r:embed="rId5"/>
-          <a:srcRect l="15372" r="24878" b="14275"/>
-          <a:stretch/>
-        </p:blipFill>
-        <p:spPr>
-          <a:xfrm>
-            <a:off x="4740163" y="7912117"/>
-            <a:ext cx="2898083" cy="4425340"/>
-          </a:xfrm>
-          <a:prstGeom prst="rect">
-            <a:avLst/>
-          </a:prstGeom>
-        </p:spPr>
-      </p:pic>
-      <p:pic>
-        <p:nvPicPr>
-          <p:cNvPr id="17" name="Picture 16" descr="A picture containing shape&#10;&#10;Description automatically generated">
-            <a:extLst>
-              <a:ext uri="{FF2B5EF4-FFF2-40B4-BE49-F238E27FC236}">
-                <a16:creationId xmlns:a16="http://schemas.microsoft.com/office/drawing/2014/main" id="{64DB8537-E9C7-1B4F-A8A3-DA05C5956F35}"/>
-              </a:ext>
-            </a:extLst>
-          </p:cNvPr>
-          <p:cNvPicPr>
-            <a:picLocks noChangeAspect="1"/>
-          </p:cNvPicPr>
-          <p:nvPr/>
-        </p:nvPicPr>
-        <p:blipFill rotWithShape="1">
-          <a:blip r:embed="rId6"/>
-          <a:srcRect l="15372" r="24878" b="14275"/>
-          <a:stretch/>
-        </p:blipFill>
-        <p:spPr>
-          <a:xfrm>
-            <a:off x="7638246" y="7912117"/>
-            <a:ext cx="2898083" cy="4425340"/>
-          </a:xfrm>
-          <a:prstGeom prst="rect">
-            <a:avLst/>
-          </a:prstGeom>
-        </p:spPr>
-      </p:pic>
-      <p:pic>
-        <p:nvPicPr>
-          <p:cNvPr id="19" name="Picture 18" descr="A picture containing shape&#10;&#10;Description automatically generated">
-            <a:extLst>
-              <a:ext uri="{FF2B5EF4-FFF2-40B4-BE49-F238E27FC236}">
-                <a16:creationId xmlns:a16="http://schemas.microsoft.com/office/drawing/2014/main" id="{CEBA0BF1-3AEF-F344-8382-4C84B019F44B}"/>
-              </a:ext>
-            </a:extLst>
-          </p:cNvPr>
-          <p:cNvPicPr>
-            <a:picLocks noChangeAspect="1"/>
-          </p:cNvPicPr>
-          <p:nvPr/>
-        </p:nvPicPr>
-        <p:blipFill rotWithShape="1">
-          <a:blip r:embed="rId6"/>
-          <a:srcRect l="74980" t="62376" r="-259" b="-1023"/>
-          <a:stretch/>
-        </p:blipFill>
-        <p:spPr>
-          <a:xfrm>
-            <a:off x="10582560" y="9075898"/>
-            <a:ext cx="1526630" cy="2484006"/>
-          </a:xfrm>
-          <a:prstGeom prst="rect">
-            <a:avLst/>
-          </a:prstGeom>
-        </p:spPr>
-      </p:pic>
-      <p:sp>
-        <p:nvSpPr>
-          <p:cNvPr id="20" name="TextBox 19">
-            <a:extLst>
-              <a:ext uri="{FF2B5EF4-FFF2-40B4-BE49-F238E27FC236}">
-                <a16:creationId xmlns:a16="http://schemas.microsoft.com/office/drawing/2014/main" id="{E8F2FE10-A32C-2A4E-A264-41352FD0A4C2}"/>
-              </a:ext>
-            </a:extLst>
-          </p:cNvPr>
-          <p:cNvSpPr txBox="1"/>
-          <p:nvPr/>
-        </p:nvSpPr>
-        <p:spPr>
-          <a:xfrm>
-            <a:off x="1228195" y="6858000"/>
-            <a:ext cx="1240328" cy="553998"/>
-          </a:xfrm>
-          <a:prstGeom prst="rect">
-            <a:avLst/>
-          </a:prstGeom>
-          <a:noFill/>
-        </p:spPr>
-        <p:txBody>
-          <a:bodyPr wrap="square" rtlCol="0">
-            <a:spAutoFit/>
-          </a:bodyPr>
-          <a:lstStyle/>
-          <a:p>
-            <a:r>
-              <a:rPr lang="en-US" sz="3000" dirty="0"/>
-              <a:t>a)</a:t>
-            </a:r>
-          </a:p>
-        </p:txBody>
-      </p:sp>
-      <p:sp>
-        <p:nvSpPr>
-          <p:cNvPr id="21" name="TextBox 20">
-            <a:extLst>
-              <a:ext uri="{FF2B5EF4-FFF2-40B4-BE49-F238E27FC236}">
-                <a16:creationId xmlns:a16="http://schemas.microsoft.com/office/drawing/2014/main" id="{E7B5BA10-F87A-9C48-A16E-16D0C613D56B}"/>
-              </a:ext>
-            </a:extLst>
-          </p:cNvPr>
-          <p:cNvSpPr txBox="1"/>
-          <p:nvPr/>
-        </p:nvSpPr>
-        <p:spPr>
-          <a:xfrm>
-            <a:off x="4948876" y="6858000"/>
-            <a:ext cx="1240328" cy="553998"/>
-          </a:xfrm>
-          <a:prstGeom prst="rect">
-            <a:avLst/>
-          </a:prstGeom>
-          <a:noFill/>
-        </p:spPr>
-        <p:txBody>
-          <a:bodyPr wrap="square" rtlCol="0">
-            <a:spAutoFit/>
-          </a:bodyPr>
-          <a:lstStyle/>
-          <a:p>
-            <a:r>
-              <a:rPr lang="en-US" sz="3000" dirty="0"/>
-              <a:t>b)</a:t>
-            </a:r>
-          </a:p>
-        </p:txBody>
-      </p:sp>
-      <p:sp>
-        <p:nvSpPr>
-          <p:cNvPr id="22" name="TextBox 21">
-            <a:extLst>
-              <a:ext uri="{FF2B5EF4-FFF2-40B4-BE49-F238E27FC236}">
-                <a16:creationId xmlns:a16="http://schemas.microsoft.com/office/drawing/2014/main" id="{93D7F03B-38CB-5845-BDEE-75DAC9AD68B8}"/>
-              </a:ext>
-            </a:extLst>
-          </p:cNvPr>
-          <p:cNvSpPr txBox="1"/>
-          <p:nvPr/>
-        </p:nvSpPr>
-        <p:spPr>
-          <a:xfrm>
-            <a:off x="1228195" y="11559904"/>
-            <a:ext cx="1240328" cy="553998"/>
-          </a:xfrm>
-          <a:prstGeom prst="rect">
-            <a:avLst/>
-          </a:prstGeom>
-          <a:noFill/>
-        </p:spPr>
-        <p:txBody>
-          <a:bodyPr wrap="square" rtlCol="0">
-            <a:spAutoFit/>
-          </a:bodyPr>
-          <a:lstStyle/>
-          <a:p>
-            <a:r>
-              <a:rPr lang="en-US" sz="3000" dirty="0"/>
-              <a:t>c)</a:t>
-            </a:r>
-          </a:p>
-        </p:txBody>
-      </p:sp>
-    </p:spTree>
-    <p:extLst>
-      <p:ext uri="{BB962C8B-B14F-4D97-AF65-F5344CB8AC3E}">
-        <p14:creationId xmlns:p14="http://schemas.microsoft.com/office/powerpoint/2010/main" val="3366717966"/>
+        <p14:creationId xmlns:p14="http://schemas.microsoft.com/office/powerpoint/2010/main" val="1029848698"/>
       </p:ext>
     </p:extLst>
   </p:cSld>
@@ -9356,10 +9140,345 @@
           <a:chExt cx="0" cy="0"/>
         </a:xfrm>
       </p:grpSpPr>
+      <p:pic>
+        <p:nvPicPr>
+          <p:cNvPr id="5" name="Picture 4" descr="Shape&#10;&#10;Description automatically generated">
+            <a:extLst>
+              <a:ext uri="{FF2B5EF4-FFF2-40B4-BE49-F238E27FC236}">
+                <a16:creationId xmlns:a16="http://schemas.microsoft.com/office/drawing/2014/main" id="{6FDDB792-2DF6-094D-99A8-FEE2A2F84B20}"/>
+              </a:ext>
+            </a:extLst>
+          </p:cNvPr>
+          <p:cNvPicPr>
+            <a:picLocks noChangeAspect="1"/>
+          </p:cNvPicPr>
+          <p:nvPr/>
+        </p:nvPicPr>
+        <p:blipFill>
+          <a:blip r:embed="rId2"/>
+          <a:stretch>
+            <a:fillRect/>
+          </a:stretch>
+        </p:blipFill>
+        <p:spPr>
+          <a:xfrm>
+            <a:off x="1530350" y="1191507"/>
+            <a:ext cx="3478068" cy="6485066"/>
+          </a:xfrm>
+          <a:prstGeom prst="rect">
+            <a:avLst/>
+          </a:prstGeom>
+        </p:spPr>
+      </p:pic>
+      <p:pic>
+        <p:nvPicPr>
+          <p:cNvPr id="7" name="Picture 6">
+            <a:extLst>
+              <a:ext uri="{FF2B5EF4-FFF2-40B4-BE49-F238E27FC236}">
+                <a16:creationId xmlns:a16="http://schemas.microsoft.com/office/drawing/2014/main" id="{C8B6F377-D5A2-B842-A6F3-65BF4A922C13}"/>
+              </a:ext>
+            </a:extLst>
+          </p:cNvPr>
+          <p:cNvPicPr>
+            <a:picLocks noChangeAspect="1"/>
+          </p:cNvPicPr>
+          <p:nvPr/>
+        </p:nvPicPr>
+        <p:blipFill>
+          <a:blip r:embed="rId3"/>
+          <a:stretch>
+            <a:fillRect/>
+          </a:stretch>
+        </p:blipFill>
+        <p:spPr>
+          <a:xfrm>
+            <a:off x="5340927" y="2646803"/>
+            <a:ext cx="6337510" cy="5029770"/>
+          </a:xfrm>
+          <a:prstGeom prst="rect">
+            <a:avLst/>
+          </a:prstGeom>
+        </p:spPr>
+      </p:pic>
+      <p:sp>
+        <p:nvSpPr>
+          <p:cNvPr id="8" name="Rectangle 7">
+            <a:extLst>
+              <a:ext uri="{FF2B5EF4-FFF2-40B4-BE49-F238E27FC236}">
+                <a16:creationId xmlns:a16="http://schemas.microsoft.com/office/drawing/2014/main" id="{3F1EDCA5-1E2F-D646-BCEA-23759B3AD5BC}"/>
+              </a:ext>
+            </a:extLst>
+          </p:cNvPr>
+          <p:cNvSpPr/>
+          <p:nvPr/>
+        </p:nvSpPr>
+        <p:spPr>
+          <a:xfrm>
+            <a:off x="1530350" y="955963"/>
+            <a:ext cx="3392424" cy="1690840"/>
+          </a:xfrm>
+          <a:prstGeom prst="rect">
+            <a:avLst/>
+          </a:prstGeom>
+          <a:solidFill>
+            <a:schemeClr val="bg1"/>
+          </a:solidFill>
+          <a:ln>
+            <a:solidFill>
+              <a:schemeClr val="bg1"/>
+            </a:solidFill>
+          </a:ln>
+        </p:spPr>
+        <p:style>
+          <a:lnRef idx="2">
+            <a:schemeClr val="accent1">
+              <a:shade val="50000"/>
+            </a:schemeClr>
+          </a:lnRef>
+          <a:fillRef idx="1">
+            <a:schemeClr val="accent1"/>
+          </a:fillRef>
+          <a:effectRef idx="0">
+            <a:schemeClr val="accent1"/>
+          </a:effectRef>
+          <a:fontRef idx="minor">
+            <a:schemeClr val="lt1"/>
+          </a:fontRef>
+        </p:style>
+        <p:txBody>
+          <a:bodyPr rtlCol="0" anchor="ctr"/>
+          <a:lstStyle/>
+          <a:p>
+            <a:pPr algn="ctr"/>
+            <a:endParaRPr lang="en-US"/>
+          </a:p>
+        </p:txBody>
+      </p:sp>
+      <p:pic>
+        <p:nvPicPr>
+          <p:cNvPr id="15" name="Picture 14" descr="Chart&#10;&#10;Description automatically generated with low confidence">
+            <a:extLst>
+              <a:ext uri="{FF2B5EF4-FFF2-40B4-BE49-F238E27FC236}">
+                <a16:creationId xmlns:a16="http://schemas.microsoft.com/office/drawing/2014/main" id="{416868A4-589A-F049-A7B3-D789496823B9}"/>
+              </a:ext>
+            </a:extLst>
+          </p:cNvPr>
+          <p:cNvPicPr>
+            <a:picLocks noChangeAspect="1"/>
+          </p:cNvPicPr>
+          <p:nvPr/>
+        </p:nvPicPr>
+        <p:blipFill rotWithShape="1">
+          <a:blip r:embed="rId4"/>
+          <a:srcRect l="7563" r="32685" b="14275"/>
+          <a:stretch/>
+        </p:blipFill>
+        <p:spPr>
+          <a:xfrm>
+            <a:off x="1842080" y="7912117"/>
+            <a:ext cx="2898083" cy="4425340"/>
+          </a:xfrm>
+          <a:prstGeom prst="rect">
+            <a:avLst/>
+          </a:prstGeom>
+        </p:spPr>
+      </p:pic>
+      <p:pic>
+        <p:nvPicPr>
+          <p:cNvPr id="16" name="Picture 15" descr="A picture containing text, ax, vector graphics&#10;&#10;Description automatically generated">
+            <a:extLst>
+              <a:ext uri="{FF2B5EF4-FFF2-40B4-BE49-F238E27FC236}">
+                <a16:creationId xmlns:a16="http://schemas.microsoft.com/office/drawing/2014/main" id="{F96C902E-3086-D947-99C5-48CC9593A66D}"/>
+              </a:ext>
+            </a:extLst>
+          </p:cNvPr>
+          <p:cNvPicPr>
+            <a:picLocks noChangeAspect="1"/>
+          </p:cNvPicPr>
+          <p:nvPr/>
+        </p:nvPicPr>
+        <p:blipFill rotWithShape="1">
+          <a:blip r:embed="rId5"/>
+          <a:srcRect l="15372" r="24878" b="14275"/>
+          <a:stretch/>
+        </p:blipFill>
+        <p:spPr>
+          <a:xfrm>
+            <a:off x="4740163" y="7912117"/>
+            <a:ext cx="2898083" cy="4425340"/>
+          </a:xfrm>
+          <a:prstGeom prst="rect">
+            <a:avLst/>
+          </a:prstGeom>
+        </p:spPr>
+      </p:pic>
+      <p:pic>
+        <p:nvPicPr>
+          <p:cNvPr id="17" name="Picture 16" descr="A picture containing shape&#10;&#10;Description automatically generated">
+            <a:extLst>
+              <a:ext uri="{FF2B5EF4-FFF2-40B4-BE49-F238E27FC236}">
+                <a16:creationId xmlns:a16="http://schemas.microsoft.com/office/drawing/2014/main" id="{64DB8537-E9C7-1B4F-A8A3-DA05C5956F35}"/>
+              </a:ext>
+            </a:extLst>
+          </p:cNvPr>
+          <p:cNvPicPr>
+            <a:picLocks noChangeAspect="1"/>
+          </p:cNvPicPr>
+          <p:nvPr/>
+        </p:nvPicPr>
+        <p:blipFill rotWithShape="1">
+          <a:blip r:embed="rId6"/>
+          <a:srcRect l="15372" r="24878" b="14275"/>
+          <a:stretch/>
+        </p:blipFill>
+        <p:spPr>
+          <a:xfrm>
+            <a:off x="7638246" y="7912117"/>
+            <a:ext cx="2898083" cy="4425340"/>
+          </a:xfrm>
+          <a:prstGeom prst="rect">
+            <a:avLst/>
+          </a:prstGeom>
+        </p:spPr>
+      </p:pic>
+      <p:pic>
+        <p:nvPicPr>
+          <p:cNvPr id="19" name="Picture 18" descr="A picture containing shape&#10;&#10;Description automatically generated">
+            <a:extLst>
+              <a:ext uri="{FF2B5EF4-FFF2-40B4-BE49-F238E27FC236}">
+                <a16:creationId xmlns:a16="http://schemas.microsoft.com/office/drawing/2014/main" id="{CEBA0BF1-3AEF-F344-8382-4C84B019F44B}"/>
+              </a:ext>
+            </a:extLst>
+          </p:cNvPr>
+          <p:cNvPicPr>
+            <a:picLocks noChangeAspect="1"/>
+          </p:cNvPicPr>
+          <p:nvPr/>
+        </p:nvPicPr>
+        <p:blipFill rotWithShape="1">
+          <a:blip r:embed="rId6"/>
+          <a:srcRect l="74980" t="62376" r="-259" b="-1023"/>
+          <a:stretch/>
+        </p:blipFill>
+        <p:spPr>
+          <a:xfrm>
+            <a:off x="10582560" y="9075898"/>
+            <a:ext cx="1526630" cy="2484006"/>
+          </a:xfrm>
+          <a:prstGeom prst="rect">
+            <a:avLst/>
+          </a:prstGeom>
+        </p:spPr>
+      </p:pic>
+      <p:sp>
+        <p:nvSpPr>
+          <p:cNvPr id="20" name="TextBox 19">
+            <a:extLst>
+              <a:ext uri="{FF2B5EF4-FFF2-40B4-BE49-F238E27FC236}">
+                <a16:creationId xmlns:a16="http://schemas.microsoft.com/office/drawing/2014/main" id="{E8F2FE10-A32C-2A4E-A264-41352FD0A4C2}"/>
+              </a:ext>
+            </a:extLst>
+          </p:cNvPr>
+          <p:cNvSpPr txBox="1"/>
+          <p:nvPr/>
+        </p:nvSpPr>
+        <p:spPr>
+          <a:xfrm>
+            <a:off x="1228195" y="6858000"/>
+            <a:ext cx="1240328" cy="553998"/>
+          </a:xfrm>
+          <a:prstGeom prst="rect">
+            <a:avLst/>
+          </a:prstGeom>
+          <a:noFill/>
+        </p:spPr>
+        <p:txBody>
+          <a:bodyPr wrap="square" rtlCol="0">
+            <a:spAutoFit/>
+          </a:bodyPr>
+          <a:lstStyle/>
+          <a:p>
+            <a:r>
+              <a:rPr lang="en-US" sz="3000" dirty="0"/>
+              <a:t>a)</a:t>
+            </a:r>
+          </a:p>
+        </p:txBody>
+      </p:sp>
+      <p:sp>
+        <p:nvSpPr>
+          <p:cNvPr id="21" name="TextBox 20">
+            <a:extLst>
+              <a:ext uri="{FF2B5EF4-FFF2-40B4-BE49-F238E27FC236}">
+                <a16:creationId xmlns:a16="http://schemas.microsoft.com/office/drawing/2014/main" id="{E7B5BA10-F87A-9C48-A16E-16D0C613D56B}"/>
+              </a:ext>
+            </a:extLst>
+          </p:cNvPr>
+          <p:cNvSpPr txBox="1"/>
+          <p:nvPr/>
+        </p:nvSpPr>
+        <p:spPr>
+          <a:xfrm>
+            <a:off x="4948876" y="6858000"/>
+            <a:ext cx="1240328" cy="553998"/>
+          </a:xfrm>
+          <a:prstGeom prst="rect">
+            <a:avLst/>
+          </a:prstGeom>
+          <a:noFill/>
+        </p:spPr>
+        <p:txBody>
+          <a:bodyPr wrap="square" rtlCol="0">
+            <a:spAutoFit/>
+          </a:bodyPr>
+          <a:lstStyle/>
+          <a:p>
+            <a:r>
+              <a:rPr lang="en-US" sz="3000" dirty="0"/>
+              <a:t>b)</a:t>
+            </a:r>
+          </a:p>
+        </p:txBody>
+      </p:sp>
+      <p:sp>
+        <p:nvSpPr>
+          <p:cNvPr id="22" name="TextBox 21">
+            <a:extLst>
+              <a:ext uri="{FF2B5EF4-FFF2-40B4-BE49-F238E27FC236}">
+                <a16:creationId xmlns:a16="http://schemas.microsoft.com/office/drawing/2014/main" id="{93D7F03B-38CB-5845-BDEE-75DAC9AD68B8}"/>
+              </a:ext>
+            </a:extLst>
+          </p:cNvPr>
+          <p:cNvSpPr txBox="1"/>
+          <p:nvPr/>
+        </p:nvSpPr>
+        <p:spPr>
+          <a:xfrm>
+            <a:off x="1228195" y="11559904"/>
+            <a:ext cx="1240328" cy="553998"/>
+          </a:xfrm>
+          <a:prstGeom prst="rect">
+            <a:avLst/>
+          </a:prstGeom>
+          <a:noFill/>
+        </p:spPr>
+        <p:txBody>
+          <a:bodyPr wrap="square" rtlCol="0">
+            <a:spAutoFit/>
+          </a:bodyPr>
+          <a:lstStyle/>
+          <a:p>
+            <a:r>
+              <a:rPr lang="en-US" sz="3000" dirty="0"/>
+              <a:t>c)</a:t>
+            </a:r>
+          </a:p>
+        </p:txBody>
+      </p:sp>
     </p:spTree>
     <p:extLst>
       <p:ext uri="{BB962C8B-B14F-4D97-AF65-F5344CB8AC3E}">
-        <p14:creationId xmlns:p14="http://schemas.microsoft.com/office/powerpoint/2010/main" val="1029848698"/>
+        <p14:creationId xmlns:p14="http://schemas.microsoft.com/office/powerpoint/2010/main" val="3366717966"/>
       </p:ext>
     </p:extLst>
   </p:cSld>
